--- a/poster_RobotMusic.pptx
+++ b/poster_RobotMusic.pptx
@@ -3510,41 +3510,44 @@
       </p:grpSpPr>
       <p:sp>
         <p:nvSpPr>
-          <p:cNvPr id="4" name="Rectangle 3"/>
+          <p:cNvPr id="28" name="Rectangle 27"/>
           <p:cNvSpPr/>
           <p:nvPr/>
         </p:nvSpPr>
         <p:spPr>
           <a:xfrm>
-            <a:off x="0" y="1"/>
-            <a:ext cx="27432000" cy="3229429"/>
+            <a:off x="2743200" y="425080"/>
+            <a:ext cx="21945600" cy="1973652"/>
           </a:xfrm>
           <a:prstGeom prst="rect">
             <a:avLst/>
           </a:prstGeom>
+          <a:solidFill>
+            <a:srgbClr val="8C1515"/>
+          </a:solidFill>
         </p:spPr>
         <p:style>
           <a:lnRef idx="2">
-            <a:schemeClr val="accent1">
+            <a:schemeClr val="accent2">
               <a:shade val="50000"/>
             </a:schemeClr>
           </a:lnRef>
           <a:fillRef idx="1">
-            <a:schemeClr val="accent1"/>
+            <a:schemeClr val="accent2"/>
           </a:fillRef>
           <a:effectRef idx="0">
-            <a:schemeClr val="accent1"/>
+            <a:schemeClr val="accent2"/>
           </a:effectRef>
           <a:fontRef idx="minor">
             <a:schemeClr val="lt1"/>
           </a:fontRef>
         </p:style>
         <p:txBody>
-          <a:bodyPr lIns="66637" tIns="33318" rIns="66637" bIns="33318" rtlCol="0" anchor="ctr"/>
+          <a:bodyPr rtlCol="0" anchor="ctr"/>
           <a:lstStyle/>
           <a:p>
             <a:pPr algn="ctr"/>
-            <a:endParaRPr lang="en-US"/>
+            <a:endParaRPr lang="en-US" dirty="0"/>
           </a:p>
         </p:txBody>
       </p:sp>
@@ -3562,18 +3565,21 @@
           <a:prstGeom prst="rect">
             <a:avLst/>
           </a:prstGeom>
+          <a:solidFill>
+            <a:srgbClr val="C00000"/>
+          </a:solidFill>
         </p:spPr>
         <p:style>
           <a:lnRef idx="2">
-            <a:schemeClr val="accent1">
+            <a:schemeClr val="accent4">
               <a:shade val="50000"/>
             </a:schemeClr>
           </a:lnRef>
           <a:fillRef idx="1">
-            <a:schemeClr val="accent1"/>
+            <a:schemeClr val="accent4"/>
           </a:fillRef>
           <a:effectRef idx="0">
-            <a:schemeClr val="accent1"/>
+            <a:schemeClr val="accent4"/>
           </a:effectRef>
           <a:fontRef idx="minor">
             <a:schemeClr val="lt1"/>
@@ -3596,15 +3602,16 @@
         </p:nvSpPr>
         <p:spPr>
           <a:xfrm>
-            <a:off x="0" y="786241"/>
-            <a:ext cx="27432000" cy="1898559"/>
+            <a:off x="3505200" y="485711"/>
+            <a:ext cx="20421600" cy="1852391"/>
           </a:xfrm>
           <a:prstGeom prst="rect">
             <a:avLst/>
           </a:prstGeom>
-          <a:solidFill>
-            <a:schemeClr val="accent2"/>
-          </a:solidFill>
+          <a:noFill/>
+          <a:ln>
+            <a:noFill/>
+          </a:ln>
         </p:spPr>
         <p:txBody>
           <a:bodyPr wrap="square" lIns="66637" tIns="33318" rIns="66637" bIns="33318" rtlCol="0">
@@ -3614,60 +3621,65 @@
           <a:p>
             <a:pPr algn="ctr"/>
             <a:r>
-              <a:rPr lang="en-US" sz="11900" b="1" dirty="0" smtClean="0">
+              <a:rPr lang="en-US" sz="7200" dirty="0" smtClean="0">
+                <a:solidFill>
+                  <a:schemeClr val="bg1"/>
+                </a:solidFill>
                 <a:latin typeface="+mj-lt"/>
+                <a:cs typeface="Helvetica" panose="020B0604020202020204" pitchFamily="34" charset="0"/>
               </a:rPr>
-              <a:t>The Title Goes Here</a:t>
-            </a:r>
-            <a:endParaRPr lang="en-US" sz="11900" b="1" dirty="0">
-              <a:latin typeface="+mj-lt"/>
-            </a:endParaRPr>
-          </a:p>
-        </p:txBody>
-      </p:sp>
-      <p:sp>
-        <p:nvSpPr>
-          <p:cNvPr id="12" name="TextBox 11"/>
-          <p:cNvSpPr txBox="1"/>
-          <p:nvPr/>
+              <a:t>Robot Music: Beat Generation with Factor Graphs</a:t>
+            </a:r>
+          </a:p>
+          <a:p>
+            <a:pPr algn="ctr"/>
+            <a:r>
+              <a:rPr lang="en-US" sz="4400" dirty="0" smtClean="0">
+                <a:solidFill>
+                  <a:schemeClr val="bg1"/>
+                </a:solidFill>
+                <a:latin typeface="+mj-lt"/>
+                <a:cs typeface="Helvetica" panose="020B0604020202020204" pitchFamily="34" charset="0"/>
+              </a:rPr>
+              <a:t>Han Lin Aung, Justin Xu, </a:t>
+            </a:r>
+            <a:r>
+              <a:rPr lang="en-US" sz="4400" dirty="0" err="1" smtClean="0">
+                <a:solidFill>
+                  <a:schemeClr val="bg1"/>
+                </a:solidFill>
+                <a:latin typeface="+mj-lt"/>
+                <a:cs typeface="Helvetica" panose="020B0604020202020204" pitchFamily="34" charset="0"/>
+              </a:rPr>
+              <a:t>Sicheng</a:t>
+            </a:r>
+            <a:r>
+              <a:rPr lang="en-US" sz="4400" dirty="0" smtClean="0">
+                <a:solidFill>
+                  <a:schemeClr val="bg1"/>
+                </a:solidFill>
+                <a:latin typeface="+mj-lt"/>
+                <a:cs typeface="Helvetica" panose="020B0604020202020204" pitchFamily="34" charset="0"/>
+              </a:rPr>
+              <a:t> Zeng</a:t>
+            </a:r>
+          </a:p>
+        </p:txBody>
+      </p:sp>
+      <p:sp>
+        <p:nvSpPr>
+          <p:cNvPr id="34" name="Text Placeholder 33"/>
+          <p:cNvSpPr txBox="1">
+            <a:spLocks noGrp="1"/>
+          </p:cNvSpPr>
+          <p:nvPr>
+            <p:ph type="body" sz="half" idx="2"/>
+          </p:nvPr>
         </p:nvSpPr>
         <p:spPr>
           <a:xfrm>
-            <a:off x="0" y="2279625"/>
-            <a:ext cx="27432000" cy="1006007"/>
-          </a:xfrm>
-          <a:prstGeom prst="rect">
-            <a:avLst/>
-          </a:prstGeom>
-          <a:solidFill>
-            <a:schemeClr val="bg2"/>
-          </a:solidFill>
-        </p:spPr>
-        <p:txBody>
-          <a:bodyPr wrap="square" lIns="66637" tIns="33318" rIns="66637" bIns="33318" rtlCol="0">
-            <a:spAutoFit/>
-          </a:bodyPr>
-          <a:lstStyle/>
-          <a:p>
-            <a:pPr algn="ctr"/>
-            <a:r>
-              <a:rPr lang="en-US" sz="6100" dirty="0" smtClean="0"/>
-              <a:t>The byline, subtitle, etc., goes here.</a:t>
-            </a:r>
-            <a:endParaRPr lang="en-US" sz="6100" dirty="0"/>
-          </a:p>
-        </p:txBody>
-      </p:sp>
-      <p:sp>
-        <p:nvSpPr>
-          <p:cNvPr id="33" name="TextBox 32"/>
-          <p:cNvSpPr txBox="1"/>
-          <p:nvPr/>
-        </p:nvSpPr>
-        <p:spPr>
-          <a:xfrm>
-            <a:off x="10668000" y="9677400"/>
-            <a:ext cx="15430500" cy="7142603"/>
+            <a:off x="916781" y="4114800"/>
+            <a:ext cx="13637418" cy="1894141"/>
           </a:xfrm>
           <a:prstGeom prst="rect">
             <a:avLst/>
@@ -3688,1025 +3700,157 @@
           </a:fontRef>
         </p:style>
         <p:txBody>
-          <a:bodyPr wrap="square" lIns="108846" tIns="54423" rIns="108846" bIns="54423" rtlCol="0">
+          <a:bodyPr wrap="square" rtlCol="0">
             <a:spAutoFit/>
           </a:bodyPr>
           <a:lstStyle/>
           <a:p>
-            <a:pPr algn="ctr"/>
-            <a:r>
-              <a:rPr lang="en-US" dirty="0" smtClean="0"/>
-              <a:t>Click to add text</a:t>
-            </a:r>
-          </a:p>
-          <a:p>
             <a:pPr algn="just"/>
             <a:r>
-              <a:rPr lang="en-US" sz="2900" dirty="0" err="1" smtClean="0"/>
-              <a:t>Lorem</a:t>
-            </a:r>
-            <a:r>
-              <a:rPr lang="en-US" sz="2900" dirty="0" smtClean="0"/>
-              <a:t> </a:t>
-            </a:r>
-            <a:r>
-              <a:rPr lang="en-US" sz="2900" dirty="0" err="1" smtClean="0"/>
-              <a:t>ipsum</a:t>
-            </a:r>
-            <a:r>
-              <a:rPr lang="en-US" sz="2900" dirty="0" smtClean="0"/>
-              <a:t> dolor sit </a:t>
-            </a:r>
-            <a:r>
-              <a:rPr lang="en-US" sz="2900" dirty="0" err="1" smtClean="0"/>
-              <a:t>amet</a:t>
-            </a:r>
-            <a:r>
-              <a:rPr lang="en-US" sz="2900" dirty="0" smtClean="0"/>
-              <a:t>, </a:t>
-            </a:r>
-            <a:r>
-              <a:rPr lang="en-US" sz="2900" dirty="0" err="1" smtClean="0"/>
-              <a:t>consectetur</a:t>
-            </a:r>
-            <a:r>
-              <a:rPr lang="en-US" sz="2900" dirty="0" smtClean="0"/>
-              <a:t> </a:t>
-            </a:r>
-            <a:r>
-              <a:rPr lang="en-US" sz="2900" dirty="0" err="1" smtClean="0"/>
-              <a:t>adipiscing</a:t>
-            </a:r>
-            <a:r>
-              <a:rPr lang="en-US" sz="2900" dirty="0" smtClean="0"/>
-              <a:t> </a:t>
-            </a:r>
-            <a:r>
-              <a:rPr lang="en-US" sz="2900" dirty="0" err="1" smtClean="0"/>
-              <a:t>elit</a:t>
-            </a:r>
-            <a:r>
-              <a:rPr lang="en-US" sz="2900" dirty="0" smtClean="0"/>
-              <a:t>. </a:t>
-            </a:r>
-            <a:r>
-              <a:rPr lang="en-US" sz="2900" dirty="0" err="1" smtClean="0"/>
-              <a:t>Duis</a:t>
-            </a:r>
-            <a:r>
-              <a:rPr lang="en-US" sz="2900" dirty="0" smtClean="0"/>
-              <a:t> </a:t>
-            </a:r>
-            <a:r>
-              <a:rPr lang="en-US" sz="2900" dirty="0" err="1" smtClean="0"/>
-              <a:t>rhoncus</a:t>
-            </a:r>
-            <a:r>
-              <a:rPr lang="en-US" sz="2900" dirty="0" smtClean="0"/>
-              <a:t> </a:t>
-            </a:r>
-            <a:r>
-              <a:rPr lang="en-US" sz="2900" dirty="0" err="1" smtClean="0"/>
-              <a:t>consectetur</a:t>
-            </a:r>
-            <a:r>
-              <a:rPr lang="en-US" sz="2900" dirty="0" smtClean="0"/>
-              <a:t> </a:t>
-            </a:r>
-            <a:r>
-              <a:rPr lang="en-US" sz="2900" dirty="0" err="1" smtClean="0"/>
-              <a:t>faucibus</a:t>
-            </a:r>
-            <a:r>
-              <a:rPr lang="en-US" sz="2900" dirty="0" smtClean="0"/>
-              <a:t>. </a:t>
-            </a:r>
-            <a:r>
-              <a:rPr lang="en-US" sz="2900" dirty="0" err="1" smtClean="0"/>
-              <a:t>Suspendisse</a:t>
-            </a:r>
-            <a:r>
-              <a:rPr lang="en-US" sz="2900" dirty="0" smtClean="0"/>
-              <a:t> </a:t>
-            </a:r>
-            <a:r>
-              <a:rPr lang="en-US" sz="2900" dirty="0" err="1" smtClean="0"/>
-              <a:t>potenti</a:t>
-            </a:r>
-            <a:r>
-              <a:rPr lang="en-US" sz="2900" dirty="0" smtClean="0"/>
-              <a:t>. </a:t>
-            </a:r>
-            <a:r>
-              <a:rPr lang="en-US" sz="2900" dirty="0" err="1" smtClean="0"/>
-              <a:t>Praesent</a:t>
-            </a:r>
-            <a:r>
-              <a:rPr lang="en-US" sz="2900" dirty="0" smtClean="0"/>
-              <a:t> sit </a:t>
-            </a:r>
-            <a:r>
-              <a:rPr lang="en-US" sz="2900" dirty="0" err="1" smtClean="0"/>
-              <a:t>amet</a:t>
-            </a:r>
-            <a:r>
-              <a:rPr lang="en-US" sz="2900" dirty="0" smtClean="0"/>
-              <a:t> </a:t>
-            </a:r>
-            <a:r>
-              <a:rPr lang="en-US" sz="2900" dirty="0" err="1" smtClean="0"/>
-              <a:t>elit</a:t>
-            </a:r>
-            <a:r>
-              <a:rPr lang="en-US" sz="2900" dirty="0" smtClean="0"/>
-              <a:t> </a:t>
-            </a:r>
-            <a:r>
-              <a:rPr lang="en-US" sz="2900" dirty="0" err="1" smtClean="0"/>
-              <a:t>lorem</a:t>
-            </a:r>
-            <a:r>
-              <a:rPr lang="en-US" sz="2900" dirty="0" smtClean="0"/>
-              <a:t>, </a:t>
-            </a:r>
-            <a:r>
-              <a:rPr lang="en-US" sz="2900" dirty="0" err="1" smtClean="0"/>
-              <a:t>nec</a:t>
-            </a:r>
-            <a:r>
-              <a:rPr lang="en-US" sz="2900" dirty="0" smtClean="0"/>
-              <a:t> </a:t>
-            </a:r>
-            <a:r>
-              <a:rPr lang="en-US" sz="2900" dirty="0" err="1" smtClean="0"/>
-              <a:t>varius</a:t>
-            </a:r>
-            <a:r>
-              <a:rPr lang="en-US" sz="2900" dirty="0" smtClean="0"/>
-              <a:t> </a:t>
-            </a:r>
-            <a:r>
-              <a:rPr lang="en-US" sz="2900" dirty="0" err="1" smtClean="0"/>
-              <a:t>mauris</a:t>
-            </a:r>
-            <a:r>
-              <a:rPr lang="en-US" sz="2900" dirty="0" smtClean="0"/>
-              <a:t>. Maecenas at </a:t>
-            </a:r>
-            <a:r>
-              <a:rPr lang="en-US" sz="2900" dirty="0" err="1" smtClean="0"/>
-              <a:t>convallis</a:t>
-            </a:r>
-            <a:r>
-              <a:rPr lang="en-US" sz="2900" dirty="0" smtClean="0"/>
-              <a:t> </a:t>
-            </a:r>
-            <a:r>
-              <a:rPr lang="en-US" sz="2900" dirty="0" err="1" smtClean="0"/>
-              <a:t>eros</a:t>
-            </a:r>
-            <a:r>
-              <a:rPr lang="en-US" sz="2900" dirty="0" smtClean="0"/>
-              <a:t>. </a:t>
-            </a:r>
-            <a:r>
-              <a:rPr lang="en-US" sz="2900" dirty="0" err="1" smtClean="0"/>
-              <a:t>Donec</a:t>
-            </a:r>
-            <a:r>
-              <a:rPr lang="en-US" sz="2900" dirty="0" smtClean="0"/>
-              <a:t> </a:t>
-            </a:r>
-            <a:r>
-              <a:rPr lang="en-US" sz="2900" dirty="0" err="1" smtClean="0"/>
-              <a:t>accumsan</a:t>
-            </a:r>
-            <a:r>
-              <a:rPr lang="en-US" sz="2900" dirty="0" smtClean="0"/>
-              <a:t>, </a:t>
-            </a:r>
-            <a:r>
-              <a:rPr lang="en-US" sz="2900" dirty="0" err="1" smtClean="0"/>
-              <a:t>nunc</a:t>
-            </a:r>
-            <a:r>
-              <a:rPr lang="en-US" sz="2900" dirty="0" smtClean="0"/>
-              <a:t> </a:t>
-            </a:r>
-            <a:r>
-              <a:rPr lang="en-US" sz="2900" dirty="0" err="1" smtClean="0"/>
-              <a:t>lacinia</a:t>
-            </a:r>
-            <a:r>
-              <a:rPr lang="en-US" sz="2900" dirty="0" smtClean="0"/>
-              <a:t> </a:t>
-            </a:r>
-            <a:r>
-              <a:rPr lang="en-US" sz="2900" dirty="0" err="1" smtClean="0"/>
-              <a:t>imperdiet</a:t>
-            </a:r>
-            <a:r>
-              <a:rPr lang="en-US" sz="2900" dirty="0" smtClean="0"/>
-              <a:t> </a:t>
-            </a:r>
-            <a:r>
-              <a:rPr lang="en-US" sz="2900" dirty="0" err="1" smtClean="0"/>
-              <a:t>congue</a:t>
-            </a:r>
-            <a:r>
-              <a:rPr lang="en-US" sz="2900" dirty="0" smtClean="0"/>
-              <a:t>, magna </a:t>
-            </a:r>
-            <a:r>
-              <a:rPr lang="en-US" sz="2900" dirty="0" err="1" smtClean="0"/>
-              <a:t>elit</a:t>
-            </a:r>
-            <a:r>
-              <a:rPr lang="en-US" sz="2900" dirty="0" smtClean="0"/>
-              <a:t> </a:t>
-            </a:r>
-            <a:r>
-              <a:rPr lang="en-US" sz="2900" dirty="0" err="1" smtClean="0"/>
-              <a:t>vestibulum</a:t>
-            </a:r>
-            <a:r>
-              <a:rPr lang="en-US" sz="2900" dirty="0" smtClean="0"/>
-              <a:t> </a:t>
-            </a:r>
-            <a:r>
-              <a:rPr lang="en-US" sz="2900" dirty="0" err="1" smtClean="0"/>
-              <a:t>felis</a:t>
-            </a:r>
-            <a:r>
-              <a:rPr lang="en-US" sz="2900" dirty="0" smtClean="0"/>
-              <a:t>, ac </a:t>
-            </a:r>
-            <a:r>
-              <a:rPr lang="en-US" sz="2900" dirty="0" err="1" smtClean="0"/>
-              <a:t>suscipit</a:t>
-            </a:r>
-            <a:r>
-              <a:rPr lang="en-US" sz="2900" dirty="0" smtClean="0"/>
-              <a:t> </a:t>
-            </a:r>
-            <a:r>
-              <a:rPr lang="en-US" sz="2900" dirty="0" err="1" smtClean="0"/>
-              <a:t>justo</a:t>
-            </a:r>
-            <a:r>
-              <a:rPr lang="en-US" sz="2900" dirty="0" smtClean="0"/>
-              <a:t> lacus id </a:t>
-            </a:r>
-            <a:r>
-              <a:rPr lang="en-US" sz="2900" dirty="0" err="1" smtClean="0"/>
-              <a:t>tortor</a:t>
-            </a:r>
-            <a:r>
-              <a:rPr lang="en-US" sz="2900" dirty="0" smtClean="0"/>
-              <a:t>. </a:t>
-            </a:r>
-            <a:r>
-              <a:rPr lang="en-US" sz="2900" dirty="0" err="1" smtClean="0"/>
-              <a:t>Aenean</a:t>
-            </a:r>
-            <a:r>
-              <a:rPr lang="en-US" sz="2900" dirty="0" smtClean="0"/>
-              <a:t> </a:t>
-            </a:r>
-            <a:r>
-              <a:rPr lang="en-US" sz="2900" dirty="0" err="1" smtClean="0"/>
-              <a:t>vulputate</a:t>
-            </a:r>
-            <a:r>
-              <a:rPr lang="en-US" sz="2900" dirty="0" smtClean="0"/>
-              <a:t> </a:t>
-            </a:r>
-            <a:r>
-              <a:rPr lang="en-US" sz="2900" dirty="0" err="1" smtClean="0"/>
-              <a:t>hendrerit</a:t>
-            </a:r>
-            <a:r>
-              <a:rPr lang="en-US" sz="2900" dirty="0" smtClean="0"/>
-              <a:t> lacus, </a:t>
-            </a:r>
-            <a:r>
-              <a:rPr lang="en-US" sz="2900" dirty="0" err="1" smtClean="0"/>
-              <a:t>eget</a:t>
-            </a:r>
-            <a:r>
-              <a:rPr lang="en-US" sz="2900" dirty="0" smtClean="0"/>
-              <a:t> </a:t>
-            </a:r>
-            <a:r>
-              <a:rPr lang="en-US" sz="2900" dirty="0" err="1" smtClean="0"/>
-              <a:t>vestibulum</a:t>
-            </a:r>
-            <a:r>
-              <a:rPr lang="en-US" sz="2900" dirty="0" smtClean="0"/>
-              <a:t> </a:t>
-            </a:r>
-            <a:r>
-              <a:rPr lang="en-US" sz="2900" dirty="0" err="1" smtClean="0"/>
-              <a:t>odio</a:t>
-            </a:r>
-            <a:r>
-              <a:rPr lang="en-US" sz="2900" dirty="0" smtClean="0"/>
-              <a:t> </a:t>
-            </a:r>
-            <a:r>
-              <a:rPr lang="en-US" sz="2900" dirty="0" err="1" smtClean="0"/>
-              <a:t>gravida</a:t>
-            </a:r>
-            <a:r>
-              <a:rPr lang="en-US" sz="2900" dirty="0" smtClean="0"/>
-              <a:t> </a:t>
-            </a:r>
-            <a:r>
-              <a:rPr lang="en-US" sz="2900" dirty="0" err="1" smtClean="0"/>
-              <a:t>nec</a:t>
-            </a:r>
-            <a:r>
-              <a:rPr lang="en-US" sz="2900" dirty="0" smtClean="0"/>
-              <a:t>. </a:t>
-            </a:r>
-            <a:r>
-              <a:rPr lang="en-US" sz="2900" dirty="0" err="1" smtClean="0"/>
-              <a:t>Nunc</a:t>
-            </a:r>
-            <a:r>
-              <a:rPr lang="en-US" sz="2900" dirty="0" smtClean="0"/>
-              <a:t> </a:t>
-            </a:r>
-            <a:r>
-              <a:rPr lang="en-US" sz="2900" dirty="0" err="1" smtClean="0"/>
-              <a:t>rutrum</a:t>
-            </a:r>
-            <a:r>
-              <a:rPr lang="en-US" sz="2900" dirty="0" smtClean="0"/>
-              <a:t>, </a:t>
-            </a:r>
-            <a:r>
-              <a:rPr lang="en-US" sz="2900" dirty="0" err="1" smtClean="0"/>
-              <a:t>turpis</a:t>
-            </a:r>
-            <a:r>
-              <a:rPr lang="en-US" sz="2900" dirty="0" smtClean="0"/>
-              <a:t> et </a:t>
-            </a:r>
-            <a:r>
-              <a:rPr lang="en-US" sz="2900" dirty="0" err="1" smtClean="0"/>
-              <a:t>ultricies</a:t>
-            </a:r>
-            <a:r>
-              <a:rPr lang="en-US" sz="2900" dirty="0" smtClean="0"/>
-              <a:t> </a:t>
-            </a:r>
-            <a:r>
-              <a:rPr lang="en-US" sz="2900" dirty="0" err="1" smtClean="0"/>
-              <a:t>ultrices</a:t>
-            </a:r>
-            <a:r>
-              <a:rPr lang="en-US" sz="2900" dirty="0" smtClean="0"/>
-              <a:t>, </a:t>
-            </a:r>
-            <a:r>
-              <a:rPr lang="en-US" sz="2900" dirty="0" err="1" smtClean="0"/>
-              <a:t>elit</a:t>
-            </a:r>
-            <a:r>
-              <a:rPr lang="en-US" sz="2900" dirty="0" smtClean="0"/>
-              <a:t> </a:t>
-            </a:r>
-            <a:r>
-              <a:rPr lang="en-US" sz="2900" dirty="0" err="1" smtClean="0"/>
-              <a:t>orci</a:t>
-            </a:r>
-            <a:r>
-              <a:rPr lang="en-US" sz="2900" dirty="0" smtClean="0"/>
-              <a:t> </a:t>
-            </a:r>
-            <a:r>
-              <a:rPr lang="en-US" sz="2900" dirty="0" err="1" smtClean="0"/>
-              <a:t>feugiat</a:t>
-            </a:r>
-            <a:r>
-              <a:rPr lang="en-US" sz="2900" dirty="0" smtClean="0"/>
-              <a:t> ante, </a:t>
-            </a:r>
-            <a:r>
-              <a:rPr lang="en-US" sz="2900" dirty="0" err="1" smtClean="0"/>
-              <a:t>nec</a:t>
-            </a:r>
-            <a:r>
-              <a:rPr lang="en-US" sz="2900" dirty="0" smtClean="0"/>
-              <a:t> </a:t>
-            </a:r>
-            <a:r>
-              <a:rPr lang="en-US" sz="2900" dirty="0" err="1" smtClean="0"/>
-              <a:t>accumsan</a:t>
-            </a:r>
-            <a:r>
-              <a:rPr lang="en-US" sz="2900" dirty="0" smtClean="0"/>
-              <a:t> </a:t>
-            </a:r>
-            <a:r>
-              <a:rPr lang="en-US" sz="2900" dirty="0" err="1" smtClean="0"/>
-              <a:t>ipsum</a:t>
-            </a:r>
-            <a:r>
-              <a:rPr lang="en-US" sz="2900" dirty="0" smtClean="0"/>
-              <a:t> </a:t>
-            </a:r>
-            <a:r>
-              <a:rPr lang="en-US" sz="2900" dirty="0" err="1" smtClean="0"/>
-              <a:t>felis</a:t>
-            </a:r>
-            <a:r>
-              <a:rPr lang="en-US" sz="2900" dirty="0" smtClean="0"/>
-              <a:t> </a:t>
-            </a:r>
-            <a:r>
-              <a:rPr lang="en-US" sz="2900" dirty="0" err="1" smtClean="0"/>
-              <a:t>eget</a:t>
-            </a:r>
-            <a:r>
-              <a:rPr lang="en-US" sz="2900" dirty="0" smtClean="0"/>
-              <a:t> sem. Maecenas </a:t>
-            </a:r>
-            <a:r>
-              <a:rPr lang="en-US" sz="2900" dirty="0" err="1" smtClean="0"/>
-              <a:t>ipsum</a:t>
-            </a:r>
-            <a:r>
-              <a:rPr lang="en-US" sz="2900" dirty="0" smtClean="0"/>
-              <a:t> </a:t>
-            </a:r>
-            <a:r>
-              <a:rPr lang="en-US" sz="2900" dirty="0" err="1" smtClean="0"/>
-              <a:t>metus</a:t>
-            </a:r>
-            <a:r>
-              <a:rPr lang="en-US" sz="2900" dirty="0" smtClean="0"/>
-              <a:t>, </a:t>
-            </a:r>
-            <a:r>
-              <a:rPr lang="en-US" sz="2900" dirty="0" err="1" smtClean="0"/>
-              <a:t>rutrum</a:t>
-            </a:r>
-            <a:r>
-              <a:rPr lang="en-US" sz="2900" dirty="0" smtClean="0"/>
-              <a:t> </a:t>
-            </a:r>
-            <a:r>
-              <a:rPr lang="en-US" sz="2900" dirty="0" err="1" smtClean="0"/>
-              <a:t>nec</a:t>
-            </a:r>
-            <a:r>
-              <a:rPr lang="en-US" sz="2900" dirty="0" smtClean="0"/>
-              <a:t> </a:t>
-            </a:r>
-            <a:r>
-              <a:rPr lang="en-US" sz="2900" dirty="0" err="1" smtClean="0"/>
-              <a:t>pretium</a:t>
-            </a:r>
-            <a:r>
-              <a:rPr lang="en-US" sz="2900" dirty="0" smtClean="0"/>
-              <a:t> sit </a:t>
-            </a:r>
-            <a:r>
-              <a:rPr lang="en-US" sz="2900" dirty="0" err="1" smtClean="0"/>
-              <a:t>amet</a:t>
-            </a:r>
-            <a:r>
-              <a:rPr lang="en-US" sz="2900" dirty="0" smtClean="0"/>
-              <a:t>, </a:t>
-            </a:r>
-            <a:r>
-              <a:rPr lang="en-US" sz="2900" dirty="0" err="1" smtClean="0"/>
-              <a:t>commodo</a:t>
-            </a:r>
-            <a:r>
-              <a:rPr lang="en-US" sz="2900" dirty="0" smtClean="0"/>
-              <a:t> </a:t>
-            </a:r>
-            <a:r>
-              <a:rPr lang="en-US" sz="2900" dirty="0" err="1" smtClean="0"/>
-              <a:t>ut</a:t>
-            </a:r>
-            <a:r>
-              <a:rPr lang="en-US" sz="2900" dirty="0" smtClean="0"/>
-              <a:t> </a:t>
-            </a:r>
-            <a:r>
-              <a:rPr lang="en-US" sz="2900" dirty="0" err="1" smtClean="0"/>
-              <a:t>neque</a:t>
-            </a:r>
-            <a:r>
-              <a:rPr lang="en-US" sz="2900" dirty="0" smtClean="0"/>
-              <a:t>. </a:t>
-            </a:r>
-            <a:r>
-              <a:rPr lang="en-US" sz="2900" dirty="0" err="1" smtClean="0"/>
-              <a:t>Aenean</a:t>
-            </a:r>
-            <a:r>
-              <a:rPr lang="en-US" sz="2900" dirty="0" smtClean="0"/>
-              <a:t> </a:t>
-            </a:r>
-            <a:r>
-              <a:rPr lang="en-US" sz="2900" dirty="0" err="1" smtClean="0"/>
-              <a:t>ut</a:t>
-            </a:r>
-            <a:r>
-              <a:rPr lang="en-US" sz="2900" dirty="0" smtClean="0"/>
-              <a:t> </a:t>
-            </a:r>
-            <a:r>
-              <a:rPr lang="en-US" sz="2900" dirty="0" err="1" smtClean="0"/>
-              <a:t>mattis</a:t>
-            </a:r>
-            <a:r>
-              <a:rPr lang="en-US" sz="2900" dirty="0" smtClean="0"/>
-              <a:t> </a:t>
-            </a:r>
-            <a:r>
-              <a:rPr lang="en-US" sz="2900" dirty="0" err="1" smtClean="0"/>
-              <a:t>enim</a:t>
-            </a:r>
-            <a:r>
-              <a:rPr lang="en-US" sz="2900" dirty="0" smtClean="0"/>
-              <a:t>. </a:t>
-            </a:r>
-            <a:r>
-              <a:rPr lang="en-US" sz="2900" dirty="0" err="1" smtClean="0"/>
-              <a:t>Quisque</a:t>
-            </a:r>
-            <a:r>
-              <a:rPr lang="en-US" sz="2900" dirty="0" smtClean="0"/>
-              <a:t> </a:t>
-            </a:r>
-            <a:r>
-              <a:rPr lang="en-US" sz="2900" dirty="0" err="1" smtClean="0"/>
-              <a:t>iaculis</a:t>
-            </a:r>
-            <a:r>
-              <a:rPr lang="en-US" sz="2900" dirty="0" smtClean="0"/>
-              <a:t> </a:t>
-            </a:r>
-            <a:r>
-              <a:rPr lang="en-US" sz="2900" dirty="0" err="1" smtClean="0"/>
-              <a:t>molestie</a:t>
-            </a:r>
-            <a:r>
-              <a:rPr lang="en-US" sz="2900" dirty="0" smtClean="0"/>
-              <a:t> </a:t>
-            </a:r>
-            <a:r>
-              <a:rPr lang="en-US" sz="2900" dirty="0" err="1" smtClean="0"/>
-              <a:t>orci</a:t>
-            </a:r>
-            <a:r>
-              <a:rPr lang="en-US" sz="2900" dirty="0" smtClean="0"/>
-              <a:t> non </a:t>
-            </a:r>
-            <a:r>
-              <a:rPr lang="en-US" sz="2900" dirty="0" err="1" smtClean="0"/>
-              <a:t>scelerisque</a:t>
-            </a:r>
-            <a:r>
-              <a:rPr lang="en-US" sz="2900" dirty="0" smtClean="0"/>
-              <a:t>. </a:t>
-            </a:r>
-            <a:r>
-              <a:rPr lang="en-US" sz="2900" dirty="0" err="1" smtClean="0"/>
-              <a:t>Pellentesque</a:t>
-            </a:r>
-            <a:r>
-              <a:rPr lang="en-US" sz="2900" dirty="0" smtClean="0"/>
-              <a:t> </a:t>
-            </a:r>
-            <a:r>
-              <a:rPr lang="en-US" sz="2900" dirty="0" err="1" smtClean="0"/>
-              <a:t>tristique</a:t>
-            </a:r>
-            <a:r>
-              <a:rPr lang="en-US" sz="2900" dirty="0" smtClean="0"/>
-              <a:t> </a:t>
-            </a:r>
-            <a:r>
-              <a:rPr lang="en-US" sz="2900" dirty="0" err="1" smtClean="0"/>
-              <a:t>risus</a:t>
-            </a:r>
-            <a:r>
-              <a:rPr lang="en-US" sz="2900" dirty="0" smtClean="0"/>
-              <a:t> </a:t>
-            </a:r>
-            <a:r>
-              <a:rPr lang="en-US" sz="2900" dirty="0" err="1" smtClean="0"/>
-              <a:t>elementum</a:t>
-            </a:r>
-            <a:r>
-              <a:rPr lang="en-US" sz="2900" dirty="0" smtClean="0"/>
-              <a:t> </a:t>
-            </a:r>
-            <a:r>
-              <a:rPr lang="en-US" sz="2900" dirty="0" err="1" smtClean="0"/>
-              <a:t>diam</a:t>
-            </a:r>
-            <a:r>
-              <a:rPr lang="en-US" sz="2900" dirty="0" smtClean="0"/>
-              <a:t> </a:t>
-            </a:r>
-            <a:r>
-              <a:rPr lang="en-US" sz="2900" dirty="0" err="1" smtClean="0"/>
-              <a:t>convallis</a:t>
-            </a:r>
-            <a:r>
-              <a:rPr lang="en-US" sz="2900" dirty="0" smtClean="0"/>
-              <a:t> </a:t>
-            </a:r>
-            <a:r>
-              <a:rPr lang="en-US" sz="2900" dirty="0" err="1" smtClean="0"/>
-              <a:t>porta</a:t>
-            </a:r>
-            <a:r>
-              <a:rPr lang="en-US" sz="2900" dirty="0" smtClean="0"/>
-              <a:t> </a:t>
-            </a:r>
-            <a:r>
-              <a:rPr lang="en-US" sz="2900" dirty="0" err="1" smtClean="0"/>
-              <a:t>sagittis</a:t>
-            </a:r>
-            <a:r>
-              <a:rPr lang="en-US" sz="2900" dirty="0" smtClean="0"/>
-              <a:t> </a:t>
-            </a:r>
-            <a:r>
-              <a:rPr lang="en-US" sz="2900" dirty="0" err="1" smtClean="0"/>
-              <a:t>elit</a:t>
-            </a:r>
-            <a:r>
-              <a:rPr lang="en-US" sz="2900" dirty="0" smtClean="0"/>
-              <a:t> </a:t>
-            </a:r>
-            <a:r>
-              <a:rPr lang="en-US" sz="2900" dirty="0" err="1" smtClean="0"/>
-              <a:t>adipiscing</a:t>
-            </a:r>
-            <a:r>
-              <a:rPr lang="en-US" sz="2900" dirty="0" smtClean="0"/>
-              <a:t>. </a:t>
-            </a:r>
-            <a:r>
-              <a:rPr lang="en-US" sz="2900" dirty="0" err="1" smtClean="0"/>
-              <a:t>Nulla</a:t>
-            </a:r>
-            <a:r>
-              <a:rPr lang="en-US" sz="2900" dirty="0" smtClean="0"/>
-              <a:t> </a:t>
-            </a:r>
-            <a:r>
-              <a:rPr lang="en-US" sz="2900" dirty="0" err="1" smtClean="0"/>
-              <a:t>facilisi</a:t>
-            </a:r>
-            <a:r>
-              <a:rPr lang="en-US" sz="2900" dirty="0" smtClean="0"/>
-              <a:t>. </a:t>
-            </a:r>
-            <a:r>
-              <a:rPr lang="en-US" sz="2900" dirty="0" err="1" smtClean="0"/>
-              <a:t>Vivamus</a:t>
-            </a:r>
-            <a:r>
-              <a:rPr lang="en-US" sz="2900" dirty="0" smtClean="0"/>
-              <a:t> </a:t>
-            </a:r>
-            <a:r>
-              <a:rPr lang="en-US" sz="2900" dirty="0" err="1" smtClean="0"/>
-              <a:t>justo</a:t>
-            </a:r>
-            <a:r>
-              <a:rPr lang="en-US" sz="2900" dirty="0" smtClean="0"/>
-              <a:t> </a:t>
-            </a:r>
-            <a:r>
-              <a:rPr lang="en-US" sz="2900" dirty="0" err="1" smtClean="0"/>
-              <a:t>tellus</a:t>
-            </a:r>
-            <a:r>
-              <a:rPr lang="en-US" sz="2900" dirty="0" smtClean="0"/>
-              <a:t>, </a:t>
-            </a:r>
-            <a:r>
-              <a:rPr lang="en-US" sz="2900" dirty="0" err="1" smtClean="0"/>
-              <a:t>ullamcorper</a:t>
-            </a:r>
-            <a:r>
-              <a:rPr lang="en-US" sz="2900" dirty="0" smtClean="0"/>
-              <a:t> et </a:t>
-            </a:r>
-            <a:r>
-              <a:rPr lang="en-US" sz="2900" dirty="0" err="1" smtClean="0"/>
-              <a:t>lacinia</a:t>
-            </a:r>
-            <a:r>
-              <a:rPr lang="en-US" sz="2900" dirty="0" smtClean="0"/>
-              <a:t> </a:t>
-            </a:r>
-            <a:r>
-              <a:rPr lang="en-US" sz="2900" dirty="0" err="1" smtClean="0"/>
-              <a:t>vel</a:t>
-            </a:r>
-            <a:r>
-              <a:rPr lang="en-US" sz="2900" dirty="0" smtClean="0"/>
-              <a:t>, </a:t>
-            </a:r>
-            <a:r>
-              <a:rPr lang="en-US" sz="2900" dirty="0" err="1" smtClean="0"/>
-              <a:t>consequat</a:t>
-            </a:r>
-            <a:r>
-              <a:rPr lang="en-US" sz="2900" dirty="0" smtClean="0"/>
-              <a:t> </a:t>
-            </a:r>
-            <a:r>
-              <a:rPr lang="en-US" sz="2900" dirty="0" err="1" smtClean="0"/>
-              <a:t>eu</a:t>
-            </a:r>
-            <a:r>
-              <a:rPr lang="en-US" sz="2900" dirty="0" smtClean="0"/>
-              <a:t> </a:t>
-            </a:r>
-            <a:r>
-              <a:rPr lang="en-US" sz="2900" dirty="0" err="1" smtClean="0"/>
-              <a:t>odio</a:t>
-            </a:r>
-            <a:r>
-              <a:rPr lang="en-US" sz="2900" dirty="0" smtClean="0"/>
-              <a:t>. </a:t>
-            </a:r>
-            <a:r>
-              <a:rPr lang="en-US" sz="2900" dirty="0" err="1" smtClean="0"/>
-              <a:t>Nullam</a:t>
-            </a:r>
-            <a:r>
-              <a:rPr lang="en-US" sz="2900" dirty="0" smtClean="0"/>
-              <a:t> </a:t>
-            </a:r>
-            <a:r>
-              <a:rPr lang="en-US" sz="2900" dirty="0" err="1" smtClean="0"/>
-              <a:t>porttitor</a:t>
-            </a:r>
-            <a:r>
-              <a:rPr lang="en-US" sz="2900" dirty="0" smtClean="0"/>
-              <a:t> </a:t>
-            </a:r>
-            <a:r>
-              <a:rPr lang="en-US" sz="2900" dirty="0" err="1" smtClean="0"/>
-              <a:t>euismod</a:t>
-            </a:r>
-            <a:r>
-              <a:rPr lang="en-US" sz="2900" dirty="0" smtClean="0"/>
-              <a:t> </a:t>
-            </a:r>
-            <a:r>
-              <a:rPr lang="en-US" sz="2900" dirty="0" err="1" smtClean="0"/>
-              <a:t>turpis</a:t>
-            </a:r>
-            <a:r>
-              <a:rPr lang="en-US" sz="2900" dirty="0" smtClean="0"/>
-              <a:t> </a:t>
-            </a:r>
-            <a:r>
-              <a:rPr lang="en-US" sz="2900" dirty="0" err="1" smtClean="0"/>
-              <a:t>quis</a:t>
-            </a:r>
-            <a:r>
-              <a:rPr lang="en-US" sz="2900" dirty="0" smtClean="0"/>
-              <a:t> dictum. </a:t>
-            </a:r>
-            <a:r>
-              <a:rPr lang="en-US" sz="2900" dirty="0" err="1" smtClean="0"/>
-              <a:t>Nunc</a:t>
-            </a:r>
-            <a:r>
-              <a:rPr lang="en-US" sz="2900" dirty="0" smtClean="0"/>
-              <a:t> non ante </a:t>
-            </a:r>
-            <a:r>
-              <a:rPr lang="en-US" sz="2900" dirty="0" err="1" smtClean="0"/>
-              <a:t>sed</a:t>
-            </a:r>
-            <a:r>
-              <a:rPr lang="en-US" sz="2900" dirty="0" smtClean="0"/>
-              <a:t> </a:t>
-            </a:r>
-            <a:r>
-              <a:rPr lang="en-US" sz="2900" dirty="0" err="1" smtClean="0"/>
-              <a:t>lorem</a:t>
-            </a:r>
-            <a:r>
-              <a:rPr lang="en-US" sz="2900" dirty="0" smtClean="0"/>
-              <a:t> </a:t>
-            </a:r>
-            <a:r>
-              <a:rPr lang="en-US" sz="2900" dirty="0" err="1" smtClean="0"/>
-              <a:t>vulputate</a:t>
-            </a:r>
-            <a:r>
-              <a:rPr lang="en-US" sz="2900" dirty="0" smtClean="0"/>
-              <a:t> </a:t>
-            </a:r>
-            <a:r>
-              <a:rPr lang="en-US" sz="2900" dirty="0" err="1" smtClean="0"/>
-              <a:t>aliquet</a:t>
-            </a:r>
-            <a:r>
-              <a:rPr lang="en-US" sz="2900" dirty="0" smtClean="0"/>
-              <a:t> </a:t>
-            </a:r>
-            <a:r>
-              <a:rPr lang="en-US" sz="2900" dirty="0" err="1" smtClean="0"/>
-              <a:t>ut</a:t>
-            </a:r>
-            <a:r>
-              <a:rPr lang="en-US" sz="2900" dirty="0" smtClean="0"/>
-              <a:t> at mi. </a:t>
-            </a:r>
-            <a:r>
-              <a:rPr lang="en-US" sz="2900" dirty="0" err="1" smtClean="0"/>
-              <a:t>Fusce</a:t>
-            </a:r>
-            <a:r>
-              <a:rPr lang="en-US" sz="2900" dirty="0" smtClean="0"/>
-              <a:t> </a:t>
-            </a:r>
-            <a:r>
-              <a:rPr lang="en-US" sz="2900" dirty="0" err="1" smtClean="0"/>
-              <a:t>sodales</a:t>
-            </a:r>
-            <a:r>
-              <a:rPr lang="en-US" sz="2900" dirty="0" smtClean="0"/>
-              <a:t> </a:t>
-            </a:r>
-            <a:r>
-              <a:rPr lang="en-US" sz="2900" dirty="0" err="1" smtClean="0"/>
-              <a:t>pharetra</a:t>
-            </a:r>
-            <a:r>
-              <a:rPr lang="en-US" sz="2900" dirty="0" smtClean="0"/>
-              <a:t> </a:t>
-            </a:r>
-            <a:r>
-              <a:rPr lang="en-US" sz="2900" dirty="0" err="1" smtClean="0"/>
-              <a:t>sollicitudin</a:t>
-            </a:r>
-            <a:r>
-              <a:rPr lang="en-US" sz="2900" dirty="0" smtClean="0"/>
-              <a:t>. </a:t>
-            </a:r>
-            <a:r>
-              <a:rPr lang="en-US" sz="2900" dirty="0" err="1" smtClean="0"/>
-              <a:t>Cras</a:t>
-            </a:r>
-            <a:r>
-              <a:rPr lang="en-US" sz="2900" dirty="0" smtClean="0"/>
-              <a:t> </a:t>
-            </a:r>
-            <a:r>
-              <a:rPr lang="en-US" sz="2900" dirty="0" err="1" smtClean="0"/>
-              <a:t>euismod</a:t>
-            </a:r>
-            <a:r>
-              <a:rPr lang="en-US" sz="2900" dirty="0" smtClean="0"/>
-              <a:t> </a:t>
-            </a:r>
-            <a:r>
-              <a:rPr lang="en-US" sz="2900" dirty="0" err="1" smtClean="0"/>
-              <a:t>fringilla</a:t>
-            </a:r>
-            <a:r>
-              <a:rPr lang="en-US" sz="2900" dirty="0" smtClean="0"/>
-              <a:t> </a:t>
-            </a:r>
-            <a:r>
-              <a:rPr lang="en-US" sz="2900" dirty="0" err="1" smtClean="0"/>
-              <a:t>felis</a:t>
-            </a:r>
-            <a:r>
-              <a:rPr lang="en-US" sz="2900" dirty="0" smtClean="0"/>
-              <a:t> </a:t>
-            </a:r>
-            <a:r>
-              <a:rPr lang="en-US" sz="2900" dirty="0" err="1" smtClean="0"/>
-              <a:t>euismod</a:t>
-            </a:r>
-            <a:r>
-              <a:rPr lang="en-US" sz="2900" dirty="0" smtClean="0"/>
-              <a:t> </a:t>
-            </a:r>
-            <a:r>
-              <a:rPr lang="en-US" sz="2900" dirty="0" err="1" smtClean="0"/>
-              <a:t>blandit</a:t>
-            </a:r>
-            <a:r>
-              <a:rPr lang="en-US" sz="2900" dirty="0" smtClean="0"/>
-              <a:t>. </a:t>
-            </a:r>
-            <a:r>
-              <a:rPr lang="en-US" sz="2900" dirty="0" err="1" smtClean="0"/>
-              <a:t>Aliquam</a:t>
-            </a:r>
-            <a:r>
-              <a:rPr lang="en-US" sz="2900" dirty="0" smtClean="0"/>
-              <a:t> ac quam </a:t>
-            </a:r>
-            <a:r>
-              <a:rPr lang="en-US" sz="2900" dirty="0" err="1" smtClean="0"/>
-              <a:t>sapien</a:t>
-            </a:r>
-            <a:r>
-              <a:rPr lang="en-US" sz="2900" dirty="0" smtClean="0"/>
-              <a:t>, ac </a:t>
-            </a:r>
-            <a:r>
-              <a:rPr lang="en-US" sz="2900" dirty="0" err="1" smtClean="0"/>
-              <a:t>facilisis</a:t>
-            </a:r>
-            <a:r>
-              <a:rPr lang="en-US" sz="2900" dirty="0" smtClean="0"/>
-              <a:t> </a:t>
-            </a:r>
-            <a:r>
-              <a:rPr lang="en-US" sz="2900" dirty="0" err="1" smtClean="0"/>
-              <a:t>eros</a:t>
-            </a:r>
-            <a:r>
-              <a:rPr lang="en-US" sz="2900" dirty="0" smtClean="0"/>
-              <a:t>. </a:t>
-            </a:r>
-            <a:r>
-              <a:rPr lang="en-US" sz="2900" dirty="0" err="1" smtClean="0"/>
-              <a:t>Donec</a:t>
-            </a:r>
-            <a:r>
-              <a:rPr lang="en-US" sz="2900" dirty="0" smtClean="0"/>
-              <a:t> </a:t>
-            </a:r>
-            <a:r>
-              <a:rPr lang="en-US" sz="2900" dirty="0" err="1" smtClean="0"/>
-              <a:t>adipiscing</a:t>
-            </a:r>
-            <a:r>
-              <a:rPr lang="en-US" sz="2900" dirty="0" smtClean="0"/>
-              <a:t> </a:t>
-            </a:r>
-            <a:r>
-              <a:rPr lang="en-US" sz="2900" dirty="0" err="1" smtClean="0"/>
-              <a:t>aliquam</a:t>
-            </a:r>
-            <a:r>
-              <a:rPr lang="en-US" sz="2900" dirty="0" smtClean="0"/>
-              <a:t> </a:t>
-            </a:r>
-            <a:r>
-              <a:rPr lang="en-US" sz="2900" dirty="0" err="1" smtClean="0"/>
-              <a:t>nunc</a:t>
-            </a:r>
-            <a:r>
-              <a:rPr lang="en-US" sz="2900" dirty="0" smtClean="0"/>
-              <a:t> vitae </a:t>
-            </a:r>
-            <a:r>
-              <a:rPr lang="en-US" sz="2900" dirty="0" err="1" smtClean="0"/>
-              <a:t>condimentum</a:t>
-            </a:r>
-            <a:r>
-              <a:rPr lang="en-US" sz="2900" dirty="0" smtClean="0"/>
-              <a:t>. </a:t>
-            </a:r>
-            <a:endParaRPr lang="en-US" sz="2400" dirty="0" smtClean="0"/>
+              <a:rPr lang="en-US" sz="2900" dirty="0" smtClean="0">
+                <a:latin typeface="Gill Sans MT" panose="020B0502020104020203" pitchFamily="34" charset="0"/>
+                <a:ea typeface="Verdana" panose="020B0604030504040204" pitchFamily="34" charset="0"/>
+                <a:cs typeface="Verdana" panose="020B0604030504040204" pitchFamily="34" charset="0"/>
+              </a:rPr>
+              <a:t>BACKGROUND</a:t>
+            </a:r>
           </a:p>
           <a:p>
             <a:pPr algn="just"/>
-            <a:endParaRPr lang="en-US" sz="2900" dirty="0" smtClean="0"/>
-          </a:p>
-        </p:txBody>
-      </p:sp>
-      <p:sp>
-        <p:nvSpPr>
-          <p:cNvPr id="34" name="Text Placeholder 33"/>
-          <p:cNvSpPr txBox="1">
-            <a:spLocks noGrp="1"/>
-          </p:cNvSpPr>
-          <p:nvPr>
-            <p:ph type="body" sz="half" idx="2"/>
-          </p:nvPr>
+            <a:r>
+              <a:rPr lang="en-US" sz="2900" dirty="0" smtClean="0">
+                <a:latin typeface="Gill Sans MT" panose="020B0502020104020203" pitchFamily="34" charset="0"/>
+                <a:ea typeface="Verdana" panose="020B0604030504040204" pitchFamily="34" charset="0"/>
+                <a:cs typeface="Verdana" panose="020B0604030504040204" pitchFamily="34" charset="0"/>
+              </a:rPr>
+              <a:t>BACKGROUND</a:t>
+            </a:r>
+          </a:p>
+          <a:p>
+            <a:pPr algn="just"/>
+            <a:r>
+              <a:rPr lang="en-US" sz="2900" dirty="0" smtClean="0">
+                <a:latin typeface="Gill Sans MT" panose="020B0502020104020203" pitchFamily="34" charset="0"/>
+                <a:ea typeface="Verdana" panose="020B0604030504040204" pitchFamily="34" charset="0"/>
+                <a:cs typeface="Verdana" panose="020B0604030504040204" pitchFamily="34" charset="0"/>
+              </a:rPr>
+              <a:t>BACKGROUND </a:t>
+            </a:r>
+            <a:r>
+              <a:rPr lang="en-US" sz="2900" dirty="0" err="1" smtClean="0">
+                <a:latin typeface="Gill Sans MT" panose="020B0502020104020203" pitchFamily="34" charset="0"/>
+                <a:ea typeface="Verdana" panose="020B0604030504040204" pitchFamily="34" charset="0"/>
+                <a:cs typeface="Verdana" panose="020B0604030504040204" pitchFamily="34" charset="0"/>
+              </a:rPr>
+              <a:t>background</a:t>
+            </a:r>
+            <a:endParaRPr lang="en-US" sz="2900" dirty="0" smtClean="0">
+              <a:latin typeface="Gill Sans MT" panose="020B0502020104020203" pitchFamily="34" charset="0"/>
+              <a:ea typeface="Verdana" panose="020B0604030504040204" pitchFamily="34" charset="0"/>
+              <a:cs typeface="Verdana" panose="020B0604030504040204" pitchFamily="34" charset="0"/>
+            </a:endParaRPr>
+          </a:p>
+        </p:txBody>
+      </p:sp>
+      <p:sp>
+        <p:nvSpPr>
+          <p:cNvPr id="35" name="TextBox 34"/>
+          <p:cNvSpPr txBox="1"/>
+          <p:nvPr/>
         </p:nvSpPr>
         <p:spPr>
           <a:xfrm>
-            <a:off x="1047750" y="5334000"/>
-            <a:ext cx="9024938" cy="11506200"/>
+            <a:off x="916780" y="2971800"/>
+            <a:ext cx="13637419" cy="848577"/>
+          </a:xfrm>
+          <a:prstGeom prst="rect">
+            <a:avLst/>
+          </a:prstGeom>
+          <a:solidFill>
+            <a:srgbClr val="8C1515"/>
+          </a:solidFill>
+        </p:spPr>
+        <p:style>
+          <a:lnRef idx="2">
+            <a:schemeClr val="accent2"/>
+          </a:lnRef>
+          <a:fillRef idx="1">
+            <a:schemeClr val="lt1"/>
+          </a:fillRef>
+          <a:effectRef idx="0">
+            <a:schemeClr val="accent2"/>
+          </a:effectRef>
+          <a:fontRef idx="minor">
+            <a:schemeClr val="dk1"/>
+          </a:fontRef>
+        </p:style>
+        <p:txBody>
+          <a:bodyPr wrap="square" lIns="108846" tIns="54423" rIns="108846" bIns="54423" rtlCol="0" anchor="ctr">
+            <a:spAutoFit/>
+          </a:bodyPr>
+          <a:lstStyle/>
+          <a:p>
+            <a:pPr algn="ctr"/>
+            <a:r>
+              <a:rPr lang="en-US" sz="4800" dirty="0" smtClean="0">
+                <a:solidFill>
+                  <a:schemeClr val="bg1"/>
+                </a:solidFill>
+                <a:latin typeface="+mj-lt"/>
+              </a:rPr>
+              <a:t>Background</a:t>
+            </a:r>
+            <a:endParaRPr lang="en-US" sz="4800" dirty="0" smtClean="0">
+              <a:solidFill>
+                <a:schemeClr val="bg1"/>
+              </a:solidFill>
+              <a:latin typeface="+mj-lt"/>
+            </a:endParaRPr>
+          </a:p>
+        </p:txBody>
+      </p:sp>
+      <p:pic>
+        <p:nvPicPr>
+          <p:cNvPr id="2" name="Picture 1"/>
+          <p:cNvPicPr>
+            <a:picLocks noChangeAspect="1"/>
+          </p:cNvPicPr>
+          <p:nvPr/>
+        </p:nvPicPr>
+        <p:blipFill>
+          <a:blip r:embed="rId3" cstate="print">
+            <a:extLst>
+              <a:ext uri="{28A0092B-C50C-407E-A947-70E740481C1C}">
+                <a14:useLocalDpi xmlns:a14="http://schemas.microsoft.com/office/drawing/2010/main" val="0"/>
+              </a:ext>
+            </a:extLst>
+          </a:blip>
+          <a:stretch>
+            <a:fillRect/>
+          </a:stretch>
+        </p:blipFill>
+        <p:spPr>
+          <a:xfrm>
+            <a:off x="247650" y="320716"/>
+            <a:ext cx="2343150" cy="2343150"/>
+          </a:xfrm>
+          <a:prstGeom prst="rect">
+            <a:avLst/>
+          </a:prstGeom>
+        </p:spPr>
+      </p:pic>
+      <p:sp>
+        <p:nvSpPr>
+          <p:cNvPr id="15" name="Text Placeholder 33"/>
+          <p:cNvSpPr txBox="1">
+            <a:spLocks/>
+          </p:cNvSpPr>
+          <p:nvPr/>
+        </p:nvSpPr>
+        <p:spPr>
+          <a:xfrm>
+            <a:off x="16402050" y="5299879"/>
+            <a:ext cx="10039350" cy="8191249"/>
           </a:xfrm>
           <a:prstGeom prst="rect">
             <a:avLst/>
@@ -4727,22 +3871,168 @@
           </a:fontRef>
         </p:style>
         <p:txBody>
-          <a:bodyPr wrap="square" rtlCol="0">
+          <a:bodyPr vert="horz" wrap="square" lIns="373159" tIns="186579" rIns="373159" bIns="186579" rtlCol="0">
             <a:spAutoFit/>
           </a:bodyPr>
-          <a:lstStyle/>
-          <a:p>
-            <a:pPr algn="ctr"/>
+          <a:lstStyle>
+            <a:lvl1pPr marL="0" indent="0" algn="l" defTabSz="3731584" rtl="0" eaLnBrk="1" latinLnBrk="0" hangingPunct="1">
+              <a:spcBef>
+                <a:spcPct val="20000"/>
+              </a:spcBef>
+              <a:buFont typeface="Arial" pitchFamily="34" charset="0"/>
+              <a:buNone/>
+              <a:defRPr sz="5700" kern="1200">
+                <a:solidFill>
+                  <a:schemeClr val="dk1"/>
+                </a:solidFill>
+                <a:latin typeface="+mn-lt"/>
+                <a:ea typeface="+mn-ea"/>
+                <a:cs typeface="+mn-cs"/>
+              </a:defRPr>
+            </a:lvl1pPr>
+            <a:lvl2pPr marL="1865791" indent="0" algn="l" defTabSz="3731584" rtl="0" eaLnBrk="1" latinLnBrk="0" hangingPunct="1">
+              <a:spcBef>
+                <a:spcPct val="20000"/>
+              </a:spcBef>
+              <a:buFont typeface="Arial" pitchFamily="34" charset="0"/>
+              <a:buNone/>
+              <a:defRPr sz="4900" kern="1200">
+                <a:solidFill>
+                  <a:schemeClr val="dk1"/>
+                </a:solidFill>
+                <a:latin typeface="+mn-lt"/>
+                <a:ea typeface="+mn-ea"/>
+                <a:cs typeface="+mn-cs"/>
+              </a:defRPr>
+            </a:lvl2pPr>
+            <a:lvl3pPr marL="3731584" indent="0" algn="l" defTabSz="3731584" rtl="0" eaLnBrk="1" latinLnBrk="0" hangingPunct="1">
+              <a:spcBef>
+                <a:spcPct val="20000"/>
+              </a:spcBef>
+              <a:buFont typeface="Arial" pitchFamily="34" charset="0"/>
+              <a:buNone/>
+              <a:defRPr sz="4000" kern="1200">
+                <a:solidFill>
+                  <a:schemeClr val="dk1"/>
+                </a:solidFill>
+                <a:latin typeface="+mn-lt"/>
+                <a:ea typeface="+mn-ea"/>
+                <a:cs typeface="+mn-cs"/>
+              </a:defRPr>
+            </a:lvl3pPr>
+            <a:lvl4pPr marL="5597375" indent="0" algn="l" defTabSz="3731584" rtl="0" eaLnBrk="1" latinLnBrk="0" hangingPunct="1">
+              <a:spcBef>
+                <a:spcPct val="20000"/>
+              </a:spcBef>
+              <a:buFont typeface="Arial" pitchFamily="34" charset="0"/>
+              <a:buNone/>
+              <a:defRPr sz="3700" kern="1200">
+                <a:solidFill>
+                  <a:schemeClr val="dk1"/>
+                </a:solidFill>
+                <a:latin typeface="+mn-lt"/>
+                <a:ea typeface="+mn-ea"/>
+                <a:cs typeface="+mn-cs"/>
+              </a:defRPr>
+            </a:lvl4pPr>
+            <a:lvl5pPr marL="7463166" indent="0" algn="l" defTabSz="3731584" rtl="0" eaLnBrk="1" latinLnBrk="0" hangingPunct="1">
+              <a:spcBef>
+                <a:spcPct val="20000"/>
+              </a:spcBef>
+              <a:buFont typeface="Arial" pitchFamily="34" charset="0"/>
+              <a:buNone/>
+              <a:defRPr sz="3700" kern="1200">
+                <a:solidFill>
+                  <a:schemeClr val="dk1"/>
+                </a:solidFill>
+                <a:latin typeface="+mn-lt"/>
+                <a:ea typeface="+mn-ea"/>
+                <a:cs typeface="+mn-cs"/>
+              </a:defRPr>
+            </a:lvl5pPr>
+            <a:lvl6pPr marL="9328958" indent="0" algn="l" defTabSz="3731584" rtl="0" eaLnBrk="1" latinLnBrk="0" hangingPunct="1">
+              <a:spcBef>
+                <a:spcPct val="20000"/>
+              </a:spcBef>
+              <a:buFont typeface="Arial" pitchFamily="34" charset="0"/>
+              <a:buNone/>
+              <a:defRPr sz="3700" kern="1200">
+                <a:solidFill>
+                  <a:schemeClr val="dk1"/>
+                </a:solidFill>
+                <a:latin typeface="+mn-lt"/>
+                <a:ea typeface="+mn-ea"/>
+                <a:cs typeface="+mn-cs"/>
+              </a:defRPr>
+            </a:lvl6pPr>
+            <a:lvl7pPr marL="11194749" indent="0" algn="l" defTabSz="3731584" rtl="0" eaLnBrk="1" latinLnBrk="0" hangingPunct="1">
+              <a:spcBef>
+                <a:spcPct val="20000"/>
+              </a:spcBef>
+              <a:buFont typeface="Arial" pitchFamily="34" charset="0"/>
+              <a:buNone/>
+              <a:defRPr sz="3700" kern="1200">
+                <a:solidFill>
+                  <a:schemeClr val="dk1"/>
+                </a:solidFill>
+                <a:latin typeface="+mn-lt"/>
+                <a:ea typeface="+mn-ea"/>
+                <a:cs typeface="+mn-cs"/>
+              </a:defRPr>
+            </a:lvl7pPr>
+            <a:lvl8pPr marL="13060541" indent="0" algn="l" defTabSz="3731584" rtl="0" eaLnBrk="1" latinLnBrk="0" hangingPunct="1">
+              <a:spcBef>
+                <a:spcPct val="20000"/>
+              </a:spcBef>
+              <a:buFont typeface="Arial" pitchFamily="34" charset="0"/>
+              <a:buNone/>
+              <a:defRPr sz="3700" kern="1200">
+                <a:solidFill>
+                  <a:schemeClr val="dk1"/>
+                </a:solidFill>
+                <a:latin typeface="+mn-lt"/>
+                <a:ea typeface="+mn-ea"/>
+                <a:cs typeface="+mn-cs"/>
+              </a:defRPr>
+            </a:lvl8pPr>
+            <a:lvl9pPr marL="14926332" indent="0" algn="l" defTabSz="3731584" rtl="0" eaLnBrk="1" latinLnBrk="0" hangingPunct="1">
+              <a:spcBef>
+                <a:spcPct val="20000"/>
+              </a:spcBef>
+              <a:buFont typeface="Arial" pitchFamily="34" charset="0"/>
+              <a:buNone/>
+              <a:defRPr sz="3700" kern="1200">
+                <a:solidFill>
+                  <a:schemeClr val="dk1"/>
+                </a:solidFill>
+                <a:latin typeface="+mn-lt"/>
+                <a:ea typeface="+mn-ea"/>
+                <a:cs typeface="+mn-cs"/>
+              </a:defRPr>
+            </a:lvl9pPr>
+          </a:lstStyle>
+          <a:p>
             <a:r>
               <a:rPr lang="en-US" sz="3800" b="1" dirty="0" smtClean="0"/>
               <a:t>Click to add text</a:t>
             </a:r>
           </a:p>
           <a:p>
-            <a:pPr algn="just"/>
-            <a:r>
-              <a:rPr lang="en-US" sz="2900" dirty="0" err="1" smtClean="0"/>
-              <a:t>Lorem</a:t>
+            <a:r>
+              <a:rPr lang="en-US" sz="2900" dirty="0" smtClean="0"/>
+              <a:t>Lorem ipsum dolor sit </a:t>
+            </a:r>
+            <a:r>
+              <a:rPr lang="en-US" sz="2900" dirty="0" err="1" smtClean="0"/>
+              <a:t>amet</a:t>
+            </a:r>
+            <a:r>
+              <a:rPr lang="en-US" sz="2900" dirty="0" smtClean="0"/>
+              <a:t>, </a:t>
+            </a:r>
+            <a:r>
+              <a:rPr lang="en-US" sz="2900" dirty="0" err="1" smtClean="0"/>
+              <a:t>consectetur</a:t>
             </a:r>
             <a:r>
               <a:rPr lang="en-US" sz="2900" dirty="0" smtClean="0"/>
@@ -4750,11 +4040,75 @@
             </a:r>
             <a:r>
               <a:rPr lang="en-US" sz="2900" dirty="0" err="1" smtClean="0"/>
-              <a:t>ipsum</a:t>
-            </a:r>
-            <a:r>
-              <a:rPr lang="en-US" sz="2900" dirty="0" smtClean="0"/>
-              <a:t> dolor sit </a:t>
+              <a:t>adipiscing</a:t>
+            </a:r>
+            <a:r>
+              <a:rPr lang="en-US" sz="2900" dirty="0" smtClean="0"/>
+              <a:t> </a:t>
+            </a:r>
+            <a:r>
+              <a:rPr lang="en-US" sz="2900" dirty="0" err="1" smtClean="0"/>
+              <a:t>elit</a:t>
+            </a:r>
+            <a:r>
+              <a:rPr lang="en-US" sz="2900" dirty="0" smtClean="0"/>
+              <a:t>. </a:t>
+            </a:r>
+            <a:r>
+              <a:rPr lang="en-US" sz="2900" dirty="0" err="1" smtClean="0"/>
+              <a:t>Duis</a:t>
+            </a:r>
+            <a:r>
+              <a:rPr lang="en-US" sz="2900" dirty="0" smtClean="0"/>
+              <a:t> </a:t>
+            </a:r>
+            <a:r>
+              <a:rPr lang="en-US" sz="2900" dirty="0" err="1" smtClean="0"/>
+              <a:t>rhoncus</a:t>
+            </a:r>
+            <a:r>
+              <a:rPr lang="en-US" sz="2900" dirty="0" smtClean="0"/>
+              <a:t> </a:t>
+            </a:r>
+            <a:r>
+              <a:rPr lang="en-US" sz="2900" dirty="0" err="1" smtClean="0"/>
+              <a:t>consectetur</a:t>
+            </a:r>
+            <a:r>
+              <a:rPr lang="en-US" sz="2900" dirty="0" smtClean="0"/>
+              <a:t> </a:t>
+            </a:r>
+            <a:r>
+              <a:rPr lang="en-US" sz="2900" dirty="0" err="1" smtClean="0"/>
+              <a:t>faucibus</a:t>
+            </a:r>
+            <a:r>
+              <a:rPr lang="en-US" sz="2900" dirty="0" smtClean="0"/>
+              <a:t>. </a:t>
+            </a:r>
+            <a:r>
+              <a:rPr lang="en-US" sz="2900" dirty="0" err="1" smtClean="0"/>
+              <a:t>Suspendisse</a:t>
+            </a:r>
+            <a:r>
+              <a:rPr lang="en-US" sz="2900" dirty="0" smtClean="0"/>
+              <a:t> </a:t>
+            </a:r>
+            <a:r>
+              <a:rPr lang="en-US" sz="2900" dirty="0" err="1" smtClean="0"/>
+              <a:t>potenti</a:t>
+            </a:r>
+            <a:r>
+              <a:rPr lang="en-US" sz="2900" dirty="0" smtClean="0"/>
+              <a:t>. </a:t>
+            </a:r>
+            <a:r>
+              <a:rPr lang="en-US" sz="2900" dirty="0" err="1" smtClean="0"/>
+              <a:t>Praesent</a:t>
+            </a:r>
+            <a:r>
+              <a:rPr lang="en-US" sz="2900" dirty="0" smtClean="0"/>
+              <a:t> sit </a:t>
             </a:r>
             <a:r>
               <a:rPr lang="en-US" sz="2900" dirty="0" err="1" smtClean="0"/>
@@ -4762,11 +4116,67 @@
             </a:r>
             <a:r>
               <a:rPr lang="en-US" sz="2900" dirty="0" smtClean="0"/>
+              <a:t> </a:t>
+            </a:r>
+            <a:r>
+              <a:rPr lang="en-US" sz="2900" dirty="0" err="1" smtClean="0"/>
+              <a:t>elit</a:t>
+            </a:r>
+            <a:r>
+              <a:rPr lang="en-US" sz="2900" dirty="0" smtClean="0"/>
+              <a:t> lorem, </a:t>
+            </a:r>
+            <a:r>
+              <a:rPr lang="en-US" sz="2900" dirty="0" err="1" smtClean="0"/>
+              <a:t>nec</a:t>
+            </a:r>
+            <a:r>
+              <a:rPr lang="en-US" sz="2900" dirty="0" smtClean="0"/>
+              <a:t> </a:t>
+            </a:r>
+            <a:r>
+              <a:rPr lang="en-US" sz="2900" dirty="0" err="1" smtClean="0"/>
+              <a:t>varius</a:t>
+            </a:r>
+            <a:r>
+              <a:rPr lang="en-US" sz="2900" dirty="0" smtClean="0"/>
+              <a:t> </a:t>
+            </a:r>
+            <a:r>
+              <a:rPr lang="en-US" sz="2900" dirty="0" err="1" smtClean="0"/>
+              <a:t>mauris</a:t>
+            </a:r>
+            <a:r>
+              <a:rPr lang="en-US" sz="2900" dirty="0" smtClean="0"/>
+              <a:t>. Maecenas at convallis </a:t>
+            </a:r>
+            <a:r>
+              <a:rPr lang="en-US" sz="2900" dirty="0" err="1" smtClean="0"/>
+              <a:t>eros</a:t>
+            </a:r>
+            <a:r>
+              <a:rPr lang="en-US" sz="2900" dirty="0" smtClean="0"/>
+              <a:t>. </a:t>
+            </a:r>
+            <a:r>
+              <a:rPr lang="en-US" sz="2900" dirty="0" err="1" smtClean="0"/>
+              <a:t>Donec</a:t>
+            </a:r>
+            <a:r>
+              <a:rPr lang="en-US" sz="2900" dirty="0" smtClean="0"/>
+              <a:t> </a:t>
+            </a:r>
+            <a:r>
+              <a:rPr lang="en-US" sz="2900" dirty="0" err="1" smtClean="0"/>
+              <a:t>accumsan</a:t>
+            </a:r>
+            <a:r>
+              <a:rPr lang="en-US" sz="2900" dirty="0" smtClean="0"/>
               <a:t>, </a:t>
             </a:r>
             <a:r>
               <a:rPr lang="en-US" sz="2900" dirty="0" err="1" smtClean="0"/>
-              <a:t>consectetur</a:t>
+              <a:t>nunc</a:t>
             </a:r>
             <a:r>
               <a:rPr lang="en-US" sz="2900" dirty="0" smtClean="0"/>
@@ -4774,15 +4184,431 @@
             </a:r>
             <a:r>
               <a:rPr lang="en-US" sz="2900" dirty="0" err="1" smtClean="0"/>
+              <a:t>lacinia</a:t>
+            </a:r>
+            <a:r>
+              <a:rPr lang="en-US" sz="2900" dirty="0" smtClean="0"/>
+              <a:t> </a:t>
+            </a:r>
+            <a:r>
+              <a:rPr lang="en-US" sz="2900" dirty="0" err="1" smtClean="0"/>
+              <a:t>imperdiet</a:t>
+            </a:r>
+            <a:r>
+              <a:rPr lang="en-US" sz="2900" dirty="0" smtClean="0"/>
+              <a:t> </a:t>
+            </a:r>
+            <a:r>
+              <a:rPr lang="en-US" sz="2900" dirty="0" err="1" smtClean="0"/>
+              <a:t>congue</a:t>
+            </a:r>
+            <a:r>
+              <a:rPr lang="en-US" sz="2900" dirty="0" smtClean="0"/>
+              <a:t>, magna </a:t>
+            </a:r>
+            <a:r>
+              <a:rPr lang="en-US" sz="2900" dirty="0" err="1" smtClean="0"/>
+              <a:t>elit</a:t>
+            </a:r>
+            <a:r>
+              <a:rPr lang="en-US" sz="2900" dirty="0" smtClean="0"/>
+              <a:t> </a:t>
+            </a:r>
+            <a:r>
+              <a:rPr lang="en-US" sz="2900" dirty="0" err="1" smtClean="0"/>
+              <a:t>vestibulum</a:t>
+            </a:r>
+            <a:r>
+              <a:rPr lang="en-US" sz="2900" dirty="0" smtClean="0"/>
+              <a:t> </a:t>
+            </a:r>
+            <a:r>
+              <a:rPr lang="en-US" sz="2900" dirty="0" err="1" smtClean="0"/>
+              <a:t>felis</a:t>
+            </a:r>
+            <a:r>
+              <a:rPr lang="en-US" sz="2900" dirty="0" smtClean="0"/>
+              <a:t>, ac </a:t>
+            </a:r>
+            <a:r>
+              <a:rPr lang="en-US" sz="2900" dirty="0" err="1" smtClean="0"/>
+              <a:t>suscipit</a:t>
+            </a:r>
+            <a:r>
+              <a:rPr lang="en-US" sz="2900" dirty="0" smtClean="0"/>
+              <a:t> </a:t>
+            </a:r>
+            <a:r>
+              <a:rPr lang="en-US" sz="2900" dirty="0" err="1" smtClean="0"/>
+              <a:t>justo</a:t>
+            </a:r>
+            <a:r>
+              <a:rPr lang="en-US" sz="2900" dirty="0" smtClean="0"/>
+              <a:t> lacus id </a:t>
+            </a:r>
+            <a:r>
+              <a:rPr lang="en-US" sz="2900" dirty="0" err="1" smtClean="0"/>
+              <a:t>tortor</a:t>
+            </a:r>
+            <a:r>
+              <a:rPr lang="en-US" sz="2900" dirty="0" smtClean="0"/>
+              <a:t>. </a:t>
+            </a:r>
+            <a:r>
+              <a:rPr lang="en-US" sz="2900" dirty="0" err="1" smtClean="0"/>
+              <a:t>Aenean</a:t>
+            </a:r>
+            <a:r>
+              <a:rPr lang="en-US" sz="2900" dirty="0" smtClean="0"/>
+              <a:t> </a:t>
+            </a:r>
+            <a:r>
+              <a:rPr lang="en-US" sz="2900" dirty="0" err="1" smtClean="0"/>
+              <a:t>vulputate</a:t>
+            </a:r>
+            <a:r>
+              <a:rPr lang="en-US" sz="2900" dirty="0" smtClean="0"/>
+              <a:t> </a:t>
+            </a:r>
+            <a:r>
+              <a:rPr lang="en-US" sz="2900" dirty="0" err="1" smtClean="0"/>
+              <a:t>hendrerit</a:t>
+            </a:r>
+            <a:r>
+              <a:rPr lang="en-US" sz="2900" dirty="0" smtClean="0"/>
+              <a:t> lacus, </a:t>
+            </a:r>
+            <a:r>
+              <a:rPr lang="en-US" sz="2900" dirty="0" err="1" smtClean="0"/>
+              <a:t>eget</a:t>
+            </a:r>
+            <a:r>
+              <a:rPr lang="en-US" sz="2900" dirty="0" smtClean="0"/>
+              <a:t> </a:t>
+            </a:r>
+            <a:r>
+              <a:rPr lang="en-US" sz="2900" dirty="0" err="1" smtClean="0"/>
+              <a:t>vestibulum</a:t>
+            </a:r>
+            <a:r>
+              <a:rPr lang="en-US" sz="2900" dirty="0" smtClean="0"/>
+              <a:t> </a:t>
+            </a:r>
+            <a:r>
+              <a:rPr lang="en-US" sz="2900" dirty="0" err="1" smtClean="0"/>
+              <a:t>odio</a:t>
+            </a:r>
+            <a:r>
+              <a:rPr lang="en-US" sz="2900" dirty="0" smtClean="0"/>
+              <a:t> gravida </a:t>
+            </a:r>
+            <a:r>
+              <a:rPr lang="en-US" sz="2900" dirty="0" err="1" smtClean="0"/>
+              <a:t>nec</a:t>
+            </a:r>
+            <a:r>
+              <a:rPr lang="en-US" sz="2900" dirty="0" smtClean="0"/>
+              <a:t>. Nunc </a:t>
+            </a:r>
+            <a:r>
+              <a:rPr lang="en-US" sz="2900" dirty="0" err="1" smtClean="0"/>
+              <a:t>rutrum</a:t>
+            </a:r>
+            <a:r>
+              <a:rPr lang="en-US" sz="2900" dirty="0" smtClean="0"/>
+              <a:t>, </a:t>
+            </a:r>
+            <a:r>
+              <a:rPr lang="en-US" sz="2900" dirty="0" err="1" smtClean="0"/>
+              <a:t>turpis</a:t>
+            </a:r>
+            <a:r>
+              <a:rPr lang="en-US" sz="2900" dirty="0" smtClean="0"/>
+              <a:t> et </a:t>
+            </a:r>
+            <a:r>
+              <a:rPr lang="en-US" sz="2900" dirty="0" err="1" smtClean="0"/>
+              <a:t>ultricies</a:t>
+            </a:r>
+            <a:r>
+              <a:rPr lang="en-US" sz="2900" dirty="0" smtClean="0"/>
+              <a:t> </a:t>
+            </a:r>
+            <a:r>
+              <a:rPr lang="en-US" sz="2900" dirty="0" err="1" smtClean="0"/>
+              <a:t>ultrices</a:t>
+            </a:r>
+            <a:r>
+              <a:rPr lang="en-US" sz="2900" dirty="0" smtClean="0"/>
+              <a:t>, </a:t>
+            </a:r>
+            <a:r>
+              <a:rPr lang="en-US" sz="2900" dirty="0" err="1" smtClean="0"/>
+              <a:t>elit</a:t>
+            </a:r>
+            <a:r>
+              <a:rPr lang="en-US" sz="2900" dirty="0" smtClean="0"/>
+              <a:t> </a:t>
+            </a:r>
+            <a:r>
+              <a:rPr lang="en-US" sz="2900" dirty="0" err="1" smtClean="0"/>
+              <a:t>orci</a:t>
+            </a:r>
+            <a:r>
+              <a:rPr lang="en-US" sz="2900" dirty="0" smtClean="0"/>
+              <a:t> </a:t>
+            </a:r>
+            <a:r>
+              <a:rPr lang="en-US" sz="2900" dirty="0" err="1" smtClean="0"/>
+              <a:t>feugiat</a:t>
+            </a:r>
+            <a:r>
+              <a:rPr lang="en-US" sz="2900" dirty="0" smtClean="0"/>
+              <a:t> ante, </a:t>
+            </a:r>
+            <a:r>
+              <a:rPr lang="en-US" sz="2900" dirty="0" err="1" smtClean="0"/>
+              <a:t>nec</a:t>
+            </a:r>
+            <a:r>
+              <a:rPr lang="en-US" sz="2900" dirty="0" smtClean="0"/>
+              <a:t> </a:t>
+            </a:r>
+            <a:r>
+              <a:rPr lang="en-US" sz="2900" dirty="0" err="1" smtClean="0"/>
+              <a:t>accumsan</a:t>
+            </a:r>
+            <a:r>
+              <a:rPr lang="en-US" sz="2900" dirty="0" smtClean="0"/>
+              <a:t> ipsum </a:t>
+            </a:r>
+            <a:r>
+              <a:rPr lang="en-US" sz="2900" dirty="0" err="1" smtClean="0"/>
+              <a:t>felis</a:t>
+            </a:r>
+            <a:r>
+              <a:rPr lang="en-US" sz="2900" dirty="0" smtClean="0"/>
+              <a:t> </a:t>
+            </a:r>
+            <a:r>
+              <a:rPr lang="en-US" sz="2900" dirty="0" err="1" smtClean="0"/>
+              <a:t>eget</a:t>
+            </a:r>
+            <a:r>
+              <a:rPr lang="en-US" sz="2900" dirty="0" smtClean="0"/>
+              <a:t> sem. Maecenas ipsum </a:t>
+            </a:r>
+            <a:r>
+              <a:rPr lang="en-US" sz="2900" dirty="0" err="1" smtClean="0"/>
+              <a:t>metus</a:t>
+            </a:r>
+            <a:r>
+              <a:rPr lang="en-US" sz="2900" dirty="0" smtClean="0"/>
+              <a:t>, </a:t>
+            </a:r>
+            <a:r>
+              <a:rPr lang="en-US" sz="2900" dirty="0" err="1" smtClean="0"/>
+              <a:t>rutrum</a:t>
+            </a:r>
+            <a:r>
+              <a:rPr lang="en-US" sz="2900" dirty="0" smtClean="0"/>
+              <a:t> </a:t>
+            </a:r>
+            <a:r>
+              <a:rPr lang="en-US" sz="2900" dirty="0" err="1" smtClean="0"/>
+              <a:t>nec</a:t>
+            </a:r>
+            <a:r>
+              <a:rPr lang="en-US" sz="2900" dirty="0" smtClean="0"/>
+              <a:t> </a:t>
+            </a:r>
+            <a:r>
+              <a:rPr lang="en-US" sz="2900" dirty="0" err="1" smtClean="0"/>
+              <a:t>pretium</a:t>
+            </a:r>
+            <a:r>
+              <a:rPr lang="en-US" sz="2900" dirty="0" smtClean="0"/>
+              <a:t> sit </a:t>
+            </a:r>
+            <a:r>
+              <a:rPr lang="en-US" sz="2900" dirty="0" err="1" smtClean="0"/>
+              <a:t>amet</a:t>
+            </a:r>
+            <a:r>
+              <a:rPr lang="en-US" sz="2900" dirty="0" smtClean="0"/>
+              <a:t>, </a:t>
+            </a:r>
+            <a:r>
+              <a:rPr lang="en-US" sz="2900" dirty="0" err="1" smtClean="0"/>
+              <a:t>commodo</a:t>
+            </a:r>
+            <a:r>
+              <a:rPr lang="en-US" sz="2900" dirty="0" smtClean="0"/>
+              <a:t> </a:t>
+            </a:r>
+            <a:r>
+              <a:rPr lang="en-US" sz="2900" dirty="0" err="1" smtClean="0"/>
+              <a:t>ut</a:t>
+            </a:r>
+            <a:r>
+              <a:rPr lang="en-US" sz="2900" dirty="0" smtClean="0"/>
+              <a:t> </a:t>
+            </a:r>
+            <a:r>
+              <a:rPr lang="en-US" sz="2900" dirty="0" err="1" smtClean="0"/>
+              <a:t>neque</a:t>
+            </a:r>
+            <a:r>
+              <a:rPr lang="en-US" sz="2900" dirty="0" smtClean="0"/>
+              <a:t>. </a:t>
+            </a:r>
+            <a:r>
+              <a:rPr lang="en-US" sz="2900" dirty="0" err="1" smtClean="0"/>
+              <a:t>Aenean</a:t>
+            </a:r>
+            <a:r>
+              <a:rPr lang="en-US" sz="2900" dirty="0" smtClean="0"/>
+              <a:t> </a:t>
+            </a:r>
+            <a:r>
+              <a:rPr lang="en-US" sz="2900" dirty="0" err="1" smtClean="0"/>
+              <a:t>ut</a:t>
+            </a:r>
+            <a:r>
+              <a:rPr lang="en-US" sz="2900" dirty="0" smtClean="0"/>
+              <a:t> </a:t>
+            </a:r>
+            <a:r>
+              <a:rPr lang="en-US" sz="2900" dirty="0" err="1" smtClean="0"/>
+              <a:t>mattis</a:t>
+            </a:r>
+            <a:r>
+              <a:rPr lang="en-US" sz="2900" dirty="0" smtClean="0"/>
+              <a:t> </a:t>
+            </a:r>
+            <a:r>
+              <a:rPr lang="en-US" sz="2900" dirty="0" err="1" smtClean="0"/>
+              <a:t>enim</a:t>
+            </a:r>
+            <a:r>
+              <a:rPr lang="en-US" sz="2900" dirty="0" smtClean="0"/>
+              <a:t>. </a:t>
+            </a:r>
+            <a:r>
+              <a:rPr lang="en-US" sz="2900" dirty="0" err="1" smtClean="0"/>
+              <a:t>Quisque</a:t>
+            </a:r>
+            <a:r>
+              <a:rPr lang="en-US" sz="2900" dirty="0" smtClean="0"/>
+              <a:t> </a:t>
+            </a:r>
+            <a:r>
+              <a:rPr lang="en-US" sz="2900" dirty="0" err="1" smtClean="0"/>
+              <a:t>iaculis</a:t>
+            </a:r>
+            <a:r>
+              <a:rPr lang="en-US" sz="2900" dirty="0" smtClean="0"/>
+              <a:t> </a:t>
+            </a:r>
+            <a:r>
+              <a:rPr lang="en-US" sz="2900" dirty="0" err="1" smtClean="0"/>
+              <a:t>molestie</a:t>
+            </a:r>
+            <a:r>
+              <a:rPr lang="en-US" sz="2900" dirty="0" smtClean="0"/>
+              <a:t> </a:t>
+            </a:r>
+            <a:r>
+              <a:rPr lang="en-US" sz="2900" dirty="0" err="1" smtClean="0"/>
+              <a:t>orci</a:t>
+            </a:r>
+            <a:r>
+              <a:rPr lang="en-US" sz="2900" dirty="0" smtClean="0"/>
+              <a:t> non </a:t>
+            </a:r>
+            <a:r>
+              <a:rPr lang="en-US" sz="2900" dirty="0" err="1" smtClean="0"/>
+              <a:t>scelerisque</a:t>
+            </a:r>
+            <a:r>
+              <a:rPr lang="en-US" sz="2900" dirty="0" smtClean="0"/>
+              <a:t>. </a:t>
+            </a:r>
+            <a:r>
+              <a:rPr lang="en-US" sz="2900" dirty="0" err="1" smtClean="0"/>
+              <a:t>Pellentesque</a:t>
+            </a:r>
+            <a:r>
+              <a:rPr lang="en-US" sz="2900" dirty="0" smtClean="0"/>
+              <a:t> </a:t>
+            </a:r>
+            <a:r>
+              <a:rPr lang="en-US" sz="2900" dirty="0" err="1" smtClean="0"/>
+              <a:t>tristique</a:t>
+            </a:r>
+            <a:r>
+              <a:rPr lang="en-US" sz="2900" dirty="0" smtClean="0"/>
+              <a:t> </a:t>
+            </a:r>
+            <a:r>
+              <a:rPr lang="en-US" sz="2900" dirty="0" err="1" smtClean="0"/>
+              <a:t>risus</a:t>
+            </a:r>
+            <a:r>
+              <a:rPr lang="en-US" sz="2900" dirty="0" smtClean="0"/>
+              <a:t> </a:t>
+            </a:r>
+            <a:r>
+              <a:rPr lang="en-US" sz="2900" dirty="0" err="1" smtClean="0"/>
+              <a:t>elementum</a:t>
+            </a:r>
+            <a:r>
+              <a:rPr lang="en-US" sz="2900" dirty="0" smtClean="0"/>
+              <a:t> </a:t>
+            </a:r>
+            <a:r>
+              <a:rPr lang="en-US" sz="2900" dirty="0" err="1" smtClean="0"/>
+              <a:t>diam</a:t>
+            </a:r>
+            <a:r>
+              <a:rPr lang="en-US" sz="2900" dirty="0" smtClean="0"/>
+              <a:t> convallis porta </a:t>
+            </a:r>
+            <a:r>
+              <a:rPr lang="en-US" sz="2900" dirty="0" err="1" smtClean="0"/>
+              <a:t>sagittis</a:t>
+            </a:r>
+            <a:r>
+              <a:rPr lang="en-US" sz="2900" dirty="0" smtClean="0"/>
+              <a:t> </a:t>
+            </a:r>
+            <a:r>
+              <a:rPr lang="en-US" sz="2900" dirty="0" err="1" smtClean="0"/>
+              <a:t>elit</a:t>
+            </a:r>
+            <a:r>
+              <a:rPr lang="en-US" sz="2900" dirty="0" smtClean="0"/>
+              <a:t> </a:t>
+            </a:r>
+            <a:r>
+              <a:rPr lang="en-US" sz="2900" dirty="0" err="1" smtClean="0"/>
               <a:t>adipiscing</a:t>
             </a:r>
             <a:r>
               <a:rPr lang="en-US" sz="2900" dirty="0" smtClean="0"/>
+              <a:t>. </a:t>
+            </a:r>
+            <a:r>
+              <a:rPr lang="en-US" sz="2900" dirty="0" err="1" smtClean="0"/>
+              <a:t>Nulla</a:t>
+            </a:r>
+            <a:r>
+              <a:rPr lang="en-US" sz="2900" dirty="0" smtClean="0"/>
               <a:t> </a:t>
             </a:r>
             <a:r>
               <a:rPr lang="en-US" sz="2900" dirty="0" err="1" smtClean="0"/>
-              <a:t>elit</a:t>
+              <a:t>facilisi</a:t>
             </a:r>
             <a:r>
               <a:rPr lang="en-US" sz="2900" dirty="0" smtClean="0"/>
@@ -4790,7 +4616,7 @@
             </a:r>
             <a:r>
               <a:rPr lang="en-US" sz="2900" dirty="0" err="1" smtClean="0"/>
-              <a:t>Duis</a:t>
+              <a:t>Vivamus</a:t>
             </a:r>
             <a:r>
               <a:rPr lang="en-US" sz="2900" dirty="0" smtClean="0"/>
@@ -4798,7 +4624,7 @@
             </a:r>
             <a:r>
               <a:rPr lang="en-US" sz="2900" dirty="0" err="1" smtClean="0"/>
-              <a:t>rhoncus</a:t>
+              <a:t>justo</a:t>
             </a:r>
             <a:r>
               <a:rPr lang="en-US" sz="2900" dirty="0" smtClean="0"/>
@@ -4806,7 +4632,23 @@
             </a:r>
             <a:r>
               <a:rPr lang="en-US" sz="2900" dirty="0" err="1" smtClean="0"/>
-              <a:t>consectetur</a:t>
+              <a:t>tellus</a:t>
+            </a:r>
+            <a:r>
+              <a:rPr lang="en-US" sz="2900" dirty="0" smtClean="0"/>
+              <a:t>, </a:t>
+            </a:r>
+            <a:r>
+              <a:rPr lang="en-US" sz="2900" dirty="0" err="1" smtClean="0"/>
+              <a:t>ullamcorper</a:t>
+            </a:r>
+            <a:r>
+              <a:rPr lang="en-US" sz="2900" dirty="0" smtClean="0"/>
+              <a:t> et </a:t>
+            </a:r>
+            <a:r>
+              <a:rPr lang="en-US" sz="2900" dirty="0" err="1" smtClean="0"/>
+              <a:t>lacinia</a:t>
             </a:r>
             <a:r>
               <a:rPr lang="en-US" sz="2900" dirty="0" smtClean="0"/>
@@ -4814,7 +4656,31 @@
             </a:r>
             <a:r>
               <a:rPr lang="en-US" sz="2900" dirty="0" err="1" smtClean="0"/>
-              <a:t>faucibus</a:t>
+              <a:t>vel</a:t>
+            </a:r>
+            <a:r>
+              <a:rPr lang="en-US" sz="2900" dirty="0" smtClean="0"/>
+              <a:t>, </a:t>
+            </a:r>
+            <a:r>
+              <a:rPr lang="en-US" sz="2900" dirty="0" err="1" smtClean="0"/>
+              <a:t>consequat</a:t>
+            </a:r>
+            <a:r>
+              <a:rPr lang="en-US" sz="2900" dirty="0" smtClean="0"/>
+              <a:t> </a:t>
+            </a:r>
+            <a:r>
+              <a:rPr lang="en-US" sz="2900" dirty="0" err="1" smtClean="0"/>
+              <a:t>eu</a:t>
+            </a:r>
+            <a:r>
+              <a:rPr lang="en-US" sz="2900" dirty="0" smtClean="0"/>
+              <a:t> </a:t>
+            </a:r>
+            <a:r>
+              <a:rPr lang="en-US" sz="2900" dirty="0" err="1" smtClean="0"/>
+              <a:t>odio</a:t>
             </a:r>
             <a:r>
               <a:rPr lang="en-US" sz="2900" dirty="0" smtClean="0"/>
@@ -4822,7 +4688,7 @@
             </a:r>
             <a:r>
               <a:rPr lang="en-US" sz="2900" dirty="0" err="1" smtClean="0"/>
-              <a:t>Suspendisse</a:t>
+              <a:t>Nullam</a:t>
             </a:r>
             <a:r>
               <a:rPr lang="en-US" sz="2900" dirty="0" smtClean="0"/>
@@ -4830,23 +4696,7 @@
             </a:r>
             <a:r>
               <a:rPr lang="en-US" sz="2900" dirty="0" err="1" smtClean="0"/>
-              <a:t>potenti</a:t>
-            </a:r>
-            <a:r>
-              <a:rPr lang="en-US" sz="2900" dirty="0" smtClean="0"/>
-              <a:t>. </a:t>
-            </a:r>
-            <a:r>
-              <a:rPr lang="en-US" sz="2900" dirty="0" err="1" smtClean="0"/>
-              <a:t>Praesent</a:t>
-            </a:r>
-            <a:r>
-              <a:rPr lang="en-US" sz="2900" dirty="0" smtClean="0"/>
-              <a:t> sit </a:t>
-            </a:r>
-            <a:r>
-              <a:rPr lang="en-US" sz="2900" dirty="0" err="1" smtClean="0"/>
-              <a:t>amet</a:t>
+              <a:t>porttitor</a:t>
             </a:r>
             <a:r>
               <a:rPr lang="en-US" sz="2900" dirty="0" smtClean="0"/>
@@ -4854,7 +4704,7 @@
             </a:r>
             <a:r>
               <a:rPr lang="en-US" sz="2900" dirty="0" err="1" smtClean="0"/>
-              <a:t>elit</a:t>
+              <a:t>euismod</a:t>
             </a:r>
             <a:r>
               <a:rPr lang="en-US" sz="2900" dirty="0" smtClean="0"/>
@@ -4862,15 +4712,7 @@
             </a:r>
             <a:r>
               <a:rPr lang="en-US" sz="2900" dirty="0" err="1" smtClean="0"/>
-              <a:t>lorem</a:t>
-            </a:r>
-            <a:r>
-              <a:rPr lang="en-US" sz="2900" dirty="0" smtClean="0"/>
-              <a:t>, </a:t>
-            </a:r>
-            <a:r>
-              <a:rPr lang="en-US" sz="2900" dirty="0" err="1" smtClean="0"/>
-              <a:t>nec</a:t>
+              <a:t>turpis</a:t>
             </a:r>
             <a:r>
               <a:rPr lang="en-US" sz="2900" dirty="0" smtClean="0"/>
@@ -4878,869 +4720,26 @@
             </a:r>
             <a:r>
               <a:rPr lang="en-US" sz="2900" dirty="0" err="1" smtClean="0"/>
-              <a:t>varius</a:t>
-            </a:r>
-            <a:r>
-              <a:rPr lang="en-US" sz="2900" dirty="0" smtClean="0"/>
-              <a:t> </a:t>
-            </a:r>
-            <a:r>
-              <a:rPr lang="en-US" sz="2900" dirty="0" err="1" smtClean="0"/>
-              <a:t>mauris</a:t>
-            </a:r>
-            <a:r>
-              <a:rPr lang="en-US" sz="2900" dirty="0" smtClean="0"/>
-              <a:t>. Maecenas at </a:t>
-            </a:r>
-            <a:r>
-              <a:rPr lang="en-US" sz="2900" dirty="0" err="1" smtClean="0"/>
-              <a:t>convallis</a:t>
-            </a:r>
-            <a:r>
-              <a:rPr lang="en-US" sz="2900" dirty="0" smtClean="0"/>
-              <a:t> </a:t>
-            </a:r>
-            <a:r>
-              <a:rPr lang="en-US" sz="2900" dirty="0" err="1" smtClean="0"/>
-              <a:t>eros</a:t>
-            </a:r>
-            <a:r>
-              <a:rPr lang="en-US" sz="2900" dirty="0" smtClean="0"/>
-              <a:t>. </a:t>
-            </a:r>
-            <a:r>
-              <a:rPr lang="en-US" sz="2900" dirty="0" err="1" smtClean="0"/>
-              <a:t>Donec</a:t>
-            </a:r>
-            <a:r>
-              <a:rPr lang="en-US" sz="2900" dirty="0" smtClean="0"/>
-              <a:t> </a:t>
-            </a:r>
-            <a:r>
-              <a:rPr lang="en-US" sz="2900" dirty="0" err="1" smtClean="0"/>
-              <a:t>accumsan</a:t>
-            </a:r>
-            <a:r>
-              <a:rPr lang="en-US" sz="2900" dirty="0" smtClean="0"/>
-              <a:t>, </a:t>
-            </a:r>
-            <a:r>
-              <a:rPr lang="en-US" sz="2900" dirty="0" err="1" smtClean="0"/>
-              <a:t>nunc</a:t>
-            </a:r>
-            <a:r>
-              <a:rPr lang="en-US" sz="2900" dirty="0" smtClean="0"/>
-              <a:t> </a:t>
-            </a:r>
-            <a:r>
-              <a:rPr lang="en-US" sz="2900" dirty="0" err="1" smtClean="0"/>
-              <a:t>lacinia</a:t>
-            </a:r>
-            <a:r>
-              <a:rPr lang="en-US" sz="2900" dirty="0" smtClean="0"/>
-              <a:t> </a:t>
-            </a:r>
-            <a:r>
-              <a:rPr lang="en-US" sz="2900" dirty="0" err="1" smtClean="0"/>
-              <a:t>imperdiet</a:t>
-            </a:r>
-            <a:r>
-              <a:rPr lang="en-US" sz="2900" dirty="0" smtClean="0"/>
-              <a:t> </a:t>
-            </a:r>
-            <a:r>
-              <a:rPr lang="en-US" sz="2900" dirty="0" err="1" smtClean="0"/>
-              <a:t>congue</a:t>
-            </a:r>
-            <a:r>
-              <a:rPr lang="en-US" sz="2900" dirty="0" smtClean="0"/>
-              <a:t>, magna </a:t>
-            </a:r>
-            <a:r>
-              <a:rPr lang="en-US" sz="2900" dirty="0" err="1" smtClean="0"/>
-              <a:t>elit</a:t>
-            </a:r>
-            <a:r>
-              <a:rPr lang="en-US" sz="2900" dirty="0" smtClean="0"/>
-              <a:t> </a:t>
-            </a:r>
-            <a:r>
-              <a:rPr lang="en-US" sz="2900" dirty="0" err="1" smtClean="0"/>
-              <a:t>vestibulum</a:t>
-            </a:r>
-            <a:r>
-              <a:rPr lang="en-US" sz="2900" dirty="0" smtClean="0"/>
-              <a:t> </a:t>
-            </a:r>
-            <a:r>
-              <a:rPr lang="en-US" sz="2900" dirty="0" err="1" smtClean="0"/>
-              <a:t>felis</a:t>
-            </a:r>
-            <a:r>
-              <a:rPr lang="en-US" sz="2900" dirty="0" smtClean="0"/>
-              <a:t>, ac </a:t>
-            </a:r>
-            <a:r>
-              <a:rPr lang="en-US" sz="2900" dirty="0" err="1" smtClean="0"/>
-              <a:t>suscipit</a:t>
-            </a:r>
-            <a:r>
-              <a:rPr lang="en-US" sz="2900" dirty="0" smtClean="0"/>
-              <a:t> </a:t>
-            </a:r>
-            <a:r>
-              <a:rPr lang="en-US" sz="2900" dirty="0" err="1" smtClean="0"/>
-              <a:t>justo</a:t>
-            </a:r>
-            <a:r>
-              <a:rPr lang="en-US" sz="2900" dirty="0" smtClean="0"/>
-              <a:t> lacus id </a:t>
-            </a:r>
-            <a:r>
-              <a:rPr lang="en-US" sz="2900" dirty="0" err="1" smtClean="0"/>
-              <a:t>tortor</a:t>
-            </a:r>
-            <a:r>
-              <a:rPr lang="en-US" sz="2900" dirty="0" smtClean="0"/>
-              <a:t>. </a:t>
-            </a:r>
-            <a:r>
-              <a:rPr lang="en-US" sz="2900" dirty="0" err="1" smtClean="0"/>
-              <a:t>Aenean</a:t>
-            </a:r>
-            <a:r>
-              <a:rPr lang="en-US" sz="2900" dirty="0" smtClean="0"/>
-              <a:t> </a:t>
-            </a:r>
-            <a:r>
-              <a:rPr lang="en-US" sz="2900" dirty="0" err="1" smtClean="0"/>
-              <a:t>vulputate</a:t>
-            </a:r>
-            <a:r>
-              <a:rPr lang="en-US" sz="2900" dirty="0" smtClean="0"/>
-              <a:t> </a:t>
-            </a:r>
-            <a:r>
-              <a:rPr lang="en-US" sz="2900" dirty="0" err="1" smtClean="0"/>
-              <a:t>hendrerit</a:t>
-            </a:r>
-            <a:r>
-              <a:rPr lang="en-US" sz="2900" dirty="0" smtClean="0"/>
-              <a:t> lacus, </a:t>
-            </a:r>
-            <a:r>
-              <a:rPr lang="en-US" sz="2900" dirty="0" err="1" smtClean="0"/>
-              <a:t>eget</a:t>
-            </a:r>
-            <a:r>
-              <a:rPr lang="en-US" sz="2900" dirty="0" smtClean="0"/>
-              <a:t> </a:t>
-            </a:r>
-            <a:r>
-              <a:rPr lang="en-US" sz="2900" dirty="0" err="1" smtClean="0"/>
-              <a:t>vestibulum</a:t>
-            </a:r>
-            <a:r>
-              <a:rPr lang="en-US" sz="2900" dirty="0" smtClean="0"/>
-              <a:t> </a:t>
-            </a:r>
-            <a:r>
-              <a:rPr lang="en-US" sz="2900" dirty="0" err="1" smtClean="0"/>
-              <a:t>odio</a:t>
-            </a:r>
-            <a:r>
-              <a:rPr lang="en-US" sz="2900" dirty="0" smtClean="0"/>
-              <a:t> </a:t>
-            </a:r>
-            <a:r>
-              <a:rPr lang="en-US" sz="2900" dirty="0" err="1" smtClean="0"/>
-              <a:t>gravida</a:t>
-            </a:r>
-            <a:r>
-              <a:rPr lang="en-US" sz="2900" dirty="0" smtClean="0"/>
-              <a:t> </a:t>
-            </a:r>
-            <a:r>
-              <a:rPr lang="en-US" sz="2900" dirty="0" err="1" smtClean="0"/>
-              <a:t>nec</a:t>
-            </a:r>
-            <a:r>
-              <a:rPr lang="en-US" sz="2900" dirty="0" smtClean="0"/>
-              <a:t>. </a:t>
-            </a:r>
-            <a:r>
-              <a:rPr lang="en-US" sz="2900" dirty="0" err="1" smtClean="0"/>
-              <a:t>Nunc</a:t>
-            </a:r>
-            <a:r>
-              <a:rPr lang="en-US" sz="2900" dirty="0" smtClean="0"/>
-              <a:t> </a:t>
-            </a:r>
-            <a:r>
-              <a:rPr lang="en-US" sz="2900" dirty="0" err="1" smtClean="0"/>
-              <a:t>rutrum</a:t>
-            </a:r>
-            <a:r>
-              <a:rPr lang="en-US" sz="2900" dirty="0" smtClean="0"/>
-              <a:t>, </a:t>
-            </a:r>
-            <a:r>
-              <a:rPr lang="en-US" sz="2900" dirty="0" err="1" smtClean="0"/>
-              <a:t>turpis</a:t>
-            </a:r>
-            <a:r>
-              <a:rPr lang="en-US" sz="2900" dirty="0" smtClean="0"/>
-              <a:t> et </a:t>
-            </a:r>
-            <a:r>
-              <a:rPr lang="en-US" sz="2900" dirty="0" err="1" smtClean="0"/>
-              <a:t>ultricies</a:t>
-            </a:r>
-            <a:r>
-              <a:rPr lang="en-US" sz="2900" dirty="0" smtClean="0"/>
-              <a:t> </a:t>
-            </a:r>
-            <a:r>
-              <a:rPr lang="en-US" sz="2900" dirty="0" err="1" smtClean="0"/>
-              <a:t>ultrices</a:t>
-            </a:r>
-            <a:r>
-              <a:rPr lang="en-US" sz="2900" dirty="0" smtClean="0"/>
-              <a:t>, </a:t>
-            </a:r>
-            <a:r>
-              <a:rPr lang="en-US" sz="2900" dirty="0" err="1" smtClean="0"/>
-              <a:t>elit</a:t>
-            </a:r>
-            <a:r>
-              <a:rPr lang="en-US" sz="2900" dirty="0" smtClean="0"/>
-              <a:t> </a:t>
-            </a:r>
-            <a:r>
-              <a:rPr lang="en-US" sz="2900" dirty="0" err="1" smtClean="0"/>
-              <a:t>orci</a:t>
-            </a:r>
-            <a:r>
-              <a:rPr lang="en-US" sz="2900" dirty="0" smtClean="0"/>
-              <a:t> </a:t>
-            </a:r>
-            <a:r>
-              <a:rPr lang="en-US" sz="2900" dirty="0" err="1" smtClean="0"/>
-              <a:t>feugiat</a:t>
-            </a:r>
-            <a:r>
-              <a:rPr lang="en-US" sz="2900" dirty="0" smtClean="0"/>
-              <a:t> ante, </a:t>
-            </a:r>
-            <a:r>
-              <a:rPr lang="en-US" sz="2900" dirty="0" err="1" smtClean="0"/>
-              <a:t>nec</a:t>
-            </a:r>
-            <a:r>
-              <a:rPr lang="en-US" sz="2900" dirty="0" smtClean="0"/>
-              <a:t> </a:t>
-            </a:r>
-            <a:r>
-              <a:rPr lang="en-US" sz="2900" dirty="0" err="1" smtClean="0"/>
-              <a:t>accumsan</a:t>
-            </a:r>
-            <a:r>
-              <a:rPr lang="en-US" sz="2900" dirty="0" smtClean="0"/>
-              <a:t> </a:t>
-            </a:r>
-            <a:r>
-              <a:rPr lang="en-US" sz="2900" dirty="0" err="1" smtClean="0"/>
-              <a:t>ipsum</a:t>
-            </a:r>
-            <a:r>
-              <a:rPr lang="en-US" sz="2900" dirty="0" smtClean="0"/>
-              <a:t> </a:t>
-            </a:r>
-            <a:r>
-              <a:rPr lang="en-US" sz="2900" dirty="0" err="1" smtClean="0"/>
-              <a:t>felis</a:t>
-            </a:r>
-            <a:r>
-              <a:rPr lang="en-US" sz="2900" dirty="0" smtClean="0"/>
-              <a:t> </a:t>
-            </a:r>
-            <a:r>
-              <a:rPr lang="en-US" sz="2900" dirty="0" err="1" smtClean="0"/>
-              <a:t>eget</a:t>
-            </a:r>
-            <a:r>
-              <a:rPr lang="en-US" sz="2900" dirty="0" smtClean="0"/>
-              <a:t> sem. Maecenas </a:t>
-            </a:r>
-            <a:r>
-              <a:rPr lang="en-US" sz="2900" dirty="0" err="1" smtClean="0"/>
-              <a:t>ipsum</a:t>
-            </a:r>
-            <a:r>
-              <a:rPr lang="en-US" sz="2900" dirty="0" smtClean="0"/>
-              <a:t> </a:t>
-            </a:r>
-            <a:r>
-              <a:rPr lang="en-US" sz="2900" dirty="0" err="1" smtClean="0"/>
-              <a:t>metus</a:t>
-            </a:r>
-            <a:r>
-              <a:rPr lang="en-US" sz="2900" dirty="0" smtClean="0"/>
-              <a:t>, </a:t>
-            </a:r>
-            <a:r>
-              <a:rPr lang="en-US" sz="2900" dirty="0" err="1" smtClean="0"/>
-              <a:t>rutrum</a:t>
-            </a:r>
-            <a:r>
-              <a:rPr lang="en-US" sz="2900" dirty="0" smtClean="0"/>
-              <a:t> </a:t>
-            </a:r>
-            <a:r>
-              <a:rPr lang="en-US" sz="2900" dirty="0" err="1" smtClean="0"/>
-              <a:t>nec</a:t>
-            </a:r>
-            <a:r>
-              <a:rPr lang="en-US" sz="2900" dirty="0" smtClean="0"/>
-              <a:t> </a:t>
-            </a:r>
-            <a:r>
-              <a:rPr lang="en-US" sz="2900" dirty="0" err="1" smtClean="0"/>
-              <a:t>pretium</a:t>
-            </a:r>
-            <a:r>
-              <a:rPr lang="en-US" sz="2900" dirty="0" smtClean="0"/>
-              <a:t> sit </a:t>
-            </a:r>
-            <a:r>
-              <a:rPr lang="en-US" sz="2900" dirty="0" err="1" smtClean="0"/>
-              <a:t>amet</a:t>
-            </a:r>
-            <a:r>
-              <a:rPr lang="en-US" sz="2900" dirty="0" smtClean="0"/>
-              <a:t>, </a:t>
-            </a:r>
-            <a:r>
-              <a:rPr lang="en-US" sz="2900" dirty="0" err="1" smtClean="0"/>
-              <a:t>commodo</a:t>
-            </a:r>
-            <a:r>
-              <a:rPr lang="en-US" sz="2900" dirty="0" smtClean="0"/>
-              <a:t> </a:t>
-            </a:r>
-            <a:r>
-              <a:rPr lang="en-US" sz="2900" dirty="0" err="1" smtClean="0"/>
-              <a:t>ut</a:t>
-            </a:r>
-            <a:r>
-              <a:rPr lang="en-US" sz="2900" dirty="0" smtClean="0"/>
-              <a:t> </a:t>
-            </a:r>
-            <a:r>
-              <a:rPr lang="en-US" sz="2900" dirty="0" err="1" smtClean="0"/>
-              <a:t>neque</a:t>
-            </a:r>
-            <a:r>
-              <a:rPr lang="en-US" sz="2900" dirty="0" smtClean="0"/>
-              <a:t>. </a:t>
-            </a:r>
-            <a:r>
-              <a:rPr lang="en-US" sz="2900" dirty="0" err="1" smtClean="0"/>
-              <a:t>Aenean</a:t>
-            </a:r>
-            <a:r>
-              <a:rPr lang="en-US" sz="2900" dirty="0" smtClean="0"/>
-              <a:t> </a:t>
-            </a:r>
-            <a:r>
-              <a:rPr lang="en-US" sz="2900" dirty="0" err="1" smtClean="0"/>
-              <a:t>ut</a:t>
-            </a:r>
-            <a:r>
-              <a:rPr lang="en-US" sz="2900" dirty="0" smtClean="0"/>
-              <a:t> </a:t>
-            </a:r>
-            <a:r>
-              <a:rPr lang="en-US" sz="2900" dirty="0" err="1" smtClean="0"/>
-              <a:t>mattis</a:t>
-            </a:r>
-            <a:r>
-              <a:rPr lang="en-US" sz="2900" dirty="0" smtClean="0"/>
-              <a:t> </a:t>
-            </a:r>
-            <a:r>
-              <a:rPr lang="en-US" sz="2900" dirty="0" err="1" smtClean="0"/>
-              <a:t>enim</a:t>
-            </a:r>
-            <a:r>
-              <a:rPr lang="en-US" sz="2900" dirty="0" smtClean="0"/>
-              <a:t>. </a:t>
-            </a:r>
-            <a:r>
-              <a:rPr lang="en-US" sz="2900" dirty="0" err="1" smtClean="0"/>
-              <a:t>Quisque</a:t>
-            </a:r>
-            <a:r>
-              <a:rPr lang="en-US" sz="2900" dirty="0" smtClean="0"/>
-              <a:t> </a:t>
-            </a:r>
-            <a:r>
-              <a:rPr lang="en-US" sz="2900" dirty="0" err="1" smtClean="0"/>
-              <a:t>iaculis</a:t>
-            </a:r>
-            <a:r>
-              <a:rPr lang="en-US" sz="2900" dirty="0" smtClean="0"/>
-              <a:t> </a:t>
-            </a:r>
-            <a:r>
-              <a:rPr lang="en-US" sz="2900" dirty="0" err="1" smtClean="0"/>
-              <a:t>molestie</a:t>
-            </a:r>
-            <a:r>
-              <a:rPr lang="en-US" sz="2900" dirty="0" smtClean="0"/>
-              <a:t> </a:t>
-            </a:r>
-            <a:r>
-              <a:rPr lang="en-US" sz="2900" dirty="0" err="1" smtClean="0"/>
-              <a:t>orci</a:t>
-            </a:r>
-            <a:r>
-              <a:rPr lang="en-US" sz="2900" dirty="0" smtClean="0"/>
-              <a:t> non </a:t>
-            </a:r>
-            <a:r>
-              <a:rPr lang="en-US" sz="2900" dirty="0" err="1" smtClean="0"/>
-              <a:t>scelerisque</a:t>
-            </a:r>
-            <a:r>
-              <a:rPr lang="en-US" sz="2900" dirty="0" smtClean="0"/>
-              <a:t>. </a:t>
-            </a:r>
-            <a:r>
-              <a:rPr lang="en-US" sz="2900" dirty="0" err="1" smtClean="0"/>
-              <a:t>Pellentesque</a:t>
-            </a:r>
-            <a:r>
-              <a:rPr lang="en-US" sz="2900" dirty="0" smtClean="0"/>
-              <a:t> </a:t>
-            </a:r>
-            <a:r>
-              <a:rPr lang="en-US" sz="2900" dirty="0" err="1" smtClean="0"/>
-              <a:t>tristique</a:t>
-            </a:r>
-            <a:r>
-              <a:rPr lang="en-US" sz="2900" dirty="0" smtClean="0"/>
-              <a:t> </a:t>
-            </a:r>
-            <a:r>
-              <a:rPr lang="en-US" sz="2900" dirty="0" err="1" smtClean="0"/>
-              <a:t>risus</a:t>
-            </a:r>
-            <a:r>
-              <a:rPr lang="en-US" sz="2900" dirty="0" smtClean="0"/>
-              <a:t> </a:t>
-            </a:r>
-            <a:r>
-              <a:rPr lang="en-US" sz="2900" dirty="0" err="1" smtClean="0"/>
-              <a:t>elementum</a:t>
-            </a:r>
-            <a:r>
-              <a:rPr lang="en-US" sz="2900" dirty="0" smtClean="0"/>
-              <a:t> </a:t>
-            </a:r>
-            <a:r>
-              <a:rPr lang="en-US" sz="2900" dirty="0" err="1" smtClean="0"/>
-              <a:t>diam</a:t>
-            </a:r>
-            <a:r>
-              <a:rPr lang="en-US" sz="2900" dirty="0" smtClean="0"/>
-              <a:t> </a:t>
-            </a:r>
-            <a:r>
-              <a:rPr lang="en-US" sz="2900" dirty="0" err="1" smtClean="0"/>
-              <a:t>convallis</a:t>
-            </a:r>
-            <a:r>
-              <a:rPr lang="en-US" sz="2900" dirty="0" smtClean="0"/>
-              <a:t> </a:t>
-            </a:r>
-            <a:r>
-              <a:rPr lang="en-US" sz="2900" dirty="0" err="1" smtClean="0"/>
-              <a:t>porta</a:t>
-            </a:r>
-            <a:r>
-              <a:rPr lang="en-US" sz="2900" dirty="0" smtClean="0"/>
-              <a:t> </a:t>
-            </a:r>
-            <a:r>
-              <a:rPr lang="en-US" sz="2900" dirty="0" err="1" smtClean="0"/>
-              <a:t>sagittis</a:t>
-            </a:r>
-            <a:r>
-              <a:rPr lang="en-US" sz="2900" dirty="0" smtClean="0"/>
-              <a:t> </a:t>
-            </a:r>
-            <a:r>
-              <a:rPr lang="en-US" sz="2900" dirty="0" err="1" smtClean="0"/>
-              <a:t>elit</a:t>
-            </a:r>
-            <a:r>
-              <a:rPr lang="en-US" sz="2900" dirty="0" smtClean="0"/>
-              <a:t> </a:t>
-            </a:r>
-            <a:r>
-              <a:rPr lang="en-US" sz="2900" dirty="0" err="1" smtClean="0"/>
-              <a:t>adipiscing</a:t>
-            </a:r>
-            <a:r>
-              <a:rPr lang="en-US" sz="2900" dirty="0" smtClean="0"/>
-              <a:t>. </a:t>
-            </a:r>
-            <a:r>
-              <a:rPr lang="en-US" sz="2900" dirty="0" err="1" smtClean="0"/>
-              <a:t>Nulla</a:t>
-            </a:r>
-            <a:r>
-              <a:rPr lang="en-US" sz="2900" dirty="0" smtClean="0"/>
-              <a:t> </a:t>
-            </a:r>
-            <a:r>
-              <a:rPr lang="en-US" sz="2900" dirty="0" err="1" smtClean="0"/>
-              <a:t>facilisi</a:t>
-            </a:r>
-            <a:r>
-              <a:rPr lang="en-US" sz="2900" dirty="0" smtClean="0"/>
-              <a:t>. </a:t>
-            </a:r>
-            <a:r>
-              <a:rPr lang="en-US" sz="2900" dirty="0" err="1" smtClean="0"/>
-              <a:t>Vivamus</a:t>
-            </a:r>
-            <a:r>
-              <a:rPr lang="en-US" sz="2900" dirty="0" smtClean="0"/>
-              <a:t> </a:t>
-            </a:r>
-            <a:r>
-              <a:rPr lang="en-US" sz="2900" dirty="0" err="1" smtClean="0"/>
-              <a:t>justo</a:t>
-            </a:r>
-            <a:r>
-              <a:rPr lang="en-US" sz="2900" dirty="0" smtClean="0"/>
-              <a:t> </a:t>
-            </a:r>
-            <a:r>
-              <a:rPr lang="en-US" sz="2900" dirty="0" err="1" smtClean="0"/>
-              <a:t>tellus</a:t>
-            </a:r>
-            <a:r>
-              <a:rPr lang="en-US" sz="2900" dirty="0" smtClean="0"/>
-              <a:t>, </a:t>
-            </a:r>
-            <a:r>
-              <a:rPr lang="en-US" sz="2900" dirty="0" err="1" smtClean="0"/>
-              <a:t>ullamcorper</a:t>
-            </a:r>
-            <a:r>
-              <a:rPr lang="en-US" sz="2900" dirty="0" smtClean="0"/>
-              <a:t> et </a:t>
-            </a:r>
-            <a:r>
-              <a:rPr lang="en-US" sz="2900" dirty="0" err="1" smtClean="0"/>
-              <a:t>lacinia</a:t>
-            </a:r>
-            <a:r>
-              <a:rPr lang="en-US" sz="2900" dirty="0" smtClean="0"/>
-              <a:t> </a:t>
-            </a:r>
-            <a:r>
-              <a:rPr lang="en-US" sz="2900" dirty="0" err="1" smtClean="0"/>
-              <a:t>vel</a:t>
-            </a:r>
-            <a:r>
-              <a:rPr lang="en-US" sz="2900" dirty="0" smtClean="0"/>
-              <a:t>, </a:t>
-            </a:r>
-            <a:r>
-              <a:rPr lang="en-US" sz="2900" dirty="0" err="1" smtClean="0"/>
-              <a:t>consequat</a:t>
-            </a:r>
-            <a:r>
-              <a:rPr lang="en-US" sz="2900" dirty="0" smtClean="0"/>
-              <a:t> </a:t>
-            </a:r>
-            <a:r>
-              <a:rPr lang="en-US" sz="2900" dirty="0" err="1" smtClean="0"/>
-              <a:t>eu</a:t>
-            </a:r>
-            <a:r>
-              <a:rPr lang="en-US" sz="2900" dirty="0" smtClean="0"/>
-              <a:t> </a:t>
-            </a:r>
-            <a:r>
-              <a:rPr lang="en-US" sz="2900" dirty="0" err="1" smtClean="0"/>
-              <a:t>odio</a:t>
-            </a:r>
-            <a:r>
-              <a:rPr lang="en-US" sz="2900" dirty="0" smtClean="0"/>
-              <a:t>. </a:t>
-            </a:r>
-            <a:r>
-              <a:rPr lang="en-US" sz="2900" dirty="0" err="1" smtClean="0"/>
-              <a:t>Nullam</a:t>
-            </a:r>
-            <a:r>
-              <a:rPr lang="en-US" sz="2900" dirty="0" smtClean="0"/>
-              <a:t> </a:t>
-            </a:r>
-            <a:r>
-              <a:rPr lang="en-US" sz="2900" dirty="0" err="1" smtClean="0"/>
-              <a:t>porttitor</a:t>
-            </a:r>
-            <a:r>
-              <a:rPr lang="en-US" sz="2900" dirty="0" smtClean="0"/>
-              <a:t> </a:t>
-            </a:r>
-            <a:r>
-              <a:rPr lang="en-US" sz="2900" dirty="0" err="1" smtClean="0"/>
-              <a:t>euismod</a:t>
-            </a:r>
-            <a:r>
-              <a:rPr lang="en-US" sz="2900" dirty="0" smtClean="0"/>
-              <a:t> </a:t>
-            </a:r>
-            <a:r>
-              <a:rPr lang="en-US" sz="2900" dirty="0" err="1" smtClean="0"/>
-              <a:t>turpis</a:t>
-            </a:r>
-            <a:r>
-              <a:rPr lang="en-US" sz="2900" dirty="0" smtClean="0"/>
-              <a:t> </a:t>
-            </a:r>
-            <a:r>
-              <a:rPr lang="en-US" sz="2900" dirty="0" err="1" smtClean="0"/>
               <a:t>quis</a:t>
             </a:r>
             <a:r>
               <a:rPr lang="en-US" sz="2900" dirty="0" smtClean="0"/>
-              <a:t> dictum. </a:t>
-            </a:r>
-            <a:r>
-              <a:rPr lang="en-US" sz="2900" dirty="0" err="1" smtClean="0"/>
-              <a:t>Nunc</a:t>
-            </a:r>
-            <a:r>
-              <a:rPr lang="en-US" sz="2900" dirty="0" smtClean="0"/>
-              <a:t> non ante </a:t>
-            </a:r>
-            <a:r>
-              <a:rPr lang="en-US" sz="2900" dirty="0" err="1" smtClean="0"/>
-              <a:t>sed</a:t>
-            </a:r>
-            <a:r>
-              <a:rPr lang="en-US" sz="2900" dirty="0" smtClean="0"/>
-              <a:t> </a:t>
-            </a:r>
-            <a:r>
-              <a:rPr lang="en-US" sz="2900" dirty="0" err="1" smtClean="0"/>
-              <a:t>lorem</a:t>
-            </a:r>
-            <a:r>
-              <a:rPr lang="en-US" sz="2900" dirty="0" smtClean="0"/>
-              <a:t> </a:t>
-            </a:r>
-            <a:r>
-              <a:rPr lang="en-US" sz="2900" dirty="0" err="1" smtClean="0"/>
-              <a:t>vulputate</a:t>
-            </a:r>
-            <a:r>
-              <a:rPr lang="en-US" sz="2900" dirty="0" smtClean="0"/>
-              <a:t> </a:t>
-            </a:r>
-            <a:r>
-              <a:rPr lang="en-US" sz="2900" dirty="0" err="1" smtClean="0"/>
-              <a:t>aliquet</a:t>
-            </a:r>
-            <a:r>
-              <a:rPr lang="en-US" sz="2900" dirty="0" smtClean="0"/>
-              <a:t> </a:t>
-            </a:r>
-            <a:r>
-              <a:rPr lang="en-US" sz="2900" dirty="0" err="1" smtClean="0"/>
-              <a:t>ut</a:t>
-            </a:r>
-            <a:r>
-              <a:rPr lang="en-US" sz="2900" dirty="0" smtClean="0"/>
-              <a:t> at mi. </a:t>
-            </a:r>
-            <a:r>
-              <a:rPr lang="en-US" sz="2900" dirty="0" err="1" smtClean="0"/>
-              <a:t>Fusce</a:t>
-            </a:r>
-            <a:r>
-              <a:rPr lang="en-US" sz="2900" dirty="0" smtClean="0"/>
-              <a:t> </a:t>
-            </a:r>
-            <a:r>
-              <a:rPr lang="en-US" sz="2900" dirty="0" err="1" smtClean="0"/>
-              <a:t>sodales</a:t>
-            </a:r>
-            <a:r>
-              <a:rPr lang="en-US" sz="2900" dirty="0" smtClean="0"/>
-              <a:t> </a:t>
-            </a:r>
-            <a:r>
-              <a:rPr lang="en-US" sz="2900" dirty="0" err="1" smtClean="0"/>
-              <a:t>pharetra</a:t>
-            </a:r>
-            <a:r>
-              <a:rPr lang="en-US" sz="2900" dirty="0" smtClean="0"/>
-              <a:t> </a:t>
-            </a:r>
-            <a:r>
-              <a:rPr lang="en-US" sz="2900" dirty="0" err="1" smtClean="0"/>
-              <a:t>sollicitudin</a:t>
-            </a:r>
-            <a:r>
-              <a:rPr lang="en-US" sz="2900" dirty="0" smtClean="0"/>
-              <a:t>. </a:t>
-            </a:r>
-            <a:r>
-              <a:rPr lang="en-US" sz="2900" dirty="0" err="1" smtClean="0"/>
-              <a:t>Cras</a:t>
-            </a:r>
-            <a:r>
-              <a:rPr lang="en-US" sz="2900" dirty="0" smtClean="0"/>
-              <a:t> </a:t>
-            </a:r>
-            <a:r>
-              <a:rPr lang="en-US" sz="2900" dirty="0" err="1" smtClean="0"/>
-              <a:t>euismod</a:t>
-            </a:r>
-            <a:r>
-              <a:rPr lang="en-US" sz="2900" dirty="0" smtClean="0"/>
-              <a:t> </a:t>
-            </a:r>
-            <a:r>
-              <a:rPr lang="en-US" sz="2900" dirty="0" err="1" smtClean="0"/>
-              <a:t>fringilla</a:t>
-            </a:r>
-            <a:r>
-              <a:rPr lang="en-US" sz="2900" dirty="0" smtClean="0"/>
-              <a:t> </a:t>
-            </a:r>
-            <a:r>
-              <a:rPr lang="en-US" sz="2900" dirty="0" err="1" smtClean="0"/>
-              <a:t>felis</a:t>
-            </a:r>
-            <a:r>
-              <a:rPr lang="en-US" sz="2900" dirty="0" smtClean="0"/>
-              <a:t> </a:t>
-            </a:r>
-            <a:r>
-              <a:rPr lang="en-US" sz="2900" dirty="0" err="1" smtClean="0"/>
-              <a:t>euismod</a:t>
-            </a:r>
-            <a:r>
-              <a:rPr lang="en-US" sz="2900" dirty="0" smtClean="0"/>
-              <a:t> </a:t>
-            </a:r>
-            <a:r>
-              <a:rPr lang="en-US" sz="2900" dirty="0" err="1" smtClean="0"/>
-              <a:t>blandit</a:t>
-            </a:r>
-            <a:r>
-              <a:rPr lang="en-US" sz="2900" dirty="0" smtClean="0"/>
-              <a:t>. </a:t>
-            </a:r>
-            <a:r>
-              <a:rPr lang="en-US" sz="2900" dirty="0" err="1" smtClean="0"/>
-              <a:t>Aliquam</a:t>
-            </a:r>
-            <a:r>
-              <a:rPr lang="en-US" sz="2900" dirty="0" smtClean="0"/>
-              <a:t> ac quam </a:t>
-            </a:r>
-            <a:r>
-              <a:rPr lang="en-US" sz="2900" dirty="0" err="1" smtClean="0"/>
-              <a:t>sapien</a:t>
-            </a:r>
-            <a:r>
-              <a:rPr lang="en-US" sz="2900" dirty="0" smtClean="0"/>
-              <a:t>, ac </a:t>
-            </a:r>
-            <a:r>
-              <a:rPr lang="en-US" sz="2900" dirty="0" err="1" smtClean="0"/>
-              <a:t>facilisis</a:t>
-            </a:r>
-            <a:r>
-              <a:rPr lang="en-US" sz="2900" dirty="0" smtClean="0"/>
-              <a:t> </a:t>
-            </a:r>
-            <a:r>
-              <a:rPr lang="en-US" sz="2900" dirty="0" err="1" smtClean="0"/>
-              <a:t>eros</a:t>
-            </a:r>
-            <a:r>
-              <a:rPr lang="en-US" sz="2900" dirty="0" smtClean="0"/>
-              <a:t>. </a:t>
-            </a:r>
-            <a:r>
-              <a:rPr lang="en-US" sz="2900" dirty="0" err="1" smtClean="0"/>
-              <a:t>Donec</a:t>
-            </a:r>
-            <a:r>
-              <a:rPr lang="en-US" sz="2900" dirty="0" smtClean="0"/>
-              <a:t> </a:t>
-            </a:r>
-            <a:r>
-              <a:rPr lang="en-US" sz="2900" dirty="0" err="1" smtClean="0"/>
-              <a:t>adipiscing</a:t>
-            </a:r>
-            <a:r>
-              <a:rPr lang="en-US" sz="2900" dirty="0" smtClean="0"/>
-              <a:t> </a:t>
-            </a:r>
-            <a:r>
-              <a:rPr lang="en-US" sz="2900" dirty="0" err="1" smtClean="0"/>
-              <a:t>aliquam</a:t>
-            </a:r>
-            <a:r>
-              <a:rPr lang="en-US" sz="2900" dirty="0" smtClean="0"/>
-              <a:t> </a:t>
-            </a:r>
-            <a:r>
-              <a:rPr lang="en-US" sz="2900" dirty="0" err="1" smtClean="0"/>
-              <a:t>nunc</a:t>
-            </a:r>
-            <a:r>
-              <a:rPr lang="en-US" sz="2900" dirty="0" smtClean="0"/>
-              <a:t> vitae </a:t>
-            </a:r>
-            <a:r>
-              <a:rPr lang="en-US" sz="2900" dirty="0" err="1" smtClean="0"/>
-              <a:t>condimentum</a:t>
-            </a:r>
-            <a:r>
-              <a:rPr lang="en-US" sz="2900" dirty="0" smtClean="0"/>
-              <a:t>. </a:t>
-            </a:r>
-          </a:p>
-          <a:p>
-            <a:pPr algn="just"/>
+              <a:t> dictum</a:t>
+            </a:r>
             <a:endParaRPr lang="en-US" sz="2900" dirty="0" smtClean="0"/>
           </a:p>
         </p:txBody>
       </p:sp>
       <p:sp>
         <p:nvSpPr>
-          <p:cNvPr id="35" name="TextBox 34"/>
+          <p:cNvPr id="18" name="TextBox 17"/>
           <p:cNvSpPr txBox="1"/>
           <p:nvPr/>
         </p:nvSpPr>
         <p:spPr>
           <a:xfrm>
-            <a:off x="1143000" y="4021540"/>
-            <a:ext cx="8953500" cy="848577"/>
+            <a:off x="16402050" y="4080679"/>
+            <a:ext cx="10039350" cy="848573"/>
           </a:xfrm>
           <a:prstGeom prst="rect">
             <a:avLst/>
@@ -5769,69 +4768,214 @@
             <a:pPr algn="ctr"/>
             <a:r>
               <a:rPr lang="en-US" sz="4800" dirty="0" smtClean="0"/>
-              <a:t>Insert Heading Here</a:t>
-            </a:r>
-          </a:p>
-        </p:txBody>
-      </p:sp>
-      <p:pic>
-        <p:nvPicPr>
-          <p:cNvPr id="16" name="Picture 15" descr="FSU-Garnet-Seal.gif"/>
-          <p:cNvPicPr>
-            <a:picLocks noChangeAspect="1"/>
-          </p:cNvPicPr>
+              <a:t>Results</a:t>
+            </a:r>
+            <a:endParaRPr lang="en-US" sz="4800" dirty="0" smtClean="0"/>
+          </a:p>
+        </p:txBody>
+      </p:sp>
+      <p:sp>
+        <p:nvSpPr>
+          <p:cNvPr id="19" name="Text Placeholder 33"/>
+          <p:cNvSpPr txBox="1">
+            <a:spLocks/>
+          </p:cNvSpPr>
           <p:nvPr/>
-        </p:nvPicPr>
-        <p:blipFill>
-          <a:blip r:embed="rId3" cstate="print"/>
-          <a:stretch>
-            <a:fillRect/>
-          </a:stretch>
-        </p:blipFill>
+        </p:nvSpPr>
         <p:spPr>
           <a:xfrm>
-            <a:off x="22631400" y="304800"/>
-            <a:ext cx="2667000" cy="2667000"/>
+            <a:off x="1107281" y="14578960"/>
+            <a:ext cx="9024938" cy="2032640"/>
           </a:xfrm>
           <a:prstGeom prst="rect">
             <a:avLst/>
           </a:prstGeom>
         </p:spPr>
-      </p:pic>
-      <p:pic>
-        <p:nvPicPr>
-          <p:cNvPr id="17" name="Picture 16" descr="FSU-Garnet-Seal.gif"/>
-          <p:cNvPicPr>
-            <a:picLocks noChangeAspect="1"/>
-          </p:cNvPicPr>
+        <p:style>
+          <a:lnRef idx="2">
+            <a:schemeClr val="accent2"/>
+          </a:lnRef>
+          <a:fillRef idx="1">
+            <a:schemeClr val="lt1"/>
+          </a:fillRef>
+          <a:effectRef idx="0">
+            <a:schemeClr val="accent2"/>
+          </a:effectRef>
+          <a:fontRef idx="minor">
+            <a:schemeClr val="dk1"/>
+          </a:fontRef>
+        </p:style>
+        <p:txBody>
+          <a:bodyPr vert="horz" wrap="square" lIns="373159" tIns="186579" rIns="373159" bIns="186579" rtlCol="0">
+            <a:spAutoFit/>
+          </a:bodyPr>
+          <a:lstStyle>
+            <a:lvl1pPr marL="0" indent="0" algn="l" defTabSz="3731584" rtl="0" eaLnBrk="1" latinLnBrk="0" hangingPunct="1">
+              <a:spcBef>
+                <a:spcPct val="20000"/>
+              </a:spcBef>
+              <a:buFont typeface="Arial" pitchFamily="34" charset="0"/>
+              <a:buNone/>
+              <a:defRPr sz="5700" kern="1200">
+                <a:solidFill>
+                  <a:schemeClr val="dk1"/>
+                </a:solidFill>
+                <a:latin typeface="+mn-lt"/>
+                <a:ea typeface="+mn-ea"/>
+                <a:cs typeface="+mn-cs"/>
+              </a:defRPr>
+            </a:lvl1pPr>
+            <a:lvl2pPr marL="1865791" indent="0" algn="l" defTabSz="3731584" rtl="0" eaLnBrk="1" latinLnBrk="0" hangingPunct="1">
+              <a:spcBef>
+                <a:spcPct val="20000"/>
+              </a:spcBef>
+              <a:buFont typeface="Arial" pitchFamily="34" charset="0"/>
+              <a:buNone/>
+              <a:defRPr sz="4900" kern="1200">
+                <a:solidFill>
+                  <a:schemeClr val="dk1"/>
+                </a:solidFill>
+                <a:latin typeface="+mn-lt"/>
+                <a:ea typeface="+mn-ea"/>
+                <a:cs typeface="+mn-cs"/>
+              </a:defRPr>
+            </a:lvl2pPr>
+            <a:lvl3pPr marL="3731584" indent="0" algn="l" defTabSz="3731584" rtl="0" eaLnBrk="1" latinLnBrk="0" hangingPunct="1">
+              <a:spcBef>
+                <a:spcPct val="20000"/>
+              </a:spcBef>
+              <a:buFont typeface="Arial" pitchFamily="34" charset="0"/>
+              <a:buNone/>
+              <a:defRPr sz="4000" kern="1200">
+                <a:solidFill>
+                  <a:schemeClr val="dk1"/>
+                </a:solidFill>
+                <a:latin typeface="+mn-lt"/>
+                <a:ea typeface="+mn-ea"/>
+                <a:cs typeface="+mn-cs"/>
+              </a:defRPr>
+            </a:lvl3pPr>
+            <a:lvl4pPr marL="5597375" indent="0" algn="l" defTabSz="3731584" rtl="0" eaLnBrk="1" latinLnBrk="0" hangingPunct="1">
+              <a:spcBef>
+                <a:spcPct val="20000"/>
+              </a:spcBef>
+              <a:buFont typeface="Arial" pitchFamily="34" charset="0"/>
+              <a:buNone/>
+              <a:defRPr sz="3700" kern="1200">
+                <a:solidFill>
+                  <a:schemeClr val="dk1"/>
+                </a:solidFill>
+                <a:latin typeface="+mn-lt"/>
+                <a:ea typeface="+mn-ea"/>
+                <a:cs typeface="+mn-cs"/>
+              </a:defRPr>
+            </a:lvl4pPr>
+            <a:lvl5pPr marL="7463166" indent="0" algn="l" defTabSz="3731584" rtl="0" eaLnBrk="1" latinLnBrk="0" hangingPunct="1">
+              <a:spcBef>
+                <a:spcPct val="20000"/>
+              </a:spcBef>
+              <a:buFont typeface="Arial" pitchFamily="34" charset="0"/>
+              <a:buNone/>
+              <a:defRPr sz="3700" kern="1200">
+                <a:solidFill>
+                  <a:schemeClr val="dk1"/>
+                </a:solidFill>
+                <a:latin typeface="+mn-lt"/>
+                <a:ea typeface="+mn-ea"/>
+                <a:cs typeface="+mn-cs"/>
+              </a:defRPr>
+            </a:lvl5pPr>
+            <a:lvl6pPr marL="9328958" indent="0" algn="l" defTabSz="3731584" rtl="0" eaLnBrk="1" latinLnBrk="0" hangingPunct="1">
+              <a:spcBef>
+                <a:spcPct val="20000"/>
+              </a:spcBef>
+              <a:buFont typeface="Arial" pitchFamily="34" charset="0"/>
+              <a:buNone/>
+              <a:defRPr sz="3700" kern="1200">
+                <a:solidFill>
+                  <a:schemeClr val="dk1"/>
+                </a:solidFill>
+                <a:latin typeface="+mn-lt"/>
+                <a:ea typeface="+mn-ea"/>
+                <a:cs typeface="+mn-cs"/>
+              </a:defRPr>
+            </a:lvl6pPr>
+            <a:lvl7pPr marL="11194749" indent="0" algn="l" defTabSz="3731584" rtl="0" eaLnBrk="1" latinLnBrk="0" hangingPunct="1">
+              <a:spcBef>
+                <a:spcPct val="20000"/>
+              </a:spcBef>
+              <a:buFont typeface="Arial" pitchFamily="34" charset="0"/>
+              <a:buNone/>
+              <a:defRPr sz="3700" kern="1200">
+                <a:solidFill>
+                  <a:schemeClr val="dk1"/>
+                </a:solidFill>
+                <a:latin typeface="+mn-lt"/>
+                <a:ea typeface="+mn-ea"/>
+                <a:cs typeface="+mn-cs"/>
+              </a:defRPr>
+            </a:lvl7pPr>
+            <a:lvl8pPr marL="13060541" indent="0" algn="l" defTabSz="3731584" rtl="0" eaLnBrk="1" latinLnBrk="0" hangingPunct="1">
+              <a:spcBef>
+                <a:spcPct val="20000"/>
+              </a:spcBef>
+              <a:buFont typeface="Arial" pitchFamily="34" charset="0"/>
+              <a:buNone/>
+              <a:defRPr sz="3700" kern="1200">
+                <a:solidFill>
+                  <a:schemeClr val="dk1"/>
+                </a:solidFill>
+                <a:latin typeface="+mn-lt"/>
+                <a:ea typeface="+mn-ea"/>
+                <a:cs typeface="+mn-cs"/>
+              </a:defRPr>
+            </a:lvl8pPr>
+            <a:lvl9pPr marL="14926332" indent="0" algn="l" defTabSz="3731584" rtl="0" eaLnBrk="1" latinLnBrk="0" hangingPunct="1">
+              <a:spcBef>
+                <a:spcPct val="20000"/>
+              </a:spcBef>
+              <a:buFont typeface="Arial" pitchFamily="34" charset="0"/>
+              <a:buNone/>
+              <a:defRPr sz="3700" kern="1200">
+                <a:solidFill>
+                  <a:schemeClr val="dk1"/>
+                </a:solidFill>
+                <a:latin typeface="+mn-lt"/>
+                <a:ea typeface="+mn-ea"/>
+                <a:cs typeface="+mn-cs"/>
+              </a:defRPr>
+            </a:lvl9pPr>
+          </a:lstStyle>
+          <a:p>
+            <a:pPr algn="ctr"/>
+            <a:r>
+              <a:rPr lang="en-US" sz="3800" b="1" dirty="0" smtClean="0"/>
+              <a:t>Click to add text</a:t>
+            </a:r>
+          </a:p>
+          <a:p>
+            <a:pPr algn="just"/>
+            <a:r>
+              <a:rPr lang="en-US" sz="2900" dirty="0" smtClean="0"/>
+              <a:t>text</a:t>
+            </a:r>
+          </a:p>
+          <a:p>
+            <a:pPr algn="just"/>
+            <a:endParaRPr lang="en-US" sz="2900" dirty="0" smtClean="0"/>
+          </a:p>
+        </p:txBody>
+      </p:sp>
+      <p:sp>
+        <p:nvSpPr>
+          <p:cNvPr id="20" name="Rectangle 19"/>
+          <p:cNvSpPr/>
           <p:nvPr/>
-        </p:nvPicPr>
-        <p:blipFill>
-          <a:blip r:embed="rId3" cstate="print"/>
-          <a:stretch>
-            <a:fillRect/>
-          </a:stretch>
-        </p:blipFill>
+        </p:nvSpPr>
         <p:spPr>
           <a:xfrm>
-            <a:off x="1981200" y="304800"/>
-            <a:ext cx="2667000" cy="2667000"/>
-          </a:xfrm>
-          <a:prstGeom prst="rect">
-            <a:avLst/>
-          </a:prstGeom>
-        </p:spPr>
-      </p:pic>
-      <p:sp>
-        <p:nvSpPr>
-          <p:cNvPr id="13" name="Rectangle 12"/>
-          <p:cNvSpPr/>
-          <p:nvPr/>
-        </p:nvSpPr>
-        <p:spPr>
-          <a:xfrm>
-            <a:off x="10668000" y="3886200"/>
-            <a:ext cx="15392400" cy="5351852"/>
+            <a:off x="1107281" y="12230653"/>
+            <a:ext cx="7162800" cy="1973652"/>
           </a:xfrm>
           <a:prstGeom prst="rect">
             <a:avLst/>
@@ -5863,6 +5007,489 @@
               <a:t>Insert art or text here</a:t>
             </a:r>
             <a:endParaRPr lang="en-US" dirty="0"/>
+          </a:p>
+        </p:txBody>
+      </p:sp>
+      <p:sp>
+        <p:nvSpPr>
+          <p:cNvPr id="21" name="Text Placeholder 33"/>
+          <p:cNvSpPr txBox="1">
+            <a:spLocks/>
+          </p:cNvSpPr>
+          <p:nvPr/>
+        </p:nvSpPr>
+        <p:spPr>
+          <a:xfrm>
+            <a:off x="16402050" y="15055270"/>
+            <a:ext cx="10039350" cy="1632530"/>
+          </a:xfrm>
+          <a:prstGeom prst="rect">
+            <a:avLst/>
+          </a:prstGeom>
+        </p:spPr>
+        <p:style>
+          <a:lnRef idx="2">
+            <a:schemeClr val="accent2"/>
+          </a:lnRef>
+          <a:fillRef idx="1">
+            <a:schemeClr val="lt1"/>
+          </a:fillRef>
+          <a:effectRef idx="0">
+            <a:schemeClr val="accent2"/>
+          </a:effectRef>
+          <a:fontRef idx="minor">
+            <a:schemeClr val="dk1"/>
+          </a:fontRef>
+        </p:style>
+        <p:txBody>
+          <a:bodyPr vert="horz" wrap="square" lIns="373159" tIns="186579" rIns="373159" bIns="186579" rtlCol="0">
+            <a:spAutoFit/>
+          </a:bodyPr>
+          <a:lstStyle>
+            <a:lvl1pPr marL="0" indent="0" algn="l" defTabSz="3731584" rtl="0" eaLnBrk="1" latinLnBrk="0" hangingPunct="1">
+              <a:spcBef>
+                <a:spcPct val="20000"/>
+              </a:spcBef>
+              <a:buFont typeface="Arial" pitchFamily="34" charset="0"/>
+              <a:buNone/>
+              <a:defRPr sz="5700" kern="1200">
+                <a:solidFill>
+                  <a:schemeClr val="dk1"/>
+                </a:solidFill>
+                <a:latin typeface="+mn-lt"/>
+                <a:ea typeface="+mn-ea"/>
+                <a:cs typeface="+mn-cs"/>
+              </a:defRPr>
+            </a:lvl1pPr>
+            <a:lvl2pPr marL="1865791" indent="0" algn="l" defTabSz="3731584" rtl="0" eaLnBrk="1" latinLnBrk="0" hangingPunct="1">
+              <a:spcBef>
+                <a:spcPct val="20000"/>
+              </a:spcBef>
+              <a:buFont typeface="Arial" pitchFamily="34" charset="0"/>
+              <a:buNone/>
+              <a:defRPr sz="4900" kern="1200">
+                <a:solidFill>
+                  <a:schemeClr val="dk1"/>
+                </a:solidFill>
+                <a:latin typeface="+mn-lt"/>
+                <a:ea typeface="+mn-ea"/>
+                <a:cs typeface="+mn-cs"/>
+              </a:defRPr>
+            </a:lvl2pPr>
+            <a:lvl3pPr marL="3731584" indent="0" algn="l" defTabSz="3731584" rtl="0" eaLnBrk="1" latinLnBrk="0" hangingPunct="1">
+              <a:spcBef>
+                <a:spcPct val="20000"/>
+              </a:spcBef>
+              <a:buFont typeface="Arial" pitchFamily="34" charset="0"/>
+              <a:buNone/>
+              <a:defRPr sz="4000" kern="1200">
+                <a:solidFill>
+                  <a:schemeClr val="dk1"/>
+                </a:solidFill>
+                <a:latin typeface="+mn-lt"/>
+                <a:ea typeface="+mn-ea"/>
+                <a:cs typeface="+mn-cs"/>
+              </a:defRPr>
+            </a:lvl3pPr>
+            <a:lvl4pPr marL="5597375" indent="0" algn="l" defTabSz="3731584" rtl="0" eaLnBrk="1" latinLnBrk="0" hangingPunct="1">
+              <a:spcBef>
+                <a:spcPct val="20000"/>
+              </a:spcBef>
+              <a:buFont typeface="Arial" pitchFamily="34" charset="0"/>
+              <a:buNone/>
+              <a:defRPr sz="3700" kern="1200">
+                <a:solidFill>
+                  <a:schemeClr val="dk1"/>
+                </a:solidFill>
+                <a:latin typeface="+mn-lt"/>
+                <a:ea typeface="+mn-ea"/>
+                <a:cs typeface="+mn-cs"/>
+              </a:defRPr>
+            </a:lvl4pPr>
+            <a:lvl5pPr marL="7463166" indent="0" algn="l" defTabSz="3731584" rtl="0" eaLnBrk="1" latinLnBrk="0" hangingPunct="1">
+              <a:spcBef>
+                <a:spcPct val="20000"/>
+              </a:spcBef>
+              <a:buFont typeface="Arial" pitchFamily="34" charset="0"/>
+              <a:buNone/>
+              <a:defRPr sz="3700" kern="1200">
+                <a:solidFill>
+                  <a:schemeClr val="dk1"/>
+                </a:solidFill>
+                <a:latin typeface="+mn-lt"/>
+                <a:ea typeface="+mn-ea"/>
+                <a:cs typeface="+mn-cs"/>
+              </a:defRPr>
+            </a:lvl5pPr>
+            <a:lvl6pPr marL="9328958" indent="0" algn="l" defTabSz="3731584" rtl="0" eaLnBrk="1" latinLnBrk="0" hangingPunct="1">
+              <a:spcBef>
+                <a:spcPct val="20000"/>
+              </a:spcBef>
+              <a:buFont typeface="Arial" pitchFamily="34" charset="0"/>
+              <a:buNone/>
+              <a:defRPr sz="3700" kern="1200">
+                <a:solidFill>
+                  <a:schemeClr val="dk1"/>
+                </a:solidFill>
+                <a:latin typeface="+mn-lt"/>
+                <a:ea typeface="+mn-ea"/>
+                <a:cs typeface="+mn-cs"/>
+              </a:defRPr>
+            </a:lvl6pPr>
+            <a:lvl7pPr marL="11194749" indent="0" algn="l" defTabSz="3731584" rtl="0" eaLnBrk="1" latinLnBrk="0" hangingPunct="1">
+              <a:spcBef>
+                <a:spcPct val="20000"/>
+              </a:spcBef>
+              <a:buFont typeface="Arial" pitchFamily="34" charset="0"/>
+              <a:buNone/>
+              <a:defRPr sz="3700" kern="1200">
+                <a:solidFill>
+                  <a:schemeClr val="dk1"/>
+                </a:solidFill>
+                <a:latin typeface="+mn-lt"/>
+                <a:ea typeface="+mn-ea"/>
+                <a:cs typeface="+mn-cs"/>
+              </a:defRPr>
+            </a:lvl7pPr>
+            <a:lvl8pPr marL="13060541" indent="0" algn="l" defTabSz="3731584" rtl="0" eaLnBrk="1" latinLnBrk="0" hangingPunct="1">
+              <a:spcBef>
+                <a:spcPct val="20000"/>
+              </a:spcBef>
+              <a:buFont typeface="Arial" pitchFamily="34" charset="0"/>
+              <a:buNone/>
+              <a:defRPr sz="3700" kern="1200">
+                <a:solidFill>
+                  <a:schemeClr val="dk1"/>
+                </a:solidFill>
+                <a:latin typeface="+mn-lt"/>
+                <a:ea typeface="+mn-ea"/>
+                <a:cs typeface="+mn-cs"/>
+              </a:defRPr>
+            </a:lvl8pPr>
+            <a:lvl9pPr marL="14926332" indent="0" algn="l" defTabSz="3731584" rtl="0" eaLnBrk="1" latinLnBrk="0" hangingPunct="1">
+              <a:spcBef>
+                <a:spcPct val="20000"/>
+              </a:spcBef>
+              <a:buFont typeface="Arial" pitchFamily="34" charset="0"/>
+              <a:buNone/>
+              <a:defRPr sz="3700" kern="1200">
+                <a:solidFill>
+                  <a:schemeClr val="dk1"/>
+                </a:solidFill>
+                <a:latin typeface="+mn-lt"/>
+                <a:ea typeface="+mn-ea"/>
+                <a:cs typeface="+mn-cs"/>
+              </a:defRPr>
+            </a:lvl9pPr>
+          </a:lstStyle>
+          <a:p>
+            <a:r>
+              <a:rPr lang="en-US" sz="2400" dirty="0" smtClean="0"/>
+              <a:t>Han Lin Aung, ‘20, Computer Science, hanlaung@stanford.edu </a:t>
+            </a:r>
+          </a:p>
+          <a:p>
+            <a:r>
+              <a:rPr lang="en-US" sz="2400" dirty="0" smtClean="0"/>
+              <a:t>Justin Xu, ‘20, Computer Science, justinx@stanford.edu</a:t>
+            </a:r>
+          </a:p>
+          <a:p>
+            <a:r>
+              <a:rPr lang="en-US" sz="2400" dirty="0" err="1" smtClean="0"/>
+              <a:t>Sicheng</a:t>
+            </a:r>
+            <a:r>
+              <a:rPr lang="en-US" sz="2400" dirty="0" smtClean="0"/>
+              <a:t> Zeng, ‘20, Computer Science, zengcs@stanford.edu</a:t>
+            </a:r>
+            <a:endParaRPr lang="en-US" sz="1800" dirty="0" smtClean="0"/>
+          </a:p>
+        </p:txBody>
+      </p:sp>
+      <p:sp>
+        <p:nvSpPr>
+          <p:cNvPr id="22" name="TextBox 21"/>
+          <p:cNvSpPr txBox="1"/>
+          <p:nvPr/>
+        </p:nvSpPr>
+        <p:spPr>
+          <a:xfrm>
+            <a:off x="16402050" y="13971804"/>
+            <a:ext cx="10039350" cy="848573"/>
+          </a:xfrm>
+          <a:prstGeom prst="rect">
+            <a:avLst/>
+          </a:prstGeom>
+        </p:spPr>
+        <p:style>
+          <a:lnRef idx="2">
+            <a:schemeClr val="accent2"/>
+          </a:lnRef>
+          <a:fillRef idx="1">
+            <a:schemeClr val="lt1"/>
+          </a:fillRef>
+          <a:effectRef idx="0">
+            <a:schemeClr val="accent2"/>
+          </a:effectRef>
+          <a:fontRef idx="minor">
+            <a:schemeClr val="dk1"/>
+          </a:fontRef>
+        </p:style>
+        <p:txBody>
+          <a:bodyPr wrap="square" lIns="108846" tIns="54423" rIns="108846" bIns="54423" rtlCol="0" anchor="ctr">
+            <a:spAutoFit/>
+          </a:bodyPr>
+          <a:lstStyle/>
+          <a:p>
+            <a:pPr algn="ctr"/>
+            <a:r>
+              <a:rPr lang="en-US" sz="4800" dirty="0" smtClean="0"/>
+              <a:t>Authors</a:t>
+            </a:r>
+            <a:endParaRPr lang="en-US" sz="4800" dirty="0" smtClean="0"/>
+          </a:p>
+        </p:txBody>
+      </p:sp>
+      <p:sp>
+        <p:nvSpPr>
+          <p:cNvPr id="25" name="Text Placeholder 33"/>
+          <p:cNvSpPr txBox="1">
+            <a:spLocks/>
+          </p:cNvSpPr>
+          <p:nvPr/>
+        </p:nvSpPr>
+        <p:spPr>
+          <a:xfrm>
+            <a:off x="916780" y="8535609"/>
+            <a:ext cx="13637418" cy="1894141"/>
+          </a:xfrm>
+          <a:prstGeom prst="rect">
+            <a:avLst/>
+          </a:prstGeom>
+        </p:spPr>
+        <p:style>
+          <a:lnRef idx="2">
+            <a:schemeClr val="accent2"/>
+          </a:lnRef>
+          <a:fillRef idx="1">
+            <a:schemeClr val="lt1"/>
+          </a:fillRef>
+          <a:effectRef idx="0">
+            <a:schemeClr val="accent2"/>
+          </a:effectRef>
+          <a:fontRef idx="minor">
+            <a:schemeClr val="dk1"/>
+          </a:fontRef>
+        </p:style>
+        <p:txBody>
+          <a:bodyPr vert="horz" wrap="square" lIns="373159" tIns="186579" rIns="373159" bIns="186579" rtlCol="0">
+            <a:spAutoFit/>
+          </a:bodyPr>
+          <a:lstStyle>
+            <a:lvl1pPr marL="0" indent="0" algn="l" defTabSz="3731584" rtl="0" eaLnBrk="1" latinLnBrk="0" hangingPunct="1">
+              <a:spcBef>
+                <a:spcPct val="20000"/>
+              </a:spcBef>
+              <a:buFont typeface="Arial" pitchFamily="34" charset="0"/>
+              <a:buNone/>
+              <a:defRPr sz="5700" kern="1200">
+                <a:solidFill>
+                  <a:schemeClr val="dk1"/>
+                </a:solidFill>
+                <a:latin typeface="+mn-lt"/>
+                <a:ea typeface="+mn-ea"/>
+                <a:cs typeface="+mn-cs"/>
+              </a:defRPr>
+            </a:lvl1pPr>
+            <a:lvl2pPr marL="1865791" indent="0" algn="l" defTabSz="3731584" rtl="0" eaLnBrk="1" latinLnBrk="0" hangingPunct="1">
+              <a:spcBef>
+                <a:spcPct val="20000"/>
+              </a:spcBef>
+              <a:buFont typeface="Arial" pitchFamily="34" charset="0"/>
+              <a:buNone/>
+              <a:defRPr sz="4900" kern="1200">
+                <a:solidFill>
+                  <a:schemeClr val="dk1"/>
+                </a:solidFill>
+                <a:latin typeface="+mn-lt"/>
+                <a:ea typeface="+mn-ea"/>
+                <a:cs typeface="+mn-cs"/>
+              </a:defRPr>
+            </a:lvl2pPr>
+            <a:lvl3pPr marL="3731584" indent="0" algn="l" defTabSz="3731584" rtl="0" eaLnBrk="1" latinLnBrk="0" hangingPunct="1">
+              <a:spcBef>
+                <a:spcPct val="20000"/>
+              </a:spcBef>
+              <a:buFont typeface="Arial" pitchFamily="34" charset="0"/>
+              <a:buNone/>
+              <a:defRPr sz="4000" kern="1200">
+                <a:solidFill>
+                  <a:schemeClr val="dk1"/>
+                </a:solidFill>
+                <a:latin typeface="+mn-lt"/>
+                <a:ea typeface="+mn-ea"/>
+                <a:cs typeface="+mn-cs"/>
+              </a:defRPr>
+            </a:lvl3pPr>
+            <a:lvl4pPr marL="5597375" indent="0" algn="l" defTabSz="3731584" rtl="0" eaLnBrk="1" latinLnBrk="0" hangingPunct="1">
+              <a:spcBef>
+                <a:spcPct val="20000"/>
+              </a:spcBef>
+              <a:buFont typeface="Arial" pitchFamily="34" charset="0"/>
+              <a:buNone/>
+              <a:defRPr sz="3700" kern="1200">
+                <a:solidFill>
+                  <a:schemeClr val="dk1"/>
+                </a:solidFill>
+                <a:latin typeface="+mn-lt"/>
+                <a:ea typeface="+mn-ea"/>
+                <a:cs typeface="+mn-cs"/>
+              </a:defRPr>
+            </a:lvl4pPr>
+            <a:lvl5pPr marL="7463166" indent="0" algn="l" defTabSz="3731584" rtl="0" eaLnBrk="1" latinLnBrk="0" hangingPunct="1">
+              <a:spcBef>
+                <a:spcPct val="20000"/>
+              </a:spcBef>
+              <a:buFont typeface="Arial" pitchFamily="34" charset="0"/>
+              <a:buNone/>
+              <a:defRPr sz="3700" kern="1200">
+                <a:solidFill>
+                  <a:schemeClr val="dk1"/>
+                </a:solidFill>
+                <a:latin typeface="+mn-lt"/>
+                <a:ea typeface="+mn-ea"/>
+                <a:cs typeface="+mn-cs"/>
+              </a:defRPr>
+            </a:lvl5pPr>
+            <a:lvl6pPr marL="9328958" indent="0" algn="l" defTabSz="3731584" rtl="0" eaLnBrk="1" latinLnBrk="0" hangingPunct="1">
+              <a:spcBef>
+                <a:spcPct val="20000"/>
+              </a:spcBef>
+              <a:buFont typeface="Arial" pitchFamily="34" charset="0"/>
+              <a:buNone/>
+              <a:defRPr sz="3700" kern="1200">
+                <a:solidFill>
+                  <a:schemeClr val="dk1"/>
+                </a:solidFill>
+                <a:latin typeface="+mn-lt"/>
+                <a:ea typeface="+mn-ea"/>
+                <a:cs typeface="+mn-cs"/>
+              </a:defRPr>
+            </a:lvl6pPr>
+            <a:lvl7pPr marL="11194749" indent="0" algn="l" defTabSz="3731584" rtl="0" eaLnBrk="1" latinLnBrk="0" hangingPunct="1">
+              <a:spcBef>
+                <a:spcPct val="20000"/>
+              </a:spcBef>
+              <a:buFont typeface="Arial" pitchFamily="34" charset="0"/>
+              <a:buNone/>
+              <a:defRPr sz="3700" kern="1200">
+                <a:solidFill>
+                  <a:schemeClr val="dk1"/>
+                </a:solidFill>
+                <a:latin typeface="+mn-lt"/>
+                <a:ea typeface="+mn-ea"/>
+                <a:cs typeface="+mn-cs"/>
+              </a:defRPr>
+            </a:lvl7pPr>
+            <a:lvl8pPr marL="13060541" indent="0" algn="l" defTabSz="3731584" rtl="0" eaLnBrk="1" latinLnBrk="0" hangingPunct="1">
+              <a:spcBef>
+                <a:spcPct val="20000"/>
+              </a:spcBef>
+              <a:buFont typeface="Arial" pitchFamily="34" charset="0"/>
+              <a:buNone/>
+              <a:defRPr sz="3700" kern="1200">
+                <a:solidFill>
+                  <a:schemeClr val="dk1"/>
+                </a:solidFill>
+                <a:latin typeface="+mn-lt"/>
+                <a:ea typeface="+mn-ea"/>
+                <a:cs typeface="+mn-cs"/>
+              </a:defRPr>
+            </a:lvl8pPr>
+            <a:lvl9pPr marL="14926332" indent="0" algn="l" defTabSz="3731584" rtl="0" eaLnBrk="1" latinLnBrk="0" hangingPunct="1">
+              <a:spcBef>
+                <a:spcPct val="20000"/>
+              </a:spcBef>
+              <a:buFont typeface="Arial" pitchFamily="34" charset="0"/>
+              <a:buNone/>
+              <a:defRPr sz="3700" kern="1200">
+                <a:solidFill>
+                  <a:schemeClr val="dk1"/>
+                </a:solidFill>
+                <a:latin typeface="+mn-lt"/>
+                <a:ea typeface="+mn-ea"/>
+                <a:cs typeface="+mn-cs"/>
+              </a:defRPr>
+            </a:lvl9pPr>
+          </a:lstStyle>
+          <a:p>
+            <a:pPr algn="just"/>
+            <a:r>
+              <a:rPr lang="en-US" sz="2900" dirty="0" smtClean="0"/>
+              <a:t>BACKGROUND</a:t>
+            </a:r>
+          </a:p>
+          <a:p>
+            <a:pPr algn="just"/>
+            <a:r>
+              <a:rPr lang="en-US" sz="2900" dirty="0" smtClean="0">
+                <a:latin typeface="Gill Sans MT" panose="020B0502020104020203" pitchFamily="34" charset="0"/>
+              </a:rPr>
+              <a:t>BACKGROUND</a:t>
+            </a:r>
+          </a:p>
+          <a:p>
+            <a:pPr algn="just"/>
+            <a:r>
+              <a:rPr lang="en-US" sz="2900" dirty="0" smtClean="0"/>
+              <a:t>BACKGROUND</a:t>
+            </a:r>
+            <a:endParaRPr lang="en-US" sz="2900" dirty="0" smtClean="0"/>
+          </a:p>
+        </p:txBody>
+      </p:sp>
+      <p:sp>
+        <p:nvSpPr>
+          <p:cNvPr id="26" name="TextBox 25"/>
+          <p:cNvSpPr txBox="1"/>
+          <p:nvPr/>
+        </p:nvSpPr>
+        <p:spPr>
+          <a:xfrm>
+            <a:off x="916779" y="7315200"/>
+            <a:ext cx="13637419" cy="848577"/>
+          </a:xfrm>
+          <a:prstGeom prst="rect">
+            <a:avLst/>
+          </a:prstGeom>
+        </p:spPr>
+        <p:style>
+          <a:lnRef idx="2">
+            <a:schemeClr val="accent2"/>
+          </a:lnRef>
+          <a:fillRef idx="1">
+            <a:schemeClr val="lt1"/>
+          </a:fillRef>
+          <a:effectRef idx="0">
+            <a:schemeClr val="accent2"/>
+          </a:effectRef>
+          <a:fontRef idx="minor">
+            <a:schemeClr val="dk1"/>
+          </a:fontRef>
+        </p:style>
+        <p:txBody>
+          <a:bodyPr wrap="square" lIns="108846" tIns="54423" rIns="108846" bIns="54423" rtlCol="0" anchor="ctr">
+            <a:spAutoFit/>
+          </a:bodyPr>
+          <a:lstStyle/>
+          <a:p>
+            <a:pPr algn="ctr"/>
+            <a:r>
+              <a:rPr lang="en-US" sz="4800" dirty="0" smtClean="0"/>
+              <a:t>Methods</a:t>
+            </a:r>
+            <a:endParaRPr lang="en-US" sz="4800" dirty="0" smtClean="0"/>
           </a:p>
         </p:txBody>
       </p:sp>

--- a/poster_RobotMusic.pptx
+++ b/poster_RobotMusic.pptx
@@ -3566,7 +3566,7 @@
             <a:avLst/>
           </a:prstGeom>
           <a:solidFill>
-            <a:srgbClr val="C00000"/>
+            <a:srgbClr val="8C1515"/>
           </a:solidFill>
         </p:spPr>
         <p:style>
@@ -3634,7 +3634,7 @@
           <a:p>
             <a:pPr algn="ctr"/>
             <a:r>
-              <a:rPr lang="en-US" sz="4400" dirty="0" smtClean="0">
+              <a:rPr lang="en-US" sz="4000" dirty="0" smtClean="0">
                 <a:solidFill>
                   <a:schemeClr val="bg1"/>
                 </a:solidFill>
@@ -3644,7 +3644,7 @@
               <a:t>Han Lin Aung, Justin Xu, </a:t>
             </a:r>
             <a:r>
-              <a:rPr lang="en-US" sz="4400" dirty="0" err="1" smtClean="0">
+              <a:rPr lang="en-US" sz="4000" dirty="0" err="1" smtClean="0">
                 <a:solidFill>
                   <a:schemeClr val="bg1"/>
                 </a:solidFill>
@@ -3654,7 +3654,7 @@
               <a:t>Sicheng</a:t>
             </a:r>
             <a:r>
-              <a:rPr lang="en-US" sz="4400" dirty="0" smtClean="0">
+              <a:rPr lang="en-US" sz="4000" dirty="0" smtClean="0">
                 <a:solidFill>
                   <a:schemeClr val="bg1"/>
                 </a:solidFill>
@@ -3679,7 +3679,7 @@
         <p:spPr>
           <a:xfrm>
             <a:off x="916781" y="4114800"/>
-            <a:ext cx="13637418" cy="1894141"/>
+            <a:ext cx="12265819" cy="1894141"/>
           </a:xfrm>
           <a:prstGeom prst="rect">
             <a:avLst/>
@@ -3760,8 +3760,8 @@
         </p:nvSpPr>
         <p:spPr>
           <a:xfrm>
-            <a:off x="916780" y="2971800"/>
-            <a:ext cx="13637419" cy="848577"/>
+            <a:off x="916781" y="2971800"/>
+            <a:ext cx="12265820" cy="848577"/>
           </a:xfrm>
           <a:prstGeom prst="rect">
             <a:avLst/>
@@ -3792,7 +3792,7 @@
           <a:p>
             <a:pPr algn="ctr"/>
             <a:r>
-              <a:rPr lang="en-US" sz="4800" dirty="0" smtClean="0">
+              <a:rPr lang="en-US" sz="4800" smtClean="0">
                 <a:solidFill>
                   <a:schemeClr val="bg1"/>
                 </a:solidFill>
@@ -3841,7 +3841,7 @@
       </p:pic>
       <p:sp>
         <p:nvSpPr>
-          <p:cNvPr id="15" name="Text Placeholder 33"/>
+          <p:cNvPr id="16" name="Text Placeholder 33"/>
           <p:cNvSpPr txBox="1">
             <a:spLocks/>
           </p:cNvSpPr>
@@ -3849,8 +3849,8 @@
         </p:nvSpPr>
         <p:spPr>
           <a:xfrm>
-            <a:off x="16402050" y="5299879"/>
-            <a:ext cx="10039350" cy="8191249"/>
+            <a:off x="916781" y="7554659"/>
+            <a:ext cx="12265820" cy="1894141"/>
           </a:xfrm>
           <a:prstGeom prst="rect">
             <a:avLst/>
@@ -4012,734 +4012,114 @@
             </a:lvl9pPr>
           </a:lstStyle>
           <a:p>
-            <a:r>
-              <a:rPr lang="en-US" sz="3800" b="1" dirty="0" smtClean="0"/>
-              <a:t>Click to add text</a:t>
-            </a:r>
-          </a:p>
-          <a:p>
-            <a:r>
-              <a:rPr lang="en-US" sz="2900" dirty="0" smtClean="0"/>
-              <a:t>Lorem ipsum dolor sit </a:t>
-            </a:r>
-            <a:r>
-              <a:rPr lang="en-US" sz="2900" dirty="0" err="1" smtClean="0"/>
-              <a:t>amet</a:t>
-            </a:r>
-            <a:r>
-              <a:rPr lang="en-US" sz="2900" dirty="0" smtClean="0"/>
-              <a:t>, </a:t>
-            </a:r>
-            <a:r>
-              <a:rPr lang="en-US" sz="2900" dirty="0" err="1" smtClean="0"/>
-              <a:t>consectetur</a:t>
-            </a:r>
-            <a:r>
-              <a:rPr lang="en-US" sz="2900" dirty="0" smtClean="0"/>
-              <a:t> </a:t>
-            </a:r>
-            <a:r>
-              <a:rPr lang="en-US" sz="2900" dirty="0" err="1" smtClean="0"/>
-              <a:t>adipiscing</a:t>
-            </a:r>
-            <a:r>
-              <a:rPr lang="en-US" sz="2900" dirty="0" smtClean="0"/>
-              <a:t> </a:t>
-            </a:r>
-            <a:r>
-              <a:rPr lang="en-US" sz="2900" dirty="0" err="1" smtClean="0"/>
-              <a:t>elit</a:t>
-            </a:r>
-            <a:r>
-              <a:rPr lang="en-US" sz="2900" dirty="0" smtClean="0"/>
-              <a:t>. </a:t>
-            </a:r>
-            <a:r>
-              <a:rPr lang="en-US" sz="2900" dirty="0" err="1" smtClean="0"/>
-              <a:t>Duis</a:t>
-            </a:r>
-            <a:r>
-              <a:rPr lang="en-US" sz="2900" dirty="0" smtClean="0"/>
-              <a:t> </a:t>
-            </a:r>
-            <a:r>
-              <a:rPr lang="en-US" sz="2900" dirty="0" err="1" smtClean="0"/>
-              <a:t>rhoncus</a:t>
-            </a:r>
-            <a:r>
-              <a:rPr lang="en-US" sz="2900" dirty="0" smtClean="0"/>
-              <a:t> </a:t>
-            </a:r>
-            <a:r>
-              <a:rPr lang="en-US" sz="2900" dirty="0" err="1" smtClean="0"/>
-              <a:t>consectetur</a:t>
-            </a:r>
-            <a:r>
-              <a:rPr lang="en-US" sz="2900" dirty="0" smtClean="0"/>
-              <a:t> </a:t>
-            </a:r>
-            <a:r>
-              <a:rPr lang="en-US" sz="2900" dirty="0" err="1" smtClean="0"/>
-              <a:t>faucibus</a:t>
-            </a:r>
-            <a:r>
-              <a:rPr lang="en-US" sz="2900" dirty="0" smtClean="0"/>
-              <a:t>. </a:t>
-            </a:r>
-            <a:r>
-              <a:rPr lang="en-US" sz="2900" dirty="0" err="1" smtClean="0"/>
-              <a:t>Suspendisse</a:t>
-            </a:r>
-            <a:r>
-              <a:rPr lang="en-US" sz="2900" dirty="0" smtClean="0"/>
-              <a:t> </a:t>
-            </a:r>
-            <a:r>
-              <a:rPr lang="en-US" sz="2900" dirty="0" err="1" smtClean="0"/>
-              <a:t>potenti</a:t>
-            </a:r>
-            <a:r>
-              <a:rPr lang="en-US" sz="2900" dirty="0" smtClean="0"/>
-              <a:t>. </a:t>
-            </a:r>
-            <a:r>
-              <a:rPr lang="en-US" sz="2900" dirty="0" err="1" smtClean="0"/>
-              <a:t>Praesent</a:t>
-            </a:r>
-            <a:r>
-              <a:rPr lang="en-US" sz="2900" dirty="0" smtClean="0"/>
-              <a:t> sit </a:t>
-            </a:r>
-            <a:r>
-              <a:rPr lang="en-US" sz="2900" dirty="0" err="1" smtClean="0"/>
-              <a:t>amet</a:t>
-            </a:r>
-            <a:r>
-              <a:rPr lang="en-US" sz="2900" dirty="0" smtClean="0"/>
-              <a:t> </a:t>
-            </a:r>
-            <a:r>
-              <a:rPr lang="en-US" sz="2900" dirty="0" err="1" smtClean="0"/>
-              <a:t>elit</a:t>
-            </a:r>
-            <a:r>
-              <a:rPr lang="en-US" sz="2900" dirty="0" smtClean="0"/>
-              <a:t> lorem, </a:t>
-            </a:r>
-            <a:r>
-              <a:rPr lang="en-US" sz="2900" dirty="0" err="1" smtClean="0"/>
-              <a:t>nec</a:t>
-            </a:r>
-            <a:r>
-              <a:rPr lang="en-US" sz="2900" dirty="0" smtClean="0"/>
-              <a:t> </a:t>
-            </a:r>
-            <a:r>
-              <a:rPr lang="en-US" sz="2900" dirty="0" err="1" smtClean="0"/>
-              <a:t>varius</a:t>
-            </a:r>
-            <a:r>
-              <a:rPr lang="en-US" sz="2900" dirty="0" smtClean="0"/>
-              <a:t> </a:t>
-            </a:r>
-            <a:r>
-              <a:rPr lang="en-US" sz="2900" dirty="0" err="1" smtClean="0"/>
-              <a:t>mauris</a:t>
-            </a:r>
-            <a:r>
-              <a:rPr lang="en-US" sz="2900" dirty="0" smtClean="0"/>
-              <a:t>. Maecenas at convallis </a:t>
-            </a:r>
-            <a:r>
-              <a:rPr lang="en-US" sz="2900" dirty="0" err="1" smtClean="0"/>
-              <a:t>eros</a:t>
-            </a:r>
-            <a:r>
-              <a:rPr lang="en-US" sz="2900" dirty="0" smtClean="0"/>
-              <a:t>. </a:t>
-            </a:r>
-            <a:r>
-              <a:rPr lang="en-US" sz="2900" dirty="0" err="1" smtClean="0"/>
-              <a:t>Donec</a:t>
-            </a:r>
-            <a:r>
-              <a:rPr lang="en-US" sz="2900" dirty="0" smtClean="0"/>
-              <a:t> </a:t>
-            </a:r>
-            <a:r>
-              <a:rPr lang="en-US" sz="2900" dirty="0" err="1" smtClean="0"/>
-              <a:t>accumsan</a:t>
-            </a:r>
-            <a:r>
-              <a:rPr lang="en-US" sz="2900" dirty="0" smtClean="0"/>
-              <a:t>, </a:t>
-            </a:r>
-            <a:r>
-              <a:rPr lang="en-US" sz="2900" dirty="0" err="1" smtClean="0"/>
-              <a:t>nunc</a:t>
-            </a:r>
-            <a:r>
-              <a:rPr lang="en-US" sz="2900" dirty="0" smtClean="0"/>
-              <a:t> </a:t>
-            </a:r>
-            <a:r>
-              <a:rPr lang="en-US" sz="2900" dirty="0" err="1" smtClean="0"/>
-              <a:t>lacinia</a:t>
-            </a:r>
-            <a:r>
-              <a:rPr lang="en-US" sz="2900" dirty="0" smtClean="0"/>
-              <a:t> </a:t>
-            </a:r>
-            <a:r>
-              <a:rPr lang="en-US" sz="2900" dirty="0" err="1" smtClean="0"/>
-              <a:t>imperdiet</a:t>
-            </a:r>
-            <a:r>
-              <a:rPr lang="en-US" sz="2900" dirty="0" smtClean="0"/>
-              <a:t> </a:t>
-            </a:r>
-            <a:r>
-              <a:rPr lang="en-US" sz="2900" dirty="0" err="1" smtClean="0"/>
-              <a:t>congue</a:t>
-            </a:r>
-            <a:r>
-              <a:rPr lang="en-US" sz="2900" dirty="0" smtClean="0"/>
-              <a:t>, magna </a:t>
-            </a:r>
-            <a:r>
-              <a:rPr lang="en-US" sz="2900" dirty="0" err="1" smtClean="0"/>
-              <a:t>elit</a:t>
-            </a:r>
-            <a:r>
-              <a:rPr lang="en-US" sz="2900" dirty="0" smtClean="0"/>
-              <a:t> </a:t>
-            </a:r>
-            <a:r>
-              <a:rPr lang="en-US" sz="2900" dirty="0" err="1" smtClean="0"/>
-              <a:t>vestibulum</a:t>
-            </a:r>
-            <a:r>
-              <a:rPr lang="en-US" sz="2900" dirty="0" smtClean="0"/>
-              <a:t> </a:t>
-            </a:r>
-            <a:r>
-              <a:rPr lang="en-US" sz="2900" dirty="0" err="1" smtClean="0"/>
-              <a:t>felis</a:t>
-            </a:r>
-            <a:r>
-              <a:rPr lang="en-US" sz="2900" dirty="0" smtClean="0"/>
-              <a:t>, ac </a:t>
-            </a:r>
-            <a:r>
-              <a:rPr lang="en-US" sz="2900" dirty="0" err="1" smtClean="0"/>
-              <a:t>suscipit</a:t>
-            </a:r>
-            <a:r>
-              <a:rPr lang="en-US" sz="2900" dirty="0" smtClean="0"/>
-              <a:t> </a:t>
-            </a:r>
-            <a:r>
-              <a:rPr lang="en-US" sz="2900" dirty="0" err="1" smtClean="0"/>
-              <a:t>justo</a:t>
-            </a:r>
-            <a:r>
-              <a:rPr lang="en-US" sz="2900" dirty="0" smtClean="0"/>
-              <a:t> lacus id </a:t>
-            </a:r>
-            <a:r>
-              <a:rPr lang="en-US" sz="2900" dirty="0" err="1" smtClean="0"/>
-              <a:t>tortor</a:t>
-            </a:r>
-            <a:r>
-              <a:rPr lang="en-US" sz="2900" dirty="0" smtClean="0"/>
-              <a:t>. </a:t>
-            </a:r>
-            <a:r>
-              <a:rPr lang="en-US" sz="2900" dirty="0" err="1" smtClean="0"/>
-              <a:t>Aenean</a:t>
-            </a:r>
-            <a:r>
-              <a:rPr lang="en-US" sz="2900" dirty="0" smtClean="0"/>
-              <a:t> </a:t>
-            </a:r>
-            <a:r>
-              <a:rPr lang="en-US" sz="2900" dirty="0" err="1" smtClean="0"/>
-              <a:t>vulputate</a:t>
-            </a:r>
-            <a:r>
-              <a:rPr lang="en-US" sz="2900" dirty="0" smtClean="0"/>
-              <a:t> </a:t>
-            </a:r>
-            <a:r>
-              <a:rPr lang="en-US" sz="2900" dirty="0" err="1" smtClean="0"/>
-              <a:t>hendrerit</a:t>
-            </a:r>
-            <a:r>
-              <a:rPr lang="en-US" sz="2900" dirty="0" smtClean="0"/>
-              <a:t> lacus, </a:t>
-            </a:r>
-            <a:r>
-              <a:rPr lang="en-US" sz="2900" dirty="0" err="1" smtClean="0"/>
-              <a:t>eget</a:t>
-            </a:r>
-            <a:r>
-              <a:rPr lang="en-US" sz="2900" dirty="0" smtClean="0"/>
-              <a:t> </a:t>
-            </a:r>
-            <a:r>
-              <a:rPr lang="en-US" sz="2900" dirty="0" err="1" smtClean="0"/>
-              <a:t>vestibulum</a:t>
-            </a:r>
-            <a:r>
-              <a:rPr lang="en-US" sz="2900" dirty="0" smtClean="0"/>
-              <a:t> </a:t>
-            </a:r>
-            <a:r>
-              <a:rPr lang="en-US" sz="2900" dirty="0" err="1" smtClean="0"/>
-              <a:t>odio</a:t>
-            </a:r>
-            <a:r>
-              <a:rPr lang="en-US" sz="2900" dirty="0" smtClean="0"/>
-              <a:t> gravida </a:t>
-            </a:r>
-            <a:r>
-              <a:rPr lang="en-US" sz="2900" dirty="0" err="1" smtClean="0"/>
-              <a:t>nec</a:t>
-            </a:r>
-            <a:r>
-              <a:rPr lang="en-US" sz="2900" dirty="0" smtClean="0"/>
-              <a:t>. Nunc </a:t>
-            </a:r>
-            <a:r>
-              <a:rPr lang="en-US" sz="2900" dirty="0" err="1" smtClean="0"/>
-              <a:t>rutrum</a:t>
-            </a:r>
-            <a:r>
-              <a:rPr lang="en-US" sz="2900" dirty="0" smtClean="0"/>
-              <a:t>, </a:t>
-            </a:r>
-            <a:r>
-              <a:rPr lang="en-US" sz="2900" dirty="0" err="1" smtClean="0"/>
-              <a:t>turpis</a:t>
-            </a:r>
-            <a:r>
-              <a:rPr lang="en-US" sz="2900" dirty="0" smtClean="0"/>
-              <a:t> et </a:t>
-            </a:r>
-            <a:r>
-              <a:rPr lang="en-US" sz="2900" dirty="0" err="1" smtClean="0"/>
-              <a:t>ultricies</a:t>
-            </a:r>
-            <a:r>
-              <a:rPr lang="en-US" sz="2900" dirty="0" smtClean="0"/>
-              <a:t> </a:t>
-            </a:r>
-            <a:r>
-              <a:rPr lang="en-US" sz="2900" dirty="0" err="1" smtClean="0"/>
-              <a:t>ultrices</a:t>
-            </a:r>
-            <a:r>
-              <a:rPr lang="en-US" sz="2900" dirty="0" smtClean="0"/>
-              <a:t>, </a:t>
-            </a:r>
-            <a:r>
-              <a:rPr lang="en-US" sz="2900" dirty="0" err="1" smtClean="0"/>
-              <a:t>elit</a:t>
-            </a:r>
-            <a:r>
-              <a:rPr lang="en-US" sz="2900" dirty="0" smtClean="0"/>
-              <a:t> </a:t>
-            </a:r>
-            <a:r>
-              <a:rPr lang="en-US" sz="2900" dirty="0" err="1" smtClean="0"/>
-              <a:t>orci</a:t>
-            </a:r>
-            <a:r>
-              <a:rPr lang="en-US" sz="2900" dirty="0" smtClean="0"/>
-              <a:t> </a:t>
-            </a:r>
-            <a:r>
-              <a:rPr lang="en-US" sz="2900" dirty="0" err="1" smtClean="0"/>
-              <a:t>feugiat</a:t>
-            </a:r>
-            <a:r>
-              <a:rPr lang="en-US" sz="2900" dirty="0" smtClean="0"/>
-              <a:t> ante, </a:t>
-            </a:r>
-            <a:r>
-              <a:rPr lang="en-US" sz="2900" dirty="0" err="1" smtClean="0"/>
-              <a:t>nec</a:t>
-            </a:r>
-            <a:r>
-              <a:rPr lang="en-US" sz="2900" dirty="0" smtClean="0"/>
-              <a:t> </a:t>
-            </a:r>
-            <a:r>
-              <a:rPr lang="en-US" sz="2900" dirty="0" err="1" smtClean="0"/>
-              <a:t>accumsan</a:t>
-            </a:r>
-            <a:r>
-              <a:rPr lang="en-US" sz="2900" dirty="0" smtClean="0"/>
-              <a:t> ipsum </a:t>
-            </a:r>
-            <a:r>
-              <a:rPr lang="en-US" sz="2900" dirty="0" err="1" smtClean="0"/>
-              <a:t>felis</a:t>
-            </a:r>
-            <a:r>
-              <a:rPr lang="en-US" sz="2900" dirty="0" smtClean="0"/>
-              <a:t> </a:t>
-            </a:r>
-            <a:r>
-              <a:rPr lang="en-US" sz="2900" dirty="0" err="1" smtClean="0"/>
-              <a:t>eget</a:t>
-            </a:r>
-            <a:r>
-              <a:rPr lang="en-US" sz="2900" dirty="0" smtClean="0"/>
-              <a:t> sem. Maecenas ipsum </a:t>
-            </a:r>
-            <a:r>
-              <a:rPr lang="en-US" sz="2900" dirty="0" err="1" smtClean="0"/>
-              <a:t>metus</a:t>
-            </a:r>
-            <a:r>
-              <a:rPr lang="en-US" sz="2900" dirty="0" smtClean="0"/>
-              <a:t>, </a:t>
-            </a:r>
-            <a:r>
-              <a:rPr lang="en-US" sz="2900" dirty="0" err="1" smtClean="0"/>
-              <a:t>rutrum</a:t>
-            </a:r>
-            <a:r>
-              <a:rPr lang="en-US" sz="2900" dirty="0" smtClean="0"/>
-              <a:t> </a:t>
-            </a:r>
-            <a:r>
-              <a:rPr lang="en-US" sz="2900" dirty="0" err="1" smtClean="0"/>
-              <a:t>nec</a:t>
-            </a:r>
-            <a:r>
-              <a:rPr lang="en-US" sz="2900" dirty="0" smtClean="0"/>
-              <a:t> </a:t>
-            </a:r>
-            <a:r>
-              <a:rPr lang="en-US" sz="2900" dirty="0" err="1" smtClean="0"/>
-              <a:t>pretium</a:t>
-            </a:r>
-            <a:r>
-              <a:rPr lang="en-US" sz="2900" dirty="0" smtClean="0"/>
-              <a:t> sit </a:t>
-            </a:r>
-            <a:r>
-              <a:rPr lang="en-US" sz="2900" dirty="0" err="1" smtClean="0"/>
-              <a:t>amet</a:t>
-            </a:r>
-            <a:r>
-              <a:rPr lang="en-US" sz="2900" dirty="0" smtClean="0"/>
-              <a:t>, </a:t>
-            </a:r>
-            <a:r>
-              <a:rPr lang="en-US" sz="2900" dirty="0" err="1" smtClean="0"/>
-              <a:t>commodo</a:t>
-            </a:r>
-            <a:r>
-              <a:rPr lang="en-US" sz="2900" dirty="0" smtClean="0"/>
-              <a:t> </a:t>
-            </a:r>
-            <a:r>
-              <a:rPr lang="en-US" sz="2900" dirty="0" err="1" smtClean="0"/>
-              <a:t>ut</a:t>
-            </a:r>
-            <a:r>
-              <a:rPr lang="en-US" sz="2900" dirty="0" smtClean="0"/>
-              <a:t> </a:t>
-            </a:r>
-            <a:r>
-              <a:rPr lang="en-US" sz="2900" dirty="0" err="1" smtClean="0"/>
-              <a:t>neque</a:t>
-            </a:r>
-            <a:r>
-              <a:rPr lang="en-US" sz="2900" dirty="0" smtClean="0"/>
-              <a:t>. </a:t>
-            </a:r>
-            <a:r>
-              <a:rPr lang="en-US" sz="2900" dirty="0" err="1" smtClean="0"/>
-              <a:t>Aenean</a:t>
-            </a:r>
-            <a:r>
-              <a:rPr lang="en-US" sz="2900" dirty="0" smtClean="0"/>
-              <a:t> </a:t>
-            </a:r>
-            <a:r>
-              <a:rPr lang="en-US" sz="2900" dirty="0" err="1" smtClean="0"/>
-              <a:t>ut</a:t>
-            </a:r>
-            <a:r>
-              <a:rPr lang="en-US" sz="2900" dirty="0" smtClean="0"/>
-              <a:t> </a:t>
-            </a:r>
-            <a:r>
-              <a:rPr lang="en-US" sz="2900" dirty="0" err="1" smtClean="0"/>
-              <a:t>mattis</a:t>
-            </a:r>
-            <a:r>
-              <a:rPr lang="en-US" sz="2900" dirty="0" smtClean="0"/>
-              <a:t> </a:t>
-            </a:r>
-            <a:r>
-              <a:rPr lang="en-US" sz="2900" dirty="0" err="1" smtClean="0"/>
-              <a:t>enim</a:t>
-            </a:r>
-            <a:r>
-              <a:rPr lang="en-US" sz="2900" dirty="0" smtClean="0"/>
-              <a:t>. </a:t>
-            </a:r>
-            <a:r>
-              <a:rPr lang="en-US" sz="2900" dirty="0" err="1" smtClean="0"/>
-              <a:t>Quisque</a:t>
-            </a:r>
-            <a:r>
-              <a:rPr lang="en-US" sz="2900" dirty="0" smtClean="0"/>
-              <a:t> </a:t>
-            </a:r>
-            <a:r>
-              <a:rPr lang="en-US" sz="2900" dirty="0" err="1" smtClean="0"/>
-              <a:t>iaculis</a:t>
-            </a:r>
-            <a:r>
-              <a:rPr lang="en-US" sz="2900" dirty="0" smtClean="0"/>
-              <a:t> </a:t>
-            </a:r>
-            <a:r>
-              <a:rPr lang="en-US" sz="2900" dirty="0" err="1" smtClean="0"/>
-              <a:t>molestie</a:t>
-            </a:r>
-            <a:r>
-              <a:rPr lang="en-US" sz="2900" dirty="0" smtClean="0"/>
-              <a:t> </a:t>
-            </a:r>
-            <a:r>
-              <a:rPr lang="en-US" sz="2900" dirty="0" err="1" smtClean="0"/>
-              <a:t>orci</a:t>
-            </a:r>
-            <a:r>
-              <a:rPr lang="en-US" sz="2900" dirty="0" smtClean="0"/>
-              <a:t> non </a:t>
-            </a:r>
-            <a:r>
-              <a:rPr lang="en-US" sz="2900" dirty="0" err="1" smtClean="0"/>
-              <a:t>scelerisque</a:t>
-            </a:r>
-            <a:r>
-              <a:rPr lang="en-US" sz="2900" dirty="0" smtClean="0"/>
-              <a:t>. </a:t>
-            </a:r>
-            <a:r>
-              <a:rPr lang="en-US" sz="2900" dirty="0" err="1" smtClean="0"/>
-              <a:t>Pellentesque</a:t>
-            </a:r>
-            <a:r>
-              <a:rPr lang="en-US" sz="2900" dirty="0" smtClean="0"/>
-              <a:t> </a:t>
-            </a:r>
-            <a:r>
-              <a:rPr lang="en-US" sz="2900" dirty="0" err="1" smtClean="0"/>
-              <a:t>tristique</a:t>
-            </a:r>
-            <a:r>
-              <a:rPr lang="en-US" sz="2900" dirty="0" smtClean="0"/>
-              <a:t> </a:t>
-            </a:r>
-            <a:r>
-              <a:rPr lang="en-US" sz="2900" dirty="0" err="1" smtClean="0"/>
-              <a:t>risus</a:t>
-            </a:r>
-            <a:r>
-              <a:rPr lang="en-US" sz="2900" dirty="0" smtClean="0"/>
-              <a:t> </a:t>
-            </a:r>
-            <a:r>
-              <a:rPr lang="en-US" sz="2900" dirty="0" err="1" smtClean="0"/>
-              <a:t>elementum</a:t>
-            </a:r>
-            <a:r>
-              <a:rPr lang="en-US" sz="2900" dirty="0" smtClean="0"/>
-              <a:t> </a:t>
-            </a:r>
-            <a:r>
-              <a:rPr lang="en-US" sz="2900" dirty="0" err="1" smtClean="0"/>
-              <a:t>diam</a:t>
-            </a:r>
-            <a:r>
-              <a:rPr lang="en-US" sz="2900" dirty="0" smtClean="0"/>
-              <a:t> convallis porta </a:t>
-            </a:r>
-            <a:r>
-              <a:rPr lang="en-US" sz="2900" dirty="0" err="1" smtClean="0"/>
-              <a:t>sagittis</a:t>
-            </a:r>
-            <a:r>
-              <a:rPr lang="en-US" sz="2900" dirty="0" smtClean="0"/>
-              <a:t> </a:t>
-            </a:r>
-            <a:r>
-              <a:rPr lang="en-US" sz="2900" dirty="0" err="1" smtClean="0"/>
-              <a:t>elit</a:t>
-            </a:r>
-            <a:r>
-              <a:rPr lang="en-US" sz="2900" dirty="0" smtClean="0"/>
-              <a:t> </a:t>
-            </a:r>
-            <a:r>
-              <a:rPr lang="en-US" sz="2900" dirty="0" err="1" smtClean="0"/>
-              <a:t>adipiscing</a:t>
-            </a:r>
-            <a:r>
-              <a:rPr lang="en-US" sz="2900" dirty="0" smtClean="0"/>
-              <a:t>. </a:t>
-            </a:r>
-            <a:r>
-              <a:rPr lang="en-US" sz="2900" dirty="0" err="1" smtClean="0"/>
-              <a:t>Nulla</a:t>
-            </a:r>
-            <a:r>
-              <a:rPr lang="en-US" sz="2900" dirty="0" smtClean="0"/>
-              <a:t> </a:t>
-            </a:r>
-            <a:r>
-              <a:rPr lang="en-US" sz="2900" dirty="0" err="1" smtClean="0"/>
-              <a:t>facilisi</a:t>
-            </a:r>
-            <a:r>
-              <a:rPr lang="en-US" sz="2900" dirty="0" smtClean="0"/>
-              <a:t>. </a:t>
-            </a:r>
-            <a:r>
-              <a:rPr lang="en-US" sz="2900" dirty="0" err="1" smtClean="0"/>
-              <a:t>Vivamus</a:t>
-            </a:r>
-            <a:r>
-              <a:rPr lang="en-US" sz="2900" dirty="0" smtClean="0"/>
-              <a:t> </a:t>
-            </a:r>
-            <a:r>
-              <a:rPr lang="en-US" sz="2900" dirty="0" err="1" smtClean="0"/>
-              <a:t>justo</a:t>
-            </a:r>
-            <a:r>
-              <a:rPr lang="en-US" sz="2900" dirty="0" smtClean="0"/>
-              <a:t> </a:t>
-            </a:r>
-            <a:r>
-              <a:rPr lang="en-US" sz="2900" dirty="0" err="1" smtClean="0"/>
-              <a:t>tellus</a:t>
-            </a:r>
-            <a:r>
-              <a:rPr lang="en-US" sz="2900" dirty="0" smtClean="0"/>
-              <a:t>, </a:t>
-            </a:r>
-            <a:r>
-              <a:rPr lang="en-US" sz="2900" dirty="0" err="1" smtClean="0"/>
-              <a:t>ullamcorper</a:t>
-            </a:r>
-            <a:r>
-              <a:rPr lang="en-US" sz="2900" dirty="0" smtClean="0"/>
-              <a:t> et </a:t>
-            </a:r>
-            <a:r>
-              <a:rPr lang="en-US" sz="2900" dirty="0" err="1" smtClean="0"/>
-              <a:t>lacinia</a:t>
-            </a:r>
-            <a:r>
-              <a:rPr lang="en-US" sz="2900" dirty="0" smtClean="0"/>
-              <a:t> </a:t>
-            </a:r>
-            <a:r>
-              <a:rPr lang="en-US" sz="2900" dirty="0" err="1" smtClean="0"/>
-              <a:t>vel</a:t>
-            </a:r>
-            <a:r>
-              <a:rPr lang="en-US" sz="2900" dirty="0" smtClean="0"/>
-              <a:t>, </a:t>
-            </a:r>
-            <a:r>
-              <a:rPr lang="en-US" sz="2900" dirty="0" err="1" smtClean="0"/>
-              <a:t>consequat</a:t>
-            </a:r>
-            <a:r>
-              <a:rPr lang="en-US" sz="2900" dirty="0" smtClean="0"/>
-              <a:t> </a:t>
-            </a:r>
-            <a:r>
-              <a:rPr lang="en-US" sz="2900" dirty="0" err="1" smtClean="0"/>
-              <a:t>eu</a:t>
-            </a:r>
-            <a:r>
-              <a:rPr lang="en-US" sz="2900" dirty="0" smtClean="0"/>
-              <a:t> </a:t>
-            </a:r>
-            <a:r>
-              <a:rPr lang="en-US" sz="2900" dirty="0" err="1" smtClean="0"/>
-              <a:t>odio</a:t>
-            </a:r>
-            <a:r>
-              <a:rPr lang="en-US" sz="2900" dirty="0" smtClean="0"/>
-              <a:t>. </a:t>
-            </a:r>
-            <a:r>
-              <a:rPr lang="en-US" sz="2900" dirty="0" err="1" smtClean="0"/>
-              <a:t>Nullam</a:t>
-            </a:r>
-            <a:r>
-              <a:rPr lang="en-US" sz="2900" dirty="0" smtClean="0"/>
-              <a:t> </a:t>
-            </a:r>
-            <a:r>
-              <a:rPr lang="en-US" sz="2900" dirty="0" err="1" smtClean="0"/>
-              <a:t>porttitor</a:t>
-            </a:r>
-            <a:r>
-              <a:rPr lang="en-US" sz="2900" dirty="0" smtClean="0"/>
-              <a:t> </a:t>
-            </a:r>
-            <a:r>
-              <a:rPr lang="en-US" sz="2900" dirty="0" err="1" smtClean="0"/>
-              <a:t>euismod</a:t>
-            </a:r>
-            <a:r>
-              <a:rPr lang="en-US" sz="2900" dirty="0" smtClean="0"/>
-              <a:t> </a:t>
-            </a:r>
-            <a:r>
-              <a:rPr lang="en-US" sz="2900" dirty="0" err="1" smtClean="0"/>
-              <a:t>turpis</a:t>
-            </a:r>
-            <a:r>
-              <a:rPr lang="en-US" sz="2900" dirty="0" smtClean="0"/>
-              <a:t> </a:t>
-            </a:r>
-            <a:r>
-              <a:rPr lang="en-US" sz="2900" dirty="0" err="1" smtClean="0"/>
-              <a:t>quis</a:t>
-            </a:r>
-            <a:r>
-              <a:rPr lang="en-US" sz="2900" dirty="0" smtClean="0"/>
-              <a:t> dictum</a:t>
-            </a:r>
-            <a:endParaRPr lang="en-US" sz="2900" dirty="0" smtClean="0"/>
-          </a:p>
-        </p:txBody>
-      </p:sp>
-      <p:sp>
-        <p:nvSpPr>
-          <p:cNvPr id="18" name="TextBox 17"/>
+            <a:pPr algn="just"/>
+            <a:r>
+              <a:rPr lang="en-US" sz="2900" smtClean="0">
+                <a:latin typeface="Gill Sans MT" panose="020B0502020104020203" pitchFamily="34" charset="0"/>
+                <a:ea typeface="Verdana" panose="020B0604030504040204" pitchFamily="34" charset="0"/>
+                <a:cs typeface="Verdana" panose="020B0604030504040204" pitchFamily="34" charset="0"/>
+              </a:rPr>
+              <a:t>BACKGROUND</a:t>
+            </a:r>
+          </a:p>
+          <a:p>
+            <a:pPr algn="just"/>
+            <a:r>
+              <a:rPr lang="en-US" sz="2900" smtClean="0">
+                <a:latin typeface="Gill Sans MT" panose="020B0502020104020203" pitchFamily="34" charset="0"/>
+                <a:ea typeface="Verdana" panose="020B0604030504040204" pitchFamily="34" charset="0"/>
+                <a:cs typeface="Verdana" panose="020B0604030504040204" pitchFamily="34" charset="0"/>
+              </a:rPr>
+              <a:t>BACKGROUND</a:t>
+            </a:r>
+          </a:p>
+          <a:p>
+            <a:pPr algn="just"/>
+            <a:r>
+              <a:rPr lang="en-US" sz="2900" smtClean="0">
+                <a:latin typeface="Gill Sans MT" panose="020B0502020104020203" pitchFamily="34" charset="0"/>
+                <a:ea typeface="Verdana" panose="020B0604030504040204" pitchFamily="34" charset="0"/>
+                <a:cs typeface="Verdana" panose="020B0604030504040204" pitchFamily="34" charset="0"/>
+              </a:rPr>
+              <a:t>BACKGROUND background</a:t>
+            </a:r>
+            <a:endParaRPr lang="en-US" sz="2900" dirty="0" smtClean="0">
+              <a:latin typeface="Gill Sans MT" panose="020B0502020104020203" pitchFamily="34" charset="0"/>
+              <a:ea typeface="Verdana" panose="020B0604030504040204" pitchFamily="34" charset="0"/>
+              <a:cs typeface="Verdana" panose="020B0604030504040204" pitchFamily="34" charset="0"/>
+            </a:endParaRPr>
+          </a:p>
+        </p:txBody>
+      </p:sp>
+      <p:sp>
+        <p:nvSpPr>
+          <p:cNvPr id="17" name="TextBox 16"/>
           <p:cNvSpPr txBox="1"/>
           <p:nvPr/>
         </p:nvSpPr>
         <p:spPr>
           <a:xfrm>
-            <a:off x="16402050" y="4080679"/>
-            <a:ext cx="10039350" cy="848573"/>
+            <a:off x="916780" y="6411659"/>
+            <a:ext cx="12265821" cy="848577"/>
+          </a:xfrm>
+          <a:prstGeom prst="rect">
+            <a:avLst/>
+          </a:prstGeom>
+          <a:solidFill>
+            <a:srgbClr val="8C1515"/>
+          </a:solidFill>
+        </p:spPr>
+        <p:style>
+          <a:lnRef idx="2">
+            <a:schemeClr val="accent2"/>
+          </a:lnRef>
+          <a:fillRef idx="1">
+            <a:schemeClr val="lt1"/>
+          </a:fillRef>
+          <a:effectRef idx="0">
+            <a:schemeClr val="accent2"/>
+          </a:effectRef>
+          <a:fontRef idx="minor">
+            <a:schemeClr val="dk1"/>
+          </a:fontRef>
+        </p:style>
+        <p:txBody>
+          <a:bodyPr wrap="square" lIns="108846" tIns="54423" rIns="108846" bIns="54423" rtlCol="0" anchor="ctr">
+            <a:spAutoFit/>
+          </a:bodyPr>
+          <a:lstStyle/>
+          <a:p>
+            <a:pPr algn="ctr"/>
+            <a:r>
+              <a:rPr lang="en-US" sz="4800" dirty="0" smtClean="0">
+                <a:solidFill>
+                  <a:schemeClr val="bg1"/>
+                </a:solidFill>
+                <a:latin typeface="+mj-lt"/>
+              </a:rPr>
+              <a:t>Method 1</a:t>
+            </a:r>
+            <a:endParaRPr lang="en-US" sz="4800" dirty="0" smtClean="0">
+              <a:solidFill>
+                <a:schemeClr val="bg1"/>
+              </a:solidFill>
+              <a:latin typeface="+mj-lt"/>
+            </a:endParaRPr>
+          </a:p>
+        </p:txBody>
+      </p:sp>
+      <p:sp>
+        <p:nvSpPr>
+          <p:cNvPr id="27" name="Text Placeholder 33"/>
+          <p:cNvSpPr txBox="1">
+            <a:spLocks/>
+          </p:cNvSpPr>
+          <p:nvPr/>
+        </p:nvSpPr>
+        <p:spPr>
+          <a:xfrm>
+            <a:off x="14173200" y="9644729"/>
+            <a:ext cx="12344399" cy="2965203"/>
           </a:xfrm>
           <a:prstGeom prst="rect">
             <a:avLst/>
@@ -4760,6 +4140,236 @@
           </a:fontRef>
         </p:style>
         <p:txBody>
+          <a:bodyPr vert="horz" wrap="square" lIns="373159" tIns="186579" rIns="373159" bIns="186579" rtlCol="0">
+            <a:spAutoFit/>
+          </a:bodyPr>
+          <a:lstStyle>
+            <a:lvl1pPr marL="0" indent="0" algn="l" defTabSz="3731584" rtl="0" eaLnBrk="1" latinLnBrk="0" hangingPunct="1">
+              <a:spcBef>
+                <a:spcPct val="20000"/>
+              </a:spcBef>
+              <a:buFont typeface="Arial" pitchFamily="34" charset="0"/>
+              <a:buNone/>
+              <a:defRPr sz="5700" kern="1200">
+                <a:solidFill>
+                  <a:schemeClr val="dk1"/>
+                </a:solidFill>
+                <a:latin typeface="+mn-lt"/>
+                <a:ea typeface="+mn-ea"/>
+                <a:cs typeface="+mn-cs"/>
+              </a:defRPr>
+            </a:lvl1pPr>
+            <a:lvl2pPr marL="1865791" indent="0" algn="l" defTabSz="3731584" rtl="0" eaLnBrk="1" latinLnBrk="0" hangingPunct="1">
+              <a:spcBef>
+                <a:spcPct val="20000"/>
+              </a:spcBef>
+              <a:buFont typeface="Arial" pitchFamily="34" charset="0"/>
+              <a:buNone/>
+              <a:defRPr sz="4900" kern="1200">
+                <a:solidFill>
+                  <a:schemeClr val="dk1"/>
+                </a:solidFill>
+                <a:latin typeface="+mn-lt"/>
+                <a:ea typeface="+mn-ea"/>
+                <a:cs typeface="+mn-cs"/>
+              </a:defRPr>
+            </a:lvl2pPr>
+            <a:lvl3pPr marL="3731584" indent="0" algn="l" defTabSz="3731584" rtl="0" eaLnBrk="1" latinLnBrk="0" hangingPunct="1">
+              <a:spcBef>
+                <a:spcPct val="20000"/>
+              </a:spcBef>
+              <a:buFont typeface="Arial" pitchFamily="34" charset="0"/>
+              <a:buNone/>
+              <a:defRPr sz="4000" kern="1200">
+                <a:solidFill>
+                  <a:schemeClr val="dk1"/>
+                </a:solidFill>
+                <a:latin typeface="+mn-lt"/>
+                <a:ea typeface="+mn-ea"/>
+                <a:cs typeface="+mn-cs"/>
+              </a:defRPr>
+            </a:lvl3pPr>
+            <a:lvl4pPr marL="5597375" indent="0" algn="l" defTabSz="3731584" rtl="0" eaLnBrk="1" latinLnBrk="0" hangingPunct="1">
+              <a:spcBef>
+                <a:spcPct val="20000"/>
+              </a:spcBef>
+              <a:buFont typeface="Arial" pitchFamily="34" charset="0"/>
+              <a:buNone/>
+              <a:defRPr sz="3700" kern="1200">
+                <a:solidFill>
+                  <a:schemeClr val="dk1"/>
+                </a:solidFill>
+                <a:latin typeface="+mn-lt"/>
+                <a:ea typeface="+mn-ea"/>
+                <a:cs typeface="+mn-cs"/>
+              </a:defRPr>
+            </a:lvl4pPr>
+            <a:lvl5pPr marL="7463166" indent="0" algn="l" defTabSz="3731584" rtl="0" eaLnBrk="1" latinLnBrk="0" hangingPunct="1">
+              <a:spcBef>
+                <a:spcPct val="20000"/>
+              </a:spcBef>
+              <a:buFont typeface="Arial" pitchFamily="34" charset="0"/>
+              <a:buNone/>
+              <a:defRPr sz="3700" kern="1200">
+                <a:solidFill>
+                  <a:schemeClr val="dk1"/>
+                </a:solidFill>
+                <a:latin typeface="+mn-lt"/>
+                <a:ea typeface="+mn-ea"/>
+                <a:cs typeface="+mn-cs"/>
+              </a:defRPr>
+            </a:lvl5pPr>
+            <a:lvl6pPr marL="9328958" indent="0" algn="l" defTabSz="3731584" rtl="0" eaLnBrk="1" latinLnBrk="0" hangingPunct="1">
+              <a:spcBef>
+                <a:spcPct val="20000"/>
+              </a:spcBef>
+              <a:buFont typeface="Arial" pitchFamily="34" charset="0"/>
+              <a:buNone/>
+              <a:defRPr sz="3700" kern="1200">
+                <a:solidFill>
+                  <a:schemeClr val="dk1"/>
+                </a:solidFill>
+                <a:latin typeface="+mn-lt"/>
+                <a:ea typeface="+mn-ea"/>
+                <a:cs typeface="+mn-cs"/>
+              </a:defRPr>
+            </a:lvl6pPr>
+            <a:lvl7pPr marL="11194749" indent="0" algn="l" defTabSz="3731584" rtl="0" eaLnBrk="1" latinLnBrk="0" hangingPunct="1">
+              <a:spcBef>
+                <a:spcPct val="20000"/>
+              </a:spcBef>
+              <a:buFont typeface="Arial" pitchFamily="34" charset="0"/>
+              <a:buNone/>
+              <a:defRPr sz="3700" kern="1200">
+                <a:solidFill>
+                  <a:schemeClr val="dk1"/>
+                </a:solidFill>
+                <a:latin typeface="+mn-lt"/>
+                <a:ea typeface="+mn-ea"/>
+                <a:cs typeface="+mn-cs"/>
+              </a:defRPr>
+            </a:lvl7pPr>
+            <a:lvl8pPr marL="13060541" indent="0" algn="l" defTabSz="3731584" rtl="0" eaLnBrk="1" latinLnBrk="0" hangingPunct="1">
+              <a:spcBef>
+                <a:spcPct val="20000"/>
+              </a:spcBef>
+              <a:buFont typeface="Arial" pitchFamily="34" charset="0"/>
+              <a:buNone/>
+              <a:defRPr sz="3700" kern="1200">
+                <a:solidFill>
+                  <a:schemeClr val="dk1"/>
+                </a:solidFill>
+                <a:latin typeface="+mn-lt"/>
+                <a:ea typeface="+mn-ea"/>
+                <a:cs typeface="+mn-cs"/>
+              </a:defRPr>
+            </a:lvl8pPr>
+            <a:lvl9pPr marL="14926332" indent="0" algn="l" defTabSz="3731584" rtl="0" eaLnBrk="1" latinLnBrk="0" hangingPunct="1">
+              <a:spcBef>
+                <a:spcPct val="20000"/>
+              </a:spcBef>
+              <a:buFont typeface="Arial" pitchFamily="34" charset="0"/>
+              <a:buNone/>
+              <a:defRPr sz="3700" kern="1200">
+                <a:solidFill>
+                  <a:schemeClr val="dk1"/>
+                </a:solidFill>
+                <a:latin typeface="+mn-lt"/>
+                <a:ea typeface="+mn-ea"/>
+                <a:cs typeface="+mn-cs"/>
+              </a:defRPr>
+            </a:lvl9pPr>
+          </a:lstStyle>
+          <a:p>
+            <a:pPr algn="just"/>
+            <a:r>
+              <a:rPr lang="en-US" sz="2900" dirty="0" smtClean="0">
+                <a:latin typeface="Gill Sans MT" panose="020B0502020104020203" pitchFamily="34" charset="0"/>
+                <a:ea typeface="Verdana" panose="020B0604030504040204" pitchFamily="34" charset="0"/>
+                <a:cs typeface="Verdana" panose="020B0604030504040204" pitchFamily="34" charset="0"/>
+              </a:rPr>
+              <a:t>Results</a:t>
+            </a:r>
+          </a:p>
+          <a:p>
+            <a:pPr algn="just"/>
+            <a:r>
+              <a:rPr lang="en-US" sz="2900" dirty="0" smtClean="0">
+                <a:latin typeface="Gill Sans MT" panose="020B0502020104020203" pitchFamily="34" charset="0"/>
+                <a:ea typeface="Verdana" panose="020B0604030504040204" pitchFamily="34" charset="0"/>
+                <a:cs typeface="Verdana" panose="020B0604030504040204" pitchFamily="34" charset="0"/>
+              </a:rPr>
+              <a:t>Results</a:t>
+            </a:r>
+          </a:p>
+          <a:p>
+            <a:pPr algn="just"/>
+            <a:r>
+              <a:rPr lang="en-US" sz="2900" dirty="0" smtClean="0">
+                <a:latin typeface="Gill Sans MT" panose="020B0502020104020203" pitchFamily="34" charset="0"/>
+                <a:ea typeface="Verdana" panose="020B0604030504040204" pitchFamily="34" charset="0"/>
+                <a:cs typeface="Verdana" panose="020B0604030504040204" pitchFamily="34" charset="0"/>
+              </a:rPr>
+              <a:t>Results</a:t>
+            </a:r>
+          </a:p>
+          <a:p>
+            <a:pPr algn="just"/>
+            <a:r>
+              <a:rPr lang="en-US" sz="2900" dirty="0" smtClean="0">
+                <a:latin typeface="Gill Sans MT" panose="020B0502020104020203" pitchFamily="34" charset="0"/>
+                <a:ea typeface="Verdana" panose="020B0604030504040204" pitchFamily="34" charset="0"/>
+                <a:cs typeface="Verdana" panose="020B0604030504040204" pitchFamily="34" charset="0"/>
+              </a:rPr>
+              <a:t>Results</a:t>
+            </a:r>
+          </a:p>
+          <a:p>
+            <a:pPr algn="just"/>
+            <a:r>
+              <a:rPr lang="en-US" sz="2900" dirty="0" smtClean="0">
+                <a:latin typeface="Gill Sans MT" panose="020B0502020104020203" pitchFamily="34" charset="0"/>
+                <a:ea typeface="Verdana" panose="020B0604030504040204" pitchFamily="34" charset="0"/>
+                <a:cs typeface="Verdana" panose="020B0604030504040204" pitchFamily="34" charset="0"/>
+              </a:rPr>
+              <a:t>Results</a:t>
+            </a:r>
+          </a:p>
+        </p:txBody>
+      </p:sp>
+      <p:sp>
+        <p:nvSpPr>
+          <p:cNvPr id="29" name="TextBox 28"/>
+          <p:cNvSpPr txBox="1"/>
+          <p:nvPr/>
+        </p:nvSpPr>
+        <p:spPr>
+          <a:xfrm>
+            <a:off x="14173200" y="8501729"/>
+            <a:ext cx="12344400" cy="848577"/>
+          </a:xfrm>
+          <a:prstGeom prst="rect">
+            <a:avLst/>
+          </a:prstGeom>
+          <a:solidFill>
+            <a:srgbClr val="8C1515"/>
+          </a:solidFill>
+        </p:spPr>
+        <p:style>
+          <a:lnRef idx="2">
+            <a:schemeClr val="accent2"/>
+          </a:lnRef>
+          <a:fillRef idx="1">
+            <a:schemeClr val="lt1"/>
+          </a:fillRef>
+          <a:effectRef idx="0">
+            <a:schemeClr val="accent2"/>
+          </a:effectRef>
+          <a:fontRef idx="minor">
+            <a:schemeClr val="dk1"/>
+          </a:fontRef>
+        </p:style>
+        <p:txBody>
           <a:bodyPr wrap="square" lIns="108846" tIns="54423" rIns="108846" bIns="54423" rtlCol="0" anchor="ctr">
             <a:spAutoFit/>
           </a:bodyPr>
@@ -4767,16 +4377,26 @@
           <a:p>
             <a:pPr algn="ctr"/>
             <a:r>
-              <a:rPr lang="en-US" sz="4800" dirty="0" smtClean="0"/>
+              <a:rPr lang="en-US" sz="4800" dirty="0" smtClean="0">
+                <a:solidFill>
+                  <a:schemeClr val="bg1"/>
+                </a:solidFill>
+                <a:latin typeface="+mj-lt"/>
+              </a:rPr>
               <a:t>Results</a:t>
             </a:r>
-            <a:endParaRPr lang="en-US" sz="4800" dirty="0" smtClean="0"/>
-          </a:p>
-        </p:txBody>
-      </p:sp>
-      <p:sp>
-        <p:nvSpPr>
-          <p:cNvPr id="19" name="Text Placeholder 33"/>
+            <a:endParaRPr lang="en-US" sz="4800" dirty="0" smtClean="0">
+              <a:solidFill>
+                <a:schemeClr val="bg1"/>
+              </a:solidFill>
+              <a:latin typeface="+mj-lt"/>
+            </a:endParaRPr>
+          </a:p>
+        </p:txBody>
+      </p:sp>
+      <p:sp>
+        <p:nvSpPr>
+          <p:cNvPr id="31" name="Text Placeholder 33"/>
           <p:cNvSpPr txBox="1">
             <a:spLocks/>
           </p:cNvSpPr>
@@ -4784,8 +4404,8 @@
         </p:nvSpPr>
         <p:spPr>
           <a:xfrm>
-            <a:off x="1107281" y="14578960"/>
-            <a:ext cx="9024938" cy="2032640"/>
+            <a:off x="14135100" y="4114800"/>
+            <a:ext cx="12265821" cy="4036265"/>
           </a:xfrm>
           <a:prstGeom prst="rect">
             <a:avLst/>
@@ -4947,72 +4567,179 @@
             </a:lvl9pPr>
           </a:lstStyle>
           <a:p>
-            <a:pPr algn="ctr"/>
-            <a:r>
-              <a:rPr lang="en-US" sz="3800" b="1" dirty="0" smtClean="0"/>
-              <a:t>Click to add text</a:t>
-            </a:r>
-          </a:p>
-          <a:p>
             <a:pPr algn="just"/>
             <a:r>
-              <a:rPr lang="en-US" sz="2900" dirty="0" smtClean="0"/>
-              <a:t>text</a:t>
+              <a:rPr lang="en-US" sz="2900" dirty="0" smtClean="0">
+                <a:latin typeface="Gill Sans MT" panose="020B0502020104020203" pitchFamily="34" charset="0"/>
+                <a:ea typeface="Verdana" panose="020B0604030504040204" pitchFamily="34" charset="0"/>
+                <a:cs typeface="Verdana" panose="020B0604030504040204" pitchFamily="34" charset="0"/>
+              </a:rPr>
+              <a:t>Method</a:t>
             </a:r>
           </a:p>
           <a:p>
             <a:pPr algn="just"/>
-            <a:endParaRPr lang="en-US" sz="2900" dirty="0" smtClean="0"/>
-          </a:p>
-        </p:txBody>
-      </p:sp>
-      <p:sp>
-        <p:nvSpPr>
-          <p:cNvPr id="20" name="Rectangle 19"/>
-          <p:cNvSpPr/>
+            <a:r>
+              <a:rPr lang="en-US" sz="2900" dirty="0" smtClean="0">
+                <a:latin typeface="Gill Sans MT" panose="020B0502020104020203" pitchFamily="34" charset="0"/>
+                <a:ea typeface="Verdana" panose="020B0604030504040204" pitchFamily="34" charset="0"/>
+                <a:cs typeface="Verdana" panose="020B0604030504040204" pitchFamily="34" charset="0"/>
+              </a:rPr>
+              <a:t>Method</a:t>
+            </a:r>
+          </a:p>
+          <a:p>
+            <a:pPr algn="just"/>
+            <a:r>
+              <a:rPr lang="en-US" sz="2900" dirty="0" smtClean="0">
+                <a:latin typeface="Gill Sans MT" panose="020B0502020104020203" pitchFamily="34" charset="0"/>
+                <a:ea typeface="Verdana" panose="020B0604030504040204" pitchFamily="34" charset="0"/>
+                <a:cs typeface="Verdana" panose="020B0604030504040204" pitchFamily="34" charset="0"/>
+              </a:rPr>
+              <a:t>Method</a:t>
+            </a:r>
+          </a:p>
+          <a:p>
+            <a:pPr algn="just"/>
+            <a:r>
+              <a:rPr lang="en-US" sz="2900" dirty="0" smtClean="0">
+                <a:latin typeface="Gill Sans MT" panose="020B0502020104020203" pitchFamily="34" charset="0"/>
+                <a:ea typeface="Verdana" panose="020B0604030504040204" pitchFamily="34" charset="0"/>
+                <a:cs typeface="Verdana" panose="020B0604030504040204" pitchFamily="34" charset="0"/>
+              </a:rPr>
+              <a:t>K-means</a:t>
+            </a:r>
+          </a:p>
+          <a:p>
+            <a:pPr algn="just"/>
+            <a:r>
+              <a:rPr lang="en-US" sz="2900" dirty="0" smtClean="0">
+                <a:latin typeface="Gill Sans MT" panose="020B0502020104020203" pitchFamily="34" charset="0"/>
+                <a:ea typeface="Verdana" panose="020B0604030504040204" pitchFamily="34" charset="0"/>
+                <a:cs typeface="Verdana" panose="020B0604030504040204" pitchFamily="34" charset="0"/>
+              </a:rPr>
+              <a:t>Description</a:t>
+            </a:r>
+          </a:p>
+          <a:p>
+            <a:pPr algn="just"/>
+            <a:r>
+              <a:rPr lang="en-US" sz="2900" dirty="0" smtClean="0">
+                <a:latin typeface="Gill Sans MT" panose="020B0502020104020203" pitchFamily="34" charset="0"/>
+                <a:ea typeface="Verdana" panose="020B0604030504040204" pitchFamily="34" charset="0"/>
+                <a:cs typeface="Verdana" panose="020B0604030504040204" pitchFamily="34" charset="0"/>
+              </a:rPr>
+              <a:t>Stuff</a:t>
+            </a:r>
+          </a:p>
+          <a:p>
+            <a:pPr algn="just"/>
+            <a:r>
+              <a:rPr lang="en-US" sz="2900" dirty="0" smtClean="0">
+                <a:latin typeface="Gill Sans MT" panose="020B0502020104020203" pitchFamily="34" charset="0"/>
+                <a:ea typeface="Verdana" panose="020B0604030504040204" pitchFamily="34" charset="0"/>
+                <a:cs typeface="Verdana" panose="020B0604030504040204" pitchFamily="34" charset="0"/>
+              </a:rPr>
+              <a:t>methods</a:t>
+            </a:r>
+            <a:endParaRPr lang="en-US" sz="2900" dirty="0" smtClean="0">
+              <a:latin typeface="Gill Sans MT" panose="020B0502020104020203" pitchFamily="34" charset="0"/>
+              <a:ea typeface="Verdana" panose="020B0604030504040204" pitchFamily="34" charset="0"/>
+              <a:cs typeface="Verdana" panose="020B0604030504040204" pitchFamily="34" charset="0"/>
+            </a:endParaRPr>
+          </a:p>
+        </p:txBody>
+      </p:sp>
+      <p:sp>
+        <p:nvSpPr>
+          <p:cNvPr id="32" name="TextBox 31"/>
+          <p:cNvSpPr txBox="1"/>
           <p:nvPr/>
         </p:nvSpPr>
         <p:spPr>
           <a:xfrm>
-            <a:off x="1107281" y="12230653"/>
-            <a:ext cx="7162800" cy="1973652"/>
+            <a:off x="14135099" y="2971800"/>
+            <a:ext cx="12265822" cy="848577"/>
+          </a:xfrm>
+          <a:prstGeom prst="rect">
+            <a:avLst/>
+          </a:prstGeom>
+          <a:solidFill>
+            <a:srgbClr val="8C1515"/>
+          </a:solidFill>
+        </p:spPr>
+        <p:style>
+          <a:lnRef idx="2">
+            <a:schemeClr val="accent2"/>
+          </a:lnRef>
+          <a:fillRef idx="1">
+            <a:schemeClr val="lt1"/>
+          </a:fillRef>
+          <a:effectRef idx="0">
+            <a:schemeClr val="accent2"/>
+          </a:effectRef>
+          <a:fontRef idx="minor">
+            <a:schemeClr val="dk1"/>
+          </a:fontRef>
+        </p:style>
+        <p:txBody>
+          <a:bodyPr wrap="square" lIns="108846" tIns="54423" rIns="108846" bIns="54423" rtlCol="0" anchor="ctr">
+            <a:spAutoFit/>
+          </a:bodyPr>
+          <a:lstStyle/>
+          <a:p>
+            <a:pPr algn="ctr"/>
+            <a:r>
+              <a:rPr lang="en-US" sz="4800" dirty="0" smtClean="0">
+                <a:solidFill>
+                  <a:schemeClr val="bg1"/>
+                </a:solidFill>
+                <a:latin typeface="+mj-lt"/>
+              </a:rPr>
+              <a:t>Method 3</a:t>
+            </a:r>
+            <a:endParaRPr lang="en-US" sz="4800" dirty="0" smtClean="0">
+              <a:solidFill>
+                <a:schemeClr val="bg1"/>
+              </a:solidFill>
+              <a:latin typeface="+mj-lt"/>
+            </a:endParaRPr>
+          </a:p>
+        </p:txBody>
+      </p:sp>
+      <p:pic>
+        <p:nvPicPr>
+          <p:cNvPr id="3" name="Picture 2"/>
+          <p:cNvPicPr>
+            <a:picLocks noChangeAspect="1"/>
+          </p:cNvPicPr>
+          <p:nvPr/>
+        </p:nvPicPr>
+        <p:blipFill>
+          <a:blip r:embed="rId4">
+            <a:extLst>
+              <a:ext uri="{28A0092B-C50C-407E-A947-70E740481C1C}">
+                <a14:useLocalDpi xmlns:a14="http://schemas.microsoft.com/office/drawing/2010/main" val="0"/>
+              </a:ext>
+            </a:extLst>
+          </a:blip>
+          <a:stretch>
+            <a:fillRect/>
+          </a:stretch>
+        </p:blipFill>
+        <p:spPr>
+          <a:xfrm>
+            <a:off x="4151102" y="9677400"/>
+            <a:ext cx="5797176" cy="3555601"/>
           </a:xfrm>
           <a:prstGeom prst="rect">
             <a:avLst/>
           </a:prstGeom>
         </p:spPr>
-        <p:style>
-          <a:lnRef idx="2">
-            <a:schemeClr val="accent2">
-              <a:shade val="50000"/>
-            </a:schemeClr>
-          </a:lnRef>
-          <a:fillRef idx="1">
-            <a:schemeClr val="accent2"/>
-          </a:fillRef>
-          <a:effectRef idx="0">
-            <a:schemeClr val="accent2"/>
-          </a:effectRef>
-          <a:fontRef idx="minor">
-            <a:schemeClr val="lt1"/>
-          </a:fontRef>
-        </p:style>
-        <p:txBody>
-          <a:bodyPr rtlCol="0" anchor="ctr"/>
-          <a:lstStyle/>
-          <a:p>
-            <a:pPr algn="ctr"/>
-            <a:r>
-              <a:rPr lang="en-US" dirty="0" smtClean="0"/>
-              <a:t>Insert art or text here</a:t>
-            </a:r>
-            <a:endParaRPr lang="en-US" dirty="0"/>
-          </a:p>
-        </p:txBody>
-      </p:sp>
-      <p:sp>
-        <p:nvSpPr>
-          <p:cNvPr id="21" name="Text Placeholder 33"/>
+      </p:pic>
+      <p:sp>
+        <p:nvSpPr>
+          <p:cNvPr id="33" name="Text Placeholder 33"/>
           <p:cNvSpPr txBox="1">
             <a:spLocks/>
           </p:cNvSpPr>
@@ -5020,8 +4747,8 @@
         </p:nvSpPr>
         <p:spPr>
           <a:xfrm>
-            <a:off x="16402050" y="15055270"/>
-            <a:ext cx="10039350" cy="1632530"/>
+            <a:off x="916780" y="14565059"/>
+            <a:ext cx="12265821" cy="1894141"/>
           </a:xfrm>
           <a:prstGeom prst="rect">
             <a:avLst/>
@@ -5183,40 +4910,114 @@
             </a:lvl9pPr>
           </a:lstStyle>
           <a:p>
-            <a:r>
-              <a:rPr lang="en-US" sz="2400" dirty="0" smtClean="0"/>
-              <a:t>Han Lin Aung, ‘20, Computer Science, hanlaung@stanford.edu </a:t>
-            </a:r>
-          </a:p>
-          <a:p>
-            <a:r>
-              <a:rPr lang="en-US" sz="2400" dirty="0" smtClean="0"/>
-              <a:t>Justin Xu, ‘20, Computer Science, justinx@stanford.edu</a:t>
-            </a:r>
-          </a:p>
-          <a:p>
-            <a:r>
-              <a:rPr lang="en-US" sz="2400" dirty="0" err="1" smtClean="0"/>
-              <a:t>Sicheng</a:t>
-            </a:r>
-            <a:r>
-              <a:rPr lang="en-US" sz="2400" dirty="0" smtClean="0"/>
-              <a:t> Zeng, ‘20, Computer Science, zengcs@stanford.edu</a:t>
-            </a:r>
-            <a:endParaRPr lang="en-US" sz="1800" dirty="0" smtClean="0"/>
-          </a:p>
-        </p:txBody>
-      </p:sp>
-      <p:sp>
-        <p:nvSpPr>
-          <p:cNvPr id="22" name="TextBox 21"/>
+            <a:pPr algn="just"/>
+            <a:r>
+              <a:rPr lang="en-US" sz="2900" smtClean="0">
+                <a:latin typeface="Gill Sans MT" panose="020B0502020104020203" pitchFamily="34" charset="0"/>
+                <a:ea typeface="Verdana" panose="020B0604030504040204" pitchFamily="34" charset="0"/>
+                <a:cs typeface="Verdana" panose="020B0604030504040204" pitchFamily="34" charset="0"/>
+              </a:rPr>
+              <a:t>BACKGROUND</a:t>
+            </a:r>
+          </a:p>
+          <a:p>
+            <a:pPr algn="just"/>
+            <a:r>
+              <a:rPr lang="en-US" sz="2900" smtClean="0">
+                <a:latin typeface="Gill Sans MT" panose="020B0502020104020203" pitchFamily="34" charset="0"/>
+                <a:ea typeface="Verdana" panose="020B0604030504040204" pitchFamily="34" charset="0"/>
+                <a:cs typeface="Verdana" panose="020B0604030504040204" pitchFamily="34" charset="0"/>
+              </a:rPr>
+              <a:t>BACKGROUND</a:t>
+            </a:r>
+          </a:p>
+          <a:p>
+            <a:pPr algn="just"/>
+            <a:r>
+              <a:rPr lang="en-US" sz="2900" smtClean="0">
+                <a:latin typeface="Gill Sans MT" panose="020B0502020104020203" pitchFamily="34" charset="0"/>
+                <a:ea typeface="Verdana" panose="020B0604030504040204" pitchFamily="34" charset="0"/>
+                <a:cs typeface="Verdana" panose="020B0604030504040204" pitchFamily="34" charset="0"/>
+              </a:rPr>
+              <a:t>BACKGROUND background</a:t>
+            </a:r>
+            <a:endParaRPr lang="en-US" sz="2900" dirty="0" smtClean="0">
+              <a:latin typeface="Gill Sans MT" panose="020B0502020104020203" pitchFamily="34" charset="0"/>
+              <a:ea typeface="Verdana" panose="020B0604030504040204" pitchFamily="34" charset="0"/>
+              <a:cs typeface="Verdana" panose="020B0604030504040204" pitchFamily="34" charset="0"/>
+            </a:endParaRPr>
+          </a:p>
+        </p:txBody>
+      </p:sp>
+      <p:sp>
+        <p:nvSpPr>
+          <p:cNvPr id="36" name="TextBox 35"/>
           <p:cNvSpPr txBox="1"/>
           <p:nvPr/>
         </p:nvSpPr>
         <p:spPr>
           <a:xfrm>
-            <a:off x="16402050" y="13971804"/>
-            <a:ext cx="10039350" cy="848573"/>
+            <a:off x="916780" y="13422059"/>
+            <a:ext cx="12265822" cy="848577"/>
+          </a:xfrm>
+          <a:prstGeom prst="rect">
+            <a:avLst/>
+          </a:prstGeom>
+          <a:solidFill>
+            <a:srgbClr val="8C1515"/>
+          </a:solidFill>
+        </p:spPr>
+        <p:style>
+          <a:lnRef idx="2">
+            <a:schemeClr val="accent2"/>
+          </a:lnRef>
+          <a:fillRef idx="1">
+            <a:schemeClr val="lt1"/>
+          </a:fillRef>
+          <a:effectRef idx="0">
+            <a:schemeClr val="accent2"/>
+          </a:effectRef>
+          <a:fontRef idx="minor">
+            <a:schemeClr val="dk1"/>
+          </a:fontRef>
+        </p:style>
+        <p:txBody>
+          <a:bodyPr wrap="square" lIns="108846" tIns="54423" rIns="108846" bIns="54423" rtlCol="0" anchor="ctr">
+            <a:spAutoFit/>
+          </a:bodyPr>
+          <a:lstStyle/>
+          <a:p>
+            <a:pPr algn="ctr"/>
+            <a:r>
+              <a:rPr lang="en-US" sz="4800" dirty="0" smtClean="0">
+                <a:solidFill>
+                  <a:schemeClr val="bg1"/>
+                </a:solidFill>
+                <a:latin typeface="+mj-lt"/>
+              </a:rPr>
+              <a:t>Method 2</a:t>
+            </a:r>
+            <a:endParaRPr lang="en-US" sz="4800" dirty="0" smtClean="0">
+              <a:solidFill>
+                <a:schemeClr val="bg1"/>
+              </a:solidFill>
+              <a:latin typeface="+mj-lt"/>
+            </a:endParaRPr>
+          </a:p>
+        </p:txBody>
+      </p:sp>
+      <p:sp>
+        <p:nvSpPr>
+          <p:cNvPr id="37" name="Text Placeholder 33"/>
+          <p:cNvSpPr txBox="1">
+            <a:spLocks/>
+          </p:cNvSpPr>
+          <p:nvPr/>
+        </p:nvSpPr>
+        <p:spPr>
+          <a:xfrm>
+            <a:off x="14173200" y="14173200"/>
+            <a:ext cx="12344399" cy="2429672"/>
           </a:xfrm>
           <a:prstGeom prst="rect">
             <a:avLst/>
@@ -5237,36 +5038,209 @@
           </a:fontRef>
         </p:style>
         <p:txBody>
-          <a:bodyPr wrap="square" lIns="108846" tIns="54423" rIns="108846" bIns="54423" rtlCol="0" anchor="ctr">
+          <a:bodyPr vert="horz" wrap="square" lIns="373159" tIns="186579" rIns="373159" bIns="186579" rtlCol="0">
             <a:spAutoFit/>
           </a:bodyPr>
-          <a:lstStyle/>
-          <a:p>
-            <a:pPr algn="ctr"/>
-            <a:r>
-              <a:rPr lang="en-US" sz="4800" dirty="0" smtClean="0"/>
-              <a:t>Authors</a:t>
-            </a:r>
-            <a:endParaRPr lang="en-US" sz="4800" dirty="0" smtClean="0"/>
-          </a:p>
-        </p:txBody>
-      </p:sp>
-      <p:sp>
-        <p:nvSpPr>
-          <p:cNvPr id="25" name="Text Placeholder 33"/>
-          <p:cNvSpPr txBox="1">
-            <a:spLocks/>
-          </p:cNvSpPr>
+          <a:lstStyle>
+            <a:lvl1pPr marL="0" indent="0" algn="l" defTabSz="3731584" rtl="0" eaLnBrk="1" latinLnBrk="0" hangingPunct="1">
+              <a:spcBef>
+                <a:spcPct val="20000"/>
+              </a:spcBef>
+              <a:buFont typeface="Arial" pitchFamily="34" charset="0"/>
+              <a:buNone/>
+              <a:defRPr sz="5700" kern="1200">
+                <a:solidFill>
+                  <a:schemeClr val="dk1"/>
+                </a:solidFill>
+                <a:latin typeface="+mn-lt"/>
+                <a:ea typeface="+mn-ea"/>
+                <a:cs typeface="+mn-cs"/>
+              </a:defRPr>
+            </a:lvl1pPr>
+            <a:lvl2pPr marL="1865791" indent="0" algn="l" defTabSz="3731584" rtl="0" eaLnBrk="1" latinLnBrk="0" hangingPunct="1">
+              <a:spcBef>
+                <a:spcPct val="20000"/>
+              </a:spcBef>
+              <a:buFont typeface="Arial" pitchFamily="34" charset="0"/>
+              <a:buNone/>
+              <a:defRPr sz="4900" kern="1200">
+                <a:solidFill>
+                  <a:schemeClr val="dk1"/>
+                </a:solidFill>
+                <a:latin typeface="+mn-lt"/>
+                <a:ea typeface="+mn-ea"/>
+                <a:cs typeface="+mn-cs"/>
+              </a:defRPr>
+            </a:lvl2pPr>
+            <a:lvl3pPr marL="3731584" indent="0" algn="l" defTabSz="3731584" rtl="0" eaLnBrk="1" latinLnBrk="0" hangingPunct="1">
+              <a:spcBef>
+                <a:spcPct val="20000"/>
+              </a:spcBef>
+              <a:buFont typeface="Arial" pitchFamily="34" charset="0"/>
+              <a:buNone/>
+              <a:defRPr sz="4000" kern="1200">
+                <a:solidFill>
+                  <a:schemeClr val="dk1"/>
+                </a:solidFill>
+                <a:latin typeface="+mn-lt"/>
+                <a:ea typeface="+mn-ea"/>
+                <a:cs typeface="+mn-cs"/>
+              </a:defRPr>
+            </a:lvl3pPr>
+            <a:lvl4pPr marL="5597375" indent="0" algn="l" defTabSz="3731584" rtl="0" eaLnBrk="1" latinLnBrk="0" hangingPunct="1">
+              <a:spcBef>
+                <a:spcPct val="20000"/>
+              </a:spcBef>
+              <a:buFont typeface="Arial" pitchFamily="34" charset="0"/>
+              <a:buNone/>
+              <a:defRPr sz="3700" kern="1200">
+                <a:solidFill>
+                  <a:schemeClr val="dk1"/>
+                </a:solidFill>
+                <a:latin typeface="+mn-lt"/>
+                <a:ea typeface="+mn-ea"/>
+                <a:cs typeface="+mn-cs"/>
+              </a:defRPr>
+            </a:lvl4pPr>
+            <a:lvl5pPr marL="7463166" indent="0" algn="l" defTabSz="3731584" rtl="0" eaLnBrk="1" latinLnBrk="0" hangingPunct="1">
+              <a:spcBef>
+                <a:spcPct val="20000"/>
+              </a:spcBef>
+              <a:buFont typeface="Arial" pitchFamily="34" charset="0"/>
+              <a:buNone/>
+              <a:defRPr sz="3700" kern="1200">
+                <a:solidFill>
+                  <a:schemeClr val="dk1"/>
+                </a:solidFill>
+                <a:latin typeface="+mn-lt"/>
+                <a:ea typeface="+mn-ea"/>
+                <a:cs typeface="+mn-cs"/>
+              </a:defRPr>
+            </a:lvl5pPr>
+            <a:lvl6pPr marL="9328958" indent="0" algn="l" defTabSz="3731584" rtl="0" eaLnBrk="1" latinLnBrk="0" hangingPunct="1">
+              <a:spcBef>
+                <a:spcPct val="20000"/>
+              </a:spcBef>
+              <a:buFont typeface="Arial" pitchFamily="34" charset="0"/>
+              <a:buNone/>
+              <a:defRPr sz="3700" kern="1200">
+                <a:solidFill>
+                  <a:schemeClr val="dk1"/>
+                </a:solidFill>
+                <a:latin typeface="+mn-lt"/>
+                <a:ea typeface="+mn-ea"/>
+                <a:cs typeface="+mn-cs"/>
+              </a:defRPr>
+            </a:lvl6pPr>
+            <a:lvl7pPr marL="11194749" indent="0" algn="l" defTabSz="3731584" rtl="0" eaLnBrk="1" latinLnBrk="0" hangingPunct="1">
+              <a:spcBef>
+                <a:spcPct val="20000"/>
+              </a:spcBef>
+              <a:buFont typeface="Arial" pitchFamily="34" charset="0"/>
+              <a:buNone/>
+              <a:defRPr sz="3700" kern="1200">
+                <a:solidFill>
+                  <a:schemeClr val="dk1"/>
+                </a:solidFill>
+                <a:latin typeface="+mn-lt"/>
+                <a:ea typeface="+mn-ea"/>
+                <a:cs typeface="+mn-cs"/>
+              </a:defRPr>
+            </a:lvl7pPr>
+            <a:lvl8pPr marL="13060541" indent="0" algn="l" defTabSz="3731584" rtl="0" eaLnBrk="1" latinLnBrk="0" hangingPunct="1">
+              <a:spcBef>
+                <a:spcPct val="20000"/>
+              </a:spcBef>
+              <a:buFont typeface="Arial" pitchFamily="34" charset="0"/>
+              <a:buNone/>
+              <a:defRPr sz="3700" kern="1200">
+                <a:solidFill>
+                  <a:schemeClr val="dk1"/>
+                </a:solidFill>
+                <a:latin typeface="+mn-lt"/>
+                <a:ea typeface="+mn-ea"/>
+                <a:cs typeface="+mn-cs"/>
+              </a:defRPr>
+            </a:lvl8pPr>
+            <a:lvl9pPr marL="14926332" indent="0" algn="l" defTabSz="3731584" rtl="0" eaLnBrk="1" latinLnBrk="0" hangingPunct="1">
+              <a:spcBef>
+                <a:spcPct val="20000"/>
+              </a:spcBef>
+              <a:buFont typeface="Arial" pitchFamily="34" charset="0"/>
+              <a:buNone/>
+              <a:defRPr sz="3700" kern="1200">
+                <a:solidFill>
+                  <a:schemeClr val="dk1"/>
+                </a:solidFill>
+                <a:latin typeface="+mn-lt"/>
+                <a:ea typeface="+mn-ea"/>
+                <a:cs typeface="+mn-cs"/>
+              </a:defRPr>
+            </a:lvl9pPr>
+          </a:lstStyle>
+          <a:p>
+            <a:pPr algn="just"/>
+            <a:r>
+              <a:rPr lang="en-US" sz="2900" dirty="0" smtClean="0">
+                <a:latin typeface="Gill Sans MT" panose="020B0502020104020203" pitchFamily="34" charset="0"/>
+                <a:ea typeface="Verdana" panose="020B0604030504040204" pitchFamily="34" charset="0"/>
+                <a:cs typeface="Verdana" panose="020B0604030504040204" pitchFamily="34" charset="0"/>
+              </a:rPr>
+              <a:t>Results</a:t>
+            </a:r>
+          </a:p>
+          <a:p>
+            <a:pPr algn="just"/>
+            <a:r>
+              <a:rPr lang="en-US" sz="2900" dirty="0" smtClean="0">
+                <a:latin typeface="Gill Sans MT" panose="020B0502020104020203" pitchFamily="34" charset="0"/>
+                <a:ea typeface="Verdana" panose="020B0604030504040204" pitchFamily="34" charset="0"/>
+                <a:cs typeface="Verdana" panose="020B0604030504040204" pitchFamily="34" charset="0"/>
+              </a:rPr>
+              <a:t>Results</a:t>
+            </a:r>
+          </a:p>
+          <a:p>
+            <a:pPr algn="just"/>
+            <a:r>
+              <a:rPr lang="en-US" sz="2900" dirty="0" smtClean="0">
+                <a:latin typeface="Gill Sans MT" panose="020B0502020104020203" pitchFamily="34" charset="0"/>
+                <a:ea typeface="Verdana" panose="020B0604030504040204" pitchFamily="34" charset="0"/>
+                <a:cs typeface="Verdana" panose="020B0604030504040204" pitchFamily="34" charset="0"/>
+              </a:rPr>
+              <a:t>Results</a:t>
+            </a:r>
+          </a:p>
+          <a:p>
+            <a:pPr algn="just"/>
+            <a:r>
+              <a:rPr lang="en-US" sz="2900" dirty="0" smtClean="0">
+                <a:latin typeface="Gill Sans MT" panose="020B0502020104020203" pitchFamily="34" charset="0"/>
+                <a:ea typeface="Verdana" panose="020B0604030504040204" pitchFamily="34" charset="0"/>
+                <a:cs typeface="Verdana" panose="020B0604030504040204" pitchFamily="34" charset="0"/>
+              </a:rPr>
+              <a:t>Conclusion</a:t>
+            </a:r>
+          </a:p>
+        </p:txBody>
+      </p:sp>
+      <p:sp>
+        <p:nvSpPr>
+          <p:cNvPr id="38" name="TextBox 37"/>
+          <p:cNvSpPr txBox="1"/>
           <p:nvPr/>
         </p:nvSpPr>
         <p:spPr>
           <a:xfrm>
-            <a:off x="916780" y="8535609"/>
-            <a:ext cx="13637418" cy="1894141"/>
+            <a:off x="14173200" y="13030200"/>
+            <a:ext cx="12344400" cy="848577"/>
           </a:xfrm>
           <a:prstGeom prst="rect">
             <a:avLst/>
           </a:prstGeom>
+          <a:solidFill>
+            <a:srgbClr val="8C1515"/>
+          </a:solidFill>
         </p:spPr>
         <p:style>
           <a:lnRef idx="2">
@@ -5283,202 +5257,6 @@
           </a:fontRef>
         </p:style>
         <p:txBody>
-          <a:bodyPr vert="horz" wrap="square" lIns="373159" tIns="186579" rIns="373159" bIns="186579" rtlCol="0">
-            <a:spAutoFit/>
-          </a:bodyPr>
-          <a:lstStyle>
-            <a:lvl1pPr marL="0" indent="0" algn="l" defTabSz="3731584" rtl="0" eaLnBrk="1" latinLnBrk="0" hangingPunct="1">
-              <a:spcBef>
-                <a:spcPct val="20000"/>
-              </a:spcBef>
-              <a:buFont typeface="Arial" pitchFamily="34" charset="0"/>
-              <a:buNone/>
-              <a:defRPr sz="5700" kern="1200">
-                <a:solidFill>
-                  <a:schemeClr val="dk1"/>
-                </a:solidFill>
-                <a:latin typeface="+mn-lt"/>
-                <a:ea typeface="+mn-ea"/>
-                <a:cs typeface="+mn-cs"/>
-              </a:defRPr>
-            </a:lvl1pPr>
-            <a:lvl2pPr marL="1865791" indent="0" algn="l" defTabSz="3731584" rtl="0" eaLnBrk="1" latinLnBrk="0" hangingPunct="1">
-              <a:spcBef>
-                <a:spcPct val="20000"/>
-              </a:spcBef>
-              <a:buFont typeface="Arial" pitchFamily="34" charset="0"/>
-              <a:buNone/>
-              <a:defRPr sz="4900" kern="1200">
-                <a:solidFill>
-                  <a:schemeClr val="dk1"/>
-                </a:solidFill>
-                <a:latin typeface="+mn-lt"/>
-                <a:ea typeface="+mn-ea"/>
-                <a:cs typeface="+mn-cs"/>
-              </a:defRPr>
-            </a:lvl2pPr>
-            <a:lvl3pPr marL="3731584" indent="0" algn="l" defTabSz="3731584" rtl="0" eaLnBrk="1" latinLnBrk="0" hangingPunct="1">
-              <a:spcBef>
-                <a:spcPct val="20000"/>
-              </a:spcBef>
-              <a:buFont typeface="Arial" pitchFamily="34" charset="0"/>
-              <a:buNone/>
-              <a:defRPr sz="4000" kern="1200">
-                <a:solidFill>
-                  <a:schemeClr val="dk1"/>
-                </a:solidFill>
-                <a:latin typeface="+mn-lt"/>
-                <a:ea typeface="+mn-ea"/>
-                <a:cs typeface="+mn-cs"/>
-              </a:defRPr>
-            </a:lvl3pPr>
-            <a:lvl4pPr marL="5597375" indent="0" algn="l" defTabSz="3731584" rtl="0" eaLnBrk="1" latinLnBrk="0" hangingPunct="1">
-              <a:spcBef>
-                <a:spcPct val="20000"/>
-              </a:spcBef>
-              <a:buFont typeface="Arial" pitchFamily="34" charset="0"/>
-              <a:buNone/>
-              <a:defRPr sz="3700" kern="1200">
-                <a:solidFill>
-                  <a:schemeClr val="dk1"/>
-                </a:solidFill>
-                <a:latin typeface="+mn-lt"/>
-                <a:ea typeface="+mn-ea"/>
-                <a:cs typeface="+mn-cs"/>
-              </a:defRPr>
-            </a:lvl4pPr>
-            <a:lvl5pPr marL="7463166" indent="0" algn="l" defTabSz="3731584" rtl="0" eaLnBrk="1" latinLnBrk="0" hangingPunct="1">
-              <a:spcBef>
-                <a:spcPct val="20000"/>
-              </a:spcBef>
-              <a:buFont typeface="Arial" pitchFamily="34" charset="0"/>
-              <a:buNone/>
-              <a:defRPr sz="3700" kern="1200">
-                <a:solidFill>
-                  <a:schemeClr val="dk1"/>
-                </a:solidFill>
-                <a:latin typeface="+mn-lt"/>
-                <a:ea typeface="+mn-ea"/>
-                <a:cs typeface="+mn-cs"/>
-              </a:defRPr>
-            </a:lvl5pPr>
-            <a:lvl6pPr marL="9328958" indent="0" algn="l" defTabSz="3731584" rtl="0" eaLnBrk="1" latinLnBrk="0" hangingPunct="1">
-              <a:spcBef>
-                <a:spcPct val="20000"/>
-              </a:spcBef>
-              <a:buFont typeface="Arial" pitchFamily="34" charset="0"/>
-              <a:buNone/>
-              <a:defRPr sz="3700" kern="1200">
-                <a:solidFill>
-                  <a:schemeClr val="dk1"/>
-                </a:solidFill>
-                <a:latin typeface="+mn-lt"/>
-                <a:ea typeface="+mn-ea"/>
-                <a:cs typeface="+mn-cs"/>
-              </a:defRPr>
-            </a:lvl6pPr>
-            <a:lvl7pPr marL="11194749" indent="0" algn="l" defTabSz="3731584" rtl="0" eaLnBrk="1" latinLnBrk="0" hangingPunct="1">
-              <a:spcBef>
-                <a:spcPct val="20000"/>
-              </a:spcBef>
-              <a:buFont typeface="Arial" pitchFamily="34" charset="0"/>
-              <a:buNone/>
-              <a:defRPr sz="3700" kern="1200">
-                <a:solidFill>
-                  <a:schemeClr val="dk1"/>
-                </a:solidFill>
-                <a:latin typeface="+mn-lt"/>
-                <a:ea typeface="+mn-ea"/>
-                <a:cs typeface="+mn-cs"/>
-              </a:defRPr>
-            </a:lvl7pPr>
-            <a:lvl8pPr marL="13060541" indent="0" algn="l" defTabSz="3731584" rtl="0" eaLnBrk="1" latinLnBrk="0" hangingPunct="1">
-              <a:spcBef>
-                <a:spcPct val="20000"/>
-              </a:spcBef>
-              <a:buFont typeface="Arial" pitchFamily="34" charset="0"/>
-              <a:buNone/>
-              <a:defRPr sz="3700" kern="1200">
-                <a:solidFill>
-                  <a:schemeClr val="dk1"/>
-                </a:solidFill>
-                <a:latin typeface="+mn-lt"/>
-                <a:ea typeface="+mn-ea"/>
-                <a:cs typeface="+mn-cs"/>
-              </a:defRPr>
-            </a:lvl8pPr>
-            <a:lvl9pPr marL="14926332" indent="0" algn="l" defTabSz="3731584" rtl="0" eaLnBrk="1" latinLnBrk="0" hangingPunct="1">
-              <a:spcBef>
-                <a:spcPct val="20000"/>
-              </a:spcBef>
-              <a:buFont typeface="Arial" pitchFamily="34" charset="0"/>
-              <a:buNone/>
-              <a:defRPr sz="3700" kern="1200">
-                <a:solidFill>
-                  <a:schemeClr val="dk1"/>
-                </a:solidFill>
-                <a:latin typeface="+mn-lt"/>
-                <a:ea typeface="+mn-ea"/>
-                <a:cs typeface="+mn-cs"/>
-              </a:defRPr>
-            </a:lvl9pPr>
-          </a:lstStyle>
-          <a:p>
-            <a:pPr algn="just"/>
-            <a:r>
-              <a:rPr lang="en-US" sz="2900" dirty="0" smtClean="0"/>
-              <a:t>BACKGROUND</a:t>
-            </a:r>
-          </a:p>
-          <a:p>
-            <a:pPr algn="just"/>
-            <a:r>
-              <a:rPr lang="en-US" sz="2900" dirty="0" smtClean="0">
-                <a:latin typeface="Gill Sans MT" panose="020B0502020104020203" pitchFamily="34" charset="0"/>
-              </a:rPr>
-              <a:t>BACKGROUND</a:t>
-            </a:r>
-          </a:p>
-          <a:p>
-            <a:pPr algn="just"/>
-            <a:r>
-              <a:rPr lang="en-US" sz="2900" dirty="0" smtClean="0"/>
-              <a:t>BACKGROUND</a:t>
-            </a:r>
-            <a:endParaRPr lang="en-US" sz="2900" dirty="0" smtClean="0"/>
-          </a:p>
-        </p:txBody>
-      </p:sp>
-      <p:sp>
-        <p:nvSpPr>
-          <p:cNvPr id="26" name="TextBox 25"/>
-          <p:cNvSpPr txBox="1"/>
-          <p:nvPr/>
-        </p:nvSpPr>
-        <p:spPr>
-          <a:xfrm>
-            <a:off x="916779" y="7315200"/>
-            <a:ext cx="13637419" cy="848577"/>
-          </a:xfrm>
-          <a:prstGeom prst="rect">
-            <a:avLst/>
-          </a:prstGeom>
-        </p:spPr>
-        <p:style>
-          <a:lnRef idx="2">
-            <a:schemeClr val="accent2"/>
-          </a:lnRef>
-          <a:fillRef idx="1">
-            <a:schemeClr val="lt1"/>
-          </a:fillRef>
-          <a:effectRef idx="0">
-            <a:schemeClr val="accent2"/>
-          </a:effectRef>
-          <a:fontRef idx="minor">
-            <a:schemeClr val="dk1"/>
-          </a:fontRef>
-        </p:style>
-        <p:txBody>
           <a:bodyPr wrap="square" lIns="108846" tIns="54423" rIns="108846" bIns="54423" rtlCol="0" anchor="ctr">
             <a:spAutoFit/>
           </a:bodyPr>
@@ -5486,10 +5264,20 @@
           <a:p>
             <a:pPr algn="ctr"/>
             <a:r>
-              <a:rPr lang="en-US" sz="4800" dirty="0" smtClean="0"/>
-              <a:t>Methods</a:t>
-            </a:r>
-            <a:endParaRPr lang="en-US" sz="4800" dirty="0" smtClean="0"/>
+              <a:rPr lang="en-US" sz="4800" dirty="0" smtClean="0">
+                <a:solidFill>
+                  <a:schemeClr val="bg1"/>
+                </a:solidFill>
+                <a:latin typeface="+mj-lt"/>
+              </a:rPr>
+              <a:t>Conclusion</a:t>
+            </a:r>
+            <a:endParaRPr lang="en-US" sz="4800" dirty="0" smtClean="0">
+              <a:solidFill>
+                <a:schemeClr val="bg1"/>
+              </a:solidFill>
+              <a:latin typeface="+mj-lt"/>
+            </a:endParaRPr>
           </a:p>
         </p:txBody>
       </p:sp>

--- a/poster_RobotMusic.pptx
+++ b/poster_RobotMusic.pptx
@@ -3510,20 +3510,20 @@
       </p:grpSpPr>
       <p:sp>
         <p:nvSpPr>
-          <p:cNvPr id="28" name="Rectangle 27"/>
+          <p:cNvPr id="19" name="Rectangle 18"/>
           <p:cNvSpPr/>
           <p:nvPr/>
         </p:nvSpPr>
         <p:spPr>
           <a:xfrm>
-            <a:off x="2743200" y="425080"/>
-            <a:ext cx="21945600" cy="1973652"/>
+            <a:off x="-25400" y="0"/>
+            <a:ext cx="27432000" cy="18288000"/>
           </a:xfrm>
           <a:prstGeom prst="rect">
             <a:avLst/>
           </a:prstGeom>
           <a:solidFill>
-            <a:srgbClr val="8C1515"/>
+            <a:srgbClr val="2E2E2E"/>
           </a:solidFill>
         </p:spPr>
         <p:style>
@@ -3553,44 +3553,49 @@
       </p:sp>
       <p:sp>
         <p:nvSpPr>
-          <p:cNvPr id="5" name="Rectangle 4"/>
+          <p:cNvPr id="28" name="Rectangle 27"/>
           <p:cNvSpPr/>
           <p:nvPr/>
         </p:nvSpPr>
         <p:spPr>
           <a:xfrm>
-            <a:off x="0" y="17018000"/>
-            <a:ext cx="27432000" cy="1270000"/>
+            <a:off x="2743200" y="425080"/>
+            <a:ext cx="21945600" cy="1973652"/>
           </a:xfrm>
           <a:prstGeom prst="rect">
             <a:avLst/>
           </a:prstGeom>
           <a:solidFill>
-            <a:srgbClr val="8C1515"/>
+            <a:srgbClr val="1B001E"/>
           </a:solidFill>
+          <a:ln w="76200">
+            <a:solidFill>
+              <a:srgbClr val="9E86C8"/>
+            </a:solidFill>
+          </a:ln>
         </p:spPr>
         <p:style>
           <a:lnRef idx="2">
-            <a:schemeClr val="accent4">
+            <a:schemeClr val="accent2">
               <a:shade val="50000"/>
             </a:schemeClr>
           </a:lnRef>
           <a:fillRef idx="1">
-            <a:schemeClr val="accent4"/>
+            <a:schemeClr val="accent2"/>
           </a:fillRef>
           <a:effectRef idx="0">
-            <a:schemeClr val="accent4"/>
+            <a:schemeClr val="accent2"/>
           </a:effectRef>
           <a:fontRef idx="minor">
             <a:schemeClr val="lt1"/>
           </a:fontRef>
         </p:style>
         <p:txBody>
-          <a:bodyPr lIns="66637" tIns="33318" rIns="66637" bIns="33318" rtlCol="0" anchor="ctr"/>
+          <a:bodyPr rtlCol="0" anchor="ctr"/>
           <a:lstStyle/>
           <a:p>
             <a:pPr algn="ctr"/>
-            <a:endParaRPr lang="en-US"/>
+            <a:endParaRPr lang="en-US" dirty="0"/>
           </a:p>
         </p:txBody>
       </p:sp>
@@ -3623,9 +3628,9 @@
             <a:r>
               <a:rPr lang="en-US" sz="7200" dirty="0" smtClean="0">
                 <a:solidFill>
-                  <a:schemeClr val="bg1"/>
-                </a:solidFill>
-                <a:latin typeface="+mj-lt"/>
+                  <a:srgbClr val="E87D3E"/>
+                </a:solidFill>
+                <a:latin typeface="Berlin Sans FB" panose="020E0602020502020306" pitchFamily="34" charset="0"/>
                 <a:cs typeface="Helvetica" panose="020B0604020202020204" pitchFamily="34" charset="0"/>
               </a:rPr>
               <a:t>Robot Music: Beat Generation with Factor Graphs</a:t>
@@ -3636,9 +3641,9 @@
             <a:r>
               <a:rPr lang="en-US" sz="4000" dirty="0" smtClean="0">
                 <a:solidFill>
-                  <a:schemeClr val="bg1"/>
-                </a:solidFill>
-                <a:latin typeface="+mj-lt"/>
+                  <a:srgbClr val="E87D3E"/>
+                </a:solidFill>
+                <a:latin typeface="Berlin Sans FB" panose="020E0602020502020306" pitchFamily="34" charset="0"/>
                 <a:cs typeface="Helvetica" panose="020B0604020202020204" pitchFamily="34" charset="0"/>
               </a:rPr>
               <a:t>Han Lin Aung, Justin Xu, </a:t>
@@ -3646,9 +3651,9 @@
             <a:r>
               <a:rPr lang="en-US" sz="4000" dirty="0" err="1" smtClean="0">
                 <a:solidFill>
-                  <a:schemeClr val="bg1"/>
-                </a:solidFill>
-                <a:latin typeface="+mj-lt"/>
+                  <a:srgbClr val="E87D3E"/>
+                </a:solidFill>
+                <a:latin typeface="Berlin Sans FB" panose="020E0602020502020306" pitchFamily="34" charset="0"/>
                 <a:cs typeface="Helvetica" panose="020B0604020202020204" pitchFamily="34" charset="0"/>
               </a:rPr>
               <a:t>Sicheng</a:t>
@@ -3656,9 +3661,9 @@
             <a:r>
               <a:rPr lang="en-US" sz="4000" dirty="0" smtClean="0">
                 <a:solidFill>
-                  <a:schemeClr val="bg1"/>
-                </a:solidFill>
-                <a:latin typeface="+mj-lt"/>
+                  <a:srgbClr val="E87D3E"/>
+                </a:solidFill>
+                <a:latin typeface="Berlin Sans FB" panose="020E0602020502020306" pitchFamily="34" charset="0"/>
                 <a:cs typeface="Helvetica" panose="020B0604020202020204" pitchFamily="34" charset="0"/>
               </a:rPr>
               <a:t> Zeng</a:t>
@@ -3684,6 +3689,14 @@
           <a:prstGeom prst="rect">
             <a:avLst/>
           </a:prstGeom>
+          <a:solidFill>
+            <a:srgbClr val="797979"/>
+          </a:solidFill>
+          <a:ln w="76200">
+            <a:solidFill>
+              <a:srgbClr val="6C99BB"/>
+            </a:solidFill>
+          </a:ln>
         </p:spPr>
         <p:style>
           <a:lnRef idx="2">
@@ -3708,6 +3721,9 @@
             <a:pPr algn="just"/>
             <a:r>
               <a:rPr lang="en-US" sz="2900" dirty="0" smtClean="0">
+                <a:solidFill>
+                  <a:srgbClr val="D6D6D6"/>
+                </a:solidFill>
                 <a:latin typeface="Gill Sans MT" panose="020B0502020104020203" pitchFamily="34" charset="0"/>
                 <a:ea typeface="Verdana" panose="020B0604030504040204" pitchFamily="34" charset="0"/>
                 <a:cs typeface="Verdana" panose="020B0604030504040204" pitchFamily="34" charset="0"/>
@@ -3719,6 +3735,9 @@
             <a:pPr algn="just"/>
             <a:r>
               <a:rPr lang="en-US" sz="2900" dirty="0" smtClean="0">
+                <a:solidFill>
+                  <a:srgbClr val="D6D6D6"/>
+                </a:solidFill>
                 <a:latin typeface="Gill Sans MT" panose="020B0502020104020203" pitchFamily="34" charset="0"/>
                 <a:ea typeface="Verdana" panose="020B0604030504040204" pitchFamily="34" charset="0"/>
                 <a:cs typeface="Verdana" panose="020B0604030504040204" pitchFamily="34" charset="0"/>
@@ -3730,6 +3749,9 @@
             <a:pPr algn="just"/>
             <a:r>
               <a:rPr lang="en-US" sz="2900" dirty="0" smtClean="0">
+                <a:solidFill>
+                  <a:srgbClr val="D6D6D6"/>
+                </a:solidFill>
                 <a:latin typeface="Gill Sans MT" panose="020B0502020104020203" pitchFamily="34" charset="0"/>
                 <a:ea typeface="Verdana" panose="020B0604030504040204" pitchFamily="34" charset="0"/>
                 <a:cs typeface="Verdana" panose="020B0604030504040204" pitchFamily="34" charset="0"/>
@@ -3738,6 +3760,9 @@
             </a:r>
             <a:r>
               <a:rPr lang="en-US" sz="2900" dirty="0" err="1" smtClean="0">
+                <a:solidFill>
+                  <a:srgbClr val="D6D6D6"/>
+                </a:solidFill>
                 <a:latin typeface="Gill Sans MT" panose="020B0502020104020203" pitchFamily="34" charset="0"/>
                 <a:ea typeface="Verdana" panose="020B0604030504040204" pitchFamily="34" charset="0"/>
                 <a:cs typeface="Verdana" panose="020B0604030504040204" pitchFamily="34" charset="0"/>
@@ -3745,6 +3770,9 @@
               <a:t>background</a:t>
             </a:r>
             <a:endParaRPr lang="en-US" sz="2900" dirty="0" smtClean="0">
+              <a:solidFill>
+                <a:srgbClr val="D6D6D6"/>
+              </a:solidFill>
               <a:latin typeface="Gill Sans MT" panose="020B0502020104020203" pitchFamily="34" charset="0"/>
               <a:ea typeface="Verdana" panose="020B0604030504040204" pitchFamily="34" charset="0"/>
               <a:cs typeface="Verdana" panose="020B0604030504040204" pitchFamily="34" charset="0"/>
@@ -3767,8 +3795,13 @@
             <a:avLst/>
           </a:prstGeom>
           <a:solidFill>
-            <a:srgbClr val="8C1515"/>
+            <a:srgbClr val="1B001E"/>
           </a:solidFill>
+          <a:ln w="76200">
+            <a:solidFill>
+              <a:srgbClr val="9E86C8"/>
+            </a:solidFill>
+          </a:ln>
         </p:spPr>
         <p:style>
           <a:lnRef idx="2">
@@ -3792,20 +3825,14 @@
           <a:p>
             <a:pPr algn="ctr"/>
             <a:r>
-              <a:rPr lang="en-US" sz="4800" smtClean="0">
-                <a:solidFill>
-                  <a:schemeClr val="bg1"/>
-                </a:solidFill>
-                <a:latin typeface="+mj-lt"/>
+              <a:rPr lang="en-US" sz="4800" dirty="0" smtClean="0">
+                <a:solidFill>
+                  <a:srgbClr val="B4D273"/>
+                </a:solidFill>
+                <a:latin typeface="Berlin Sans FB" panose="020E0602020502020306" pitchFamily="34" charset="0"/>
               </a:rPr>
               <a:t>Background</a:t>
             </a:r>
-            <a:endParaRPr lang="en-US" sz="4800" dirty="0" smtClean="0">
-              <a:solidFill>
-                <a:schemeClr val="bg1"/>
-              </a:solidFill>
-              <a:latin typeface="+mj-lt"/>
-            </a:endParaRPr>
           </a:p>
         </p:txBody>
       </p:sp>
@@ -3820,6 +3847,15 @@
         <p:blipFill>
           <a:blip r:embed="rId3" cstate="print">
             <a:extLst>
+              <a:ext uri="{BEBA8EAE-BF5A-486C-A8C5-ECC9F3942E4B}">
+                <a14:imgProps xmlns:a14="http://schemas.microsoft.com/office/drawing/2010/main">
+                  <a14:imgLayer r:embed="rId4">
+                    <a14:imgEffect>
+                      <a14:artisticGlowEdges/>
+                    </a14:imgEffect>
+                  </a14:imgLayer>
+                </a14:imgProps>
+              </a:ext>
               <a:ext uri="{28A0092B-C50C-407E-A947-70E740481C1C}">
                 <a14:useLocalDpi xmlns:a14="http://schemas.microsoft.com/office/drawing/2010/main" val="0"/>
               </a:ext>
@@ -3855,6 +3891,14 @@
           <a:prstGeom prst="rect">
             <a:avLst/>
           </a:prstGeom>
+          <a:solidFill>
+            <a:srgbClr val="797979"/>
+          </a:solidFill>
+          <a:ln w="76200">
+            <a:solidFill>
+              <a:srgbClr val="6C99BB"/>
+            </a:solidFill>
+          </a:ln>
         </p:spPr>
         <p:style>
           <a:lnRef idx="2">
@@ -4014,7 +4058,10 @@
           <a:p>
             <a:pPr algn="just"/>
             <a:r>
-              <a:rPr lang="en-US" sz="2900" smtClean="0">
+              <a:rPr lang="en-US" sz="2900" dirty="0" smtClean="0">
+                <a:solidFill>
+                  <a:srgbClr val="D6D6D6"/>
+                </a:solidFill>
                 <a:latin typeface="Gill Sans MT" panose="020B0502020104020203" pitchFamily="34" charset="0"/>
                 <a:ea typeface="Verdana" panose="020B0604030504040204" pitchFamily="34" charset="0"/>
                 <a:cs typeface="Verdana" panose="020B0604030504040204" pitchFamily="34" charset="0"/>
@@ -4025,7 +4072,10 @@
           <a:p>
             <a:pPr algn="just"/>
             <a:r>
-              <a:rPr lang="en-US" sz="2900" smtClean="0">
+              <a:rPr lang="en-US" sz="2900" dirty="0" smtClean="0">
+                <a:solidFill>
+                  <a:srgbClr val="D6D6D6"/>
+                </a:solidFill>
                 <a:latin typeface="Gill Sans MT" panose="020B0502020104020203" pitchFamily="34" charset="0"/>
                 <a:ea typeface="Verdana" panose="020B0604030504040204" pitchFamily="34" charset="0"/>
                 <a:cs typeface="Verdana" panose="020B0604030504040204" pitchFamily="34" charset="0"/>
@@ -4036,14 +4086,31 @@
           <a:p>
             <a:pPr algn="just"/>
             <a:r>
-              <a:rPr lang="en-US" sz="2900" smtClean="0">
+              <a:rPr lang="en-US" sz="2900" dirty="0" smtClean="0">
+                <a:solidFill>
+                  <a:srgbClr val="D6D6D6"/>
+                </a:solidFill>
                 <a:latin typeface="Gill Sans MT" panose="020B0502020104020203" pitchFamily="34" charset="0"/>
                 <a:ea typeface="Verdana" panose="020B0604030504040204" pitchFamily="34" charset="0"/>
                 <a:cs typeface="Verdana" panose="020B0604030504040204" pitchFamily="34" charset="0"/>
               </a:rPr>
-              <a:t>BACKGROUND background</a:t>
+              <a:t>BACKGROUND </a:t>
+            </a:r>
+            <a:r>
+              <a:rPr lang="en-US" sz="2900" dirty="0" err="1" smtClean="0">
+                <a:solidFill>
+                  <a:srgbClr val="D6D6D6"/>
+                </a:solidFill>
+                <a:latin typeface="Gill Sans MT" panose="020B0502020104020203" pitchFamily="34" charset="0"/>
+                <a:ea typeface="Verdana" panose="020B0604030504040204" pitchFamily="34" charset="0"/>
+                <a:cs typeface="Verdana" panose="020B0604030504040204" pitchFamily="34" charset="0"/>
+              </a:rPr>
+              <a:t>background</a:t>
             </a:r>
             <a:endParaRPr lang="en-US" sz="2900" dirty="0" smtClean="0">
+              <a:solidFill>
+                <a:srgbClr val="D6D6D6"/>
+              </a:solidFill>
               <a:latin typeface="Gill Sans MT" panose="020B0502020104020203" pitchFamily="34" charset="0"/>
               <a:ea typeface="Verdana" panose="020B0604030504040204" pitchFamily="34" charset="0"/>
               <a:cs typeface="Verdana" panose="020B0604030504040204" pitchFamily="34" charset="0"/>
@@ -4066,8 +4133,13 @@
             <a:avLst/>
           </a:prstGeom>
           <a:solidFill>
-            <a:srgbClr val="8C1515"/>
+            <a:srgbClr val="1B001E"/>
           </a:solidFill>
+          <a:ln w="76200">
+            <a:solidFill>
+              <a:srgbClr val="9E86C8"/>
+            </a:solidFill>
+          </a:ln>
         </p:spPr>
         <p:style>
           <a:lnRef idx="2">
@@ -4093,18 +4165,12 @@
             <a:r>
               <a:rPr lang="en-US" sz="4800" dirty="0" smtClean="0">
                 <a:solidFill>
-                  <a:schemeClr val="bg1"/>
-                </a:solidFill>
-                <a:latin typeface="+mj-lt"/>
+                  <a:srgbClr val="B4D273"/>
+                </a:solidFill>
+                <a:latin typeface="Berlin Sans FB" panose="020E0602020502020306" pitchFamily="34" charset="0"/>
               </a:rPr>
               <a:t>Method 1</a:t>
             </a:r>
-            <a:endParaRPr lang="en-US" sz="4800" dirty="0" smtClean="0">
-              <a:solidFill>
-                <a:schemeClr val="bg1"/>
-              </a:solidFill>
-              <a:latin typeface="+mj-lt"/>
-            </a:endParaRPr>
           </a:p>
         </p:txBody>
       </p:sp>
@@ -4119,11 +4185,19 @@
         <p:spPr>
           <a:xfrm>
             <a:off x="14173200" y="9644729"/>
-            <a:ext cx="12344399" cy="2965203"/>
+            <a:ext cx="12344399" cy="1358609"/>
           </a:xfrm>
           <a:prstGeom prst="rect">
             <a:avLst/>
           </a:prstGeom>
+          <a:solidFill>
+            <a:srgbClr val="797979"/>
+          </a:solidFill>
+          <a:ln w="76200">
+            <a:solidFill>
+              <a:srgbClr val="6C99BB"/>
+            </a:solidFill>
+          </a:ln>
         </p:spPr>
         <p:style>
           <a:lnRef idx="2">
@@ -4284,6 +4358,9 @@
             <a:pPr algn="just"/>
             <a:r>
               <a:rPr lang="en-US" sz="2900" dirty="0" smtClean="0">
+                <a:solidFill>
+                  <a:srgbClr val="D6D6D6"/>
+                </a:solidFill>
                 <a:latin typeface="Gill Sans MT" panose="020B0502020104020203" pitchFamily="34" charset="0"/>
                 <a:ea typeface="Verdana" panose="020B0604030504040204" pitchFamily="34" charset="0"/>
                 <a:cs typeface="Verdana" panose="020B0604030504040204" pitchFamily="34" charset="0"/>
@@ -4295,45 +4372,23 @@
             <a:pPr algn="just"/>
             <a:r>
               <a:rPr lang="en-US" sz="2900" dirty="0" smtClean="0">
+                <a:solidFill>
+                  <a:srgbClr val="D6D6D6"/>
+                </a:solidFill>
                 <a:latin typeface="Gill Sans MT" panose="020B0502020104020203" pitchFamily="34" charset="0"/>
                 <a:ea typeface="Verdana" panose="020B0604030504040204" pitchFamily="34" charset="0"/>
                 <a:cs typeface="Verdana" panose="020B0604030504040204" pitchFamily="34" charset="0"/>
               </a:rPr>
               <a:t>Results</a:t>
             </a:r>
-          </a:p>
-          <a:p>
-            <a:pPr algn="just"/>
-            <a:r>
-              <a:rPr lang="en-US" sz="2900" dirty="0" smtClean="0">
-                <a:latin typeface="Gill Sans MT" panose="020B0502020104020203" pitchFamily="34" charset="0"/>
-                <a:ea typeface="Verdana" panose="020B0604030504040204" pitchFamily="34" charset="0"/>
-                <a:cs typeface="Verdana" panose="020B0604030504040204" pitchFamily="34" charset="0"/>
-              </a:rPr>
-              <a:t>Results</a:t>
-            </a:r>
-          </a:p>
-          <a:p>
-            <a:pPr algn="just"/>
-            <a:r>
-              <a:rPr lang="en-US" sz="2900" dirty="0" smtClean="0">
-                <a:latin typeface="Gill Sans MT" panose="020B0502020104020203" pitchFamily="34" charset="0"/>
-                <a:ea typeface="Verdana" panose="020B0604030504040204" pitchFamily="34" charset="0"/>
-                <a:cs typeface="Verdana" panose="020B0604030504040204" pitchFamily="34" charset="0"/>
-              </a:rPr>
-              <a:t>Results</a:t>
-            </a:r>
-          </a:p>
-          <a:p>
-            <a:pPr algn="just"/>
-            <a:r>
-              <a:rPr lang="en-US" sz="2900" dirty="0" smtClean="0">
-                <a:latin typeface="Gill Sans MT" panose="020B0502020104020203" pitchFamily="34" charset="0"/>
-                <a:ea typeface="Verdana" panose="020B0604030504040204" pitchFamily="34" charset="0"/>
-                <a:cs typeface="Verdana" panose="020B0604030504040204" pitchFamily="34" charset="0"/>
-              </a:rPr>
-              <a:t>Results</a:t>
-            </a:r>
+            <a:endParaRPr lang="en-US" sz="2900" dirty="0" smtClean="0">
+              <a:solidFill>
+                <a:srgbClr val="D6D6D6"/>
+              </a:solidFill>
+              <a:latin typeface="Gill Sans MT" panose="020B0502020104020203" pitchFamily="34" charset="0"/>
+              <a:ea typeface="Verdana" panose="020B0604030504040204" pitchFamily="34" charset="0"/>
+              <a:cs typeface="Verdana" panose="020B0604030504040204" pitchFamily="34" charset="0"/>
+            </a:endParaRPr>
           </a:p>
         </p:txBody>
       </p:sp>
@@ -4352,8 +4407,13 @@
             <a:avLst/>
           </a:prstGeom>
           <a:solidFill>
-            <a:srgbClr val="8C1515"/>
+            <a:srgbClr val="1B001E"/>
           </a:solidFill>
+          <a:ln w="76200">
+            <a:solidFill>
+              <a:srgbClr val="9E86C8"/>
+            </a:solidFill>
+          </a:ln>
         </p:spPr>
         <p:style>
           <a:lnRef idx="2">
@@ -4379,18 +4439,12 @@
             <a:r>
               <a:rPr lang="en-US" sz="4800" dirty="0" smtClean="0">
                 <a:solidFill>
-                  <a:schemeClr val="bg1"/>
-                </a:solidFill>
-                <a:latin typeface="+mj-lt"/>
+                  <a:srgbClr val="B4D273"/>
+                </a:solidFill>
+                <a:latin typeface="Berlin Sans FB" panose="020E0602020502020306" pitchFamily="34" charset="0"/>
               </a:rPr>
               <a:t>Results</a:t>
             </a:r>
-            <a:endParaRPr lang="en-US" sz="4800" dirty="0" smtClean="0">
-              <a:solidFill>
-                <a:schemeClr val="bg1"/>
-              </a:solidFill>
-              <a:latin typeface="+mj-lt"/>
-            </a:endParaRPr>
           </a:p>
         </p:txBody>
       </p:sp>
@@ -4410,6 +4464,14 @@
           <a:prstGeom prst="rect">
             <a:avLst/>
           </a:prstGeom>
+          <a:solidFill>
+            <a:srgbClr val="797979"/>
+          </a:solidFill>
+          <a:ln w="76200">
+            <a:solidFill>
+              <a:srgbClr val="6C99BB"/>
+            </a:solidFill>
+          </a:ln>
         </p:spPr>
         <p:style>
           <a:lnRef idx="2">
@@ -4570,6 +4632,9 @@
             <a:pPr algn="just"/>
             <a:r>
               <a:rPr lang="en-US" sz="2900" dirty="0" smtClean="0">
+                <a:solidFill>
+                  <a:srgbClr val="D6D6D6"/>
+                </a:solidFill>
                 <a:latin typeface="Gill Sans MT" panose="020B0502020104020203" pitchFamily="34" charset="0"/>
                 <a:ea typeface="Verdana" panose="020B0604030504040204" pitchFamily="34" charset="0"/>
                 <a:cs typeface="Verdana" panose="020B0604030504040204" pitchFamily="34" charset="0"/>
@@ -4581,6 +4646,9 @@
             <a:pPr algn="just"/>
             <a:r>
               <a:rPr lang="en-US" sz="2900" dirty="0" smtClean="0">
+                <a:solidFill>
+                  <a:srgbClr val="D6D6D6"/>
+                </a:solidFill>
                 <a:latin typeface="Gill Sans MT" panose="020B0502020104020203" pitchFamily="34" charset="0"/>
                 <a:ea typeface="Verdana" panose="020B0604030504040204" pitchFamily="34" charset="0"/>
                 <a:cs typeface="Verdana" panose="020B0604030504040204" pitchFamily="34" charset="0"/>
@@ -4592,6 +4660,9 @@
             <a:pPr algn="just"/>
             <a:r>
               <a:rPr lang="en-US" sz="2900" dirty="0" smtClean="0">
+                <a:solidFill>
+                  <a:srgbClr val="D6D6D6"/>
+                </a:solidFill>
                 <a:latin typeface="Gill Sans MT" panose="020B0502020104020203" pitchFamily="34" charset="0"/>
                 <a:ea typeface="Verdana" panose="020B0604030504040204" pitchFamily="34" charset="0"/>
                 <a:cs typeface="Verdana" panose="020B0604030504040204" pitchFamily="34" charset="0"/>
@@ -4603,6 +4674,9 @@
             <a:pPr algn="just"/>
             <a:r>
               <a:rPr lang="en-US" sz="2900" dirty="0" smtClean="0">
+                <a:solidFill>
+                  <a:srgbClr val="D6D6D6"/>
+                </a:solidFill>
                 <a:latin typeface="Gill Sans MT" panose="020B0502020104020203" pitchFamily="34" charset="0"/>
                 <a:ea typeface="Verdana" panose="020B0604030504040204" pitchFamily="34" charset="0"/>
                 <a:cs typeface="Verdana" panose="020B0604030504040204" pitchFamily="34" charset="0"/>
@@ -4614,6 +4688,9 @@
             <a:pPr algn="just"/>
             <a:r>
               <a:rPr lang="en-US" sz="2900" dirty="0" smtClean="0">
+                <a:solidFill>
+                  <a:srgbClr val="D6D6D6"/>
+                </a:solidFill>
                 <a:latin typeface="Gill Sans MT" panose="020B0502020104020203" pitchFamily="34" charset="0"/>
                 <a:ea typeface="Verdana" panose="020B0604030504040204" pitchFamily="34" charset="0"/>
                 <a:cs typeface="Verdana" panose="020B0604030504040204" pitchFamily="34" charset="0"/>
@@ -4625,6 +4702,9 @@
             <a:pPr algn="just"/>
             <a:r>
               <a:rPr lang="en-US" sz="2900" dirty="0" smtClean="0">
+                <a:solidFill>
+                  <a:srgbClr val="D6D6D6"/>
+                </a:solidFill>
                 <a:latin typeface="Gill Sans MT" panose="020B0502020104020203" pitchFamily="34" charset="0"/>
                 <a:ea typeface="Verdana" panose="020B0604030504040204" pitchFamily="34" charset="0"/>
                 <a:cs typeface="Verdana" panose="020B0604030504040204" pitchFamily="34" charset="0"/>
@@ -4636,17 +4716,15 @@
             <a:pPr algn="just"/>
             <a:r>
               <a:rPr lang="en-US" sz="2900" dirty="0" smtClean="0">
+                <a:solidFill>
+                  <a:srgbClr val="D6D6D6"/>
+                </a:solidFill>
                 <a:latin typeface="Gill Sans MT" panose="020B0502020104020203" pitchFamily="34" charset="0"/>
                 <a:ea typeface="Verdana" panose="020B0604030504040204" pitchFamily="34" charset="0"/>
                 <a:cs typeface="Verdana" panose="020B0604030504040204" pitchFamily="34" charset="0"/>
               </a:rPr>
               <a:t>methods</a:t>
             </a:r>
-            <a:endParaRPr lang="en-US" sz="2900" dirty="0" smtClean="0">
-              <a:latin typeface="Gill Sans MT" panose="020B0502020104020203" pitchFamily="34" charset="0"/>
-              <a:ea typeface="Verdana" panose="020B0604030504040204" pitchFamily="34" charset="0"/>
-              <a:cs typeface="Verdana" panose="020B0604030504040204" pitchFamily="34" charset="0"/>
-            </a:endParaRPr>
           </a:p>
         </p:txBody>
       </p:sp>
@@ -4665,8 +4743,13 @@
             <a:avLst/>
           </a:prstGeom>
           <a:solidFill>
-            <a:srgbClr val="8C1515"/>
+            <a:srgbClr val="1B001E"/>
           </a:solidFill>
+          <a:ln w="76200">
+            <a:solidFill>
+              <a:srgbClr val="9E86C8"/>
+            </a:solidFill>
+          </a:ln>
         </p:spPr>
         <p:style>
           <a:lnRef idx="2">
@@ -4692,51 +4775,15 @@
             <a:r>
               <a:rPr lang="en-US" sz="4800" dirty="0" smtClean="0">
                 <a:solidFill>
-                  <a:schemeClr val="bg1"/>
-                </a:solidFill>
-                <a:latin typeface="+mj-lt"/>
+                  <a:srgbClr val="B4D273"/>
+                </a:solidFill>
+                <a:latin typeface="Berlin Sans FB" panose="020E0602020502020306" pitchFamily="34" charset="0"/>
               </a:rPr>
               <a:t>Method 3</a:t>
             </a:r>
-            <a:endParaRPr lang="en-US" sz="4800" dirty="0" smtClean="0">
-              <a:solidFill>
-                <a:schemeClr val="bg1"/>
-              </a:solidFill>
-              <a:latin typeface="+mj-lt"/>
-            </a:endParaRPr>
-          </a:p>
-        </p:txBody>
-      </p:sp>
-      <p:pic>
-        <p:nvPicPr>
-          <p:cNvPr id="3" name="Picture 2"/>
-          <p:cNvPicPr>
-            <a:picLocks noChangeAspect="1"/>
-          </p:cNvPicPr>
-          <p:nvPr/>
-        </p:nvPicPr>
-        <p:blipFill>
-          <a:blip r:embed="rId4">
-            <a:extLst>
-              <a:ext uri="{28A0092B-C50C-407E-A947-70E740481C1C}">
-                <a14:useLocalDpi xmlns:a14="http://schemas.microsoft.com/office/drawing/2010/main" val="0"/>
-              </a:ext>
-            </a:extLst>
-          </a:blip>
-          <a:stretch>
-            <a:fillRect/>
-          </a:stretch>
-        </p:blipFill>
-        <p:spPr>
-          <a:xfrm>
-            <a:off x="4151102" y="9677400"/>
-            <a:ext cx="5797176" cy="3555601"/>
-          </a:xfrm>
-          <a:prstGeom prst="rect">
-            <a:avLst/>
-          </a:prstGeom>
-        </p:spPr>
-      </p:pic>
+          </a:p>
+        </p:txBody>
+      </p:sp>
       <p:sp>
         <p:nvSpPr>
           <p:cNvPr id="33" name="Text Placeholder 33"/>
@@ -4747,12 +4794,20 @@
         </p:nvSpPr>
         <p:spPr>
           <a:xfrm>
-            <a:off x="916780" y="14565059"/>
+            <a:off x="916780" y="16012859"/>
             <a:ext cx="12265821" cy="1894141"/>
           </a:xfrm>
           <a:prstGeom prst="rect">
             <a:avLst/>
           </a:prstGeom>
+          <a:solidFill>
+            <a:srgbClr val="797979"/>
+          </a:solidFill>
+          <a:ln w="76200">
+            <a:solidFill>
+              <a:srgbClr val="6C99BB"/>
+            </a:solidFill>
+          </a:ln>
         </p:spPr>
         <p:style>
           <a:lnRef idx="2">
@@ -4912,7 +4967,10 @@
           <a:p>
             <a:pPr algn="just"/>
             <a:r>
-              <a:rPr lang="en-US" sz="2900" smtClean="0">
+              <a:rPr lang="en-US" sz="2900" dirty="0" smtClean="0">
+                <a:solidFill>
+                  <a:srgbClr val="D6D6D6"/>
+                </a:solidFill>
                 <a:latin typeface="Gill Sans MT" panose="020B0502020104020203" pitchFamily="34" charset="0"/>
                 <a:ea typeface="Verdana" panose="020B0604030504040204" pitchFamily="34" charset="0"/>
                 <a:cs typeface="Verdana" panose="020B0604030504040204" pitchFamily="34" charset="0"/>
@@ -4923,7 +4981,10 @@
           <a:p>
             <a:pPr algn="just"/>
             <a:r>
-              <a:rPr lang="en-US" sz="2900" smtClean="0">
+              <a:rPr lang="en-US" sz="2900" dirty="0" smtClean="0">
+                <a:solidFill>
+                  <a:srgbClr val="D6D6D6"/>
+                </a:solidFill>
                 <a:latin typeface="Gill Sans MT" panose="020B0502020104020203" pitchFamily="34" charset="0"/>
                 <a:ea typeface="Verdana" panose="020B0604030504040204" pitchFamily="34" charset="0"/>
                 <a:cs typeface="Verdana" panose="020B0604030504040204" pitchFamily="34" charset="0"/>
@@ -4934,14 +4995,31 @@
           <a:p>
             <a:pPr algn="just"/>
             <a:r>
-              <a:rPr lang="en-US" sz="2900" smtClean="0">
+              <a:rPr lang="en-US" sz="2900" dirty="0" smtClean="0">
+                <a:solidFill>
+                  <a:srgbClr val="D6D6D6"/>
+                </a:solidFill>
                 <a:latin typeface="Gill Sans MT" panose="020B0502020104020203" pitchFamily="34" charset="0"/>
                 <a:ea typeface="Verdana" panose="020B0604030504040204" pitchFamily="34" charset="0"/>
                 <a:cs typeface="Verdana" panose="020B0604030504040204" pitchFamily="34" charset="0"/>
               </a:rPr>
-              <a:t>BACKGROUND background</a:t>
+              <a:t>BACKGROUND </a:t>
+            </a:r>
+            <a:r>
+              <a:rPr lang="en-US" sz="2900" dirty="0" err="1" smtClean="0">
+                <a:solidFill>
+                  <a:srgbClr val="D6D6D6"/>
+                </a:solidFill>
+                <a:latin typeface="Gill Sans MT" panose="020B0502020104020203" pitchFamily="34" charset="0"/>
+                <a:ea typeface="Verdana" panose="020B0604030504040204" pitchFamily="34" charset="0"/>
+                <a:cs typeface="Verdana" panose="020B0604030504040204" pitchFamily="34" charset="0"/>
+              </a:rPr>
+              <a:t>background</a:t>
             </a:r>
             <a:endParaRPr lang="en-US" sz="2900" dirty="0" smtClean="0">
+              <a:solidFill>
+                <a:srgbClr val="D6D6D6"/>
+              </a:solidFill>
               <a:latin typeface="Gill Sans MT" panose="020B0502020104020203" pitchFamily="34" charset="0"/>
               <a:ea typeface="Verdana" panose="020B0604030504040204" pitchFamily="34" charset="0"/>
               <a:cs typeface="Verdana" panose="020B0604030504040204" pitchFamily="34" charset="0"/>
@@ -4957,15 +5035,20 @@
         </p:nvSpPr>
         <p:spPr>
           <a:xfrm>
-            <a:off x="916780" y="13422059"/>
+            <a:off x="916780" y="14869859"/>
             <a:ext cx="12265822" cy="848577"/>
           </a:xfrm>
           <a:prstGeom prst="rect">
             <a:avLst/>
           </a:prstGeom>
           <a:solidFill>
-            <a:srgbClr val="8C1515"/>
+            <a:srgbClr val="1B001E"/>
           </a:solidFill>
+          <a:ln w="76200">
+            <a:solidFill>
+              <a:srgbClr val="9E86C8"/>
+            </a:solidFill>
+          </a:ln>
         </p:spPr>
         <p:style>
           <a:lnRef idx="2">
@@ -4991,18 +5074,12 @@
             <a:r>
               <a:rPr lang="en-US" sz="4800" dirty="0" smtClean="0">
                 <a:solidFill>
-                  <a:schemeClr val="bg1"/>
-                </a:solidFill>
-                <a:latin typeface="+mj-lt"/>
+                  <a:srgbClr val="B4D273"/>
+                </a:solidFill>
+                <a:latin typeface="Berlin Sans FB" panose="020E0602020502020306" pitchFamily="34" charset="0"/>
               </a:rPr>
               <a:t>Method 2</a:t>
             </a:r>
-            <a:endParaRPr lang="en-US" sz="4800" dirty="0" smtClean="0">
-              <a:solidFill>
-                <a:schemeClr val="bg1"/>
-              </a:solidFill>
-              <a:latin typeface="+mj-lt"/>
-            </a:endParaRPr>
           </a:p>
         </p:txBody>
       </p:sp>
@@ -5016,12 +5093,20 @@
         </p:nvSpPr>
         <p:spPr>
           <a:xfrm>
-            <a:off x="14173200" y="14173200"/>
+            <a:off x="14173200" y="15477328"/>
             <a:ext cx="12344399" cy="2429672"/>
           </a:xfrm>
           <a:prstGeom prst="rect">
             <a:avLst/>
           </a:prstGeom>
+          <a:solidFill>
+            <a:srgbClr val="797979"/>
+          </a:solidFill>
+          <a:ln w="76200">
+            <a:solidFill>
+              <a:srgbClr val="6C99BB"/>
+            </a:solidFill>
+          </a:ln>
         </p:spPr>
         <p:style>
           <a:lnRef idx="2">
@@ -5182,6 +5267,9 @@
             <a:pPr algn="just"/>
             <a:r>
               <a:rPr lang="en-US" sz="2900" dirty="0" smtClean="0">
+                <a:solidFill>
+                  <a:srgbClr val="D6D6D6"/>
+                </a:solidFill>
                 <a:latin typeface="Gill Sans MT" panose="020B0502020104020203" pitchFamily="34" charset="0"/>
                 <a:ea typeface="Verdana" panose="020B0604030504040204" pitchFamily="34" charset="0"/>
                 <a:cs typeface="Verdana" panose="020B0604030504040204" pitchFamily="34" charset="0"/>
@@ -5193,6 +5281,9 @@
             <a:pPr algn="just"/>
             <a:r>
               <a:rPr lang="en-US" sz="2900" dirty="0" smtClean="0">
+                <a:solidFill>
+                  <a:srgbClr val="D6D6D6"/>
+                </a:solidFill>
                 <a:latin typeface="Gill Sans MT" panose="020B0502020104020203" pitchFamily="34" charset="0"/>
                 <a:ea typeface="Verdana" panose="020B0604030504040204" pitchFamily="34" charset="0"/>
                 <a:cs typeface="Verdana" panose="020B0604030504040204" pitchFamily="34" charset="0"/>
@@ -5204,6 +5295,9 @@
             <a:pPr algn="just"/>
             <a:r>
               <a:rPr lang="en-US" sz="2900" dirty="0" smtClean="0">
+                <a:solidFill>
+                  <a:srgbClr val="D6D6D6"/>
+                </a:solidFill>
                 <a:latin typeface="Gill Sans MT" panose="020B0502020104020203" pitchFamily="34" charset="0"/>
                 <a:ea typeface="Verdana" panose="020B0604030504040204" pitchFamily="34" charset="0"/>
                 <a:cs typeface="Verdana" panose="020B0604030504040204" pitchFamily="34" charset="0"/>
@@ -5215,6 +5309,9 @@
             <a:pPr algn="just"/>
             <a:r>
               <a:rPr lang="en-US" sz="2900" dirty="0" smtClean="0">
+                <a:solidFill>
+                  <a:srgbClr val="D6D6D6"/>
+                </a:solidFill>
                 <a:latin typeface="Gill Sans MT" panose="020B0502020104020203" pitchFamily="34" charset="0"/>
                 <a:ea typeface="Verdana" panose="020B0604030504040204" pitchFamily="34" charset="0"/>
                 <a:cs typeface="Verdana" panose="020B0604030504040204" pitchFamily="34" charset="0"/>
@@ -5232,15 +5329,20 @@
         </p:nvSpPr>
         <p:spPr>
           <a:xfrm>
-            <a:off x="14173200" y="13030200"/>
+            <a:off x="14173200" y="14334328"/>
             <a:ext cx="12344400" cy="848577"/>
           </a:xfrm>
           <a:prstGeom prst="rect">
             <a:avLst/>
           </a:prstGeom>
           <a:solidFill>
-            <a:srgbClr val="8C1515"/>
+            <a:srgbClr val="1B001E"/>
           </a:solidFill>
+          <a:ln w="76200">
+            <a:solidFill>
+              <a:srgbClr val="9E86C8"/>
+            </a:solidFill>
+          </a:ln>
         </p:spPr>
         <p:style>
           <a:lnRef idx="2">
@@ -5266,21 +5368,80 @@
             <a:r>
               <a:rPr lang="en-US" sz="4800" dirty="0" smtClean="0">
                 <a:solidFill>
-                  <a:schemeClr val="bg1"/>
-                </a:solidFill>
-                <a:latin typeface="+mj-lt"/>
+                  <a:srgbClr val="B4D273"/>
+                </a:solidFill>
+                <a:latin typeface="Berlin Sans FB" panose="020E0602020502020306" pitchFamily="34" charset="0"/>
               </a:rPr>
               <a:t>Conclusion</a:t>
             </a:r>
-            <a:endParaRPr lang="en-US" sz="4800" dirty="0" smtClean="0">
-              <a:solidFill>
-                <a:schemeClr val="bg1"/>
-              </a:solidFill>
-              <a:latin typeface="+mj-lt"/>
-            </a:endParaRPr>
-          </a:p>
-        </p:txBody>
-      </p:sp>
+          </a:p>
+        </p:txBody>
+      </p:sp>
+      <p:pic>
+        <p:nvPicPr>
+          <p:cNvPr id="4" name="Picture 3"/>
+          <p:cNvPicPr>
+            <a:picLocks noChangeAspect="1"/>
+          </p:cNvPicPr>
+          <p:nvPr/>
+        </p:nvPicPr>
+        <p:blipFill>
+          <a:blip r:embed="rId5">
+            <a:extLst>
+              <a:ext uri="{28A0092B-C50C-407E-A947-70E740481C1C}">
+                <a14:useLocalDpi xmlns:a14="http://schemas.microsoft.com/office/drawing/2010/main" val="0"/>
+              </a:ext>
+            </a:extLst>
+          </a:blip>
+          <a:stretch>
+            <a:fillRect/>
+          </a:stretch>
+        </p:blipFill>
+        <p:spPr>
+          <a:xfrm>
+            <a:off x="15316200" y="11353800"/>
+            <a:ext cx="10058400" cy="2729602"/>
+          </a:xfrm>
+          <a:prstGeom prst="rect">
+            <a:avLst/>
+          </a:prstGeom>
+        </p:spPr>
+      </p:pic>
+      <p:pic>
+        <p:nvPicPr>
+          <p:cNvPr id="8" name="Picture 7"/>
+          <p:cNvPicPr>
+            <a:picLocks noChangeAspect="1"/>
+          </p:cNvPicPr>
+          <p:nvPr/>
+        </p:nvPicPr>
+        <p:blipFill>
+          <a:blip r:embed="rId6">
+            <a:extLst>
+              <a:ext uri="{28A0092B-C50C-407E-A947-70E740481C1C}">
+                <a14:useLocalDpi xmlns:a14="http://schemas.microsoft.com/office/drawing/2010/main" val="0"/>
+              </a:ext>
+            </a:extLst>
+          </a:blip>
+          <a:stretch>
+            <a:fillRect/>
+          </a:stretch>
+        </p:blipFill>
+        <p:spPr>
+          <a:xfrm>
+            <a:off x="3277790" y="9829800"/>
+            <a:ext cx="7543800" cy="4626864"/>
+          </a:xfrm>
+          <a:prstGeom prst="rect">
+            <a:avLst/>
+          </a:prstGeom>
+          <a:ln w="38100">
+            <a:solidFill>
+              <a:srgbClr val="9E86C8"/>
+            </a:solidFill>
+          </a:ln>
+        </p:spPr>
+      </p:pic>
     </p:spTree>
   </p:cSld>
   <p:clrMapOvr>

--- a/poster_RobotMusic.pptx
+++ b/poster_RobotMusic.pptx
@@ -3628,7 +3628,7 @@
             <a:r>
               <a:rPr lang="en-US" sz="7200" dirty="0" smtClean="0">
                 <a:solidFill>
-                  <a:srgbClr val="E87D3E"/>
+                  <a:srgbClr val="66D9EF"/>
                 </a:solidFill>
                 <a:latin typeface="Berlin Sans FB" panose="020E0602020502020306" pitchFamily="34" charset="0"/>
                 <a:cs typeface="Helvetica" panose="020B0604020202020204" pitchFamily="34" charset="0"/>
@@ -3641,7 +3641,7 @@
             <a:r>
               <a:rPr lang="en-US" sz="4000" dirty="0" smtClean="0">
                 <a:solidFill>
-                  <a:srgbClr val="E87D3E"/>
+                  <a:srgbClr val="66D9EF"/>
                 </a:solidFill>
                 <a:latin typeface="Berlin Sans FB" panose="020E0602020502020306" pitchFamily="34" charset="0"/>
                 <a:cs typeface="Helvetica" panose="020B0604020202020204" pitchFamily="34" charset="0"/>
@@ -3651,7 +3651,7 @@
             <a:r>
               <a:rPr lang="en-US" sz="4000" dirty="0" err="1" smtClean="0">
                 <a:solidFill>
-                  <a:srgbClr val="E87D3E"/>
+                  <a:srgbClr val="66D9EF"/>
                 </a:solidFill>
                 <a:latin typeface="Berlin Sans FB" panose="020E0602020502020306" pitchFamily="34" charset="0"/>
                 <a:cs typeface="Helvetica" panose="020B0604020202020204" pitchFamily="34" charset="0"/>
@@ -3661,7 +3661,7 @@
             <a:r>
               <a:rPr lang="en-US" sz="4000" dirty="0" smtClean="0">
                 <a:solidFill>
-                  <a:srgbClr val="E87D3E"/>
+                  <a:srgbClr val="66D9EF"/>
                 </a:solidFill>
                 <a:latin typeface="Berlin Sans FB" panose="020E0602020502020306" pitchFamily="34" charset="0"/>
                 <a:cs typeface="Helvetica" panose="020B0604020202020204" pitchFamily="34" charset="0"/>
@@ -3827,7 +3827,7 @@
             <a:r>
               <a:rPr lang="en-US" sz="4800" dirty="0" smtClean="0">
                 <a:solidFill>
-                  <a:srgbClr val="B4D273"/>
+                  <a:srgbClr val="A6E22E"/>
                 </a:solidFill>
                 <a:latin typeface="Berlin Sans FB" panose="020E0602020502020306" pitchFamily="34" charset="0"/>
               </a:rPr>
@@ -4165,7 +4165,7 @@
             <a:r>
               <a:rPr lang="en-US" sz="4800" dirty="0" smtClean="0">
                 <a:solidFill>
-                  <a:srgbClr val="B4D273"/>
+                  <a:srgbClr val="A6E22E"/>
                 </a:solidFill>
                 <a:latin typeface="Berlin Sans FB" panose="020E0602020502020306" pitchFamily="34" charset="0"/>
               </a:rPr>
@@ -4381,14 +4381,6 @@
               </a:rPr>
               <a:t>Results</a:t>
             </a:r>
-            <a:endParaRPr lang="en-US" sz="2900" dirty="0" smtClean="0">
-              <a:solidFill>
-                <a:srgbClr val="D6D6D6"/>
-              </a:solidFill>
-              <a:latin typeface="Gill Sans MT" panose="020B0502020104020203" pitchFamily="34" charset="0"/>
-              <a:ea typeface="Verdana" panose="020B0604030504040204" pitchFamily="34" charset="0"/>
-              <a:cs typeface="Verdana" panose="020B0604030504040204" pitchFamily="34" charset="0"/>
-            </a:endParaRPr>
           </a:p>
         </p:txBody>
       </p:sp>
@@ -4439,7 +4431,7 @@
             <a:r>
               <a:rPr lang="en-US" sz="4800" dirty="0" smtClean="0">
                 <a:solidFill>
-                  <a:srgbClr val="B4D273"/>
+                  <a:srgbClr val="A6E22E"/>
                 </a:solidFill>
                 <a:latin typeface="Berlin Sans FB" panose="020E0602020502020306" pitchFamily="34" charset="0"/>
               </a:rPr>
@@ -4775,7 +4767,7 @@
             <a:r>
               <a:rPr lang="en-US" sz="4800" dirty="0" smtClean="0">
                 <a:solidFill>
-                  <a:srgbClr val="B4D273"/>
+                  <a:srgbClr val="A6E22E"/>
                 </a:solidFill>
                 <a:latin typeface="Berlin Sans FB" panose="020E0602020502020306" pitchFamily="34" charset="0"/>
               </a:rPr>
@@ -5074,7 +5066,7 @@
             <a:r>
               <a:rPr lang="en-US" sz="4800" dirty="0" smtClean="0">
                 <a:solidFill>
-                  <a:srgbClr val="B4D273"/>
+                  <a:srgbClr val="A6E22E"/>
                 </a:solidFill>
                 <a:latin typeface="Berlin Sans FB" panose="020E0602020502020306" pitchFamily="34" charset="0"/>
               </a:rPr>
@@ -5368,7 +5360,7 @@
             <a:r>
               <a:rPr lang="en-US" sz="4800" dirty="0" smtClean="0">
                 <a:solidFill>
-                  <a:srgbClr val="B4D273"/>
+                  <a:srgbClr val="A6E22E"/>
                 </a:solidFill>
                 <a:latin typeface="Berlin Sans FB" panose="020E0602020502020306" pitchFamily="34" charset="0"/>
               </a:rPr>
@@ -5407,11 +5399,1899 @@
           </a:prstGeom>
         </p:spPr>
       </p:pic>
+      <p:grpSp>
+        <p:nvGrpSpPr>
+          <p:cNvPr id="123" name="Group 122"/>
+          <p:cNvGrpSpPr/>
+          <p:nvPr/>
+        </p:nvGrpSpPr>
+        <p:grpSpPr>
+          <a:xfrm>
+            <a:off x="9448800" y="10629900"/>
+            <a:ext cx="3291036" cy="3162300"/>
+            <a:chOff x="17864138" y="4724400"/>
+            <a:chExt cx="3291036" cy="3162300"/>
+          </a:xfrm>
+        </p:grpSpPr>
+        <p:sp>
+          <p:nvSpPr>
+            <p:cNvPr id="124" name="Oval 123"/>
+            <p:cNvSpPr/>
+            <p:nvPr/>
+          </p:nvSpPr>
+          <p:spPr>
+            <a:xfrm>
+              <a:off x="17864138" y="4724400"/>
+              <a:ext cx="308535" cy="291905"/>
+            </a:xfrm>
+            <a:prstGeom prst="ellipse">
+              <a:avLst/>
+            </a:prstGeom>
+            <a:noFill/>
+            <a:ln w="12700">
+              <a:solidFill>
+                <a:srgbClr val="D6D6D6"/>
+              </a:solidFill>
+            </a:ln>
+          </p:spPr>
+          <p:style>
+            <a:lnRef idx="2">
+              <a:schemeClr val="accent1">
+                <a:shade val="50000"/>
+              </a:schemeClr>
+            </a:lnRef>
+            <a:fillRef idx="1">
+              <a:schemeClr val="accent1"/>
+            </a:fillRef>
+            <a:effectRef idx="0">
+              <a:schemeClr val="accent1"/>
+            </a:effectRef>
+            <a:fontRef idx="minor">
+              <a:schemeClr val="lt1"/>
+            </a:fontRef>
+          </p:style>
+          <p:txBody>
+            <a:bodyPr rtlCol="0" anchor="ctr"/>
+            <a:lstStyle/>
+            <a:p>
+              <a:pPr algn="ctr"/>
+              <a:endParaRPr lang="en-US"/>
+            </a:p>
+          </p:txBody>
+        </p:sp>
+        <p:sp>
+          <p:nvSpPr>
+            <p:cNvPr id="125" name="Oval 124"/>
+            <p:cNvSpPr/>
+            <p:nvPr/>
+          </p:nvSpPr>
+          <p:spPr>
+            <a:xfrm>
+              <a:off x="17864138" y="5478487"/>
+              <a:ext cx="308535" cy="291905"/>
+            </a:xfrm>
+            <a:prstGeom prst="ellipse">
+              <a:avLst/>
+            </a:prstGeom>
+            <a:noFill/>
+            <a:ln w="12700">
+              <a:solidFill>
+                <a:srgbClr val="D6D6D6"/>
+              </a:solidFill>
+            </a:ln>
+          </p:spPr>
+          <p:style>
+            <a:lnRef idx="2">
+              <a:schemeClr val="accent1">
+                <a:shade val="50000"/>
+              </a:schemeClr>
+            </a:lnRef>
+            <a:fillRef idx="1">
+              <a:schemeClr val="accent1"/>
+            </a:fillRef>
+            <a:effectRef idx="0">
+              <a:schemeClr val="accent1"/>
+            </a:effectRef>
+            <a:fontRef idx="minor">
+              <a:schemeClr val="lt1"/>
+            </a:fontRef>
+          </p:style>
+          <p:txBody>
+            <a:bodyPr rtlCol="0" anchor="ctr"/>
+            <a:lstStyle/>
+            <a:p>
+              <a:pPr algn="ctr"/>
+              <a:endParaRPr lang="en-US"/>
+            </a:p>
+          </p:txBody>
+        </p:sp>
+        <p:sp>
+          <p:nvSpPr>
+            <p:cNvPr id="126" name="Oval 125"/>
+            <p:cNvSpPr/>
+            <p:nvPr/>
+          </p:nvSpPr>
+          <p:spPr>
+            <a:xfrm>
+              <a:off x="17864138" y="6256899"/>
+              <a:ext cx="308535" cy="291905"/>
+            </a:xfrm>
+            <a:prstGeom prst="ellipse">
+              <a:avLst/>
+            </a:prstGeom>
+            <a:noFill/>
+            <a:ln w="12700">
+              <a:solidFill>
+                <a:srgbClr val="D6D6D6"/>
+              </a:solidFill>
+            </a:ln>
+          </p:spPr>
+          <p:style>
+            <a:lnRef idx="2">
+              <a:schemeClr val="accent1">
+                <a:shade val="50000"/>
+              </a:schemeClr>
+            </a:lnRef>
+            <a:fillRef idx="1">
+              <a:schemeClr val="accent1"/>
+            </a:fillRef>
+            <a:effectRef idx="0">
+              <a:schemeClr val="accent1"/>
+            </a:effectRef>
+            <a:fontRef idx="minor">
+              <a:schemeClr val="lt1"/>
+            </a:fontRef>
+          </p:style>
+          <p:txBody>
+            <a:bodyPr rtlCol="0" anchor="ctr"/>
+            <a:lstStyle/>
+            <a:p>
+              <a:pPr algn="ctr"/>
+              <a:endParaRPr lang="en-US"/>
+            </a:p>
+          </p:txBody>
+        </p:sp>
+        <p:sp>
+          <p:nvSpPr>
+            <p:cNvPr id="127" name="Oval 126"/>
+            <p:cNvSpPr/>
+            <p:nvPr/>
+          </p:nvSpPr>
+          <p:spPr>
+            <a:xfrm>
+              <a:off x="17864138" y="7059636"/>
+              <a:ext cx="308535" cy="291905"/>
+            </a:xfrm>
+            <a:prstGeom prst="ellipse">
+              <a:avLst/>
+            </a:prstGeom>
+            <a:noFill/>
+            <a:ln w="12700">
+              <a:solidFill>
+                <a:srgbClr val="D6D6D6"/>
+              </a:solidFill>
+            </a:ln>
+          </p:spPr>
+          <p:style>
+            <a:lnRef idx="2">
+              <a:schemeClr val="accent1">
+                <a:shade val="50000"/>
+              </a:schemeClr>
+            </a:lnRef>
+            <a:fillRef idx="1">
+              <a:schemeClr val="accent1"/>
+            </a:fillRef>
+            <a:effectRef idx="0">
+              <a:schemeClr val="accent1"/>
+            </a:effectRef>
+            <a:fontRef idx="minor">
+              <a:schemeClr val="lt1"/>
+            </a:fontRef>
+          </p:style>
+          <p:txBody>
+            <a:bodyPr rtlCol="0" anchor="ctr"/>
+            <a:lstStyle/>
+            <a:p>
+              <a:pPr algn="ctr"/>
+              <a:endParaRPr lang="en-US"/>
+            </a:p>
+          </p:txBody>
+        </p:sp>
+        <p:cxnSp>
+          <p:nvCxnSpPr>
+            <p:cNvPr id="128" name="Curved Connector 127"/>
+            <p:cNvCxnSpPr>
+              <a:stCxn id="124" idx="4"/>
+            </p:cNvCxnSpPr>
+            <p:nvPr/>
+          </p:nvCxnSpPr>
+          <p:spPr>
+            <a:xfrm rot="5400000">
+              <a:off x="17787314" y="5247280"/>
+              <a:ext cx="462182" cy="4285"/>
+            </a:xfrm>
+            <a:prstGeom prst="curvedConnector3">
+              <a:avLst/>
+            </a:prstGeom>
+            <a:ln w="12700">
+              <a:solidFill>
+                <a:srgbClr val="D6D6D6"/>
+              </a:solidFill>
+              <a:tailEnd type="arrow"/>
+            </a:ln>
+          </p:spPr>
+          <p:style>
+            <a:lnRef idx="1">
+              <a:schemeClr val="accent1"/>
+            </a:lnRef>
+            <a:fillRef idx="0">
+              <a:schemeClr val="accent1"/>
+            </a:fillRef>
+            <a:effectRef idx="0">
+              <a:schemeClr val="accent1"/>
+            </a:effectRef>
+            <a:fontRef idx="minor">
+              <a:schemeClr val="tx1"/>
+            </a:fontRef>
+          </p:style>
+        </p:cxnSp>
+        <p:cxnSp>
+          <p:nvCxnSpPr>
+            <p:cNvPr id="129" name="Curved Connector 128"/>
+            <p:cNvCxnSpPr>
+              <a:stCxn id="125" idx="4"/>
+              <a:endCxn id="126" idx="0"/>
+            </p:cNvCxnSpPr>
+            <p:nvPr/>
+          </p:nvCxnSpPr>
+          <p:spPr>
+            <a:xfrm rot="5400000">
+              <a:off x="17775152" y="6013529"/>
+              <a:ext cx="486508" cy="4285"/>
+            </a:xfrm>
+            <a:prstGeom prst="curvedConnector3">
+              <a:avLst>
+                <a:gd name="adj1" fmla="val 50000"/>
+              </a:avLst>
+            </a:prstGeom>
+            <a:ln w="12700">
+              <a:solidFill>
+                <a:srgbClr val="D6D6D6"/>
+              </a:solidFill>
+              <a:tailEnd type="arrow"/>
+            </a:ln>
+          </p:spPr>
+          <p:style>
+            <a:lnRef idx="1">
+              <a:schemeClr val="accent1"/>
+            </a:lnRef>
+            <a:fillRef idx="0">
+              <a:schemeClr val="accent1"/>
+            </a:fillRef>
+            <a:effectRef idx="0">
+              <a:schemeClr val="accent1"/>
+            </a:effectRef>
+            <a:fontRef idx="minor">
+              <a:schemeClr val="tx1"/>
+            </a:fontRef>
+          </p:style>
+        </p:cxnSp>
+        <p:cxnSp>
+          <p:nvCxnSpPr>
+            <p:cNvPr id="130" name="Curved Connector 129"/>
+            <p:cNvCxnSpPr>
+              <a:stCxn id="126" idx="4"/>
+              <a:endCxn id="127" idx="0"/>
+            </p:cNvCxnSpPr>
+            <p:nvPr/>
+          </p:nvCxnSpPr>
+          <p:spPr>
+            <a:xfrm rot="5400000">
+              <a:off x="17762989" y="6804104"/>
+              <a:ext cx="510833" cy="4285"/>
+            </a:xfrm>
+            <a:prstGeom prst="curvedConnector3">
+              <a:avLst>
+                <a:gd name="adj1" fmla="val 50000"/>
+              </a:avLst>
+            </a:prstGeom>
+            <a:ln w="12700">
+              <a:solidFill>
+                <a:srgbClr val="D6D6D6"/>
+              </a:solidFill>
+              <a:tailEnd type="arrow"/>
+            </a:ln>
+          </p:spPr>
+          <p:style>
+            <a:lnRef idx="1">
+              <a:schemeClr val="accent1"/>
+            </a:lnRef>
+            <a:fillRef idx="0">
+              <a:schemeClr val="accent1"/>
+            </a:fillRef>
+            <a:effectRef idx="0">
+              <a:schemeClr val="accent1"/>
+            </a:effectRef>
+            <a:fontRef idx="minor">
+              <a:schemeClr val="tx1"/>
+            </a:fontRef>
+          </p:style>
+        </p:cxnSp>
+        <p:cxnSp>
+          <p:nvCxnSpPr>
+            <p:cNvPr id="131" name="Curved Connector 130"/>
+            <p:cNvCxnSpPr>
+              <a:stCxn id="124" idx="2"/>
+              <a:endCxn id="126" idx="2"/>
+            </p:cNvCxnSpPr>
+            <p:nvPr/>
+          </p:nvCxnSpPr>
+          <p:spPr>
+            <a:xfrm rot="10800000" flipV="1">
+              <a:off x="17864138" y="4870352"/>
+              <a:ext cx="4285" cy="1532499"/>
+            </a:xfrm>
+            <a:prstGeom prst="curvedConnector3">
+              <a:avLst>
+                <a:gd name="adj1" fmla="val 4650000"/>
+              </a:avLst>
+            </a:prstGeom>
+            <a:ln w="12700">
+              <a:solidFill>
+                <a:srgbClr val="D6D6D6"/>
+              </a:solidFill>
+              <a:tailEnd type="arrow"/>
+            </a:ln>
+          </p:spPr>
+          <p:style>
+            <a:lnRef idx="1">
+              <a:schemeClr val="accent1"/>
+            </a:lnRef>
+            <a:fillRef idx="0">
+              <a:schemeClr val="accent1"/>
+            </a:fillRef>
+            <a:effectRef idx="0">
+              <a:schemeClr val="accent1"/>
+            </a:effectRef>
+            <a:fontRef idx="minor">
+              <a:schemeClr val="tx1"/>
+            </a:fontRef>
+          </p:style>
+        </p:cxnSp>
+        <p:cxnSp>
+          <p:nvCxnSpPr>
+            <p:cNvPr id="132" name="Curved Connector 131"/>
+            <p:cNvCxnSpPr>
+              <a:stCxn id="124" idx="2"/>
+              <a:endCxn id="127" idx="2"/>
+            </p:cNvCxnSpPr>
+            <p:nvPr/>
+          </p:nvCxnSpPr>
+          <p:spPr>
+            <a:xfrm rot="10800000" flipV="1">
+              <a:off x="17864138" y="4870352"/>
+              <a:ext cx="4285" cy="2335236"/>
+            </a:xfrm>
+            <a:prstGeom prst="curvedConnector3">
+              <a:avLst>
+                <a:gd name="adj1" fmla="val 11400000"/>
+              </a:avLst>
+            </a:prstGeom>
+            <a:ln w="12700">
+              <a:solidFill>
+                <a:srgbClr val="D6D6D6"/>
+              </a:solidFill>
+              <a:tailEnd type="arrow"/>
+            </a:ln>
+          </p:spPr>
+          <p:style>
+            <a:lnRef idx="1">
+              <a:schemeClr val="accent1"/>
+            </a:lnRef>
+            <a:fillRef idx="0">
+              <a:schemeClr val="accent1"/>
+            </a:fillRef>
+            <a:effectRef idx="0">
+              <a:schemeClr val="accent1"/>
+            </a:effectRef>
+            <a:fontRef idx="minor">
+              <a:schemeClr val="tx1"/>
+            </a:fontRef>
+          </p:style>
+        </p:cxnSp>
+        <p:cxnSp>
+          <p:nvCxnSpPr>
+            <p:cNvPr id="133" name="Curved Connector 132"/>
+            <p:cNvCxnSpPr>
+              <a:stCxn id="125" idx="2"/>
+              <a:endCxn id="127" idx="2"/>
+            </p:cNvCxnSpPr>
+            <p:nvPr/>
+          </p:nvCxnSpPr>
+          <p:spPr>
+            <a:xfrm rot="10800000" flipV="1">
+              <a:off x="17864138" y="5624439"/>
+              <a:ext cx="4285" cy="1581150"/>
+            </a:xfrm>
+            <a:prstGeom prst="curvedConnector3">
+              <a:avLst>
+                <a:gd name="adj1" fmla="val 4650000"/>
+              </a:avLst>
+            </a:prstGeom>
+            <a:ln w="12700">
+              <a:solidFill>
+                <a:srgbClr val="D6D6D6"/>
+              </a:solidFill>
+              <a:tailEnd type="arrow"/>
+            </a:ln>
+          </p:spPr>
+          <p:style>
+            <a:lnRef idx="1">
+              <a:schemeClr val="accent1"/>
+            </a:lnRef>
+            <a:fillRef idx="0">
+              <a:schemeClr val="accent1"/>
+            </a:fillRef>
+            <a:effectRef idx="0">
+              <a:schemeClr val="accent1"/>
+            </a:effectRef>
+            <a:fontRef idx="minor">
+              <a:schemeClr val="tx1"/>
+            </a:fontRef>
+          </p:style>
+        </p:cxnSp>
+        <p:cxnSp>
+          <p:nvCxnSpPr>
+            <p:cNvPr id="134" name="Curved Connector 133"/>
+            <p:cNvCxnSpPr>
+              <a:stCxn id="127" idx="4"/>
+            </p:cNvCxnSpPr>
+            <p:nvPr/>
+          </p:nvCxnSpPr>
+          <p:spPr>
+            <a:xfrm rot="5400000">
+              <a:off x="17749755" y="7618049"/>
+              <a:ext cx="535158" cy="2143"/>
+            </a:xfrm>
+            <a:prstGeom prst="curvedConnector3">
+              <a:avLst>
+                <a:gd name="adj1" fmla="val 50000"/>
+              </a:avLst>
+            </a:prstGeom>
+            <a:ln w="12700">
+              <a:solidFill>
+                <a:srgbClr val="D6D6D6"/>
+              </a:solidFill>
+              <a:tailEnd type="arrow"/>
+            </a:ln>
+          </p:spPr>
+          <p:style>
+            <a:lnRef idx="1">
+              <a:schemeClr val="accent1"/>
+            </a:lnRef>
+            <a:fillRef idx="0">
+              <a:schemeClr val="accent1"/>
+            </a:fillRef>
+            <a:effectRef idx="0">
+              <a:schemeClr val="accent1"/>
+            </a:effectRef>
+            <a:fontRef idx="minor">
+              <a:schemeClr val="tx1"/>
+            </a:fontRef>
+          </p:style>
+        </p:cxnSp>
+        <p:sp>
+          <p:nvSpPr>
+            <p:cNvPr id="135" name="Oval 134"/>
+            <p:cNvSpPr/>
+            <p:nvPr/>
+          </p:nvSpPr>
+          <p:spPr>
+            <a:xfrm>
+              <a:off x="18995432" y="4724400"/>
+              <a:ext cx="308535" cy="291905"/>
+            </a:xfrm>
+            <a:prstGeom prst="ellipse">
+              <a:avLst/>
+            </a:prstGeom>
+            <a:noFill/>
+            <a:ln w="12700">
+              <a:solidFill>
+                <a:srgbClr val="D6D6D6"/>
+              </a:solidFill>
+            </a:ln>
+          </p:spPr>
+          <p:style>
+            <a:lnRef idx="2">
+              <a:schemeClr val="accent1">
+                <a:shade val="50000"/>
+              </a:schemeClr>
+            </a:lnRef>
+            <a:fillRef idx="1">
+              <a:schemeClr val="accent1"/>
+            </a:fillRef>
+            <a:effectRef idx="0">
+              <a:schemeClr val="accent1"/>
+            </a:effectRef>
+            <a:fontRef idx="minor">
+              <a:schemeClr val="lt1"/>
+            </a:fontRef>
+          </p:style>
+          <p:txBody>
+            <a:bodyPr rtlCol="0" anchor="ctr"/>
+            <a:lstStyle/>
+            <a:p>
+              <a:pPr algn="ctr"/>
+              <a:endParaRPr lang="en-US"/>
+            </a:p>
+          </p:txBody>
+        </p:sp>
+        <p:sp>
+          <p:nvSpPr>
+            <p:cNvPr id="136" name="Oval 135"/>
+            <p:cNvSpPr/>
+            <p:nvPr/>
+          </p:nvSpPr>
+          <p:spPr>
+            <a:xfrm>
+              <a:off x="18995432" y="5478487"/>
+              <a:ext cx="308535" cy="291905"/>
+            </a:xfrm>
+            <a:prstGeom prst="ellipse">
+              <a:avLst/>
+            </a:prstGeom>
+            <a:noFill/>
+            <a:ln w="12700">
+              <a:solidFill>
+                <a:srgbClr val="D6D6D6"/>
+              </a:solidFill>
+            </a:ln>
+          </p:spPr>
+          <p:style>
+            <a:lnRef idx="2">
+              <a:schemeClr val="accent1">
+                <a:shade val="50000"/>
+              </a:schemeClr>
+            </a:lnRef>
+            <a:fillRef idx="1">
+              <a:schemeClr val="accent1"/>
+            </a:fillRef>
+            <a:effectRef idx="0">
+              <a:schemeClr val="accent1"/>
+            </a:effectRef>
+            <a:fontRef idx="minor">
+              <a:schemeClr val="lt1"/>
+            </a:fontRef>
+          </p:style>
+          <p:txBody>
+            <a:bodyPr rtlCol="0" anchor="ctr"/>
+            <a:lstStyle/>
+            <a:p>
+              <a:pPr algn="ctr"/>
+              <a:endParaRPr lang="en-US"/>
+            </a:p>
+          </p:txBody>
+        </p:sp>
+        <p:sp>
+          <p:nvSpPr>
+            <p:cNvPr id="137" name="Oval 136"/>
+            <p:cNvSpPr/>
+            <p:nvPr/>
+          </p:nvSpPr>
+          <p:spPr>
+            <a:xfrm>
+              <a:off x="18995432" y="6256899"/>
+              <a:ext cx="308535" cy="291905"/>
+            </a:xfrm>
+            <a:prstGeom prst="ellipse">
+              <a:avLst/>
+            </a:prstGeom>
+            <a:noFill/>
+            <a:ln w="12700">
+              <a:solidFill>
+                <a:srgbClr val="D6D6D6"/>
+              </a:solidFill>
+            </a:ln>
+          </p:spPr>
+          <p:style>
+            <a:lnRef idx="2">
+              <a:schemeClr val="accent1">
+                <a:shade val="50000"/>
+              </a:schemeClr>
+            </a:lnRef>
+            <a:fillRef idx="1">
+              <a:schemeClr val="accent1"/>
+            </a:fillRef>
+            <a:effectRef idx="0">
+              <a:schemeClr val="accent1"/>
+            </a:effectRef>
+            <a:fontRef idx="minor">
+              <a:schemeClr val="lt1"/>
+            </a:fontRef>
+          </p:style>
+          <p:txBody>
+            <a:bodyPr rtlCol="0" anchor="ctr"/>
+            <a:lstStyle/>
+            <a:p>
+              <a:pPr algn="ctr"/>
+              <a:endParaRPr lang="en-US"/>
+            </a:p>
+          </p:txBody>
+        </p:sp>
+        <p:sp>
+          <p:nvSpPr>
+            <p:cNvPr id="138" name="Oval 137"/>
+            <p:cNvSpPr/>
+            <p:nvPr/>
+          </p:nvSpPr>
+          <p:spPr>
+            <a:xfrm>
+              <a:off x="18995432" y="7059636"/>
+              <a:ext cx="308535" cy="291905"/>
+            </a:xfrm>
+            <a:prstGeom prst="ellipse">
+              <a:avLst/>
+            </a:prstGeom>
+            <a:noFill/>
+            <a:ln w="12700">
+              <a:solidFill>
+                <a:srgbClr val="D6D6D6"/>
+              </a:solidFill>
+            </a:ln>
+          </p:spPr>
+          <p:style>
+            <a:lnRef idx="2">
+              <a:schemeClr val="accent1">
+                <a:shade val="50000"/>
+              </a:schemeClr>
+            </a:lnRef>
+            <a:fillRef idx="1">
+              <a:schemeClr val="accent1"/>
+            </a:fillRef>
+            <a:effectRef idx="0">
+              <a:schemeClr val="accent1"/>
+            </a:effectRef>
+            <a:fontRef idx="minor">
+              <a:schemeClr val="lt1"/>
+            </a:fontRef>
+          </p:style>
+          <p:txBody>
+            <a:bodyPr rtlCol="0" anchor="ctr"/>
+            <a:lstStyle/>
+            <a:p>
+              <a:pPr algn="ctr"/>
+              <a:endParaRPr lang="en-US"/>
+            </a:p>
+          </p:txBody>
+        </p:sp>
+        <p:cxnSp>
+          <p:nvCxnSpPr>
+            <p:cNvPr id="139" name="Curved Connector 138"/>
+            <p:cNvCxnSpPr>
+              <a:stCxn id="135" idx="4"/>
+            </p:cNvCxnSpPr>
+            <p:nvPr/>
+          </p:nvCxnSpPr>
+          <p:spPr>
+            <a:xfrm rot="5400000">
+              <a:off x="18918608" y="5247280"/>
+              <a:ext cx="462182" cy="4285"/>
+            </a:xfrm>
+            <a:prstGeom prst="curvedConnector3">
+              <a:avLst/>
+            </a:prstGeom>
+            <a:ln w="12700">
+              <a:solidFill>
+                <a:srgbClr val="D6D6D6"/>
+              </a:solidFill>
+              <a:tailEnd type="arrow"/>
+            </a:ln>
+          </p:spPr>
+          <p:style>
+            <a:lnRef idx="1">
+              <a:schemeClr val="accent1"/>
+            </a:lnRef>
+            <a:fillRef idx="0">
+              <a:schemeClr val="accent1"/>
+            </a:fillRef>
+            <a:effectRef idx="0">
+              <a:schemeClr val="accent1"/>
+            </a:effectRef>
+            <a:fontRef idx="minor">
+              <a:schemeClr val="tx1"/>
+            </a:fontRef>
+          </p:style>
+        </p:cxnSp>
+        <p:cxnSp>
+          <p:nvCxnSpPr>
+            <p:cNvPr id="140" name="Curved Connector 139"/>
+            <p:cNvCxnSpPr>
+              <a:stCxn id="136" idx="4"/>
+              <a:endCxn id="137" idx="0"/>
+            </p:cNvCxnSpPr>
+            <p:nvPr/>
+          </p:nvCxnSpPr>
+          <p:spPr>
+            <a:xfrm rot="5400000">
+              <a:off x="18906445" y="6013529"/>
+              <a:ext cx="486508" cy="4285"/>
+            </a:xfrm>
+            <a:prstGeom prst="curvedConnector3">
+              <a:avLst>
+                <a:gd name="adj1" fmla="val 50000"/>
+              </a:avLst>
+            </a:prstGeom>
+            <a:ln w="12700">
+              <a:solidFill>
+                <a:srgbClr val="D6D6D6"/>
+              </a:solidFill>
+              <a:tailEnd type="arrow"/>
+            </a:ln>
+          </p:spPr>
+          <p:style>
+            <a:lnRef idx="1">
+              <a:schemeClr val="accent1"/>
+            </a:lnRef>
+            <a:fillRef idx="0">
+              <a:schemeClr val="accent1"/>
+            </a:fillRef>
+            <a:effectRef idx="0">
+              <a:schemeClr val="accent1"/>
+            </a:effectRef>
+            <a:fontRef idx="minor">
+              <a:schemeClr val="tx1"/>
+            </a:fontRef>
+          </p:style>
+        </p:cxnSp>
+        <p:cxnSp>
+          <p:nvCxnSpPr>
+            <p:cNvPr id="141" name="Curved Connector 140"/>
+            <p:cNvCxnSpPr>
+              <a:stCxn id="137" idx="4"/>
+              <a:endCxn id="138" idx="0"/>
+            </p:cNvCxnSpPr>
+            <p:nvPr/>
+          </p:nvCxnSpPr>
+          <p:spPr>
+            <a:xfrm rot="5400000">
+              <a:off x="18894282" y="6804104"/>
+              <a:ext cx="510833" cy="4285"/>
+            </a:xfrm>
+            <a:prstGeom prst="curvedConnector3">
+              <a:avLst>
+                <a:gd name="adj1" fmla="val 50000"/>
+              </a:avLst>
+            </a:prstGeom>
+            <a:ln w="12700">
+              <a:solidFill>
+                <a:srgbClr val="D6D6D6"/>
+              </a:solidFill>
+              <a:tailEnd type="arrow"/>
+            </a:ln>
+          </p:spPr>
+          <p:style>
+            <a:lnRef idx="1">
+              <a:schemeClr val="accent1"/>
+            </a:lnRef>
+            <a:fillRef idx="0">
+              <a:schemeClr val="accent1"/>
+            </a:fillRef>
+            <a:effectRef idx="0">
+              <a:schemeClr val="accent1"/>
+            </a:effectRef>
+            <a:fontRef idx="minor">
+              <a:schemeClr val="tx1"/>
+            </a:fontRef>
+          </p:style>
+        </p:cxnSp>
+        <p:cxnSp>
+          <p:nvCxnSpPr>
+            <p:cNvPr id="142" name="Curved Connector 141"/>
+            <p:cNvCxnSpPr>
+              <a:stCxn id="135" idx="2"/>
+              <a:endCxn id="137" idx="2"/>
+            </p:cNvCxnSpPr>
+            <p:nvPr/>
+          </p:nvCxnSpPr>
+          <p:spPr>
+            <a:xfrm rot="10800000" flipV="1">
+              <a:off x="18995432" y="4870352"/>
+              <a:ext cx="4285" cy="1532499"/>
+            </a:xfrm>
+            <a:prstGeom prst="curvedConnector3">
+              <a:avLst>
+                <a:gd name="adj1" fmla="val 4650000"/>
+              </a:avLst>
+            </a:prstGeom>
+            <a:ln w="12700">
+              <a:solidFill>
+                <a:srgbClr val="D6D6D6"/>
+              </a:solidFill>
+              <a:tailEnd type="arrow"/>
+            </a:ln>
+          </p:spPr>
+          <p:style>
+            <a:lnRef idx="1">
+              <a:schemeClr val="accent1"/>
+            </a:lnRef>
+            <a:fillRef idx="0">
+              <a:schemeClr val="accent1"/>
+            </a:fillRef>
+            <a:effectRef idx="0">
+              <a:schemeClr val="accent1"/>
+            </a:effectRef>
+            <a:fontRef idx="minor">
+              <a:schemeClr val="tx1"/>
+            </a:fontRef>
+          </p:style>
+        </p:cxnSp>
+        <p:cxnSp>
+          <p:nvCxnSpPr>
+            <p:cNvPr id="143" name="Curved Connector 142"/>
+            <p:cNvCxnSpPr>
+              <a:stCxn id="135" idx="2"/>
+              <a:endCxn id="138" idx="2"/>
+            </p:cNvCxnSpPr>
+            <p:nvPr/>
+          </p:nvCxnSpPr>
+          <p:spPr>
+            <a:xfrm rot="10800000" flipV="1">
+              <a:off x="18995432" y="4870352"/>
+              <a:ext cx="4285" cy="2335236"/>
+            </a:xfrm>
+            <a:prstGeom prst="curvedConnector3">
+              <a:avLst>
+                <a:gd name="adj1" fmla="val 11400000"/>
+              </a:avLst>
+            </a:prstGeom>
+            <a:ln w="12700">
+              <a:solidFill>
+                <a:srgbClr val="D6D6D6"/>
+              </a:solidFill>
+              <a:tailEnd type="arrow"/>
+            </a:ln>
+          </p:spPr>
+          <p:style>
+            <a:lnRef idx="1">
+              <a:schemeClr val="accent1"/>
+            </a:lnRef>
+            <a:fillRef idx="0">
+              <a:schemeClr val="accent1"/>
+            </a:fillRef>
+            <a:effectRef idx="0">
+              <a:schemeClr val="accent1"/>
+            </a:effectRef>
+            <a:fontRef idx="minor">
+              <a:schemeClr val="tx1"/>
+            </a:fontRef>
+          </p:style>
+        </p:cxnSp>
+        <p:cxnSp>
+          <p:nvCxnSpPr>
+            <p:cNvPr id="144" name="Curved Connector 143"/>
+            <p:cNvCxnSpPr>
+              <a:stCxn id="136" idx="2"/>
+              <a:endCxn id="138" idx="2"/>
+            </p:cNvCxnSpPr>
+            <p:nvPr/>
+          </p:nvCxnSpPr>
+          <p:spPr>
+            <a:xfrm rot="10800000" flipV="1">
+              <a:off x="18995432" y="5624439"/>
+              <a:ext cx="4285" cy="1581150"/>
+            </a:xfrm>
+            <a:prstGeom prst="curvedConnector3">
+              <a:avLst>
+                <a:gd name="adj1" fmla="val 4650000"/>
+              </a:avLst>
+            </a:prstGeom>
+            <a:ln w="12700">
+              <a:solidFill>
+                <a:srgbClr val="D6D6D6"/>
+              </a:solidFill>
+              <a:tailEnd type="arrow"/>
+            </a:ln>
+          </p:spPr>
+          <p:style>
+            <a:lnRef idx="1">
+              <a:schemeClr val="accent1"/>
+            </a:lnRef>
+            <a:fillRef idx="0">
+              <a:schemeClr val="accent1"/>
+            </a:fillRef>
+            <a:effectRef idx="0">
+              <a:schemeClr val="accent1"/>
+            </a:effectRef>
+            <a:fontRef idx="minor">
+              <a:schemeClr val="tx1"/>
+            </a:fontRef>
+          </p:style>
+        </p:cxnSp>
+        <p:cxnSp>
+          <p:nvCxnSpPr>
+            <p:cNvPr id="145" name="Curved Connector 144"/>
+            <p:cNvCxnSpPr>
+              <a:stCxn id="138" idx="4"/>
+            </p:cNvCxnSpPr>
+            <p:nvPr/>
+          </p:nvCxnSpPr>
+          <p:spPr>
+            <a:xfrm rot="5400000">
+              <a:off x="18881048" y="7618049"/>
+              <a:ext cx="535158" cy="2143"/>
+            </a:xfrm>
+            <a:prstGeom prst="curvedConnector3">
+              <a:avLst>
+                <a:gd name="adj1" fmla="val 50000"/>
+              </a:avLst>
+            </a:prstGeom>
+            <a:ln w="12700">
+              <a:solidFill>
+                <a:srgbClr val="D6D6D6"/>
+              </a:solidFill>
+              <a:tailEnd type="arrow"/>
+            </a:ln>
+          </p:spPr>
+          <p:style>
+            <a:lnRef idx="1">
+              <a:schemeClr val="accent1"/>
+            </a:lnRef>
+            <a:fillRef idx="0">
+              <a:schemeClr val="accent1"/>
+            </a:fillRef>
+            <a:effectRef idx="0">
+              <a:schemeClr val="accent1"/>
+            </a:effectRef>
+            <a:fontRef idx="minor">
+              <a:schemeClr val="tx1"/>
+            </a:fontRef>
+          </p:style>
+        </p:cxnSp>
+        <p:sp>
+          <p:nvSpPr>
+            <p:cNvPr id="146" name="Oval 145"/>
+            <p:cNvSpPr/>
+            <p:nvPr/>
+          </p:nvSpPr>
+          <p:spPr>
+            <a:xfrm>
+              <a:off x="20126726" y="4724400"/>
+              <a:ext cx="308535" cy="291905"/>
+            </a:xfrm>
+            <a:prstGeom prst="ellipse">
+              <a:avLst/>
+            </a:prstGeom>
+            <a:noFill/>
+            <a:ln w="12700">
+              <a:solidFill>
+                <a:srgbClr val="D6D6D6"/>
+              </a:solidFill>
+            </a:ln>
+          </p:spPr>
+          <p:style>
+            <a:lnRef idx="2">
+              <a:schemeClr val="accent1">
+                <a:shade val="50000"/>
+              </a:schemeClr>
+            </a:lnRef>
+            <a:fillRef idx="1">
+              <a:schemeClr val="accent1"/>
+            </a:fillRef>
+            <a:effectRef idx="0">
+              <a:schemeClr val="accent1"/>
+            </a:effectRef>
+            <a:fontRef idx="minor">
+              <a:schemeClr val="lt1"/>
+            </a:fontRef>
+          </p:style>
+          <p:txBody>
+            <a:bodyPr rtlCol="0" anchor="ctr"/>
+            <a:lstStyle/>
+            <a:p>
+              <a:pPr algn="ctr"/>
+              <a:endParaRPr lang="en-US"/>
+            </a:p>
+          </p:txBody>
+        </p:sp>
+        <p:sp>
+          <p:nvSpPr>
+            <p:cNvPr id="147" name="Oval 146"/>
+            <p:cNvSpPr/>
+            <p:nvPr/>
+          </p:nvSpPr>
+          <p:spPr>
+            <a:xfrm>
+              <a:off x="20126726" y="5478487"/>
+              <a:ext cx="308535" cy="291905"/>
+            </a:xfrm>
+            <a:prstGeom prst="ellipse">
+              <a:avLst/>
+            </a:prstGeom>
+            <a:noFill/>
+            <a:ln w="12700">
+              <a:solidFill>
+                <a:srgbClr val="D6D6D6"/>
+              </a:solidFill>
+            </a:ln>
+          </p:spPr>
+          <p:style>
+            <a:lnRef idx="2">
+              <a:schemeClr val="accent1">
+                <a:shade val="50000"/>
+              </a:schemeClr>
+            </a:lnRef>
+            <a:fillRef idx="1">
+              <a:schemeClr val="accent1"/>
+            </a:fillRef>
+            <a:effectRef idx="0">
+              <a:schemeClr val="accent1"/>
+            </a:effectRef>
+            <a:fontRef idx="minor">
+              <a:schemeClr val="lt1"/>
+            </a:fontRef>
+          </p:style>
+          <p:txBody>
+            <a:bodyPr rtlCol="0" anchor="ctr"/>
+            <a:lstStyle/>
+            <a:p>
+              <a:pPr algn="ctr"/>
+              <a:endParaRPr lang="en-US"/>
+            </a:p>
+          </p:txBody>
+        </p:sp>
+        <p:sp>
+          <p:nvSpPr>
+            <p:cNvPr id="148" name="Oval 147"/>
+            <p:cNvSpPr/>
+            <p:nvPr/>
+          </p:nvSpPr>
+          <p:spPr>
+            <a:xfrm>
+              <a:off x="20126726" y="6256899"/>
+              <a:ext cx="308535" cy="291905"/>
+            </a:xfrm>
+            <a:prstGeom prst="ellipse">
+              <a:avLst/>
+            </a:prstGeom>
+            <a:noFill/>
+            <a:ln w="12700">
+              <a:solidFill>
+                <a:srgbClr val="D6D6D6"/>
+              </a:solidFill>
+            </a:ln>
+          </p:spPr>
+          <p:style>
+            <a:lnRef idx="2">
+              <a:schemeClr val="accent1">
+                <a:shade val="50000"/>
+              </a:schemeClr>
+            </a:lnRef>
+            <a:fillRef idx="1">
+              <a:schemeClr val="accent1"/>
+            </a:fillRef>
+            <a:effectRef idx="0">
+              <a:schemeClr val="accent1"/>
+            </a:effectRef>
+            <a:fontRef idx="minor">
+              <a:schemeClr val="lt1"/>
+            </a:fontRef>
+          </p:style>
+          <p:txBody>
+            <a:bodyPr rtlCol="0" anchor="ctr"/>
+            <a:lstStyle/>
+            <a:p>
+              <a:pPr algn="ctr"/>
+              <a:endParaRPr lang="en-US"/>
+            </a:p>
+          </p:txBody>
+        </p:sp>
+        <p:sp>
+          <p:nvSpPr>
+            <p:cNvPr id="149" name="Oval 148"/>
+            <p:cNvSpPr/>
+            <p:nvPr/>
+          </p:nvSpPr>
+          <p:spPr>
+            <a:xfrm>
+              <a:off x="20126726" y="7059636"/>
+              <a:ext cx="308535" cy="291905"/>
+            </a:xfrm>
+            <a:prstGeom prst="ellipse">
+              <a:avLst/>
+            </a:prstGeom>
+            <a:noFill/>
+            <a:ln w="12700">
+              <a:solidFill>
+                <a:srgbClr val="D6D6D6"/>
+              </a:solidFill>
+            </a:ln>
+          </p:spPr>
+          <p:style>
+            <a:lnRef idx="2">
+              <a:schemeClr val="accent1">
+                <a:shade val="50000"/>
+              </a:schemeClr>
+            </a:lnRef>
+            <a:fillRef idx="1">
+              <a:schemeClr val="accent1"/>
+            </a:fillRef>
+            <a:effectRef idx="0">
+              <a:schemeClr val="accent1"/>
+            </a:effectRef>
+            <a:fontRef idx="minor">
+              <a:schemeClr val="lt1"/>
+            </a:fontRef>
+          </p:style>
+          <p:txBody>
+            <a:bodyPr rtlCol="0" anchor="ctr"/>
+            <a:lstStyle/>
+            <a:p>
+              <a:pPr algn="ctr"/>
+              <a:endParaRPr lang="en-US"/>
+            </a:p>
+          </p:txBody>
+        </p:sp>
+        <p:cxnSp>
+          <p:nvCxnSpPr>
+            <p:cNvPr id="150" name="Curved Connector 149"/>
+            <p:cNvCxnSpPr>
+              <a:stCxn id="146" idx="4"/>
+            </p:cNvCxnSpPr>
+            <p:nvPr/>
+          </p:nvCxnSpPr>
+          <p:spPr>
+            <a:xfrm rot="5400000">
+              <a:off x="20049902" y="5247280"/>
+              <a:ext cx="462182" cy="4285"/>
+            </a:xfrm>
+            <a:prstGeom prst="curvedConnector3">
+              <a:avLst/>
+            </a:prstGeom>
+            <a:ln w="12700">
+              <a:solidFill>
+                <a:srgbClr val="D6D6D6"/>
+              </a:solidFill>
+              <a:tailEnd type="arrow"/>
+            </a:ln>
+          </p:spPr>
+          <p:style>
+            <a:lnRef idx="1">
+              <a:schemeClr val="accent1"/>
+            </a:lnRef>
+            <a:fillRef idx="0">
+              <a:schemeClr val="accent1"/>
+            </a:fillRef>
+            <a:effectRef idx="0">
+              <a:schemeClr val="accent1"/>
+            </a:effectRef>
+            <a:fontRef idx="minor">
+              <a:schemeClr val="tx1"/>
+            </a:fontRef>
+          </p:style>
+        </p:cxnSp>
+        <p:cxnSp>
+          <p:nvCxnSpPr>
+            <p:cNvPr id="151" name="Curved Connector 150"/>
+            <p:cNvCxnSpPr>
+              <a:stCxn id="147" idx="4"/>
+              <a:endCxn id="148" idx="0"/>
+            </p:cNvCxnSpPr>
+            <p:nvPr/>
+          </p:nvCxnSpPr>
+          <p:spPr>
+            <a:xfrm rot="5400000">
+              <a:off x="20037739" y="6013529"/>
+              <a:ext cx="486508" cy="4285"/>
+            </a:xfrm>
+            <a:prstGeom prst="curvedConnector3">
+              <a:avLst>
+                <a:gd name="adj1" fmla="val 50000"/>
+              </a:avLst>
+            </a:prstGeom>
+            <a:ln w="12700">
+              <a:solidFill>
+                <a:srgbClr val="D6D6D6"/>
+              </a:solidFill>
+              <a:tailEnd type="arrow"/>
+            </a:ln>
+          </p:spPr>
+          <p:style>
+            <a:lnRef idx="1">
+              <a:schemeClr val="accent1"/>
+            </a:lnRef>
+            <a:fillRef idx="0">
+              <a:schemeClr val="accent1"/>
+            </a:fillRef>
+            <a:effectRef idx="0">
+              <a:schemeClr val="accent1"/>
+            </a:effectRef>
+            <a:fontRef idx="minor">
+              <a:schemeClr val="tx1"/>
+            </a:fontRef>
+          </p:style>
+        </p:cxnSp>
+        <p:cxnSp>
+          <p:nvCxnSpPr>
+            <p:cNvPr id="152" name="Curved Connector 151"/>
+            <p:cNvCxnSpPr>
+              <a:stCxn id="148" idx="4"/>
+              <a:endCxn id="149" idx="0"/>
+            </p:cNvCxnSpPr>
+            <p:nvPr/>
+          </p:nvCxnSpPr>
+          <p:spPr>
+            <a:xfrm rot="5400000">
+              <a:off x="20025576" y="6804104"/>
+              <a:ext cx="510833" cy="4285"/>
+            </a:xfrm>
+            <a:prstGeom prst="curvedConnector3">
+              <a:avLst>
+                <a:gd name="adj1" fmla="val 50000"/>
+              </a:avLst>
+            </a:prstGeom>
+            <a:ln w="12700">
+              <a:solidFill>
+                <a:srgbClr val="D6D6D6"/>
+              </a:solidFill>
+              <a:tailEnd type="arrow"/>
+            </a:ln>
+          </p:spPr>
+          <p:style>
+            <a:lnRef idx="1">
+              <a:schemeClr val="accent1"/>
+            </a:lnRef>
+            <a:fillRef idx="0">
+              <a:schemeClr val="accent1"/>
+            </a:fillRef>
+            <a:effectRef idx="0">
+              <a:schemeClr val="accent1"/>
+            </a:effectRef>
+            <a:fontRef idx="minor">
+              <a:schemeClr val="tx1"/>
+            </a:fontRef>
+          </p:style>
+        </p:cxnSp>
+        <p:cxnSp>
+          <p:nvCxnSpPr>
+            <p:cNvPr id="153" name="Curved Connector 152"/>
+            <p:cNvCxnSpPr>
+              <a:stCxn id="146" idx="2"/>
+              <a:endCxn id="148" idx="2"/>
+            </p:cNvCxnSpPr>
+            <p:nvPr/>
+          </p:nvCxnSpPr>
+          <p:spPr>
+            <a:xfrm rot="10800000" flipV="1">
+              <a:off x="20126726" y="4870352"/>
+              <a:ext cx="4285" cy="1532499"/>
+            </a:xfrm>
+            <a:prstGeom prst="curvedConnector3">
+              <a:avLst>
+                <a:gd name="adj1" fmla="val 4650000"/>
+              </a:avLst>
+            </a:prstGeom>
+            <a:ln w="12700">
+              <a:solidFill>
+                <a:srgbClr val="D6D6D6"/>
+              </a:solidFill>
+              <a:tailEnd type="arrow"/>
+            </a:ln>
+          </p:spPr>
+          <p:style>
+            <a:lnRef idx="1">
+              <a:schemeClr val="accent1"/>
+            </a:lnRef>
+            <a:fillRef idx="0">
+              <a:schemeClr val="accent1"/>
+            </a:fillRef>
+            <a:effectRef idx="0">
+              <a:schemeClr val="accent1"/>
+            </a:effectRef>
+            <a:fontRef idx="minor">
+              <a:schemeClr val="tx1"/>
+            </a:fontRef>
+          </p:style>
+        </p:cxnSp>
+        <p:cxnSp>
+          <p:nvCxnSpPr>
+            <p:cNvPr id="154" name="Curved Connector 153"/>
+            <p:cNvCxnSpPr>
+              <a:stCxn id="146" idx="2"/>
+              <a:endCxn id="149" idx="2"/>
+            </p:cNvCxnSpPr>
+            <p:nvPr/>
+          </p:nvCxnSpPr>
+          <p:spPr>
+            <a:xfrm rot="10800000" flipV="1">
+              <a:off x="20126726" y="4870352"/>
+              <a:ext cx="4285" cy="2335236"/>
+            </a:xfrm>
+            <a:prstGeom prst="curvedConnector3">
+              <a:avLst>
+                <a:gd name="adj1" fmla="val 11400000"/>
+              </a:avLst>
+            </a:prstGeom>
+            <a:ln w="12700">
+              <a:solidFill>
+                <a:srgbClr val="D6D6D6"/>
+              </a:solidFill>
+              <a:tailEnd type="arrow"/>
+            </a:ln>
+          </p:spPr>
+          <p:style>
+            <a:lnRef idx="1">
+              <a:schemeClr val="accent1"/>
+            </a:lnRef>
+            <a:fillRef idx="0">
+              <a:schemeClr val="accent1"/>
+            </a:fillRef>
+            <a:effectRef idx="0">
+              <a:schemeClr val="accent1"/>
+            </a:effectRef>
+            <a:fontRef idx="minor">
+              <a:schemeClr val="tx1"/>
+            </a:fontRef>
+          </p:style>
+        </p:cxnSp>
+        <p:cxnSp>
+          <p:nvCxnSpPr>
+            <p:cNvPr id="155" name="Curved Connector 154"/>
+            <p:cNvCxnSpPr>
+              <a:stCxn id="147" idx="2"/>
+              <a:endCxn id="149" idx="2"/>
+            </p:cNvCxnSpPr>
+            <p:nvPr/>
+          </p:nvCxnSpPr>
+          <p:spPr>
+            <a:xfrm rot="10800000" flipV="1">
+              <a:off x="20126726" y="5624439"/>
+              <a:ext cx="4285" cy="1581150"/>
+            </a:xfrm>
+            <a:prstGeom prst="curvedConnector3">
+              <a:avLst>
+                <a:gd name="adj1" fmla="val 4650000"/>
+              </a:avLst>
+            </a:prstGeom>
+            <a:ln w="12700">
+              <a:solidFill>
+                <a:srgbClr val="D6D6D6"/>
+              </a:solidFill>
+              <a:tailEnd type="arrow"/>
+            </a:ln>
+          </p:spPr>
+          <p:style>
+            <a:lnRef idx="1">
+              <a:schemeClr val="accent1"/>
+            </a:lnRef>
+            <a:fillRef idx="0">
+              <a:schemeClr val="accent1"/>
+            </a:fillRef>
+            <a:effectRef idx="0">
+              <a:schemeClr val="accent1"/>
+            </a:effectRef>
+            <a:fontRef idx="minor">
+              <a:schemeClr val="tx1"/>
+            </a:fontRef>
+          </p:style>
+        </p:cxnSp>
+        <p:cxnSp>
+          <p:nvCxnSpPr>
+            <p:cNvPr id="156" name="Curved Connector 155"/>
+            <p:cNvCxnSpPr>
+              <a:stCxn id="149" idx="4"/>
+            </p:cNvCxnSpPr>
+            <p:nvPr/>
+          </p:nvCxnSpPr>
+          <p:spPr>
+            <a:xfrm rot="5400000">
+              <a:off x="20012342" y="7618049"/>
+              <a:ext cx="535158" cy="2143"/>
+            </a:xfrm>
+            <a:prstGeom prst="curvedConnector3">
+              <a:avLst>
+                <a:gd name="adj1" fmla="val 50000"/>
+              </a:avLst>
+            </a:prstGeom>
+            <a:ln w="12700">
+              <a:solidFill>
+                <a:srgbClr val="D6D6D6"/>
+              </a:solidFill>
+              <a:tailEnd type="arrow"/>
+            </a:ln>
+          </p:spPr>
+          <p:style>
+            <a:lnRef idx="1">
+              <a:schemeClr val="accent1"/>
+            </a:lnRef>
+            <a:fillRef idx="0">
+              <a:schemeClr val="accent1"/>
+            </a:fillRef>
+            <a:effectRef idx="0">
+              <a:schemeClr val="accent1"/>
+            </a:effectRef>
+            <a:fontRef idx="minor">
+              <a:schemeClr val="tx1"/>
+            </a:fontRef>
+          </p:style>
+        </p:cxnSp>
+        <p:cxnSp>
+          <p:nvCxnSpPr>
+            <p:cNvPr id="157" name="Curved Connector 156"/>
+            <p:cNvCxnSpPr>
+              <a:stCxn id="124" idx="6"/>
+              <a:endCxn id="135" idx="2"/>
+            </p:cNvCxnSpPr>
+            <p:nvPr/>
+          </p:nvCxnSpPr>
+          <p:spPr>
+            <a:xfrm>
+              <a:off x="18172673" y="4870352"/>
+              <a:ext cx="822759" cy="4054"/>
+            </a:xfrm>
+            <a:prstGeom prst="curvedConnector3">
+              <a:avLst>
+                <a:gd name="adj1" fmla="val 50000"/>
+              </a:avLst>
+            </a:prstGeom>
+            <a:ln w="12700">
+              <a:solidFill>
+                <a:srgbClr val="D6D6D6"/>
+              </a:solidFill>
+              <a:tailEnd type="arrow"/>
+            </a:ln>
+          </p:spPr>
+          <p:style>
+            <a:lnRef idx="1">
+              <a:schemeClr val="accent1"/>
+            </a:lnRef>
+            <a:fillRef idx="0">
+              <a:schemeClr val="accent1"/>
+            </a:fillRef>
+            <a:effectRef idx="0">
+              <a:schemeClr val="accent1"/>
+            </a:effectRef>
+            <a:fontRef idx="minor">
+              <a:schemeClr val="tx1"/>
+            </a:fontRef>
+          </p:style>
+        </p:cxnSp>
+        <p:cxnSp>
+          <p:nvCxnSpPr>
+            <p:cNvPr id="158" name="Curved Connector 157"/>
+            <p:cNvCxnSpPr>
+              <a:stCxn id="135" idx="6"/>
+              <a:endCxn id="146" idx="2"/>
+            </p:cNvCxnSpPr>
+            <p:nvPr/>
+          </p:nvCxnSpPr>
+          <p:spPr>
+            <a:xfrm>
+              <a:off x="19303966" y="4870352"/>
+              <a:ext cx="822759" cy="4054"/>
+            </a:xfrm>
+            <a:prstGeom prst="curvedConnector3">
+              <a:avLst>
+                <a:gd name="adj1" fmla="val 50000"/>
+              </a:avLst>
+            </a:prstGeom>
+            <a:ln w="12700">
+              <a:solidFill>
+                <a:srgbClr val="D6D6D6"/>
+              </a:solidFill>
+              <a:tailEnd type="arrow"/>
+            </a:ln>
+          </p:spPr>
+          <p:style>
+            <a:lnRef idx="1">
+              <a:schemeClr val="accent1"/>
+            </a:lnRef>
+            <a:fillRef idx="0">
+              <a:schemeClr val="accent1"/>
+            </a:fillRef>
+            <a:effectRef idx="0">
+              <a:schemeClr val="accent1"/>
+            </a:effectRef>
+            <a:fontRef idx="minor">
+              <a:schemeClr val="tx1"/>
+            </a:fontRef>
+          </p:style>
+        </p:cxnSp>
+        <p:cxnSp>
+          <p:nvCxnSpPr>
+            <p:cNvPr id="159" name="Curved Connector 158"/>
+            <p:cNvCxnSpPr>
+              <a:stCxn id="146" idx="6"/>
+            </p:cNvCxnSpPr>
+            <p:nvPr/>
+          </p:nvCxnSpPr>
+          <p:spPr>
+            <a:xfrm>
+              <a:off x="20435260" y="4870352"/>
+              <a:ext cx="719914" cy="4054"/>
+            </a:xfrm>
+            <a:prstGeom prst="curvedConnector3">
+              <a:avLst>
+                <a:gd name="adj1" fmla="val 50000"/>
+              </a:avLst>
+            </a:prstGeom>
+            <a:ln w="12700">
+              <a:solidFill>
+                <a:srgbClr val="D6D6D6"/>
+              </a:solidFill>
+              <a:tailEnd type="arrow"/>
+            </a:ln>
+          </p:spPr>
+          <p:style>
+            <a:lnRef idx="1">
+              <a:schemeClr val="accent1"/>
+            </a:lnRef>
+            <a:fillRef idx="0">
+              <a:schemeClr val="accent1"/>
+            </a:fillRef>
+            <a:effectRef idx="0">
+              <a:schemeClr val="accent1"/>
+            </a:effectRef>
+            <a:fontRef idx="minor">
+              <a:schemeClr val="tx1"/>
+            </a:fontRef>
+          </p:style>
+        </p:cxnSp>
+        <p:cxnSp>
+          <p:nvCxnSpPr>
+            <p:cNvPr id="160" name="Curved Connector 159"/>
+            <p:cNvCxnSpPr>
+              <a:stCxn id="125" idx="6"/>
+              <a:endCxn id="136" idx="2"/>
+            </p:cNvCxnSpPr>
+            <p:nvPr/>
+          </p:nvCxnSpPr>
+          <p:spPr>
+            <a:xfrm>
+              <a:off x="18172673" y="5624439"/>
+              <a:ext cx="822759" cy="4054"/>
+            </a:xfrm>
+            <a:prstGeom prst="curvedConnector3">
+              <a:avLst>
+                <a:gd name="adj1" fmla="val 50000"/>
+              </a:avLst>
+            </a:prstGeom>
+            <a:ln w="12700">
+              <a:solidFill>
+                <a:srgbClr val="D6D6D6"/>
+              </a:solidFill>
+              <a:tailEnd type="arrow"/>
+            </a:ln>
+          </p:spPr>
+          <p:style>
+            <a:lnRef idx="1">
+              <a:schemeClr val="accent1"/>
+            </a:lnRef>
+            <a:fillRef idx="0">
+              <a:schemeClr val="accent1"/>
+            </a:fillRef>
+            <a:effectRef idx="0">
+              <a:schemeClr val="accent1"/>
+            </a:effectRef>
+            <a:fontRef idx="minor">
+              <a:schemeClr val="tx1"/>
+            </a:fontRef>
+          </p:style>
+        </p:cxnSp>
+        <p:cxnSp>
+          <p:nvCxnSpPr>
+            <p:cNvPr id="161" name="Curved Connector 160"/>
+            <p:cNvCxnSpPr>
+              <a:stCxn id="136" idx="6"/>
+              <a:endCxn id="147" idx="2"/>
+            </p:cNvCxnSpPr>
+            <p:nvPr/>
+          </p:nvCxnSpPr>
+          <p:spPr>
+            <a:xfrm>
+              <a:off x="19303966" y="5624439"/>
+              <a:ext cx="822759" cy="4054"/>
+            </a:xfrm>
+            <a:prstGeom prst="curvedConnector3">
+              <a:avLst>
+                <a:gd name="adj1" fmla="val 50000"/>
+              </a:avLst>
+            </a:prstGeom>
+            <a:ln w="12700">
+              <a:solidFill>
+                <a:srgbClr val="D6D6D6"/>
+              </a:solidFill>
+              <a:tailEnd type="arrow"/>
+            </a:ln>
+          </p:spPr>
+          <p:style>
+            <a:lnRef idx="1">
+              <a:schemeClr val="accent1"/>
+            </a:lnRef>
+            <a:fillRef idx="0">
+              <a:schemeClr val="accent1"/>
+            </a:fillRef>
+            <a:effectRef idx="0">
+              <a:schemeClr val="accent1"/>
+            </a:effectRef>
+            <a:fontRef idx="minor">
+              <a:schemeClr val="tx1"/>
+            </a:fontRef>
+          </p:style>
+        </p:cxnSp>
+        <p:cxnSp>
+          <p:nvCxnSpPr>
+            <p:cNvPr id="162" name="Curved Connector 161"/>
+            <p:cNvCxnSpPr>
+              <a:stCxn id="147" idx="6"/>
+            </p:cNvCxnSpPr>
+            <p:nvPr/>
+          </p:nvCxnSpPr>
+          <p:spPr>
+            <a:xfrm>
+              <a:off x="20435260" y="5624439"/>
+              <a:ext cx="719914" cy="4054"/>
+            </a:xfrm>
+            <a:prstGeom prst="curvedConnector3">
+              <a:avLst>
+                <a:gd name="adj1" fmla="val 50000"/>
+              </a:avLst>
+            </a:prstGeom>
+            <a:ln w="12700">
+              <a:solidFill>
+                <a:srgbClr val="D6D6D6"/>
+              </a:solidFill>
+              <a:tailEnd type="arrow"/>
+            </a:ln>
+          </p:spPr>
+          <p:style>
+            <a:lnRef idx="1">
+              <a:schemeClr val="accent1"/>
+            </a:lnRef>
+            <a:fillRef idx="0">
+              <a:schemeClr val="accent1"/>
+            </a:fillRef>
+            <a:effectRef idx="0">
+              <a:schemeClr val="accent1"/>
+            </a:effectRef>
+            <a:fontRef idx="minor">
+              <a:schemeClr val="tx1"/>
+            </a:fontRef>
+          </p:style>
+        </p:cxnSp>
+        <p:cxnSp>
+          <p:nvCxnSpPr>
+            <p:cNvPr id="163" name="Curved Connector 162"/>
+            <p:cNvCxnSpPr/>
+            <p:nvPr/>
+          </p:nvCxnSpPr>
+          <p:spPr>
+            <a:xfrm>
+              <a:off x="18166245" y="6390688"/>
+              <a:ext cx="822759" cy="4054"/>
+            </a:xfrm>
+            <a:prstGeom prst="curvedConnector3">
+              <a:avLst>
+                <a:gd name="adj1" fmla="val 50000"/>
+              </a:avLst>
+            </a:prstGeom>
+            <a:ln w="12700">
+              <a:solidFill>
+                <a:srgbClr val="D6D6D6"/>
+              </a:solidFill>
+              <a:tailEnd type="arrow"/>
+            </a:ln>
+          </p:spPr>
+          <p:style>
+            <a:lnRef idx="1">
+              <a:schemeClr val="accent1"/>
+            </a:lnRef>
+            <a:fillRef idx="0">
+              <a:schemeClr val="accent1"/>
+            </a:fillRef>
+            <a:effectRef idx="0">
+              <a:schemeClr val="accent1"/>
+            </a:effectRef>
+            <a:fontRef idx="minor">
+              <a:schemeClr val="tx1"/>
+            </a:fontRef>
+          </p:style>
+        </p:cxnSp>
+        <p:cxnSp>
+          <p:nvCxnSpPr>
+            <p:cNvPr id="164" name="Curved Connector 163"/>
+            <p:cNvCxnSpPr/>
+            <p:nvPr/>
+          </p:nvCxnSpPr>
+          <p:spPr>
+            <a:xfrm>
+              <a:off x="19297538" y="6390688"/>
+              <a:ext cx="822759" cy="4054"/>
+            </a:xfrm>
+            <a:prstGeom prst="curvedConnector3">
+              <a:avLst>
+                <a:gd name="adj1" fmla="val 50000"/>
+              </a:avLst>
+            </a:prstGeom>
+            <a:ln w="12700">
+              <a:solidFill>
+                <a:srgbClr val="D6D6D6"/>
+              </a:solidFill>
+              <a:tailEnd type="arrow"/>
+            </a:ln>
+          </p:spPr>
+          <p:style>
+            <a:lnRef idx="1">
+              <a:schemeClr val="accent1"/>
+            </a:lnRef>
+            <a:fillRef idx="0">
+              <a:schemeClr val="accent1"/>
+            </a:fillRef>
+            <a:effectRef idx="0">
+              <a:schemeClr val="accent1"/>
+            </a:effectRef>
+            <a:fontRef idx="minor">
+              <a:schemeClr val="tx1"/>
+            </a:fontRef>
+          </p:style>
+        </p:cxnSp>
+        <p:cxnSp>
+          <p:nvCxnSpPr>
+            <p:cNvPr id="165" name="Curved Connector 164"/>
+            <p:cNvCxnSpPr/>
+            <p:nvPr/>
+          </p:nvCxnSpPr>
+          <p:spPr>
+            <a:xfrm>
+              <a:off x="20428832" y="6390688"/>
+              <a:ext cx="719914" cy="4054"/>
+            </a:xfrm>
+            <a:prstGeom prst="curvedConnector3">
+              <a:avLst>
+                <a:gd name="adj1" fmla="val 50000"/>
+              </a:avLst>
+            </a:prstGeom>
+            <a:ln w="12700">
+              <a:solidFill>
+                <a:srgbClr val="D6D6D6"/>
+              </a:solidFill>
+              <a:tailEnd type="arrow"/>
+            </a:ln>
+          </p:spPr>
+          <p:style>
+            <a:lnRef idx="1">
+              <a:schemeClr val="accent1"/>
+            </a:lnRef>
+            <a:fillRef idx="0">
+              <a:schemeClr val="accent1"/>
+            </a:fillRef>
+            <a:effectRef idx="0">
+              <a:schemeClr val="accent1"/>
+            </a:effectRef>
+            <a:fontRef idx="minor">
+              <a:schemeClr val="tx1"/>
+            </a:fontRef>
+          </p:style>
+        </p:cxnSp>
+        <p:cxnSp>
+          <p:nvCxnSpPr>
+            <p:cNvPr id="166" name="Curved Connector 165"/>
+            <p:cNvCxnSpPr/>
+            <p:nvPr/>
+          </p:nvCxnSpPr>
+          <p:spPr>
+            <a:xfrm>
+              <a:off x="18166244" y="7205588"/>
+              <a:ext cx="822759" cy="4054"/>
+            </a:xfrm>
+            <a:prstGeom prst="curvedConnector3">
+              <a:avLst>
+                <a:gd name="adj1" fmla="val 50000"/>
+              </a:avLst>
+            </a:prstGeom>
+            <a:ln w="12700">
+              <a:solidFill>
+                <a:srgbClr val="D6D6D6"/>
+              </a:solidFill>
+              <a:tailEnd type="arrow"/>
+            </a:ln>
+          </p:spPr>
+          <p:style>
+            <a:lnRef idx="1">
+              <a:schemeClr val="accent1"/>
+            </a:lnRef>
+            <a:fillRef idx="0">
+              <a:schemeClr val="accent1"/>
+            </a:fillRef>
+            <a:effectRef idx="0">
+              <a:schemeClr val="accent1"/>
+            </a:effectRef>
+            <a:fontRef idx="minor">
+              <a:schemeClr val="tx1"/>
+            </a:fontRef>
+          </p:style>
+        </p:cxnSp>
+        <p:cxnSp>
+          <p:nvCxnSpPr>
+            <p:cNvPr id="167" name="Curved Connector 166"/>
+            <p:cNvCxnSpPr/>
+            <p:nvPr/>
+          </p:nvCxnSpPr>
+          <p:spPr>
+            <a:xfrm>
+              <a:off x="19297538" y="7205588"/>
+              <a:ext cx="822759" cy="4054"/>
+            </a:xfrm>
+            <a:prstGeom prst="curvedConnector3">
+              <a:avLst>
+                <a:gd name="adj1" fmla="val 50000"/>
+              </a:avLst>
+            </a:prstGeom>
+            <a:ln w="12700">
+              <a:solidFill>
+                <a:srgbClr val="D6D6D6"/>
+              </a:solidFill>
+              <a:tailEnd type="arrow"/>
+            </a:ln>
+          </p:spPr>
+          <p:style>
+            <a:lnRef idx="1">
+              <a:schemeClr val="accent1"/>
+            </a:lnRef>
+            <a:fillRef idx="0">
+              <a:schemeClr val="accent1"/>
+            </a:fillRef>
+            <a:effectRef idx="0">
+              <a:schemeClr val="accent1"/>
+            </a:effectRef>
+            <a:fontRef idx="minor">
+              <a:schemeClr val="tx1"/>
+            </a:fontRef>
+          </p:style>
+        </p:cxnSp>
+        <p:cxnSp>
+          <p:nvCxnSpPr>
+            <p:cNvPr id="168" name="Curved Connector 167"/>
+            <p:cNvCxnSpPr/>
+            <p:nvPr/>
+          </p:nvCxnSpPr>
+          <p:spPr>
+            <a:xfrm>
+              <a:off x="20428832" y="7205588"/>
+              <a:ext cx="719914" cy="4054"/>
+            </a:xfrm>
+            <a:prstGeom prst="curvedConnector3">
+              <a:avLst>
+                <a:gd name="adj1" fmla="val 50000"/>
+              </a:avLst>
+            </a:prstGeom>
+            <a:ln w="12700">
+              <a:solidFill>
+                <a:srgbClr val="D6D6D6"/>
+              </a:solidFill>
+              <a:tailEnd type="arrow"/>
+            </a:ln>
+          </p:spPr>
+          <p:style>
+            <a:lnRef idx="1">
+              <a:schemeClr val="accent1"/>
+            </a:lnRef>
+            <a:fillRef idx="0">
+              <a:schemeClr val="accent1"/>
+            </a:fillRef>
+            <a:effectRef idx="0">
+              <a:schemeClr val="accent1"/>
+            </a:effectRef>
+            <a:fontRef idx="minor">
+              <a:schemeClr val="tx1"/>
+            </a:fontRef>
+          </p:style>
+        </p:cxnSp>
+      </p:grpSp>
       <p:pic>
         <p:nvPicPr>
-          <p:cNvPr id="8" name="Picture 7"/>
+          <p:cNvPr id="1026" name="Picture 2" descr="C:\Users\Sicheng\Documents\Robot_music\images\testing.png"/>
           <p:cNvPicPr>
-            <a:picLocks noChangeAspect="1"/>
+            <a:picLocks noChangeAspect="1" noChangeArrowheads="1"/>
           </p:cNvPicPr>
           <p:nvPr/>
         </p:nvPicPr>
@@ -5423,23 +7303,34 @@
               </a:ext>
             </a:extLst>
           </a:blip>
+          <a:srcRect/>
           <a:stretch>
             <a:fillRect/>
           </a:stretch>
         </p:blipFill>
-        <p:spPr>
+        <p:spPr bwMode="auto">
           <a:xfrm>
-            <a:off x="3277790" y="9829800"/>
-            <a:ext cx="7543800" cy="4626864"/>
+            <a:off x="1314450" y="9982200"/>
+            <a:ext cx="7143750" cy="4381500"/>
           </a:xfrm>
           <a:prstGeom prst="rect">
             <a:avLst/>
           </a:prstGeom>
+          <a:noFill/>
           <a:ln w="38100">
             <a:solidFill>
               <a:srgbClr val="9E86C8"/>
             </a:solidFill>
           </a:ln>
+          <a:extLst>
+            <a:ext uri="{909E8E84-426E-40DD-AFC4-6F175D3DCCD1}">
+              <a14:hiddenFill xmlns:a14="http://schemas.microsoft.com/office/drawing/2010/main">
+                <a:solidFill>
+                  <a:srgbClr val="FFFFFF"/>
+                </a:solidFill>
+              </a14:hiddenFill>
+            </a:ext>
+          </a:extLst>
         </p:spPr>
       </p:pic>
     </p:spTree>
@@ -5447,6 +7338,13 @@
   <p:clrMapOvr>
     <a:masterClrMapping/>
   </p:clrMapOvr>
+  <p:timing>
+    <p:tnLst>
+      <p:par>
+        <p:cTn id="1" dur="indefinite" restart="never" nodeType="tmRoot"/>
+      </p:par>
+    </p:tnLst>
+  </p:timing>
 </p:sld>
 </file>
 

--- a/poster_RobotMusic.pptx
+++ b/poster_RobotMusic.pptx
@@ -107,6 +107,22 @@
       </a:defRPr>
     </a:lvl9pPr>
   </p:defaultTextStyle>
+  <p:extLst>
+    <p:ext uri="{EFAFB233-063F-42B5-8137-9DF3F51BA10A}">
+      <p15:sldGuideLst xmlns:p15="http://schemas.microsoft.com/office/powerpoint/2012/main">
+        <p15:guide id="1" orient="horz" pos="3024">
+          <p15:clr>
+            <a:srgbClr val="A4A3A4"/>
+          </p15:clr>
+        </p15:guide>
+        <p15:guide id="2" pos="8640">
+          <p15:clr>
+            <a:srgbClr val="A4A3A4"/>
+          </p15:clr>
+        </p15:guide>
+      </p15:sldGuideLst>
+    </p:ext>
+  </p:extLst>
 </p:presentation>
 </file>
 
@@ -193,7 +209,7 @@
             <a:fld id="{4361C05B-F879-4EA7-BFF1-EE2A2ABEF247}" type="datetimeFigureOut">
               <a:rPr lang="en-US" smtClean="0"/>
               <a:pPr/>
-              <a:t>12/3/2017</a:t>
+              <a:t>12/4/17</a:t>
             </a:fld>
             <a:endParaRPr lang="en-US"/>
           </a:p>
@@ -511,7 +527,7 @@
         <p:spPr/>
         <p:txBody>
           <a:bodyPr>
-            <a:normAutofit lnSpcReduction="10000"/>
+            <a:normAutofit/>
           </a:bodyPr>
           <a:lstStyle/>
           <a:p>
@@ -733,7 +749,7 @@
             <a:fld id="{086B26D7-AFFB-49F6-B585-7F46FFE1B55E}" type="datetimeFigureOut">
               <a:rPr lang="en-US" smtClean="0"/>
               <a:pPr/>
-              <a:t>12/3/2017</a:t>
+              <a:t>12/4/17</a:t>
             </a:fld>
             <a:endParaRPr lang="en-US"/>
           </a:p>
@@ -900,7 +916,7 @@
             <a:fld id="{086B26D7-AFFB-49F6-B585-7F46FFE1B55E}" type="datetimeFigureOut">
               <a:rPr lang="en-US" smtClean="0"/>
               <a:pPr/>
-              <a:t>12/3/2017</a:t>
+              <a:t>12/4/17</a:t>
             </a:fld>
             <a:endParaRPr lang="en-US"/>
           </a:p>
@@ -1077,7 +1093,7 @@
             <a:fld id="{086B26D7-AFFB-49F6-B585-7F46FFE1B55E}" type="datetimeFigureOut">
               <a:rPr lang="en-US" smtClean="0"/>
               <a:pPr/>
-              <a:t>12/3/2017</a:t>
+              <a:t>12/4/17</a:t>
             </a:fld>
             <a:endParaRPr lang="en-US"/>
           </a:p>
@@ -1244,7 +1260,7 @@
             <a:fld id="{086B26D7-AFFB-49F6-B585-7F46FFE1B55E}" type="datetimeFigureOut">
               <a:rPr lang="en-US" smtClean="0"/>
               <a:pPr/>
-              <a:t>12/3/2017</a:t>
+              <a:t>12/4/17</a:t>
             </a:fld>
             <a:endParaRPr lang="en-US"/>
           </a:p>
@@ -1487,7 +1503,7 @@
             <a:fld id="{086B26D7-AFFB-49F6-B585-7F46FFE1B55E}" type="datetimeFigureOut">
               <a:rPr lang="en-US" smtClean="0"/>
               <a:pPr/>
-              <a:t>12/3/2017</a:t>
+              <a:t>12/4/17</a:t>
             </a:fld>
             <a:endParaRPr lang="en-US"/>
           </a:p>
@@ -1772,7 +1788,7 @@
             <a:fld id="{086B26D7-AFFB-49F6-B585-7F46FFE1B55E}" type="datetimeFigureOut">
               <a:rPr lang="en-US" smtClean="0"/>
               <a:pPr/>
-              <a:t>12/3/2017</a:t>
+              <a:t>12/4/17</a:t>
             </a:fld>
             <a:endParaRPr lang="en-US"/>
           </a:p>
@@ -2196,7 +2212,7 @@
             <a:fld id="{086B26D7-AFFB-49F6-B585-7F46FFE1B55E}" type="datetimeFigureOut">
               <a:rPr lang="en-US" smtClean="0"/>
               <a:pPr/>
-              <a:t>12/3/2017</a:t>
+              <a:t>12/4/17</a:t>
             </a:fld>
             <a:endParaRPr lang="en-US"/>
           </a:p>
@@ -2311,7 +2327,7 @@
             <a:fld id="{086B26D7-AFFB-49F6-B585-7F46FFE1B55E}" type="datetimeFigureOut">
               <a:rPr lang="en-US" smtClean="0"/>
               <a:pPr/>
-              <a:t>12/3/2017</a:t>
+              <a:t>12/4/17</a:t>
             </a:fld>
             <a:endParaRPr lang="en-US"/>
           </a:p>
@@ -2403,7 +2419,7 @@
             <a:fld id="{086B26D7-AFFB-49F6-B585-7F46FFE1B55E}" type="datetimeFigureOut">
               <a:rPr lang="en-US" smtClean="0"/>
               <a:pPr/>
-              <a:t>12/3/2017</a:t>
+              <a:t>12/4/17</a:t>
             </a:fld>
             <a:endParaRPr lang="en-US"/>
           </a:p>
@@ -2677,7 +2693,7 @@
             <a:fld id="{086B26D7-AFFB-49F6-B585-7F46FFE1B55E}" type="datetimeFigureOut">
               <a:rPr lang="en-US" smtClean="0"/>
               <a:pPr/>
-              <a:t>12/3/2017</a:t>
+              <a:t>12/4/17</a:t>
             </a:fld>
             <a:endParaRPr lang="en-US"/>
           </a:p>
@@ -2927,7 +2943,7 @@
             <a:fld id="{086B26D7-AFFB-49F6-B585-7F46FFE1B55E}" type="datetimeFigureOut">
               <a:rPr lang="en-US" smtClean="0"/>
               <a:pPr/>
-              <a:t>12/3/2017</a:t>
+              <a:t>12/4/17</a:t>
             </a:fld>
             <a:endParaRPr lang="en-US"/>
           </a:p>
@@ -3137,7 +3153,7 @@
             <a:fld id="{086B26D7-AFFB-49F6-B585-7F46FFE1B55E}" type="datetimeFigureOut">
               <a:rPr lang="en-US" smtClean="0"/>
               <a:pPr/>
-              <a:t>12/3/2017</a:t>
+              <a:t>12/4/17</a:t>
             </a:fld>
             <a:endParaRPr lang="en-US"/>
           </a:p>
@@ -4184,8 +4200,8 @@
         </p:nvSpPr>
         <p:spPr>
           <a:xfrm>
-            <a:off x="14173200" y="9644729"/>
-            <a:ext cx="12344399" cy="1358609"/>
+            <a:off x="14173201" y="13791378"/>
+            <a:ext cx="12344399" cy="823078"/>
           </a:xfrm>
           <a:prstGeom prst="rect">
             <a:avLst/>
@@ -4356,31 +4372,14 @@
           </a:lstStyle>
           <a:p>
             <a:pPr algn="just"/>
-            <a:r>
-              <a:rPr lang="en-US" sz="2900" dirty="0" smtClean="0">
-                <a:solidFill>
-                  <a:srgbClr val="D6D6D6"/>
-                </a:solidFill>
-                <a:latin typeface="Gill Sans MT" panose="020B0502020104020203" pitchFamily="34" charset="0"/>
-                <a:ea typeface="Verdana" panose="020B0604030504040204" pitchFamily="34" charset="0"/>
-                <a:cs typeface="Verdana" panose="020B0604030504040204" pitchFamily="34" charset="0"/>
-              </a:rPr>
-              <a:t>Results</a:t>
-            </a:r>
-          </a:p>
-          <a:p>
-            <a:pPr algn="just"/>
-            <a:r>
-              <a:rPr lang="en-US" sz="2900" dirty="0" smtClean="0">
-                <a:solidFill>
-                  <a:srgbClr val="D6D6D6"/>
-                </a:solidFill>
-                <a:latin typeface="Gill Sans MT" panose="020B0502020104020203" pitchFamily="34" charset="0"/>
-                <a:ea typeface="Verdana" panose="020B0604030504040204" pitchFamily="34" charset="0"/>
-                <a:cs typeface="Verdana" panose="020B0604030504040204" pitchFamily="34" charset="0"/>
-              </a:rPr>
-              <a:t>Results</a:t>
-            </a:r>
+            <a:endParaRPr lang="en-US" sz="2900" dirty="0" smtClean="0">
+              <a:solidFill>
+                <a:srgbClr val="D6D6D6"/>
+              </a:solidFill>
+              <a:latin typeface="Gill Sans MT" panose="020B0502020104020203" pitchFamily="34" charset="0"/>
+              <a:ea typeface="Verdana" panose="020B0604030504040204" pitchFamily="34" charset="0"/>
+              <a:cs typeface="Verdana" panose="020B0604030504040204" pitchFamily="34" charset="0"/>
+            </a:endParaRPr>
           </a:p>
         </p:txBody>
       </p:sp>
@@ -4392,7 +4391,7 @@
         </p:nvSpPr>
         <p:spPr>
           <a:xfrm>
-            <a:off x="14173200" y="8501729"/>
+            <a:off x="14173200" y="8758165"/>
             <a:ext cx="12344400" cy="848577"/>
           </a:xfrm>
           <a:prstGeom prst="rect">
@@ -5085,8 +5084,8 @@
         </p:nvSpPr>
         <p:spPr>
           <a:xfrm>
-            <a:off x="14173200" y="15477328"/>
-            <a:ext cx="12344399" cy="2429672"/>
+            <a:off x="14158168" y="15995491"/>
+            <a:ext cx="12344399" cy="1894141"/>
           </a:xfrm>
           <a:prstGeom prst="rect">
             <a:avLst/>
@@ -5286,7 +5285,7 @@
           <a:p>
             <a:pPr algn="just"/>
             <a:r>
-              <a:rPr lang="en-US" sz="2900" dirty="0" smtClean="0">
+              <a:rPr lang="en-US" sz="2900" dirty="0" err="1" smtClean="0">
                 <a:solidFill>
                   <a:srgbClr val="D6D6D6"/>
                 </a:solidFill>
@@ -5294,22 +5293,16 @@
                 <a:ea typeface="Verdana" panose="020B0604030504040204" pitchFamily="34" charset="0"/>
                 <a:cs typeface="Verdana" panose="020B0604030504040204" pitchFamily="34" charset="0"/>
               </a:rPr>
-              <a:t>Results</a:t>
-            </a:r>
-          </a:p>
-          <a:p>
-            <a:pPr algn="just"/>
-            <a:r>
-              <a:rPr lang="en-US" sz="2900" dirty="0" smtClean="0">
-                <a:solidFill>
-                  <a:srgbClr val="D6D6D6"/>
-                </a:solidFill>
-                <a:latin typeface="Gill Sans MT" panose="020B0502020104020203" pitchFamily="34" charset="0"/>
-                <a:ea typeface="Verdana" panose="020B0604030504040204" pitchFamily="34" charset="0"/>
-                <a:cs typeface="Verdana" panose="020B0604030504040204" pitchFamily="34" charset="0"/>
-              </a:rPr>
-              <a:t>Conclusion</a:t>
-            </a:r>
+              <a:t>ResultsConclusion</a:t>
+            </a:r>
+            <a:endParaRPr lang="en-US" sz="2900" dirty="0" smtClean="0">
+              <a:solidFill>
+                <a:srgbClr val="D6D6D6"/>
+              </a:solidFill>
+              <a:latin typeface="Gill Sans MT" panose="020B0502020104020203" pitchFamily="34" charset="0"/>
+              <a:ea typeface="Verdana" panose="020B0604030504040204" pitchFamily="34" charset="0"/>
+              <a:cs typeface="Verdana" panose="020B0604030504040204" pitchFamily="34" charset="0"/>
+            </a:endParaRPr>
           </a:p>
         </p:txBody>
       </p:sp>
@@ -5321,7 +5314,7 @@
         </p:nvSpPr>
         <p:spPr>
           <a:xfrm>
-            <a:off x="14173200" y="14334328"/>
+            <a:off x="14173200" y="14840305"/>
             <a:ext cx="12344400" cy="848577"/>
           </a:xfrm>
           <a:prstGeom prst="rect">
@@ -5391,7 +5384,7 @@
         </p:blipFill>
         <p:spPr>
           <a:xfrm>
-            <a:off x="15316200" y="11353800"/>
+            <a:off x="7987905" y="10184418"/>
             <a:ext cx="10058400" cy="2729602"/>
           </a:xfrm>
           <a:prstGeom prst="rect">
@@ -7333,6 +7326,198 @@
           </a:extLst>
         </p:spPr>
       </p:pic>
+      <p:pic>
+        <p:nvPicPr>
+          <p:cNvPr id="3" name="Picture 2"/>
+          <p:cNvPicPr>
+            <a:picLocks noChangeAspect="1"/>
+          </p:cNvPicPr>
+          <p:nvPr/>
+        </p:nvPicPr>
+        <p:blipFill>
+          <a:blip r:embed="rId7">
+            <a:extLst>
+              <a:ext uri="{28A0092B-C50C-407E-A947-70E740481C1C}">
+                <a14:useLocalDpi xmlns:a14="http://schemas.microsoft.com/office/drawing/2010/main" val="0"/>
+              </a:ext>
+            </a:extLst>
+          </a:blip>
+          <a:stretch>
+            <a:fillRect/>
+          </a:stretch>
+        </p:blipFill>
+        <p:spPr>
+          <a:xfrm>
+            <a:off x="14168554" y="9989442"/>
+            <a:ext cx="5883202" cy="3449727"/>
+          </a:xfrm>
+          <a:prstGeom prst="rect">
+            <a:avLst/>
+          </a:prstGeom>
+        </p:spPr>
+      </p:pic>
+      <p:pic>
+        <p:nvPicPr>
+          <p:cNvPr id="5" name="Picture 4"/>
+          <p:cNvPicPr>
+            <a:picLocks noChangeAspect="1"/>
+          </p:cNvPicPr>
+          <p:nvPr/>
+        </p:nvPicPr>
+        <p:blipFill>
+          <a:blip r:embed="rId8">
+            <a:extLst>
+              <a:ext uri="{28A0092B-C50C-407E-A947-70E740481C1C}">
+                <a14:useLocalDpi xmlns:a14="http://schemas.microsoft.com/office/drawing/2010/main" val="0"/>
+              </a:ext>
+            </a:extLst>
+          </a:blip>
+          <a:stretch>
+            <a:fillRect/>
+          </a:stretch>
+        </p:blipFill>
+        <p:spPr>
+          <a:xfrm>
+            <a:off x="20815074" y="9938388"/>
+            <a:ext cx="5599262" cy="3494575"/>
+          </a:xfrm>
+          <a:prstGeom prst="rect">
+            <a:avLst/>
+          </a:prstGeom>
+        </p:spPr>
+      </p:pic>
+      <p:sp>
+        <p:nvSpPr>
+          <p:cNvPr id="6" name="TextBox 5"/>
+          <p:cNvSpPr txBox="1"/>
+          <p:nvPr/>
+        </p:nvSpPr>
+        <p:spPr>
+          <a:xfrm>
+            <a:off x="14830942" y="10494146"/>
+            <a:ext cx="5220814" cy="353943"/>
+          </a:xfrm>
+          <a:prstGeom prst="rect">
+            <a:avLst/>
+          </a:prstGeom>
+          <a:noFill/>
+        </p:spPr>
+        <p:txBody>
+          <a:bodyPr wrap="square" rtlCol="0">
+            <a:spAutoFit/>
+          </a:bodyPr>
+          <a:lstStyle/>
+          <a:p>
+            <a:r>
+              <a:rPr lang="en-US" sz="1700" dirty="0" smtClean="0">
+                <a:solidFill>
+                  <a:schemeClr val="bg1"/>
+                </a:solidFill>
+                <a:latin typeface="Gill Sans MT" charset="0"/>
+                <a:ea typeface="Gill Sans MT" charset="0"/>
+                <a:cs typeface="Gill Sans MT" charset="0"/>
+              </a:rPr>
+              <a:t>Mean: 4.273                                                   </a:t>
+            </a:r>
+            <a:r>
+              <a:rPr lang="en-US" sz="1700" dirty="0" err="1" smtClean="0">
+                <a:solidFill>
+                  <a:schemeClr val="bg1"/>
+                </a:solidFill>
+                <a:latin typeface="Gill Sans MT" charset="0"/>
+                <a:ea typeface="Gill Sans MT" charset="0"/>
+                <a:cs typeface="Gill Sans MT" charset="0"/>
+              </a:rPr>
+              <a:t>Std</a:t>
+            </a:r>
+            <a:r>
+              <a:rPr lang="en-US" sz="1700" dirty="0" smtClean="0">
+                <a:solidFill>
+                  <a:schemeClr val="bg1"/>
+                </a:solidFill>
+                <a:latin typeface="Gill Sans MT" charset="0"/>
+                <a:ea typeface="Gill Sans MT" charset="0"/>
+                <a:cs typeface="Gill Sans MT" charset="0"/>
+              </a:rPr>
+              <a:t>: 2.126 </a:t>
+            </a:r>
+            <a:endParaRPr lang="en-US" sz="1700" dirty="0">
+              <a:solidFill>
+                <a:schemeClr val="bg1"/>
+              </a:solidFill>
+              <a:latin typeface="Gill Sans MT" charset="0"/>
+              <a:ea typeface="Gill Sans MT" charset="0"/>
+              <a:cs typeface="Gill Sans MT" charset="0"/>
+            </a:endParaRPr>
+          </a:p>
+        </p:txBody>
+      </p:sp>
+      <p:sp>
+        <p:nvSpPr>
+          <p:cNvPr id="70" name="TextBox 69"/>
+          <p:cNvSpPr txBox="1"/>
+          <p:nvPr/>
+        </p:nvSpPr>
+        <p:spPr>
+          <a:xfrm>
+            <a:off x="21317704" y="10452928"/>
+            <a:ext cx="5220814" cy="353943"/>
+          </a:xfrm>
+          <a:prstGeom prst="rect">
+            <a:avLst/>
+          </a:prstGeom>
+          <a:noFill/>
+        </p:spPr>
+        <p:txBody>
+          <a:bodyPr wrap="square" rtlCol="0">
+            <a:spAutoFit/>
+          </a:bodyPr>
+          <a:lstStyle/>
+          <a:p>
+            <a:r>
+              <a:rPr lang="en-US" sz="1700" dirty="0" smtClean="0">
+                <a:solidFill>
+                  <a:schemeClr val="bg1"/>
+                </a:solidFill>
+                <a:latin typeface="Gill Sans MT" charset="0"/>
+                <a:ea typeface="Gill Sans MT" charset="0"/>
+                <a:cs typeface="Gill Sans MT" charset="0"/>
+              </a:rPr>
+              <a:t>Mean: 4.891                                                   </a:t>
+            </a:r>
+            <a:r>
+              <a:rPr lang="en-US" sz="1700" dirty="0" err="1" smtClean="0">
+                <a:solidFill>
+                  <a:schemeClr val="bg1"/>
+                </a:solidFill>
+                <a:latin typeface="Gill Sans MT" charset="0"/>
+                <a:ea typeface="Gill Sans MT" charset="0"/>
+                <a:cs typeface="Gill Sans MT" charset="0"/>
+              </a:rPr>
+              <a:t>Std</a:t>
+            </a:r>
+            <a:r>
+              <a:rPr lang="en-US" sz="1700" dirty="0" smtClean="0">
+                <a:solidFill>
+                  <a:schemeClr val="bg1"/>
+                </a:solidFill>
+                <a:latin typeface="Gill Sans MT" charset="0"/>
+                <a:ea typeface="Gill Sans MT" charset="0"/>
+                <a:cs typeface="Gill Sans MT" charset="0"/>
+              </a:rPr>
+              <a:t>: 2.362 </a:t>
+            </a:r>
+            <a:endParaRPr lang="en-US" sz="1700" dirty="0">
+              <a:solidFill>
+                <a:schemeClr val="bg1"/>
+              </a:solidFill>
+              <a:latin typeface="Gill Sans MT" charset="0"/>
+              <a:ea typeface="Gill Sans MT" charset="0"/>
+              <a:cs typeface="Gill Sans MT" charset="0"/>
+            </a:endParaRPr>
+          </a:p>
+        </p:txBody>
+      </p:sp>
     </p:spTree>
   </p:cSld>
   <p:clrMapOvr>

--- a/poster_RobotMusic.pptx
+++ b/poster_RobotMusic.pptx
@@ -5,10 +5,11 @@
     <p:sldMasterId id="2147483648" r:id="rId1"/>
   </p:sldMasterIdLst>
   <p:notesMasterIdLst>
-    <p:notesMasterId r:id="rId3"/>
+    <p:notesMasterId r:id="rId4"/>
   </p:notesMasterIdLst>
   <p:sldIdLst>
     <p:sldId id="256" r:id="rId2"/>
+    <p:sldId id="257" r:id="rId3"/>
   </p:sldIdLst>
   <p:sldSz cx="27432000" cy="18288000"/>
   <p:notesSz cx="6858000" cy="9144000"/>
@@ -193,7 +194,7 @@
             <a:fld id="{4361C05B-F879-4EA7-BFF1-EE2A2ABEF247}" type="datetimeFigureOut">
               <a:rPr lang="en-US" smtClean="0"/>
               <a:pPr/>
-              <a:t>12/3/2017</a:t>
+              <a:t>12/4/2017</a:t>
             </a:fld>
             <a:endParaRPr lang="en-US"/>
           </a:p>
@@ -733,7 +734,7 @@
             <a:fld id="{086B26D7-AFFB-49F6-B585-7F46FFE1B55E}" type="datetimeFigureOut">
               <a:rPr lang="en-US" smtClean="0"/>
               <a:pPr/>
-              <a:t>12/3/2017</a:t>
+              <a:t>12/4/2017</a:t>
             </a:fld>
             <a:endParaRPr lang="en-US"/>
           </a:p>
@@ -900,7 +901,7 @@
             <a:fld id="{086B26D7-AFFB-49F6-B585-7F46FFE1B55E}" type="datetimeFigureOut">
               <a:rPr lang="en-US" smtClean="0"/>
               <a:pPr/>
-              <a:t>12/3/2017</a:t>
+              <a:t>12/4/2017</a:t>
             </a:fld>
             <a:endParaRPr lang="en-US"/>
           </a:p>
@@ -1077,7 +1078,7 @@
             <a:fld id="{086B26D7-AFFB-49F6-B585-7F46FFE1B55E}" type="datetimeFigureOut">
               <a:rPr lang="en-US" smtClean="0"/>
               <a:pPr/>
-              <a:t>12/3/2017</a:t>
+              <a:t>12/4/2017</a:t>
             </a:fld>
             <a:endParaRPr lang="en-US"/>
           </a:p>
@@ -1244,7 +1245,7 @@
             <a:fld id="{086B26D7-AFFB-49F6-B585-7F46FFE1B55E}" type="datetimeFigureOut">
               <a:rPr lang="en-US" smtClean="0"/>
               <a:pPr/>
-              <a:t>12/3/2017</a:t>
+              <a:t>12/4/2017</a:t>
             </a:fld>
             <a:endParaRPr lang="en-US"/>
           </a:p>
@@ -1487,7 +1488,7 @@
             <a:fld id="{086B26D7-AFFB-49F6-B585-7F46FFE1B55E}" type="datetimeFigureOut">
               <a:rPr lang="en-US" smtClean="0"/>
               <a:pPr/>
-              <a:t>12/3/2017</a:t>
+              <a:t>12/4/2017</a:t>
             </a:fld>
             <a:endParaRPr lang="en-US"/>
           </a:p>
@@ -1772,7 +1773,7 @@
             <a:fld id="{086B26D7-AFFB-49F6-B585-7F46FFE1B55E}" type="datetimeFigureOut">
               <a:rPr lang="en-US" smtClean="0"/>
               <a:pPr/>
-              <a:t>12/3/2017</a:t>
+              <a:t>12/4/2017</a:t>
             </a:fld>
             <a:endParaRPr lang="en-US"/>
           </a:p>
@@ -2196,7 +2197,7 @@
             <a:fld id="{086B26D7-AFFB-49F6-B585-7F46FFE1B55E}" type="datetimeFigureOut">
               <a:rPr lang="en-US" smtClean="0"/>
               <a:pPr/>
-              <a:t>12/3/2017</a:t>
+              <a:t>12/4/2017</a:t>
             </a:fld>
             <a:endParaRPr lang="en-US"/>
           </a:p>
@@ -2311,7 +2312,7 @@
             <a:fld id="{086B26D7-AFFB-49F6-B585-7F46FFE1B55E}" type="datetimeFigureOut">
               <a:rPr lang="en-US" smtClean="0"/>
               <a:pPr/>
-              <a:t>12/3/2017</a:t>
+              <a:t>12/4/2017</a:t>
             </a:fld>
             <a:endParaRPr lang="en-US"/>
           </a:p>
@@ -2403,7 +2404,7 @@
             <a:fld id="{086B26D7-AFFB-49F6-B585-7F46FFE1B55E}" type="datetimeFigureOut">
               <a:rPr lang="en-US" smtClean="0"/>
               <a:pPr/>
-              <a:t>12/3/2017</a:t>
+              <a:t>12/4/2017</a:t>
             </a:fld>
             <a:endParaRPr lang="en-US"/>
           </a:p>
@@ -2677,7 +2678,7 @@
             <a:fld id="{086B26D7-AFFB-49F6-B585-7F46FFE1B55E}" type="datetimeFigureOut">
               <a:rPr lang="en-US" smtClean="0"/>
               <a:pPr/>
-              <a:t>12/3/2017</a:t>
+              <a:t>12/4/2017</a:t>
             </a:fld>
             <a:endParaRPr lang="en-US"/>
           </a:p>
@@ -2927,7 +2928,7 @@
             <a:fld id="{086B26D7-AFFB-49F6-B585-7F46FFE1B55E}" type="datetimeFigureOut">
               <a:rPr lang="en-US" smtClean="0"/>
               <a:pPr/>
-              <a:t>12/3/2017</a:t>
+              <a:t>12/4/2017</a:t>
             </a:fld>
             <a:endParaRPr lang="en-US"/>
           </a:p>
@@ -2989,7 +2990,7 @@
   <p:cSld>
     <p:bg>
       <p:bgRef idx="1001">
-        <a:schemeClr val="bg1"/>
+        <a:schemeClr val="bg2"/>
       </p:bgRef>
     </p:bg>
     <p:spTree>
@@ -3137,7 +3138,7 @@
             <a:fld id="{086B26D7-AFFB-49F6-B585-7F46FFE1B55E}" type="datetimeFigureOut">
               <a:rPr lang="en-US" smtClean="0"/>
               <a:pPr/>
-              <a:t>12/3/2017</a:t>
+              <a:t>12/4/2017</a:t>
             </a:fld>
             <a:endParaRPr lang="en-US"/>
           </a:p>
@@ -3224,7 +3225,7 @@
       </p:sp>
     </p:spTree>
   </p:cSld>
-  <p:clrMap bg1="lt1" tx1="dk1" bg2="lt2" tx2="dk2" accent1="accent1" accent2="accent2" accent3="accent3" accent4="accent4" accent5="accent5" accent6="accent6" hlink="hlink" folHlink="folHlink"/>
+  <p:clrMap bg1="dk1" tx1="lt1" bg2="dk2" tx2="lt2" accent1="accent1" accent2="accent2" accent3="accent3" accent4="accent4" accent5="accent5" accent6="accent6" hlink="hlink" folHlink="folHlink"/>
   <p:sldLayoutIdLst>
     <p:sldLayoutId id="2147483649" r:id="rId1"/>
     <p:sldLayoutId id="2147483650" r:id="rId2"/>
@@ -7345,6 +7346,1562 @@
       </p:par>
     </p:tnLst>
   </p:timing>
+</p:sld>
+</file>
+
+<file path=ppt/slides/slide2.xml><?xml version="1.0" encoding="utf-8"?>
+<p:sld xmlns:a="http://schemas.openxmlformats.org/drawingml/2006/main" xmlns:r="http://schemas.openxmlformats.org/officeDocument/2006/relationships" xmlns:p="http://schemas.openxmlformats.org/presentationml/2006/main">
+  <p:cSld>
+    <p:spTree>
+      <p:nvGrpSpPr>
+        <p:cNvPr id="1" name=""/>
+        <p:cNvGrpSpPr/>
+        <p:nvPr/>
+      </p:nvGrpSpPr>
+      <p:grpSpPr>
+        <a:xfrm>
+          <a:off x="0" y="0"/>
+          <a:ext cx="0" cy="0"/>
+          <a:chOff x="0" y="0"/>
+          <a:chExt cx="0" cy="0"/>
+        </a:xfrm>
+      </p:grpSpPr>
+      <p:grpSp>
+        <p:nvGrpSpPr>
+          <p:cNvPr id="61" name="Group 60"/>
+          <p:cNvGrpSpPr/>
+          <p:nvPr/>
+        </p:nvGrpSpPr>
+        <p:grpSpPr>
+          <a:xfrm>
+            <a:off x="6400800" y="6975940"/>
+            <a:ext cx="9785350" cy="3840888"/>
+            <a:chOff x="6400800" y="6975940"/>
+            <a:chExt cx="9785350" cy="3840888"/>
+          </a:xfrm>
+        </p:grpSpPr>
+        <p:pic>
+          <p:nvPicPr>
+            <p:cNvPr id="49" name="Picture 2" descr="C:\Users\Sicheng\Documents\Robot_music\images\middle_figure.png"/>
+            <p:cNvPicPr>
+              <a:picLocks noChangeAspect="1" noChangeArrowheads="1"/>
+            </p:cNvPicPr>
+            <p:nvPr/>
+          </p:nvPicPr>
+          <p:blipFill rotWithShape="1">
+            <a:blip r:embed="rId2">
+              <a:extLst>
+                <a:ext uri="{28A0092B-C50C-407E-A947-70E740481C1C}">
+                  <a14:useLocalDpi xmlns:a14="http://schemas.microsoft.com/office/drawing/2010/main" val="0"/>
+                </a:ext>
+              </a:extLst>
+            </a:blip>
+            <a:srcRect l="9334" t="21651" r="87591" b="69021"/>
+            <a:stretch/>
+          </p:blipFill>
+          <p:spPr bwMode="auto">
+            <a:xfrm>
+              <a:off x="14103350" y="8203136"/>
+              <a:ext cx="1447800" cy="1453091"/>
+            </a:xfrm>
+            <a:prstGeom prst="rect">
+              <a:avLst/>
+            </a:prstGeom>
+            <a:noFill/>
+            <a:extLst>
+              <a:ext uri="{909E8E84-426E-40DD-AFC4-6F175D3DCCD1}">
+                <a14:hiddenFill xmlns:a14="http://schemas.microsoft.com/office/drawing/2010/main">
+                  <a:solidFill>
+                    <a:srgbClr val="FFFFFF"/>
+                  </a:solidFill>
+                </a14:hiddenFill>
+              </a:ext>
+            </a:extLst>
+          </p:spPr>
+        </p:pic>
+        <p:pic>
+          <p:nvPicPr>
+            <p:cNvPr id="1026" name="Picture 2" descr="C:\Users\Sicheng\Documents\Robot_music\images\middle_figure.png"/>
+            <p:cNvPicPr>
+              <a:picLocks noChangeAspect="1" noChangeArrowheads="1"/>
+            </p:cNvPicPr>
+            <p:nvPr/>
+          </p:nvPicPr>
+          <p:blipFill rotWithShape="1">
+            <a:blip r:embed="rId2">
+              <a:extLst>
+                <a:ext uri="{28A0092B-C50C-407E-A947-70E740481C1C}">
+                  <a14:useLocalDpi xmlns:a14="http://schemas.microsoft.com/office/drawing/2010/main" val="0"/>
+                </a:ext>
+              </a:extLst>
+            </a:blip>
+            <a:srcRect l="6347" t="21713" r="90553" b="69263"/>
+            <a:stretch/>
+          </p:blipFill>
+          <p:spPr bwMode="auto">
+            <a:xfrm>
+              <a:off x="6400800" y="8220387"/>
+              <a:ext cx="1490662" cy="1435840"/>
+            </a:xfrm>
+            <a:prstGeom prst="rect">
+              <a:avLst/>
+            </a:prstGeom>
+            <a:noFill/>
+            <a:extLst>
+              <a:ext uri="{909E8E84-426E-40DD-AFC4-6F175D3DCCD1}">
+                <a14:hiddenFill xmlns:a14="http://schemas.microsoft.com/office/drawing/2010/main">
+                  <a:solidFill>
+                    <a:srgbClr val="FFFFFF"/>
+                  </a:solidFill>
+                </a14:hiddenFill>
+              </a:ext>
+            </a:extLst>
+          </p:spPr>
+        </p:pic>
+        <p:cxnSp>
+          <p:nvCxnSpPr>
+            <p:cNvPr id="31" name="Straight Arrow Connector 30"/>
+            <p:cNvCxnSpPr/>
+            <p:nvPr/>
+          </p:nvCxnSpPr>
+          <p:spPr>
+            <a:xfrm flipH="1" flipV="1">
+              <a:off x="15246350" y="9299596"/>
+              <a:ext cx="685800" cy="792888"/>
+            </a:xfrm>
+            <a:prstGeom prst="straightConnector1">
+              <a:avLst/>
+            </a:prstGeom>
+            <a:ln w="38100">
+              <a:solidFill>
+                <a:srgbClr val="D6D6D6"/>
+              </a:solidFill>
+              <a:tailEnd type="arrow"/>
+            </a:ln>
+          </p:spPr>
+          <p:style>
+            <a:lnRef idx="1">
+              <a:schemeClr val="accent1"/>
+            </a:lnRef>
+            <a:fillRef idx="0">
+              <a:schemeClr val="accent1"/>
+            </a:fillRef>
+            <a:effectRef idx="0">
+              <a:schemeClr val="accent1"/>
+            </a:effectRef>
+            <a:fontRef idx="minor">
+              <a:schemeClr val="tx1"/>
+            </a:fontRef>
+          </p:style>
+        </p:cxnSp>
+        <p:cxnSp>
+          <p:nvCxnSpPr>
+            <p:cNvPr id="32" name="Straight Arrow Connector 31"/>
+            <p:cNvCxnSpPr/>
+            <p:nvPr/>
+          </p:nvCxnSpPr>
+          <p:spPr>
+            <a:xfrm flipH="1">
+              <a:off x="15093950" y="7760138"/>
+              <a:ext cx="609600" cy="843409"/>
+            </a:xfrm>
+            <a:prstGeom prst="straightConnector1">
+              <a:avLst/>
+            </a:prstGeom>
+            <a:ln w="38100">
+              <a:solidFill>
+                <a:srgbClr val="D6D6D6"/>
+              </a:solidFill>
+              <a:tailEnd type="arrow"/>
+            </a:ln>
+          </p:spPr>
+          <p:style>
+            <a:lnRef idx="1">
+              <a:schemeClr val="accent1"/>
+            </a:lnRef>
+            <a:fillRef idx="0">
+              <a:schemeClr val="accent1"/>
+            </a:fillRef>
+            <a:effectRef idx="0">
+              <a:schemeClr val="accent1"/>
+            </a:effectRef>
+            <a:fontRef idx="minor">
+              <a:schemeClr val="tx1"/>
+            </a:fontRef>
+          </p:style>
+        </p:cxnSp>
+        <p:cxnSp>
+          <p:nvCxnSpPr>
+            <p:cNvPr id="37" name="Straight Arrow Connector 36"/>
+            <p:cNvCxnSpPr/>
+            <p:nvPr/>
+          </p:nvCxnSpPr>
+          <p:spPr>
+            <a:xfrm flipV="1">
+              <a:off x="13684251" y="9299596"/>
+              <a:ext cx="723899" cy="504101"/>
+            </a:xfrm>
+            <a:prstGeom prst="straightConnector1">
+              <a:avLst/>
+            </a:prstGeom>
+            <a:ln w="38100">
+              <a:solidFill>
+                <a:srgbClr val="D6D6D6"/>
+              </a:solidFill>
+              <a:tailEnd type="arrow"/>
+            </a:ln>
+          </p:spPr>
+          <p:style>
+            <a:lnRef idx="1">
+              <a:schemeClr val="accent1"/>
+            </a:lnRef>
+            <a:fillRef idx="0">
+              <a:schemeClr val="accent1"/>
+            </a:fillRef>
+            <a:effectRef idx="0">
+              <a:schemeClr val="accent1"/>
+            </a:effectRef>
+            <a:fontRef idx="minor">
+              <a:schemeClr val="tx1"/>
+            </a:fontRef>
+          </p:style>
+        </p:cxnSp>
+        <p:pic>
+          <p:nvPicPr>
+            <p:cNvPr id="48" name="Picture 2" descr="C:\Users\Sicheng\Documents\Robot_music\images\middle_figure.png"/>
+            <p:cNvPicPr>
+              <a:picLocks noChangeAspect="1" noChangeArrowheads="1"/>
+            </p:cNvPicPr>
+            <p:nvPr/>
+          </p:nvPicPr>
+          <p:blipFill rotWithShape="1">
+            <a:blip r:embed="rId2">
+              <a:extLst>
+                <a:ext uri="{28A0092B-C50C-407E-A947-70E740481C1C}">
+                  <a14:useLocalDpi xmlns:a14="http://schemas.microsoft.com/office/drawing/2010/main" val="0"/>
+                </a:ext>
+              </a:extLst>
+            </a:blip>
+            <a:srcRect l="9334" t="12935" r="87591" b="78043"/>
+            <a:stretch/>
+          </p:blipFill>
+          <p:spPr bwMode="auto">
+            <a:xfrm>
+              <a:off x="9715499" y="8212411"/>
+              <a:ext cx="1496861" cy="1453091"/>
+            </a:xfrm>
+            <a:prstGeom prst="rect">
+              <a:avLst/>
+            </a:prstGeom>
+            <a:noFill/>
+            <a:extLst>
+              <a:ext uri="{909E8E84-426E-40DD-AFC4-6F175D3DCCD1}">
+                <a14:hiddenFill xmlns:a14="http://schemas.microsoft.com/office/drawing/2010/main">
+                  <a:solidFill>
+                    <a:srgbClr val="FFFFFF"/>
+                  </a:solidFill>
+                </a14:hiddenFill>
+              </a:ext>
+            </a:extLst>
+          </p:spPr>
+        </p:pic>
+        <p:cxnSp>
+          <p:nvCxnSpPr>
+            <p:cNvPr id="33" name="Straight Arrow Connector 32"/>
+            <p:cNvCxnSpPr/>
+            <p:nvPr/>
+          </p:nvCxnSpPr>
+          <p:spPr>
+            <a:xfrm>
+              <a:off x="13912851" y="7775596"/>
+              <a:ext cx="495299" cy="827951"/>
+            </a:xfrm>
+            <a:prstGeom prst="straightConnector1">
+              <a:avLst/>
+            </a:prstGeom>
+            <a:ln w="38100">
+              <a:solidFill>
+                <a:srgbClr val="D6D6D6"/>
+              </a:solidFill>
+              <a:tailEnd type="arrow"/>
+            </a:ln>
+          </p:spPr>
+          <p:style>
+            <a:lnRef idx="1">
+              <a:schemeClr val="accent1"/>
+            </a:lnRef>
+            <a:fillRef idx="0">
+              <a:schemeClr val="accent1"/>
+            </a:fillRef>
+            <a:effectRef idx="0">
+              <a:schemeClr val="accent1"/>
+            </a:effectRef>
+            <a:fontRef idx="minor">
+              <a:schemeClr val="tx1"/>
+            </a:fontRef>
+          </p:style>
+        </p:cxnSp>
+        <p:cxnSp>
+          <p:nvCxnSpPr>
+            <p:cNvPr id="14" name="Straight Arrow Connector 13"/>
+            <p:cNvCxnSpPr/>
+            <p:nvPr/>
+          </p:nvCxnSpPr>
+          <p:spPr>
+            <a:xfrm>
+              <a:off x="9105899" y="8859498"/>
+              <a:ext cx="1039661" cy="14683"/>
+            </a:xfrm>
+            <a:prstGeom prst="straightConnector1">
+              <a:avLst/>
+            </a:prstGeom>
+            <a:ln w="38100">
+              <a:solidFill>
+                <a:srgbClr val="D6D6D6"/>
+              </a:solidFill>
+              <a:tailEnd type="arrow"/>
+            </a:ln>
+          </p:spPr>
+          <p:style>
+            <a:lnRef idx="1">
+              <a:schemeClr val="accent1"/>
+            </a:lnRef>
+            <a:fillRef idx="0">
+              <a:schemeClr val="accent1"/>
+            </a:fillRef>
+            <a:effectRef idx="0">
+              <a:schemeClr val="accent1"/>
+            </a:effectRef>
+            <a:fontRef idx="minor">
+              <a:schemeClr val="tx1"/>
+            </a:fontRef>
+          </p:style>
+        </p:cxnSp>
+        <p:cxnSp>
+          <p:nvCxnSpPr>
+            <p:cNvPr id="9" name="Straight Arrow Connector 8"/>
+            <p:cNvCxnSpPr/>
+            <p:nvPr/>
+          </p:nvCxnSpPr>
+          <p:spPr>
+            <a:xfrm flipH="1">
+              <a:off x="10768729" y="8874181"/>
+              <a:ext cx="1066799" cy="0"/>
+            </a:xfrm>
+            <a:prstGeom prst="straightConnector1">
+              <a:avLst/>
+            </a:prstGeom>
+            <a:ln w="38100">
+              <a:solidFill>
+                <a:srgbClr val="D6D6D6"/>
+              </a:solidFill>
+              <a:tailEnd type="arrow"/>
+            </a:ln>
+          </p:spPr>
+          <p:style>
+            <a:lnRef idx="1">
+              <a:schemeClr val="accent1"/>
+            </a:lnRef>
+            <a:fillRef idx="0">
+              <a:schemeClr val="accent1"/>
+            </a:fillRef>
+            <a:effectRef idx="0">
+              <a:schemeClr val="accent1"/>
+            </a:effectRef>
+            <a:fontRef idx="minor">
+              <a:schemeClr val="tx1"/>
+            </a:fontRef>
+          </p:style>
+        </p:cxnSp>
+        <p:cxnSp>
+          <p:nvCxnSpPr>
+            <p:cNvPr id="15" name="Straight Arrow Connector 14"/>
+            <p:cNvCxnSpPr/>
+            <p:nvPr/>
+          </p:nvCxnSpPr>
+          <p:spPr>
+            <a:xfrm flipV="1">
+              <a:off x="7150895" y="9233271"/>
+              <a:ext cx="11905" cy="791300"/>
+            </a:xfrm>
+            <a:prstGeom prst="straightConnector1">
+              <a:avLst/>
+            </a:prstGeom>
+            <a:ln w="38100">
+              <a:solidFill>
+                <a:srgbClr val="D6D6D6"/>
+              </a:solidFill>
+              <a:tailEnd type="arrow"/>
+            </a:ln>
+          </p:spPr>
+          <p:style>
+            <a:lnRef idx="1">
+              <a:schemeClr val="accent1"/>
+            </a:lnRef>
+            <a:fillRef idx="0">
+              <a:schemeClr val="accent1"/>
+            </a:fillRef>
+            <a:effectRef idx="0">
+              <a:schemeClr val="accent1"/>
+            </a:effectRef>
+            <a:fontRef idx="minor">
+              <a:schemeClr val="tx1"/>
+            </a:fontRef>
+          </p:style>
+        </p:cxnSp>
+        <p:cxnSp>
+          <p:nvCxnSpPr>
+            <p:cNvPr id="18" name="Straight Arrow Connector 17"/>
+            <p:cNvCxnSpPr/>
+            <p:nvPr/>
+          </p:nvCxnSpPr>
+          <p:spPr>
+            <a:xfrm>
+              <a:off x="7080873" y="7588926"/>
+              <a:ext cx="35265" cy="1106097"/>
+            </a:xfrm>
+            <a:prstGeom prst="straightConnector1">
+              <a:avLst/>
+            </a:prstGeom>
+            <a:ln w="38100">
+              <a:solidFill>
+                <a:srgbClr val="D6D6D6"/>
+              </a:solidFill>
+              <a:tailEnd type="arrow"/>
+            </a:ln>
+          </p:spPr>
+          <p:style>
+            <a:lnRef idx="1">
+              <a:schemeClr val="accent1"/>
+            </a:lnRef>
+            <a:fillRef idx="0">
+              <a:schemeClr val="accent1"/>
+            </a:fillRef>
+            <a:effectRef idx="0">
+              <a:schemeClr val="accent1"/>
+            </a:effectRef>
+            <a:fontRef idx="minor">
+              <a:schemeClr val="tx1"/>
+            </a:fontRef>
+          </p:style>
+        </p:cxnSp>
+        <p:sp>
+          <p:nvSpPr>
+            <p:cNvPr id="16" name="Rectangle 15"/>
+            <p:cNvSpPr/>
+            <p:nvPr/>
+          </p:nvSpPr>
+          <p:spPr>
+            <a:xfrm>
+              <a:off x="6858000" y="6975940"/>
+              <a:ext cx="457200" cy="457200"/>
+            </a:xfrm>
+            <a:prstGeom prst="rect">
+              <a:avLst/>
+            </a:prstGeom>
+            <a:solidFill>
+              <a:srgbClr val="A6E22E"/>
+            </a:solidFill>
+            <a:ln w="38100">
+              <a:solidFill>
+                <a:srgbClr val="2E2E2E"/>
+              </a:solidFill>
+            </a:ln>
+          </p:spPr>
+          <p:style>
+            <a:lnRef idx="2">
+              <a:schemeClr val="accent1">
+                <a:shade val="50000"/>
+              </a:schemeClr>
+            </a:lnRef>
+            <a:fillRef idx="1">
+              <a:schemeClr val="accent1"/>
+            </a:fillRef>
+            <a:effectRef idx="0">
+              <a:schemeClr val="accent1"/>
+            </a:effectRef>
+            <a:fontRef idx="minor">
+              <a:schemeClr val="lt1"/>
+            </a:fontRef>
+          </p:style>
+          <p:txBody>
+            <a:bodyPr rtlCol="0" anchor="ctr"/>
+            <a:lstStyle/>
+            <a:p>
+              <a:pPr algn="ctr"/>
+              <a:r>
+                <a:rPr lang="en-US" sz="2900" dirty="0">
+                  <a:solidFill>
+                    <a:srgbClr val="2E2E2E"/>
+                  </a:solidFill>
+                </a:rPr>
+                <a:t>1</a:t>
+              </a:r>
+            </a:p>
+          </p:txBody>
+        </p:sp>
+        <p:sp>
+          <p:nvSpPr>
+            <p:cNvPr id="17" name="Rectangle 16"/>
+            <p:cNvSpPr/>
+            <p:nvPr/>
+          </p:nvSpPr>
+          <p:spPr>
+            <a:xfrm>
+              <a:off x="6934200" y="9902428"/>
+              <a:ext cx="457200" cy="457200"/>
+            </a:xfrm>
+            <a:prstGeom prst="rect">
+              <a:avLst/>
+            </a:prstGeom>
+            <a:solidFill>
+              <a:srgbClr val="66D9EF"/>
+            </a:solidFill>
+            <a:ln w="38100">
+              <a:solidFill>
+                <a:srgbClr val="2E2E2E"/>
+              </a:solidFill>
+            </a:ln>
+          </p:spPr>
+          <p:style>
+            <a:lnRef idx="2">
+              <a:schemeClr val="accent1">
+                <a:shade val="50000"/>
+              </a:schemeClr>
+            </a:lnRef>
+            <a:fillRef idx="1">
+              <a:schemeClr val="accent1"/>
+            </a:fillRef>
+            <a:effectRef idx="0">
+              <a:schemeClr val="accent1"/>
+            </a:effectRef>
+            <a:fontRef idx="minor">
+              <a:schemeClr val="lt1"/>
+            </a:fontRef>
+          </p:style>
+          <p:txBody>
+            <a:bodyPr rtlCol="0" anchor="ctr"/>
+            <a:lstStyle/>
+            <a:p>
+              <a:pPr algn="ctr"/>
+              <a:r>
+                <a:rPr lang="en-US" sz="2900" dirty="0" smtClean="0">
+                  <a:solidFill>
+                    <a:srgbClr val="2E2E2E"/>
+                  </a:solidFill>
+                </a:rPr>
+                <a:t>0</a:t>
+              </a:r>
+              <a:endParaRPr lang="en-US" sz="2900" dirty="0">
+                <a:solidFill>
+                  <a:srgbClr val="2E2E2E"/>
+                </a:solidFill>
+              </a:endParaRPr>
+            </a:p>
+          </p:txBody>
+        </p:sp>
+        <p:sp>
+          <p:nvSpPr>
+            <p:cNvPr id="40" name="Rectangle 39"/>
+            <p:cNvSpPr/>
+            <p:nvPr/>
+          </p:nvSpPr>
+          <p:spPr>
+            <a:xfrm>
+              <a:off x="6934200" y="10359628"/>
+              <a:ext cx="457200" cy="457200"/>
+            </a:xfrm>
+            <a:prstGeom prst="rect">
+              <a:avLst/>
+            </a:prstGeom>
+            <a:solidFill>
+              <a:srgbClr val="E87D3E"/>
+            </a:solidFill>
+            <a:ln w="38100">
+              <a:solidFill>
+                <a:srgbClr val="2E2E2E"/>
+              </a:solidFill>
+            </a:ln>
+          </p:spPr>
+          <p:style>
+            <a:lnRef idx="2">
+              <a:schemeClr val="accent1">
+                <a:shade val="50000"/>
+              </a:schemeClr>
+            </a:lnRef>
+            <a:fillRef idx="1">
+              <a:schemeClr val="accent1"/>
+            </a:fillRef>
+            <a:effectRef idx="0">
+              <a:schemeClr val="accent1"/>
+            </a:effectRef>
+            <a:fontRef idx="minor">
+              <a:schemeClr val="lt1"/>
+            </a:fontRef>
+          </p:style>
+          <p:txBody>
+            <a:bodyPr rtlCol="0" anchor="ctr"/>
+            <a:lstStyle/>
+            <a:p>
+              <a:pPr algn="ctr"/>
+              <a:endParaRPr lang="en-US" sz="2900" dirty="0">
+                <a:solidFill>
+                  <a:srgbClr val="2E2E2E"/>
+                </a:solidFill>
+              </a:endParaRPr>
+            </a:p>
+          </p:txBody>
+        </p:sp>
+        <p:sp>
+          <p:nvSpPr>
+            <p:cNvPr id="41" name="Rectangle 40"/>
+            <p:cNvSpPr/>
+            <p:nvPr/>
+          </p:nvSpPr>
+          <p:spPr>
+            <a:xfrm>
+              <a:off x="6858000" y="7433140"/>
+              <a:ext cx="457200" cy="457200"/>
+            </a:xfrm>
+            <a:prstGeom prst="rect">
+              <a:avLst/>
+            </a:prstGeom>
+            <a:solidFill>
+              <a:srgbClr val="E87D3E"/>
+            </a:solidFill>
+            <a:ln w="38100">
+              <a:solidFill>
+                <a:srgbClr val="2E2E2E"/>
+              </a:solidFill>
+            </a:ln>
+          </p:spPr>
+          <p:style>
+            <a:lnRef idx="2">
+              <a:schemeClr val="accent1">
+                <a:shade val="50000"/>
+              </a:schemeClr>
+            </a:lnRef>
+            <a:fillRef idx="1">
+              <a:schemeClr val="accent1"/>
+            </a:fillRef>
+            <a:effectRef idx="0">
+              <a:schemeClr val="accent1"/>
+            </a:effectRef>
+            <a:fontRef idx="minor">
+              <a:schemeClr val="lt1"/>
+            </a:fontRef>
+          </p:style>
+          <p:txBody>
+            <a:bodyPr rtlCol="0" anchor="ctr"/>
+            <a:lstStyle/>
+            <a:p>
+              <a:pPr algn="ctr"/>
+              <a:endParaRPr lang="en-US" sz="2900" dirty="0">
+                <a:solidFill>
+                  <a:srgbClr val="2E2E2E"/>
+                </a:solidFill>
+              </a:endParaRPr>
+            </a:p>
+          </p:txBody>
+        </p:sp>
+        <p:sp>
+          <p:nvSpPr>
+            <p:cNvPr id="23" name="Rectangle 22"/>
+            <p:cNvSpPr/>
+            <p:nvPr/>
+          </p:nvSpPr>
+          <p:spPr>
+            <a:xfrm>
+              <a:off x="15474950" y="7056736"/>
+              <a:ext cx="457200" cy="457200"/>
+            </a:xfrm>
+            <a:prstGeom prst="rect">
+              <a:avLst/>
+            </a:prstGeom>
+            <a:solidFill>
+              <a:srgbClr val="A6E22E"/>
+            </a:solidFill>
+            <a:ln w="38100">
+              <a:solidFill>
+                <a:srgbClr val="2E2E2E"/>
+              </a:solidFill>
+            </a:ln>
+          </p:spPr>
+          <p:style>
+            <a:lnRef idx="2">
+              <a:schemeClr val="accent1">
+                <a:shade val="50000"/>
+              </a:schemeClr>
+            </a:lnRef>
+            <a:fillRef idx="1">
+              <a:schemeClr val="accent1"/>
+            </a:fillRef>
+            <a:effectRef idx="0">
+              <a:schemeClr val="accent1"/>
+            </a:effectRef>
+            <a:fontRef idx="minor">
+              <a:schemeClr val="lt1"/>
+            </a:fontRef>
+          </p:style>
+          <p:txBody>
+            <a:bodyPr rtlCol="0" anchor="ctr"/>
+            <a:lstStyle/>
+            <a:p>
+              <a:pPr algn="ctr"/>
+              <a:r>
+                <a:rPr lang="en-US" sz="2900" dirty="0">
+                  <a:solidFill>
+                    <a:srgbClr val="2E2E2E"/>
+                  </a:solidFill>
+                </a:rPr>
+                <a:t>1</a:t>
+              </a:r>
+            </a:p>
+          </p:txBody>
+        </p:sp>
+        <p:sp>
+          <p:nvSpPr>
+            <p:cNvPr id="24" name="Rectangle 23"/>
+            <p:cNvSpPr/>
+            <p:nvPr/>
+          </p:nvSpPr>
+          <p:spPr>
+            <a:xfrm>
+              <a:off x="15017750" y="7541787"/>
+              <a:ext cx="457200" cy="457200"/>
+            </a:xfrm>
+            <a:prstGeom prst="rect">
+              <a:avLst/>
+            </a:prstGeom>
+            <a:solidFill>
+              <a:srgbClr val="66D9EF"/>
+            </a:solidFill>
+            <a:ln w="38100">
+              <a:solidFill>
+                <a:srgbClr val="2E2E2E"/>
+              </a:solidFill>
+            </a:ln>
+          </p:spPr>
+          <p:style>
+            <a:lnRef idx="2">
+              <a:schemeClr val="accent1">
+                <a:shade val="50000"/>
+              </a:schemeClr>
+            </a:lnRef>
+            <a:fillRef idx="1">
+              <a:schemeClr val="accent1"/>
+            </a:fillRef>
+            <a:effectRef idx="0">
+              <a:schemeClr val="accent1"/>
+            </a:effectRef>
+            <a:fontRef idx="minor">
+              <a:schemeClr val="lt1"/>
+            </a:fontRef>
+          </p:style>
+          <p:txBody>
+            <a:bodyPr rtlCol="0" anchor="ctr"/>
+            <a:lstStyle/>
+            <a:p>
+              <a:pPr algn="ctr"/>
+              <a:r>
+                <a:rPr lang="en-US" sz="2900" dirty="0" smtClean="0">
+                  <a:solidFill>
+                    <a:srgbClr val="2E2E2E"/>
+                  </a:solidFill>
+                </a:rPr>
+                <a:t>0</a:t>
+              </a:r>
+              <a:endParaRPr lang="en-US" sz="2900" dirty="0">
+                <a:solidFill>
+                  <a:srgbClr val="2E2E2E"/>
+                </a:solidFill>
+              </a:endParaRPr>
+            </a:p>
+          </p:txBody>
+        </p:sp>
+        <p:sp>
+          <p:nvSpPr>
+            <p:cNvPr id="25" name="Rectangle 24"/>
+            <p:cNvSpPr/>
+            <p:nvPr/>
+          </p:nvSpPr>
+          <p:spPr>
+            <a:xfrm>
+              <a:off x="12998451" y="9575097"/>
+              <a:ext cx="457200" cy="457200"/>
+            </a:xfrm>
+            <a:prstGeom prst="rect">
+              <a:avLst/>
+            </a:prstGeom>
+            <a:solidFill>
+              <a:srgbClr val="A6E22E"/>
+            </a:solidFill>
+            <a:ln w="38100">
+              <a:solidFill>
+                <a:srgbClr val="2E2E2E"/>
+              </a:solidFill>
+            </a:ln>
+          </p:spPr>
+          <p:style>
+            <a:lnRef idx="2">
+              <a:schemeClr val="accent1">
+                <a:shade val="50000"/>
+              </a:schemeClr>
+            </a:lnRef>
+            <a:fillRef idx="1">
+              <a:schemeClr val="accent1"/>
+            </a:fillRef>
+            <a:effectRef idx="0">
+              <a:schemeClr val="accent1"/>
+            </a:effectRef>
+            <a:fontRef idx="minor">
+              <a:schemeClr val="lt1"/>
+            </a:fontRef>
+          </p:style>
+          <p:txBody>
+            <a:bodyPr rtlCol="0" anchor="ctr"/>
+            <a:lstStyle/>
+            <a:p>
+              <a:pPr algn="ctr"/>
+              <a:r>
+                <a:rPr lang="en-US" sz="2900" dirty="0">
+                  <a:solidFill>
+                    <a:srgbClr val="2E2E2E"/>
+                  </a:solidFill>
+                </a:rPr>
+                <a:t>1</a:t>
+              </a:r>
+            </a:p>
+          </p:txBody>
+        </p:sp>
+        <p:sp>
+          <p:nvSpPr>
+            <p:cNvPr id="26" name="Rectangle 25"/>
+            <p:cNvSpPr/>
+            <p:nvPr/>
+          </p:nvSpPr>
+          <p:spPr>
+            <a:xfrm>
+              <a:off x="13455651" y="9117897"/>
+              <a:ext cx="457200" cy="457200"/>
+            </a:xfrm>
+            <a:prstGeom prst="rect">
+              <a:avLst/>
+            </a:prstGeom>
+            <a:solidFill>
+              <a:srgbClr val="66D9EF"/>
+            </a:solidFill>
+            <a:ln w="38100">
+              <a:solidFill>
+                <a:srgbClr val="2E2E2E"/>
+              </a:solidFill>
+            </a:ln>
+          </p:spPr>
+          <p:style>
+            <a:lnRef idx="2">
+              <a:schemeClr val="accent1">
+                <a:shade val="50000"/>
+              </a:schemeClr>
+            </a:lnRef>
+            <a:fillRef idx="1">
+              <a:schemeClr val="accent1"/>
+            </a:fillRef>
+            <a:effectRef idx="0">
+              <a:schemeClr val="accent1"/>
+            </a:effectRef>
+            <a:fontRef idx="minor">
+              <a:schemeClr val="lt1"/>
+            </a:fontRef>
+          </p:style>
+          <p:txBody>
+            <a:bodyPr rtlCol="0" anchor="ctr"/>
+            <a:lstStyle/>
+            <a:p>
+              <a:pPr algn="ctr"/>
+              <a:r>
+                <a:rPr lang="en-US" sz="2900" dirty="0" smtClean="0">
+                  <a:solidFill>
+                    <a:srgbClr val="2E2E2E"/>
+                  </a:solidFill>
+                </a:rPr>
+                <a:t>0</a:t>
+              </a:r>
+              <a:endParaRPr lang="en-US" sz="2900" dirty="0">
+                <a:solidFill>
+                  <a:srgbClr val="2E2E2E"/>
+                </a:solidFill>
+              </a:endParaRPr>
+            </a:p>
+          </p:txBody>
+        </p:sp>
+        <p:sp>
+          <p:nvSpPr>
+            <p:cNvPr id="27" name="Rectangle 26"/>
+            <p:cNvSpPr/>
+            <p:nvPr/>
+          </p:nvSpPr>
+          <p:spPr>
+            <a:xfrm>
+              <a:off x="13684251" y="7120236"/>
+              <a:ext cx="457200" cy="457200"/>
+            </a:xfrm>
+            <a:prstGeom prst="rect">
+              <a:avLst/>
+            </a:prstGeom>
+            <a:solidFill>
+              <a:srgbClr val="A6E22E"/>
+            </a:solidFill>
+            <a:ln w="38100">
+              <a:solidFill>
+                <a:srgbClr val="2E2E2E"/>
+              </a:solidFill>
+            </a:ln>
+          </p:spPr>
+          <p:style>
+            <a:lnRef idx="2">
+              <a:schemeClr val="accent1">
+                <a:shade val="50000"/>
+              </a:schemeClr>
+            </a:lnRef>
+            <a:fillRef idx="1">
+              <a:schemeClr val="accent1"/>
+            </a:fillRef>
+            <a:effectRef idx="0">
+              <a:schemeClr val="accent1"/>
+            </a:effectRef>
+            <a:fontRef idx="minor">
+              <a:schemeClr val="lt1"/>
+            </a:fontRef>
+          </p:style>
+          <p:txBody>
+            <a:bodyPr rtlCol="0" anchor="ctr"/>
+            <a:lstStyle/>
+            <a:p>
+              <a:pPr algn="ctr"/>
+              <a:r>
+                <a:rPr lang="en-US" sz="2900" dirty="0">
+                  <a:solidFill>
+                    <a:srgbClr val="2E2E2E"/>
+                  </a:solidFill>
+                </a:rPr>
+                <a:t>1</a:t>
+              </a:r>
+            </a:p>
+          </p:txBody>
+        </p:sp>
+        <p:sp>
+          <p:nvSpPr>
+            <p:cNvPr id="28" name="Rectangle 27"/>
+            <p:cNvSpPr/>
+            <p:nvPr/>
+          </p:nvSpPr>
+          <p:spPr>
+            <a:xfrm>
+              <a:off x="15271750" y="9863884"/>
+              <a:ext cx="457200" cy="457200"/>
+            </a:xfrm>
+            <a:prstGeom prst="rect">
+              <a:avLst/>
+            </a:prstGeom>
+            <a:solidFill>
+              <a:srgbClr val="66D9EF"/>
+            </a:solidFill>
+            <a:ln w="38100">
+              <a:solidFill>
+                <a:srgbClr val="2E2E2E"/>
+              </a:solidFill>
+            </a:ln>
+          </p:spPr>
+          <p:style>
+            <a:lnRef idx="2">
+              <a:schemeClr val="accent1">
+                <a:shade val="50000"/>
+              </a:schemeClr>
+            </a:lnRef>
+            <a:fillRef idx="1">
+              <a:schemeClr val="accent1"/>
+            </a:fillRef>
+            <a:effectRef idx="0">
+              <a:schemeClr val="accent1"/>
+            </a:effectRef>
+            <a:fontRef idx="minor">
+              <a:schemeClr val="lt1"/>
+            </a:fontRef>
+          </p:style>
+          <p:txBody>
+            <a:bodyPr rtlCol="0" anchor="ctr"/>
+            <a:lstStyle/>
+            <a:p>
+              <a:pPr algn="ctr"/>
+              <a:r>
+                <a:rPr lang="en-US" sz="2900" dirty="0" smtClean="0">
+                  <a:solidFill>
+                    <a:srgbClr val="2E2E2E"/>
+                  </a:solidFill>
+                </a:rPr>
+                <a:t>0</a:t>
+              </a:r>
+              <a:endParaRPr lang="en-US" sz="2900" dirty="0">
+                <a:solidFill>
+                  <a:srgbClr val="2E2E2E"/>
+                </a:solidFill>
+              </a:endParaRPr>
+            </a:p>
+          </p:txBody>
+        </p:sp>
+        <p:sp>
+          <p:nvSpPr>
+            <p:cNvPr id="29" name="Rectangle 28"/>
+            <p:cNvSpPr/>
+            <p:nvPr/>
+          </p:nvSpPr>
+          <p:spPr>
+            <a:xfrm>
+              <a:off x="13227051" y="7558386"/>
+              <a:ext cx="457200" cy="457200"/>
+            </a:xfrm>
+            <a:prstGeom prst="rect">
+              <a:avLst/>
+            </a:prstGeom>
+            <a:solidFill>
+              <a:srgbClr val="A6E22E"/>
+            </a:solidFill>
+            <a:ln w="38100">
+              <a:solidFill>
+                <a:srgbClr val="2E2E2E"/>
+              </a:solidFill>
+            </a:ln>
+          </p:spPr>
+          <p:style>
+            <a:lnRef idx="2">
+              <a:schemeClr val="accent1">
+                <a:shade val="50000"/>
+              </a:schemeClr>
+            </a:lnRef>
+            <a:fillRef idx="1">
+              <a:schemeClr val="accent1"/>
+            </a:fillRef>
+            <a:effectRef idx="0">
+              <a:schemeClr val="accent1"/>
+            </a:effectRef>
+            <a:fontRef idx="minor">
+              <a:schemeClr val="lt1"/>
+            </a:fontRef>
+          </p:style>
+          <p:txBody>
+            <a:bodyPr rtlCol="0" anchor="ctr"/>
+            <a:lstStyle/>
+            <a:p>
+              <a:pPr algn="ctr"/>
+              <a:r>
+                <a:rPr lang="en-US" sz="2900" dirty="0">
+                  <a:solidFill>
+                    <a:srgbClr val="2E2E2E"/>
+                  </a:solidFill>
+                </a:rPr>
+                <a:t>1</a:t>
+              </a:r>
+            </a:p>
+          </p:txBody>
+        </p:sp>
+        <p:sp>
+          <p:nvSpPr>
+            <p:cNvPr id="30" name="Rectangle 29"/>
+            <p:cNvSpPr/>
+            <p:nvPr/>
+          </p:nvSpPr>
+          <p:spPr>
+            <a:xfrm>
+              <a:off x="15728950" y="9389082"/>
+              <a:ext cx="457200" cy="457200"/>
+            </a:xfrm>
+            <a:prstGeom prst="rect">
+              <a:avLst/>
+            </a:prstGeom>
+            <a:solidFill>
+              <a:srgbClr val="66D9EF"/>
+            </a:solidFill>
+            <a:ln w="38100">
+              <a:solidFill>
+                <a:srgbClr val="2E2E2E"/>
+              </a:solidFill>
+            </a:ln>
+          </p:spPr>
+          <p:style>
+            <a:lnRef idx="2">
+              <a:schemeClr val="accent1">
+                <a:shade val="50000"/>
+              </a:schemeClr>
+            </a:lnRef>
+            <a:fillRef idx="1">
+              <a:schemeClr val="accent1"/>
+            </a:fillRef>
+            <a:effectRef idx="0">
+              <a:schemeClr val="accent1"/>
+            </a:effectRef>
+            <a:fontRef idx="minor">
+              <a:schemeClr val="lt1"/>
+            </a:fontRef>
+          </p:style>
+          <p:txBody>
+            <a:bodyPr rtlCol="0" anchor="ctr"/>
+            <a:lstStyle/>
+            <a:p>
+              <a:pPr algn="ctr"/>
+              <a:r>
+                <a:rPr lang="en-US" sz="2900" dirty="0" smtClean="0">
+                  <a:solidFill>
+                    <a:srgbClr val="2E2E2E"/>
+                  </a:solidFill>
+                </a:rPr>
+                <a:t>0</a:t>
+              </a:r>
+              <a:endParaRPr lang="en-US" sz="2900" dirty="0">
+                <a:solidFill>
+                  <a:srgbClr val="2E2E2E"/>
+                </a:solidFill>
+              </a:endParaRPr>
+            </a:p>
+          </p:txBody>
+        </p:sp>
+        <p:sp>
+          <p:nvSpPr>
+            <p:cNvPr id="44" name="Rectangle 43"/>
+            <p:cNvSpPr/>
+            <p:nvPr/>
+          </p:nvSpPr>
+          <p:spPr>
+            <a:xfrm>
+              <a:off x="13684251" y="7558386"/>
+              <a:ext cx="457200" cy="457200"/>
+            </a:xfrm>
+            <a:prstGeom prst="rect">
+              <a:avLst/>
+            </a:prstGeom>
+            <a:solidFill>
+              <a:srgbClr val="E87D3E"/>
+            </a:solidFill>
+            <a:ln w="38100">
+              <a:solidFill>
+                <a:srgbClr val="2E2E2E"/>
+              </a:solidFill>
+            </a:ln>
+          </p:spPr>
+          <p:style>
+            <a:lnRef idx="2">
+              <a:schemeClr val="accent1">
+                <a:shade val="50000"/>
+              </a:schemeClr>
+            </a:lnRef>
+            <a:fillRef idx="1">
+              <a:schemeClr val="accent1"/>
+            </a:fillRef>
+            <a:effectRef idx="0">
+              <a:schemeClr val="accent1"/>
+            </a:effectRef>
+            <a:fontRef idx="minor">
+              <a:schemeClr val="lt1"/>
+            </a:fontRef>
+          </p:style>
+          <p:txBody>
+            <a:bodyPr rtlCol="0" anchor="ctr"/>
+            <a:lstStyle/>
+            <a:p>
+              <a:pPr algn="ctr"/>
+              <a:endParaRPr lang="en-US" sz="2900" dirty="0">
+                <a:solidFill>
+                  <a:srgbClr val="2E2E2E"/>
+                </a:solidFill>
+              </a:endParaRPr>
+            </a:p>
+          </p:txBody>
+        </p:sp>
+        <p:sp>
+          <p:nvSpPr>
+            <p:cNvPr id="45" name="Rectangle 44"/>
+            <p:cNvSpPr/>
+            <p:nvPr/>
+          </p:nvSpPr>
+          <p:spPr>
+            <a:xfrm>
+              <a:off x="13455651" y="9575097"/>
+              <a:ext cx="457200" cy="457200"/>
+            </a:xfrm>
+            <a:prstGeom prst="rect">
+              <a:avLst/>
+            </a:prstGeom>
+            <a:solidFill>
+              <a:srgbClr val="E87D3E"/>
+            </a:solidFill>
+            <a:ln w="38100">
+              <a:solidFill>
+                <a:srgbClr val="2E2E2E"/>
+              </a:solidFill>
+            </a:ln>
+          </p:spPr>
+          <p:style>
+            <a:lnRef idx="2">
+              <a:schemeClr val="accent1">
+                <a:shade val="50000"/>
+              </a:schemeClr>
+            </a:lnRef>
+            <a:fillRef idx="1">
+              <a:schemeClr val="accent1"/>
+            </a:fillRef>
+            <a:effectRef idx="0">
+              <a:schemeClr val="accent1"/>
+            </a:effectRef>
+            <a:fontRef idx="minor">
+              <a:schemeClr val="lt1"/>
+            </a:fontRef>
+          </p:style>
+          <p:txBody>
+            <a:bodyPr rtlCol="0" anchor="ctr"/>
+            <a:lstStyle/>
+            <a:p>
+              <a:pPr algn="ctr"/>
+              <a:endParaRPr lang="en-US" sz="2900" dirty="0">
+                <a:solidFill>
+                  <a:srgbClr val="2E2E2E"/>
+                </a:solidFill>
+              </a:endParaRPr>
+            </a:p>
+          </p:txBody>
+        </p:sp>
+        <p:sp>
+          <p:nvSpPr>
+            <p:cNvPr id="46" name="Rectangle 45"/>
+            <p:cNvSpPr/>
+            <p:nvPr/>
+          </p:nvSpPr>
+          <p:spPr>
+            <a:xfrm>
+              <a:off x="15474950" y="7546996"/>
+              <a:ext cx="457200" cy="457200"/>
+            </a:xfrm>
+            <a:prstGeom prst="rect">
+              <a:avLst/>
+            </a:prstGeom>
+            <a:solidFill>
+              <a:srgbClr val="E87D3E"/>
+            </a:solidFill>
+            <a:ln w="38100">
+              <a:solidFill>
+                <a:srgbClr val="2E2E2E"/>
+              </a:solidFill>
+            </a:ln>
+          </p:spPr>
+          <p:style>
+            <a:lnRef idx="2">
+              <a:schemeClr val="accent1">
+                <a:shade val="50000"/>
+              </a:schemeClr>
+            </a:lnRef>
+            <a:fillRef idx="1">
+              <a:schemeClr val="accent1"/>
+            </a:fillRef>
+            <a:effectRef idx="0">
+              <a:schemeClr val="accent1"/>
+            </a:effectRef>
+            <a:fontRef idx="minor">
+              <a:schemeClr val="lt1"/>
+            </a:fontRef>
+          </p:style>
+          <p:txBody>
+            <a:bodyPr rtlCol="0" anchor="ctr"/>
+            <a:lstStyle/>
+            <a:p>
+              <a:pPr algn="ctr"/>
+              <a:endParaRPr lang="en-US" sz="2900" dirty="0">
+                <a:solidFill>
+                  <a:srgbClr val="2E2E2E"/>
+                </a:solidFill>
+              </a:endParaRPr>
+            </a:p>
+          </p:txBody>
+        </p:sp>
+        <p:sp>
+          <p:nvSpPr>
+            <p:cNvPr id="47" name="Rectangle 46"/>
+            <p:cNvSpPr/>
+            <p:nvPr/>
+          </p:nvSpPr>
+          <p:spPr>
+            <a:xfrm>
+              <a:off x="15728950" y="9863884"/>
+              <a:ext cx="457200" cy="457200"/>
+            </a:xfrm>
+            <a:prstGeom prst="rect">
+              <a:avLst/>
+            </a:prstGeom>
+            <a:solidFill>
+              <a:srgbClr val="E87D3E"/>
+            </a:solidFill>
+            <a:ln w="38100">
+              <a:solidFill>
+                <a:srgbClr val="2E2E2E"/>
+              </a:solidFill>
+            </a:ln>
+          </p:spPr>
+          <p:style>
+            <a:lnRef idx="2">
+              <a:schemeClr val="accent1">
+                <a:shade val="50000"/>
+              </a:schemeClr>
+            </a:lnRef>
+            <a:fillRef idx="1">
+              <a:schemeClr val="accent1"/>
+            </a:fillRef>
+            <a:effectRef idx="0">
+              <a:schemeClr val="accent1"/>
+            </a:effectRef>
+            <a:fontRef idx="minor">
+              <a:schemeClr val="lt1"/>
+            </a:fontRef>
+          </p:style>
+          <p:txBody>
+            <a:bodyPr rtlCol="0" anchor="ctr"/>
+            <a:lstStyle/>
+            <a:p>
+              <a:pPr algn="ctr"/>
+              <a:endParaRPr lang="en-US" sz="2900" dirty="0">
+                <a:solidFill>
+                  <a:srgbClr val="2E2E2E"/>
+                </a:solidFill>
+              </a:endParaRPr>
+            </a:p>
+          </p:txBody>
+        </p:sp>
+        <p:sp>
+          <p:nvSpPr>
+            <p:cNvPr id="11" name="Rectangle 10"/>
+            <p:cNvSpPr/>
+            <p:nvPr/>
+          </p:nvSpPr>
+          <p:spPr>
+            <a:xfrm>
+              <a:off x="8420099" y="8644014"/>
+              <a:ext cx="457200" cy="457200"/>
+            </a:xfrm>
+            <a:prstGeom prst="rect">
+              <a:avLst/>
+            </a:prstGeom>
+            <a:solidFill>
+              <a:srgbClr val="A6E22E"/>
+            </a:solidFill>
+            <a:ln w="38100">
+              <a:solidFill>
+                <a:srgbClr val="2E2E2E"/>
+              </a:solidFill>
+            </a:ln>
+          </p:spPr>
+          <p:style>
+            <a:lnRef idx="2">
+              <a:schemeClr val="accent1">
+                <a:shade val="50000"/>
+              </a:schemeClr>
+            </a:lnRef>
+            <a:fillRef idx="1">
+              <a:schemeClr val="accent1"/>
+            </a:fillRef>
+            <a:effectRef idx="0">
+              <a:schemeClr val="accent1"/>
+            </a:effectRef>
+            <a:fontRef idx="minor">
+              <a:schemeClr val="lt1"/>
+            </a:fontRef>
+          </p:style>
+          <p:txBody>
+            <a:bodyPr rtlCol="0" anchor="ctr"/>
+            <a:lstStyle/>
+            <a:p>
+              <a:pPr algn="ctr"/>
+              <a:r>
+                <a:rPr lang="en-US" sz="2900" dirty="0">
+                  <a:solidFill>
+                    <a:srgbClr val="2E2E2E"/>
+                  </a:solidFill>
+                </a:rPr>
+                <a:t>1</a:t>
+              </a:r>
+            </a:p>
+          </p:txBody>
+        </p:sp>
+        <p:sp>
+          <p:nvSpPr>
+            <p:cNvPr id="13" name="Rectangle 12"/>
+            <p:cNvSpPr/>
+            <p:nvPr/>
+          </p:nvSpPr>
+          <p:spPr>
+            <a:xfrm>
+              <a:off x="11658600" y="8630897"/>
+              <a:ext cx="457200" cy="457200"/>
+            </a:xfrm>
+            <a:prstGeom prst="rect">
+              <a:avLst/>
+            </a:prstGeom>
+            <a:solidFill>
+              <a:srgbClr val="66D9EF"/>
+            </a:solidFill>
+            <a:ln w="38100">
+              <a:solidFill>
+                <a:srgbClr val="2E2E2E"/>
+              </a:solidFill>
+            </a:ln>
+          </p:spPr>
+          <p:style>
+            <a:lnRef idx="2">
+              <a:schemeClr val="accent1">
+                <a:shade val="50000"/>
+              </a:schemeClr>
+            </a:lnRef>
+            <a:fillRef idx="1">
+              <a:schemeClr val="accent1"/>
+            </a:fillRef>
+            <a:effectRef idx="0">
+              <a:schemeClr val="accent1"/>
+            </a:effectRef>
+            <a:fontRef idx="minor">
+              <a:schemeClr val="lt1"/>
+            </a:fontRef>
+          </p:style>
+          <p:txBody>
+            <a:bodyPr rtlCol="0" anchor="ctr"/>
+            <a:lstStyle/>
+            <a:p>
+              <a:pPr algn="ctr"/>
+              <a:r>
+                <a:rPr lang="en-US" sz="2900" dirty="0" smtClean="0">
+                  <a:solidFill>
+                    <a:srgbClr val="2E2E2E"/>
+                  </a:solidFill>
+                </a:rPr>
+                <a:t>0</a:t>
+              </a:r>
+              <a:endParaRPr lang="en-US" sz="2900" dirty="0">
+                <a:solidFill>
+                  <a:srgbClr val="2E2E2E"/>
+                </a:solidFill>
+              </a:endParaRPr>
+            </a:p>
+          </p:txBody>
+        </p:sp>
+        <p:sp>
+          <p:nvSpPr>
+            <p:cNvPr id="42" name="Rectangle 41"/>
+            <p:cNvSpPr/>
+            <p:nvPr/>
+          </p:nvSpPr>
+          <p:spPr>
+            <a:xfrm>
+              <a:off x="8877299" y="8644014"/>
+              <a:ext cx="457200" cy="457200"/>
+            </a:xfrm>
+            <a:prstGeom prst="rect">
+              <a:avLst/>
+            </a:prstGeom>
+            <a:solidFill>
+              <a:srgbClr val="E87D3E"/>
+            </a:solidFill>
+            <a:ln w="38100">
+              <a:solidFill>
+                <a:srgbClr val="2E2E2E"/>
+              </a:solidFill>
+            </a:ln>
+          </p:spPr>
+          <p:style>
+            <a:lnRef idx="2">
+              <a:schemeClr val="accent1">
+                <a:shade val="50000"/>
+              </a:schemeClr>
+            </a:lnRef>
+            <a:fillRef idx="1">
+              <a:schemeClr val="accent1"/>
+            </a:fillRef>
+            <a:effectRef idx="0">
+              <a:schemeClr val="accent1"/>
+            </a:effectRef>
+            <a:fontRef idx="minor">
+              <a:schemeClr val="lt1"/>
+            </a:fontRef>
+          </p:style>
+          <p:txBody>
+            <a:bodyPr rtlCol="0" anchor="ctr"/>
+            <a:lstStyle/>
+            <a:p>
+              <a:pPr algn="ctr"/>
+              <a:endParaRPr lang="en-US" sz="2900" dirty="0">
+                <a:solidFill>
+                  <a:srgbClr val="2E2E2E"/>
+                </a:solidFill>
+              </a:endParaRPr>
+            </a:p>
+          </p:txBody>
+        </p:sp>
+        <p:sp>
+          <p:nvSpPr>
+            <p:cNvPr id="43" name="Rectangle 42"/>
+            <p:cNvSpPr/>
+            <p:nvPr/>
+          </p:nvSpPr>
+          <p:spPr>
+            <a:xfrm>
+              <a:off x="12115800" y="8644014"/>
+              <a:ext cx="457200" cy="457200"/>
+            </a:xfrm>
+            <a:prstGeom prst="rect">
+              <a:avLst/>
+            </a:prstGeom>
+            <a:solidFill>
+              <a:srgbClr val="E87D3E"/>
+            </a:solidFill>
+            <a:ln w="38100">
+              <a:solidFill>
+                <a:srgbClr val="2E2E2E"/>
+              </a:solidFill>
+            </a:ln>
+          </p:spPr>
+          <p:style>
+            <a:lnRef idx="2">
+              <a:schemeClr val="accent1">
+                <a:shade val="50000"/>
+              </a:schemeClr>
+            </a:lnRef>
+            <a:fillRef idx="1">
+              <a:schemeClr val="accent1"/>
+            </a:fillRef>
+            <a:effectRef idx="0">
+              <a:schemeClr val="accent1"/>
+            </a:effectRef>
+            <a:fontRef idx="minor">
+              <a:schemeClr val="lt1"/>
+            </a:fontRef>
+          </p:style>
+          <p:txBody>
+            <a:bodyPr rtlCol="0" anchor="ctr"/>
+            <a:lstStyle/>
+            <a:p>
+              <a:pPr algn="ctr"/>
+              <a:endParaRPr lang="en-US" sz="2900" dirty="0">
+                <a:solidFill>
+                  <a:srgbClr val="2E2E2E"/>
+                </a:solidFill>
+              </a:endParaRPr>
+            </a:p>
+          </p:txBody>
+        </p:sp>
+      </p:grpSp>
+    </p:spTree>
+    <p:extLst>
+      <p:ext uri="{BB962C8B-B14F-4D97-AF65-F5344CB8AC3E}">
+        <p14:creationId xmlns:p14="http://schemas.microsoft.com/office/powerpoint/2010/main" val="88346730"/>
+      </p:ext>
+    </p:extLst>
+  </p:cSld>
+  <p:clrMapOvr>
+    <a:masterClrMapping/>
+  </p:clrMapOvr>
 </p:sld>
 </file>
 
